--- a/Terahertz Metrology/Ch5/Terahertz Metrology_Ch5.pptx
+++ b/Terahertz Metrology/Ch5/Terahertz Metrology_Ch5.pptx
@@ -5,7 +5,7 @@
     <p:sldMasterId id="2147483660" r:id="rId1"/>
   </p:sldMasterIdLst>
   <p:notesMasterIdLst>
-    <p:notesMasterId r:id="rId17"/>
+    <p:notesMasterId r:id="rId21"/>
   </p:notesMasterIdLst>
   <p:sldIdLst>
     <p:sldId id="258" r:id="rId2"/>
@@ -22,7 +22,11 @@
     <p:sldId id="284" r:id="rId13"/>
     <p:sldId id="285" r:id="rId14"/>
     <p:sldId id="286" r:id="rId15"/>
-    <p:sldId id="275" r:id="rId16"/>
+    <p:sldId id="287" r:id="rId16"/>
+    <p:sldId id="288" r:id="rId17"/>
+    <p:sldId id="289" r:id="rId18"/>
+    <p:sldId id="290" r:id="rId19"/>
+    <p:sldId id="275" r:id="rId20"/>
   </p:sldIdLst>
   <p:sldSz cx="9144000" cy="6858000" type="screen4x3"/>
   <p:notesSz cx="6735763" cy="9866313"/>
@@ -211,7 +215,7 @@
           <a:p>
             <a:fld id="{A9D6DECA-6E4E-4D09-9277-E151A2E3F74C}" type="datetimeFigureOut">
               <a:rPr lang="ko-KR" altLang="en-US" smtClean="0"/>
-              <a:t>2018-03-28</a:t>
+              <a:t>2018-03-31</a:t>
             </a:fld>
             <a:endParaRPr lang="ko-KR" altLang="en-US"/>
           </a:p>
@@ -1057,6 +1061,342 @@
     </p:spTree>
     <p:extLst>
       <p:ext uri="{BB962C8B-B14F-4D97-AF65-F5344CB8AC3E}">
+        <p14:creationId xmlns:p14="http://schemas.microsoft.com/office/powerpoint/2010/main" val="2545344807"/>
+      </p:ext>
+    </p:extLst>
+  </p:cSld>
+  <p:clrMapOvr>
+    <a:masterClrMapping/>
+  </p:clrMapOvr>
+</p:notes>
+</file>
+
+<file path=ppt/notesSlides/notesSlide16.xml><?xml version="1.0" encoding="utf-8"?>
+<p:notes xmlns:a="http://schemas.openxmlformats.org/drawingml/2006/main" xmlns:r="http://schemas.openxmlformats.org/officeDocument/2006/relationships" xmlns:p="http://schemas.openxmlformats.org/presentationml/2006/main">
+  <p:cSld>
+    <p:spTree>
+      <p:nvGrpSpPr>
+        <p:cNvPr id="1" name=""/>
+        <p:cNvGrpSpPr/>
+        <p:nvPr/>
+      </p:nvGrpSpPr>
+      <p:grpSpPr>
+        <a:xfrm>
+          <a:off x="0" y="0"/>
+          <a:ext cx="0" cy="0"/>
+          <a:chOff x="0" y="0"/>
+          <a:chExt cx="0" cy="0"/>
+        </a:xfrm>
+      </p:grpSpPr>
+      <p:sp>
+        <p:nvSpPr>
+          <p:cNvPr id="2" name="슬라이드 이미지 개체 틀 1"/>
+          <p:cNvSpPr>
+            <a:spLocks noGrp="1" noRot="1" noChangeAspect="1"/>
+          </p:cNvSpPr>
+          <p:nvPr>
+            <p:ph type="sldImg"/>
+          </p:nvPr>
+        </p:nvSpPr>
+        <p:spPr/>
+      </p:sp>
+      <p:sp>
+        <p:nvSpPr>
+          <p:cNvPr id="3" name="슬라이드 노트 개체 틀 2"/>
+          <p:cNvSpPr>
+            <a:spLocks noGrp="1"/>
+          </p:cNvSpPr>
+          <p:nvPr>
+            <p:ph type="body" idx="1"/>
+          </p:nvPr>
+        </p:nvSpPr>
+        <p:spPr/>
+        <p:txBody>
+          <a:bodyPr/>
+          <a:lstStyle/>
+          <a:p>
+            <a:endParaRPr lang="ko-KR" altLang="en-US"/>
+          </a:p>
+        </p:txBody>
+      </p:sp>
+      <p:sp>
+        <p:nvSpPr>
+          <p:cNvPr id="4" name="슬라이드 번호 개체 틀 3"/>
+          <p:cNvSpPr>
+            <a:spLocks noGrp="1"/>
+          </p:cNvSpPr>
+          <p:nvPr>
+            <p:ph type="sldNum" sz="quarter" idx="10"/>
+          </p:nvPr>
+        </p:nvSpPr>
+        <p:spPr/>
+        <p:txBody>
+          <a:bodyPr/>
+          <a:lstStyle/>
+          <a:p>
+            <a:fld id="{6D0ABE42-EEBB-47F0-BC6E-2BB25FA03CFE}" type="slidenum">
+              <a:rPr lang="ko-KR" altLang="en-US" smtClean="0"/>
+              <a:t>16</a:t>
+            </a:fld>
+            <a:endParaRPr lang="ko-KR" altLang="en-US"/>
+          </a:p>
+        </p:txBody>
+      </p:sp>
+    </p:spTree>
+    <p:extLst>
+      <p:ext uri="{BB962C8B-B14F-4D97-AF65-F5344CB8AC3E}">
+        <p14:creationId xmlns:p14="http://schemas.microsoft.com/office/powerpoint/2010/main" val="2173034271"/>
+      </p:ext>
+    </p:extLst>
+  </p:cSld>
+  <p:clrMapOvr>
+    <a:masterClrMapping/>
+  </p:clrMapOvr>
+</p:notes>
+</file>
+
+<file path=ppt/notesSlides/notesSlide17.xml><?xml version="1.0" encoding="utf-8"?>
+<p:notes xmlns:a="http://schemas.openxmlformats.org/drawingml/2006/main" xmlns:r="http://schemas.openxmlformats.org/officeDocument/2006/relationships" xmlns:p="http://schemas.openxmlformats.org/presentationml/2006/main">
+  <p:cSld>
+    <p:spTree>
+      <p:nvGrpSpPr>
+        <p:cNvPr id="1" name=""/>
+        <p:cNvGrpSpPr/>
+        <p:nvPr/>
+      </p:nvGrpSpPr>
+      <p:grpSpPr>
+        <a:xfrm>
+          <a:off x="0" y="0"/>
+          <a:ext cx="0" cy="0"/>
+          <a:chOff x="0" y="0"/>
+          <a:chExt cx="0" cy="0"/>
+        </a:xfrm>
+      </p:grpSpPr>
+      <p:sp>
+        <p:nvSpPr>
+          <p:cNvPr id="2" name="슬라이드 이미지 개체 틀 1"/>
+          <p:cNvSpPr>
+            <a:spLocks noGrp="1" noRot="1" noChangeAspect="1"/>
+          </p:cNvSpPr>
+          <p:nvPr>
+            <p:ph type="sldImg"/>
+          </p:nvPr>
+        </p:nvSpPr>
+        <p:spPr/>
+      </p:sp>
+      <p:sp>
+        <p:nvSpPr>
+          <p:cNvPr id="3" name="슬라이드 노트 개체 틀 2"/>
+          <p:cNvSpPr>
+            <a:spLocks noGrp="1"/>
+          </p:cNvSpPr>
+          <p:nvPr>
+            <p:ph type="body" idx="1"/>
+          </p:nvPr>
+        </p:nvSpPr>
+        <p:spPr/>
+        <p:txBody>
+          <a:bodyPr/>
+          <a:lstStyle/>
+          <a:p>
+            <a:endParaRPr lang="ko-KR" altLang="en-US"/>
+          </a:p>
+        </p:txBody>
+      </p:sp>
+      <p:sp>
+        <p:nvSpPr>
+          <p:cNvPr id="4" name="슬라이드 번호 개체 틀 3"/>
+          <p:cNvSpPr>
+            <a:spLocks noGrp="1"/>
+          </p:cNvSpPr>
+          <p:nvPr>
+            <p:ph type="sldNum" sz="quarter" idx="10"/>
+          </p:nvPr>
+        </p:nvSpPr>
+        <p:spPr/>
+        <p:txBody>
+          <a:bodyPr/>
+          <a:lstStyle/>
+          <a:p>
+            <a:fld id="{6D0ABE42-EEBB-47F0-BC6E-2BB25FA03CFE}" type="slidenum">
+              <a:rPr lang="ko-KR" altLang="en-US" smtClean="0"/>
+              <a:t>17</a:t>
+            </a:fld>
+            <a:endParaRPr lang="ko-KR" altLang="en-US"/>
+          </a:p>
+        </p:txBody>
+      </p:sp>
+    </p:spTree>
+    <p:extLst>
+      <p:ext uri="{BB962C8B-B14F-4D97-AF65-F5344CB8AC3E}">
+        <p14:creationId xmlns:p14="http://schemas.microsoft.com/office/powerpoint/2010/main" val="1988125153"/>
+      </p:ext>
+    </p:extLst>
+  </p:cSld>
+  <p:clrMapOvr>
+    <a:masterClrMapping/>
+  </p:clrMapOvr>
+</p:notes>
+</file>
+
+<file path=ppt/notesSlides/notesSlide18.xml><?xml version="1.0" encoding="utf-8"?>
+<p:notes xmlns:a="http://schemas.openxmlformats.org/drawingml/2006/main" xmlns:r="http://schemas.openxmlformats.org/officeDocument/2006/relationships" xmlns:p="http://schemas.openxmlformats.org/presentationml/2006/main">
+  <p:cSld>
+    <p:spTree>
+      <p:nvGrpSpPr>
+        <p:cNvPr id="1" name=""/>
+        <p:cNvGrpSpPr/>
+        <p:nvPr/>
+      </p:nvGrpSpPr>
+      <p:grpSpPr>
+        <a:xfrm>
+          <a:off x="0" y="0"/>
+          <a:ext cx="0" cy="0"/>
+          <a:chOff x="0" y="0"/>
+          <a:chExt cx="0" cy="0"/>
+        </a:xfrm>
+      </p:grpSpPr>
+      <p:sp>
+        <p:nvSpPr>
+          <p:cNvPr id="2" name="슬라이드 이미지 개체 틀 1"/>
+          <p:cNvSpPr>
+            <a:spLocks noGrp="1" noRot="1" noChangeAspect="1"/>
+          </p:cNvSpPr>
+          <p:nvPr>
+            <p:ph type="sldImg"/>
+          </p:nvPr>
+        </p:nvSpPr>
+        <p:spPr/>
+      </p:sp>
+      <p:sp>
+        <p:nvSpPr>
+          <p:cNvPr id="3" name="슬라이드 노트 개체 틀 2"/>
+          <p:cNvSpPr>
+            <a:spLocks noGrp="1"/>
+          </p:cNvSpPr>
+          <p:nvPr>
+            <p:ph type="body" idx="1"/>
+          </p:nvPr>
+        </p:nvSpPr>
+        <p:spPr/>
+        <p:txBody>
+          <a:bodyPr/>
+          <a:lstStyle/>
+          <a:p>
+            <a:endParaRPr lang="ko-KR" altLang="en-US"/>
+          </a:p>
+        </p:txBody>
+      </p:sp>
+      <p:sp>
+        <p:nvSpPr>
+          <p:cNvPr id="4" name="슬라이드 번호 개체 틀 3"/>
+          <p:cNvSpPr>
+            <a:spLocks noGrp="1"/>
+          </p:cNvSpPr>
+          <p:nvPr>
+            <p:ph type="sldNum" sz="quarter" idx="10"/>
+          </p:nvPr>
+        </p:nvSpPr>
+        <p:spPr/>
+        <p:txBody>
+          <a:bodyPr/>
+          <a:lstStyle/>
+          <a:p>
+            <a:fld id="{6D0ABE42-EEBB-47F0-BC6E-2BB25FA03CFE}" type="slidenum">
+              <a:rPr lang="ko-KR" altLang="en-US" smtClean="0"/>
+              <a:t>18</a:t>
+            </a:fld>
+            <a:endParaRPr lang="ko-KR" altLang="en-US"/>
+          </a:p>
+        </p:txBody>
+      </p:sp>
+    </p:spTree>
+    <p:extLst>
+      <p:ext uri="{BB962C8B-B14F-4D97-AF65-F5344CB8AC3E}">
+        <p14:creationId xmlns:p14="http://schemas.microsoft.com/office/powerpoint/2010/main" val="2234726665"/>
+      </p:ext>
+    </p:extLst>
+  </p:cSld>
+  <p:clrMapOvr>
+    <a:masterClrMapping/>
+  </p:clrMapOvr>
+</p:notes>
+</file>
+
+<file path=ppt/notesSlides/notesSlide19.xml><?xml version="1.0" encoding="utf-8"?>
+<p:notes xmlns:a="http://schemas.openxmlformats.org/drawingml/2006/main" xmlns:r="http://schemas.openxmlformats.org/officeDocument/2006/relationships" xmlns:p="http://schemas.openxmlformats.org/presentationml/2006/main">
+  <p:cSld>
+    <p:spTree>
+      <p:nvGrpSpPr>
+        <p:cNvPr id="1" name=""/>
+        <p:cNvGrpSpPr/>
+        <p:nvPr/>
+      </p:nvGrpSpPr>
+      <p:grpSpPr>
+        <a:xfrm>
+          <a:off x="0" y="0"/>
+          <a:ext cx="0" cy="0"/>
+          <a:chOff x="0" y="0"/>
+          <a:chExt cx="0" cy="0"/>
+        </a:xfrm>
+      </p:grpSpPr>
+      <p:sp>
+        <p:nvSpPr>
+          <p:cNvPr id="2" name="슬라이드 이미지 개체 틀 1"/>
+          <p:cNvSpPr>
+            <a:spLocks noGrp="1" noRot="1" noChangeAspect="1"/>
+          </p:cNvSpPr>
+          <p:nvPr>
+            <p:ph type="sldImg"/>
+          </p:nvPr>
+        </p:nvSpPr>
+        <p:spPr/>
+      </p:sp>
+      <p:sp>
+        <p:nvSpPr>
+          <p:cNvPr id="3" name="슬라이드 노트 개체 틀 2"/>
+          <p:cNvSpPr>
+            <a:spLocks noGrp="1"/>
+          </p:cNvSpPr>
+          <p:nvPr>
+            <p:ph type="body" idx="1"/>
+          </p:nvPr>
+        </p:nvSpPr>
+        <p:spPr/>
+        <p:txBody>
+          <a:bodyPr/>
+          <a:lstStyle/>
+          <a:p>
+            <a:endParaRPr lang="ko-KR" altLang="en-US"/>
+          </a:p>
+        </p:txBody>
+      </p:sp>
+      <p:sp>
+        <p:nvSpPr>
+          <p:cNvPr id="4" name="슬라이드 번호 개체 틀 3"/>
+          <p:cNvSpPr>
+            <a:spLocks noGrp="1"/>
+          </p:cNvSpPr>
+          <p:nvPr>
+            <p:ph type="sldNum" sz="quarter" idx="10"/>
+          </p:nvPr>
+        </p:nvSpPr>
+        <p:spPr/>
+        <p:txBody>
+          <a:bodyPr/>
+          <a:lstStyle/>
+          <a:p>
+            <a:fld id="{6D0ABE42-EEBB-47F0-BC6E-2BB25FA03CFE}" type="slidenum">
+              <a:rPr lang="ko-KR" altLang="en-US" smtClean="0"/>
+              <a:t>19</a:t>
+            </a:fld>
+            <a:endParaRPr lang="ko-KR" altLang="en-US"/>
+          </a:p>
+        </p:txBody>
+      </p:sp>
+    </p:spTree>
+    <p:extLst>
+      <p:ext uri="{BB962C8B-B14F-4D97-AF65-F5344CB8AC3E}">
         <p14:creationId xmlns:p14="http://schemas.microsoft.com/office/powerpoint/2010/main" val="1671263539"/>
       </p:ext>
     </p:extLst>
@@ -1870,7 +2210,7 @@
           <a:p>
             <a:fld id="{78E89258-A40F-4400-BA1A-638141289729}" type="datetime1">
               <a:rPr lang="ko-KR" altLang="en-US" smtClean="0"/>
-              <a:t>2018-03-28</a:t>
+              <a:t>2018-03-31</a:t>
             </a:fld>
             <a:endParaRPr lang="ko-KR" altLang="en-US"/>
           </a:p>
@@ -2047,7 +2387,7 @@
           <a:p>
             <a:fld id="{CD116CEF-802E-43F7-8932-78519DF2A264}" type="datetime1">
               <a:rPr lang="ko-KR" altLang="en-US" smtClean="0"/>
-              <a:t>2018-03-28</a:t>
+              <a:t>2018-03-31</a:t>
             </a:fld>
             <a:endParaRPr lang="ko-KR" altLang="en-US"/>
           </a:p>
@@ -2227,7 +2567,7 @@
           <a:p>
             <a:fld id="{EFD9D7C3-1982-427D-BFA7-1AF9687AAB0F}" type="datetime1">
               <a:rPr lang="ko-KR" altLang="en-US" smtClean="0"/>
-              <a:t>2018-03-28</a:t>
+              <a:t>2018-03-31</a:t>
             </a:fld>
             <a:endParaRPr lang="ko-KR" altLang="en-US"/>
           </a:p>
@@ -2397,7 +2737,7 @@
           <a:p>
             <a:fld id="{EDD93E7F-B437-40E5-8ACB-B79696783EFA}" type="datetime1">
               <a:rPr lang="ko-KR" altLang="en-US" smtClean="0"/>
-              <a:t>2018-03-28</a:t>
+              <a:t>2018-03-31</a:t>
             </a:fld>
             <a:endParaRPr lang="ko-KR" altLang="en-US"/>
           </a:p>
@@ -2641,7 +2981,7 @@
           <a:p>
             <a:fld id="{DB249950-0BD4-4F6E-BE3F-CB53B7E2FD06}" type="datetime1">
               <a:rPr lang="ko-KR" altLang="en-US" smtClean="0"/>
-              <a:t>2018-03-28</a:t>
+              <a:t>2018-03-31</a:t>
             </a:fld>
             <a:endParaRPr lang="ko-KR" altLang="en-US"/>
           </a:p>
@@ -2873,7 +3213,7 @@
           <a:p>
             <a:fld id="{7B016D7E-32C0-4DB3-B6B3-0506A62840FB}" type="datetime1">
               <a:rPr lang="ko-KR" altLang="en-US" smtClean="0"/>
-              <a:t>2018-03-28</a:t>
+              <a:t>2018-03-31</a:t>
             </a:fld>
             <a:endParaRPr lang="ko-KR" altLang="en-US"/>
           </a:p>
@@ -3240,7 +3580,7 @@
           <a:p>
             <a:fld id="{B246672D-B3FD-4B2E-92C0-4A80DA670927}" type="datetime1">
               <a:rPr lang="ko-KR" altLang="en-US" smtClean="0"/>
-              <a:t>2018-03-28</a:t>
+              <a:t>2018-03-31</a:t>
             </a:fld>
             <a:endParaRPr lang="ko-KR" altLang="en-US"/>
           </a:p>
@@ -3358,7 +3698,7 @@
           <a:p>
             <a:fld id="{9B9B7D2E-B202-4D7A-9519-0C490A04EB9C}" type="datetime1">
               <a:rPr lang="ko-KR" altLang="en-US" smtClean="0"/>
-              <a:t>2018-03-28</a:t>
+              <a:t>2018-03-31</a:t>
             </a:fld>
             <a:endParaRPr lang="ko-KR" altLang="en-US"/>
           </a:p>
@@ -3453,7 +3793,7 @@
           <a:p>
             <a:fld id="{12FB9327-987E-47D6-AE2D-63CED8A79494}" type="datetime1">
               <a:rPr lang="ko-KR" altLang="en-US" smtClean="0"/>
-              <a:t>2018-03-28</a:t>
+              <a:t>2018-03-31</a:t>
             </a:fld>
             <a:endParaRPr lang="ko-KR" altLang="en-US"/>
           </a:p>
@@ -3730,7 +4070,7 @@
           <a:p>
             <a:fld id="{D8D87011-7294-4632-A156-4F695AB9E41C}" type="datetime1">
               <a:rPr lang="ko-KR" altLang="en-US" smtClean="0"/>
-              <a:t>2018-03-28</a:t>
+              <a:t>2018-03-31</a:t>
             </a:fld>
             <a:endParaRPr lang="ko-KR" altLang="en-US"/>
           </a:p>
@@ -3987,7 +4327,7 @@
           <a:p>
             <a:fld id="{1BDC7FDB-72DE-4D65-AF4F-510496DAF70F}" type="datetime1">
               <a:rPr lang="ko-KR" altLang="en-US" smtClean="0"/>
-              <a:t>2018-03-28</a:t>
+              <a:t>2018-03-31</a:t>
             </a:fld>
             <a:endParaRPr lang="ko-KR" altLang="en-US"/>
           </a:p>
@@ -4200,7 +4540,7 @@
           <a:p>
             <a:fld id="{9A286DBF-DB43-470A-A903-26374CB6EF47}" type="datetime1">
               <a:rPr lang="ko-KR" altLang="en-US" smtClean="0"/>
-              <a:t>2018-03-28</a:t>
+              <a:t>2018-03-31</a:t>
             </a:fld>
             <a:endParaRPr lang="ko-KR" altLang="en-US"/>
           </a:p>
@@ -4799,7 +5139,7 @@
           <a:p>
             <a:fld id="{32C03489-23FC-4021-B9AB-958EFB3C0FE7}" type="datetime1">
               <a:rPr lang="ko-KR" altLang="en-US" smtClean="0"/>
-              <a:t>2018-03-28</a:t>
+              <a:t>2018-03-31</a:t>
             </a:fld>
             <a:endParaRPr lang="ko-KR" altLang="en-US"/>
           </a:p>
@@ -4825,108 +5165,6 @@
               <a:t>1</a:t>
             </a:fld>
             <a:endParaRPr lang="ko-KR" altLang="en-US"/>
-          </a:p>
-        </p:txBody>
-      </p:sp>
-      <p:sp>
-        <p:nvSpPr>
-          <p:cNvPr id="6" name="Text Box 14"/>
-          <p:cNvSpPr txBox="1">
-            <a:spLocks noChangeArrowheads="1"/>
-          </p:cNvSpPr>
-          <p:nvPr/>
-        </p:nvSpPr>
-        <p:spPr bwMode="auto">
-          <a:xfrm>
-            <a:off x="1431614" y="3681553"/>
-            <a:ext cx="6298263" cy="338554"/>
-          </a:xfrm>
-          <a:prstGeom prst="rect">
-            <a:avLst/>
-          </a:prstGeom>
-          <a:noFill/>
-          <a:ln>
-            <a:noFill/>
-          </a:ln>
-          <a:effectLst/>
-          <a:extLst>
-            <a:ext uri="{909E8E84-426E-40DD-AFC4-6F175D3DCCD1}">
-              <a14:hiddenFill xmlns:a14="http://schemas.microsoft.com/office/drawing/2010/main">
-                <a:solidFill>
-                  <a:schemeClr val="accent1"/>
-                </a:solidFill>
-              </a14:hiddenFill>
-            </a:ext>
-            <a:ext uri="{91240B29-F687-4F45-9708-019B960494DF}">
-              <a14:hiddenLine xmlns:a14="http://schemas.microsoft.com/office/drawing/2010/main" w="9525">
-                <a:solidFill>
-                  <a:srgbClr val="3333FF"/>
-                </a:solidFill>
-                <a:miter lim="800000"/>
-                <a:headEnd/>
-                <a:tailEnd/>
-              </a14:hiddenLine>
-            </a:ext>
-            <a:ext uri="{AF507438-7753-43E0-B8FC-AC1667EBCBE1}">
-              <a14:hiddenEffects xmlns:a14="http://schemas.microsoft.com/office/drawing/2010/main">
-                <a:effectLst>
-                  <a:outerShdw dist="35921" dir="2700000" algn="ctr" rotWithShape="0">
-                    <a:schemeClr val="bg2"/>
-                  </a:outerShdw>
-                </a:effectLst>
-              </a14:hiddenEffects>
-            </a:ext>
-          </a:extLst>
-        </p:spPr>
-        <p:txBody>
-          <a:bodyPr wrap="none">
-            <a:spAutoFit/>
-          </a:bodyPr>
-          <a:lstStyle/>
-          <a:p>
-            <a:pPr algn="ctr"/>
-            <a:r>
-              <a:rPr lang="en-US" altLang="ko-KR" sz="1600" dirty="0" err="1" smtClean="0">
-                <a:solidFill>
-                  <a:srgbClr val="3333FF"/>
-                </a:solidFill>
-                <a:latin typeface="Arial" panose="020B0604020202020204" pitchFamily="34" charset="0"/>
-              </a:rPr>
-              <a:t>Withawat</a:t>
-            </a:r>
-            <a:r>
-              <a:rPr lang="en-US" altLang="ko-KR" sz="1600" dirty="0" smtClean="0">
-                <a:solidFill>
-                  <a:srgbClr val="3333FF"/>
-                </a:solidFill>
-                <a:latin typeface="Arial" panose="020B0604020202020204" pitchFamily="34" charset="0"/>
-              </a:rPr>
-              <a:t> </a:t>
-            </a:r>
-            <a:r>
-              <a:rPr lang="en-US" altLang="ko-KR" sz="1600" dirty="0" err="1" smtClean="0">
-                <a:solidFill>
-                  <a:srgbClr val="3333FF"/>
-                </a:solidFill>
-                <a:latin typeface="Arial" panose="020B0604020202020204" pitchFamily="34" charset="0"/>
-              </a:rPr>
-              <a:t>Withayachumnankul</a:t>
-            </a:r>
-            <a:r>
-              <a:rPr lang="en-US" altLang="ko-KR" sz="1600" dirty="0" smtClean="0">
-                <a:solidFill>
-                  <a:srgbClr val="3333FF"/>
-                </a:solidFill>
-                <a:latin typeface="Arial" panose="020B0604020202020204" pitchFamily="34" charset="0"/>
-              </a:rPr>
-              <a:t>, Bernd M. Fischer, and Derek Abbott</a:t>
-            </a:r>
-            <a:endParaRPr lang="en-US" altLang="ko-KR" sz="1600" dirty="0">
-              <a:solidFill>
-                <a:srgbClr val="3333FF"/>
-              </a:solidFill>
-              <a:latin typeface="Arial" panose="020B0604020202020204" pitchFamily="34" charset="0"/>
-            </a:endParaRPr>
           </a:p>
         </p:txBody>
       </p:sp>
@@ -5110,7 +5348,7 @@
           <a:p>
             <a:fld id="{F85A177F-6FD3-496B-8A9C-B332CA04E863}" type="datetime1">
               <a:rPr lang="ko-KR" altLang="en-US" smtClean="0"/>
-              <a:t>2018-03-29</a:t>
+              <a:t>2018-03-31</a:t>
             </a:fld>
             <a:endParaRPr lang="ko-KR" altLang="en-US"/>
           </a:p>
@@ -5235,12 +5473,6 @@
               </a:rPr>
               <a:t>2.1 Encoders, Synchronizing, and Time-Stamping</a:t>
             </a:r>
-            <a:endParaRPr lang="en-US" altLang="ko-KR" sz="2400" dirty="0" smtClean="0">
-              <a:solidFill>
-                <a:schemeClr val="bg1"/>
-              </a:solidFill>
-              <a:latin typeface="Arial" panose="020B0604020202020204" pitchFamily="34" charset="0"/>
-            </a:endParaRPr>
           </a:p>
         </p:txBody>
       </p:sp>
@@ -5261,7 +5493,7 @@
           <a:p>
             <a:fld id="{53646E5C-8775-44A9-9523-40B6CCA06789}" type="datetime1">
               <a:rPr lang="ko-KR" altLang="en-US" smtClean="0"/>
-              <a:t>2018-03-30</a:t>
+              <a:t>2018-03-31</a:t>
             </a:fld>
             <a:endParaRPr lang="ko-KR" altLang="en-US"/>
           </a:p>
@@ -5489,12 +5721,6 @@
               </a:rPr>
               <a:t>2.2 Instrument Line Function: A Spectral Resolution Limitation</a:t>
             </a:r>
-            <a:endParaRPr lang="en-US" altLang="ko-KR" sz="2400" dirty="0" smtClean="0">
-              <a:solidFill>
-                <a:schemeClr val="bg1"/>
-              </a:solidFill>
-              <a:latin typeface="Arial" panose="020B0604020202020204" pitchFamily="34" charset="0"/>
-            </a:endParaRPr>
           </a:p>
         </p:txBody>
       </p:sp>
@@ -5582,7 +5808,6 @@
               <a:rPr lang="en-US" altLang="ko-KR" sz="2000" dirty="0" smtClean="0"/>
               <a:t> that can be imposed on the input beam.</a:t>
             </a:r>
-            <a:endParaRPr lang="en-US" altLang="ko-KR" sz="2000" dirty="0" smtClean="0"/>
           </a:p>
         </p:txBody>
       </p:sp>
@@ -5676,8 +5901,8 @@
           </a:p>
         </p:txBody>
       </p:sp>
-      <mc:AlternateContent xmlns:mc="http://schemas.openxmlformats.org/markup-compatibility/2006">
-        <mc:Choice xmlns:a14="http://schemas.microsoft.com/office/drawing/2010/main" Requires="a14">
+      <mc:AlternateContent xmlns:mc="http://schemas.openxmlformats.org/markup-compatibility/2006" xmlns:a14="http://schemas.microsoft.com/office/drawing/2010/main">
+        <mc:Choice Requires="a14">
           <p:sp>
             <p:nvSpPr>
               <p:cNvPr id="5" name="TextBox 4"/>
@@ -5700,6 +5925,7 @@
               </a:bodyPr>
               <a:lstStyle/>
               <a:p>
+                <a:pPr/>
                 <a14:m>
                   <m:oMathPara xmlns:m="http://schemas.openxmlformats.org/officeDocument/2006/math">
                     <m:oMathParaPr>
@@ -5720,7 +5946,7 @@
             </p:txBody>
           </p:sp>
         </mc:Choice>
-        <mc:Fallback>
+        <mc:Fallback xmlns="">
           <p:sp>
             <p:nvSpPr>
               <p:cNvPr id="5" name="TextBox 4"/>
@@ -5759,8 +5985,8 @@
           </p:sp>
         </mc:Fallback>
       </mc:AlternateContent>
-      <mc:AlternateContent xmlns:mc="http://schemas.openxmlformats.org/markup-compatibility/2006">
-        <mc:Choice xmlns:a14="http://schemas.microsoft.com/office/drawing/2010/main" Requires="a14">
+      <mc:AlternateContent xmlns:mc="http://schemas.openxmlformats.org/markup-compatibility/2006" xmlns:a14="http://schemas.microsoft.com/office/drawing/2010/main">
+        <mc:Choice Requires="a14">
           <p:sp>
             <p:nvSpPr>
               <p:cNvPr id="10" name="TextBox 9"/>
@@ -5783,6 +6009,7 @@
               </a:bodyPr>
               <a:lstStyle/>
               <a:p>
+                <a:pPr/>
                 <a14:m>
                   <m:oMathPara xmlns:m="http://schemas.openxmlformats.org/officeDocument/2006/math">
                     <m:oMathParaPr>
@@ -5803,7 +6030,7 @@
             </p:txBody>
           </p:sp>
         </mc:Choice>
-        <mc:Fallback>
+        <mc:Fallback xmlns="">
           <p:sp>
             <p:nvSpPr>
               <p:cNvPr id="10" name="TextBox 9"/>
@@ -5842,8 +6069,8 @@
           </p:sp>
         </mc:Fallback>
       </mc:AlternateContent>
-      <mc:AlternateContent xmlns:mc="http://schemas.openxmlformats.org/markup-compatibility/2006">
-        <mc:Choice xmlns:a14="http://schemas.microsoft.com/office/drawing/2010/main" Requires="a14">
+      <mc:AlternateContent xmlns:mc="http://schemas.openxmlformats.org/markup-compatibility/2006" xmlns:a14="http://schemas.microsoft.com/office/drawing/2010/main">
+        <mc:Choice Requires="a14">
           <p:sp>
             <p:nvSpPr>
               <p:cNvPr id="6" name="TextBox 5"/>
@@ -5866,6 +6093,7 @@
               </a:bodyPr>
               <a:lstStyle/>
               <a:p>
+                <a:pPr/>
                 <a14:m>
                   <m:oMathPara xmlns:m="http://schemas.openxmlformats.org/officeDocument/2006/math">
                     <m:oMathParaPr>
@@ -5958,7 +6186,7 @@
             </p:txBody>
           </p:sp>
         </mc:Choice>
-        <mc:Fallback>
+        <mc:Fallback xmlns="">
           <p:sp>
             <p:nvSpPr>
               <p:cNvPr id="6" name="TextBox 5"/>
@@ -5997,8 +6225,8 @@
           </p:sp>
         </mc:Fallback>
       </mc:AlternateContent>
-      <mc:AlternateContent xmlns:mc="http://schemas.openxmlformats.org/markup-compatibility/2006">
-        <mc:Choice xmlns:a14="http://schemas.microsoft.com/office/drawing/2010/main" Requires="a14">
+      <mc:AlternateContent xmlns:mc="http://schemas.openxmlformats.org/markup-compatibility/2006" xmlns:a14="http://schemas.microsoft.com/office/drawing/2010/main">
+        <mc:Choice Requires="a14">
           <p:sp>
             <p:nvSpPr>
               <p:cNvPr id="7" name="TextBox 6"/>
@@ -6021,6 +6249,7 @@
               </a:bodyPr>
               <a:lstStyle/>
               <a:p>
+                <a:pPr/>
                 <a14:m>
                   <m:oMathPara xmlns:m="http://schemas.openxmlformats.org/officeDocument/2006/math">
                     <m:oMathParaPr>
@@ -6435,7 +6664,7 @@
             </p:txBody>
           </p:sp>
         </mc:Choice>
-        <mc:Fallback>
+        <mc:Fallback xmlns="">
           <p:sp>
             <p:nvSpPr>
               <p:cNvPr id="7" name="TextBox 6"/>
@@ -6500,12 +6729,11 @@
               <a:rPr lang="en-US" altLang="ko-KR" sz="1600" dirty="0" smtClean="0"/>
               <a:t>Off-axis beam</a:t>
             </a:r>
-            <a:endParaRPr lang="en-US" altLang="ko-KR" sz="1600" dirty="0" smtClean="0"/>
-          </a:p>
-        </p:txBody>
-      </p:sp>
-      <mc:AlternateContent xmlns:mc="http://schemas.openxmlformats.org/markup-compatibility/2006">
-        <mc:Choice xmlns:a14="http://schemas.microsoft.com/office/drawing/2010/main" Requires="a14">
+          </a:p>
+        </p:txBody>
+      </p:sp>
+      <mc:AlternateContent xmlns:mc="http://schemas.openxmlformats.org/markup-compatibility/2006" xmlns:a14="http://schemas.microsoft.com/office/drawing/2010/main">
+        <mc:Choice Requires="a14">
           <p:sp>
             <p:nvSpPr>
               <p:cNvPr id="8" name="TextBox 7"/>
@@ -6528,6 +6756,7 @@
               </a:bodyPr>
               <a:lstStyle/>
               <a:p>
+                <a:pPr/>
                 <a14:m>
                   <m:oMathPara xmlns:m="http://schemas.openxmlformats.org/officeDocument/2006/math">
                     <m:oMathParaPr>
@@ -6645,7 +6874,7 @@
             </p:txBody>
           </p:sp>
         </mc:Choice>
-        <mc:Fallback>
+        <mc:Fallback xmlns="">
           <p:sp>
             <p:nvSpPr>
               <p:cNvPr id="8" name="TextBox 7"/>
@@ -6684,8 +6913,8 @@
           </p:sp>
         </mc:Fallback>
       </mc:AlternateContent>
-      <mc:AlternateContent xmlns:mc="http://schemas.openxmlformats.org/markup-compatibility/2006">
-        <mc:Choice xmlns:a14="http://schemas.microsoft.com/office/drawing/2010/main" Requires="a14">
+      <mc:AlternateContent xmlns:mc="http://schemas.openxmlformats.org/markup-compatibility/2006" xmlns:a14="http://schemas.microsoft.com/office/drawing/2010/main">
+        <mc:Choice Requires="a14">
           <p:sp>
             <p:nvSpPr>
               <p:cNvPr id="16" name="TextBox 15"/>
@@ -6708,6 +6937,7 @@
               </a:bodyPr>
               <a:lstStyle/>
               <a:p>
+                <a:pPr/>
                 <a14:m>
                   <m:oMathPara xmlns:m="http://schemas.openxmlformats.org/officeDocument/2006/math">
                     <m:oMathParaPr>
@@ -6717,7 +6947,7 @@
                       <m:sSup>
                         <m:sSupPr>
                           <m:ctrlPr>
-                            <a:rPr lang="en-US" altLang="ko-KR" b="0" i="0" smtClean="0">
+                            <a:rPr lang="en-US" altLang="ko-KR" b="0" i="1" smtClean="0">
                               <a:latin typeface="Cambria Math" panose="02040503050406030204" pitchFamily="18" charset="0"/>
                             </a:rPr>
                           </m:ctrlPr>
@@ -7030,7 +7260,7 @@
             </p:txBody>
           </p:sp>
         </mc:Choice>
-        <mc:Fallback>
+        <mc:Fallback xmlns="">
           <p:sp>
             <p:nvSpPr>
               <p:cNvPr id="16" name="TextBox 15"/>
@@ -7095,7 +7325,6 @@
               <a:rPr lang="en-US" altLang="ko-KR" sz="1600" dirty="0" smtClean="0"/>
               <a:t>ILF: Instrument Line Function</a:t>
             </a:r>
-            <a:endParaRPr lang="en-US" altLang="ko-KR" sz="1600" dirty="0" smtClean="0"/>
           </a:p>
         </p:txBody>
       </p:sp>
@@ -7293,7 +7522,6 @@
               <a:rPr lang="en-US" altLang="ko-KR" sz="2000" dirty="0" smtClean="0"/>
               <a:t> ILF can be acceptable for some applications, but not for others.</a:t>
             </a:r>
-            <a:endParaRPr lang="en-US" altLang="ko-KR" sz="2000" dirty="0" smtClean="0"/>
           </a:p>
         </p:txBody>
       </p:sp>
@@ -7417,12 +7645,6 @@
               </a:rPr>
               <a:t>2.4 Cosine and Sine Terms and Phase Correction Techniques</a:t>
             </a:r>
-            <a:endParaRPr lang="en-US" altLang="ko-KR" sz="2400" dirty="0" smtClean="0">
-              <a:solidFill>
-                <a:schemeClr val="bg1"/>
-              </a:solidFill>
-              <a:latin typeface="Arial" panose="020B0604020202020204" pitchFamily="34" charset="0"/>
-            </a:endParaRPr>
           </a:p>
         </p:txBody>
       </p:sp>
@@ -7496,17 +7718,83 @@
           <a:p>
             <a:r>
               <a:rPr lang="en-US" altLang="ko-KR" sz="2000" dirty="0" smtClean="0"/>
-              <a:t>The presence of negative side-lobes and distinct ringing features caused by the </a:t>
-            </a:r>
-            <a:r>
-              <a:rPr lang="en-US" altLang="ko-KR" sz="2000" dirty="0" err="1" smtClean="0"/>
-              <a:t>sinc</a:t>
-            </a:r>
+              <a:t>In an ideal instrument</a:t>
+            </a:r>
+          </a:p>
+          <a:p>
             <a:r>
               <a:rPr lang="en-US" altLang="ko-KR" sz="2000" dirty="0" smtClean="0"/>
-              <a:t> ILF can be acceptable for some applications, but not for others.</a:t>
+              <a:t>In reality</a:t>
             </a:r>
             <a:endParaRPr lang="en-US" altLang="ko-KR" sz="2000" dirty="0" smtClean="0"/>
+          </a:p>
+        </p:txBody>
+      </p:sp>
+      <p:sp>
+        <p:nvSpPr>
+          <p:cNvPr id="7" name="TextBox 6"/>
+          <p:cNvSpPr txBox="1"/>
+          <p:nvPr/>
+        </p:nvSpPr>
+        <p:spPr>
+          <a:xfrm>
+            <a:off x="720970" y="2705338"/>
+            <a:ext cx="2703874" cy="400110"/>
+          </a:xfrm>
+          <a:prstGeom prst="rect">
+            <a:avLst/>
+          </a:prstGeom>
+          <a:noFill/>
+        </p:spPr>
+        <p:txBody>
+          <a:bodyPr wrap="square" rtlCol="0">
+            <a:spAutoFit/>
+          </a:bodyPr>
+          <a:lstStyle/>
+          <a:p>
+            <a:r>
+              <a:rPr lang="en-US" altLang="ko-KR" sz="2000" dirty="0" smtClean="0">
+                <a:solidFill>
+                  <a:srgbClr val="3333FF"/>
+                </a:solidFill>
+                <a:sym typeface="Wingdings" panose="05000000000000000000" pitchFamily="2" charset="2"/>
+              </a:rPr>
+              <a:t>Mertz Phase Correction</a:t>
+            </a:r>
+          </a:p>
+        </p:txBody>
+      </p:sp>
+      <p:sp>
+        <p:nvSpPr>
+          <p:cNvPr id="8" name="TextBox 7"/>
+          <p:cNvSpPr txBox="1"/>
+          <p:nvPr/>
+        </p:nvSpPr>
+        <p:spPr>
+          <a:xfrm>
+            <a:off x="720969" y="3389054"/>
+            <a:ext cx="2853503" cy="400110"/>
+          </a:xfrm>
+          <a:prstGeom prst="rect">
+            <a:avLst/>
+          </a:prstGeom>
+          <a:noFill/>
+        </p:spPr>
+        <p:txBody>
+          <a:bodyPr wrap="square" rtlCol="0">
+            <a:spAutoFit/>
+          </a:bodyPr>
+          <a:lstStyle/>
+          <a:p>
+            <a:r>
+              <a:rPr lang="en-US" altLang="ko-KR" sz="2000" dirty="0" smtClean="0">
+                <a:solidFill>
+                  <a:srgbClr val="3333FF"/>
+                </a:solidFill>
+                <a:sym typeface="Wingdings" panose="05000000000000000000" pitchFamily="2" charset="2"/>
+              </a:rPr>
+              <a:t>Forman Phase Correction</a:t>
+            </a:r>
           </a:p>
         </p:txBody>
       </p:sp>
@@ -7598,6 +7886,2008 @@
           <a:p>
             <a:pPr algn="ctr"/>
             <a:r>
+              <a:rPr lang="en-US" altLang="ko-KR" sz="2300" dirty="0" smtClean="0">
+                <a:solidFill>
+                  <a:schemeClr val="bg1"/>
+                </a:solidFill>
+                <a:latin typeface="Arial" panose="020B0604020202020204" pitchFamily="34" charset="0"/>
+              </a:rPr>
+              <a:t>2.5 Achievable Spectral Resolution (Commercial and State of the Art)</a:t>
+            </a:r>
+            <a:endParaRPr lang="en-US" altLang="ko-KR" sz="2300" dirty="0" smtClean="0">
+              <a:solidFill>
+                <a:schemeClr val="bg1"/>
+              </a:solidFill>
+              <a:latin typeface="Arial" panose="020B0604020202020204" pitchFamily="34" charset="0"/>
+            </a:endParaRPr>
+          </a:p>
+        </p:txBody>
+      </p:sp>
+      <p:sp>
+        <p:nvSpPr>
+          <p:cNvPr id="2" name="날짜 개체 틀 1"/>
+          <p:cNvSpPr>
+            <a:spLocks noGrp="1"/>
+          </p:cNvSpPr>
+          <p:nvPr>
+            <p:ph type="dt" sz="half" idx="10"/>
+          </p:nvPr>
+        </p:nvSpPr>
+        <p:spPr/>
+        <p:txBody>
+          <a:bodyPr/>
+          <a:lstStyle/>
+          <a:p>
+            <a:fld id="{53646E5C-8775-44A9-9523-40B6CCA06789}" type="datetime1">
+              <a:rPr lang="ko-KR" altLang="en-US" smtClean="0"/>
+              <a:t>2018-03-31</a:t>
+            </a:fld>
+            <a:endParaRPr lang="ko-KR" altLang="en-US"/>
+          </a:p>
+        </p:txBody>
+      </p:sp>
+      <p:sp>
+        <p:nvSpPr>
+          <p:cNvPr id="15" name="슬라이드 번호 개체 틀 14"/>
+          <p:cNvSpPr>
+            <a:spLocks noGrp="1"/>
+          </p:cNvSpPr>
+          <p:nvPr>
+            <p:ph type="sldNum" sz="quarter" idx="12"/>
+          </p:nvPr>
+        </p:nvSpPr>
+        <p:spPr/>
+        <p:txBody>
+          <a:bodyPr/>
+          <a:lstStyle/>
+          <a:p>
+            <a:fld id="{8765F8EB-1186-4395-8E70-F957669279DD}" type="slidenum">
+              <a:rPr lang="ko-KR" altLang="en-US" smtClean="0"/>
+              <a:t>15</a:t>
+            </a:fld>
+            <a:endParaRPr lang="ko-KR" altLang="en-US"/>
+          </a:p>
+        </p:txBody>
+      </p:sp>
+      <p:sp>
+        <p:nvSpPr>
+          <p:cNvPr id="6" name="TextBox 5"/>
+          <p:cNvSpPr txBox="1"/>
+          <p:nvPr/>
+        </p:nvSpPr>
+        <p:spPr>
+          <a:xfrm>
+            <a:off x="720969" y="914202"/>
+            <a:ext cx="7794381" cy="707886"/>
+          </a:xfrm>
+          <a:prstGeom prst="rect">
+            <a:avLst/>
+          </a:prstGeom>
+          <a:noFill/>
+        </p:spPr>
+        <p:txBody>
+          <a:bodyPr wrap="square" rtlCol="0">
+            <a:spAutoFit/>
+          </a:bodyPr>
+          <a:lstStyle/>
+          <a:p>
+            <a:r>
+              <a:rPr lang="en-US" altLang="ko-KR" sz="2000" dirty="0" smtClean="0"/>
+              <a:t>Commercial Fourier Transform Spectrometer Instruments and Their Resolutions</a:t>
+            </a:r>
+            <a:endParaRPr lang="en-US" altLang="ko-KR" sz="2000" dirty="0" smtClean="0"/>
+          </a:p>
+        </p:txBody>
+      </p:sp>
+      <p:pic>
+        <p:nvPicPr>
+          <p:cNvPr id="3" name="그림 2"/>
+          <p:cNvPicPr>
+            <a:picLocks noChangeAspect="1"/>
+          </p:cNvPicPr>
+          <p:nvPr/>
+        </p:nvPicPr>
+        <p:blipFill>
+          <a:blip r:embed="rId3"/>
+          <a:stretch>
+            <a:fillRect/>
+          </a:stretch>
+        </p:blipFill>
+        <p:spPr>
+          <a:xfrm>
+            <a:off x="1006562" y="2358967"/>
+            <a:ext cx="7130877" cy="2221345"/>
+          </a:xfrm>
+          <a:prstGeom prst="rect">
+            <a:avLst/>
+          </a:prstGeom>
+        </p:spPr>
+      </p:pic>
+    </p:spTree>
+    <p:extLst>
+      <p:ext uri="{BB962C8B-B14F-4D97-AF65-F5344CB8AC3E}">
+        <p14:creationId xmlns:p14="http://schemas.microsoft.com/office/powerpoint/2010/main" val="452260247"/>
+      </p:ext>
+    </p:extLst>
+  </p:cSld>
+  <p:clrMapOvr>
+    <a:masterClrMapping/>
+  </p:clrMapOvr>
+  <p:timing>
+    <p:tnLst>
+      <p:par>
+        <p:cTn id="1" dur="indefinite" restart="never" nodeType="tmRoot"/>
+      </p:par>
+    </p:tnLst>
+  </p:timing>
+</p:sld>
+</file>
+
+<file path=ppt/slides/slide16.xml><?xml version="1.0" encoding="utf-8"?>
+<p:sld xmlns:a="http://schemas.openxmlformats.org/drawingml/2006/main" xmlns:r="http://schemas.openxmlformats.org/officeDocument/2006/relationships" xmlns:p="http://schemas.openxmlformats.org/presentationml/2006/main">
+  <p:cSld>
+    <p:spTree>
+      <p:nvGrpSpPr>
+        <p:cNvPr id="1" name=""/>
+        <p:cNvGrpSpPr/>
+        <p:nvPr/>
+      </p:nvGrpSpPr>
+      <p:grpSpPr>
+        <a:xfrm>
+          <a:off x="0" y="0"/>
+          <a:ext cx="0" cy="0"/>
+          <a:chOff x="0" y="0"/>
+          <a:chExt cx="0" cy="0"/>
+        </a:xfrm>
+      </p:grpSpPr>
+      <p:sp>
+        <p:nvSpPr>
+          <p:cNvPr id="6199" name="Rectangle 55"/>
+          <p:cNvSpPr>
+            <a:spLocks noChangeArrowheads="1"/>
+          </p:cNvSpPr>
+          <p:nvPr/>
+        </p:nvSpPr>
+        <p:spPr bwMode="auto">
+          <a:xfrm>
+            <a:off x="0" y="0"/>
+            <a:ext cx="9144000" cy="692150"/>
+          </a:xfrm>
+          <a:prstGeom prst="rect">
+            <a:avLst/>
+          </a:prstGeom>
+          <a:solidFill>
+            <a:srgbClr val="3333FF"/>
+          </a:solidFill>
+          <a:ln>
+            <a:noFill/>
+          </a:ln>
+          <a:effectLst/>
+          <a:extLst>
+            <a:ext uri="{91240B29-F687-4F45-9708-019B960494DF}">
+              <a14:hiddenLine xmlns:a14="http://schemas.microsoft.com/office/drawing/2010/main" w="9525">
+                <a:solidFill>
+                  <a:schemeClr val="tx1"/>
+                </a:solidFill>
+                <a:miter lim="800000"/>
+                <a:headEnd/>
+                <a:tailEnd/>
+              </a14:hiddenLine>
+            </a:ext>
+            <a:ext uri="{AF507438-7753-43E0-B8FC-AC1667EBCBE1}">
+              <a14:hiddenEffects xmlns:a14="http://schemas.microsoft.com/office/drawing/2010/main">
+                <a:effectLst>
+                  <a:outerShdw dist="35921" dir="2700000" algn="ctr" rotWithShape="0">
+                    <a:schemeClr val="bg2"/>
+                  </a:outerShdw>
+                </a:effectLst>
+              </a14:hiddenEffects>
+            </a:ext>
+          </a:extLst>
+        </p:spPr>
+        <p:txBody>
+          <a:bodyPr wrap="none" anchor="ctr"/>
+          <a:lstStyle/>
+          <a:p>
+            <a:pPr algn="ctr"/>
+            <a:endParaRPr lang="en-US" altLang="ko-KR" sz="2800" dirty="0">
+              <a:solidFill>
+                <a:schemeClr val="bg1"/>
+              </a:solidFill>
+              <a:latin typeface="Arial" panose="020B0604020202020204" pitchFamily="34" charset="0"/>
+            </a:endParaRPr>
+          </a:p>
+        </p:txBody>
+      </p:sp>
+      <p:sp>
+        <p:nvSpPr>
+          <p:cNvPr id="2" name="직사각형 1"/>
+          <p:cNvSpPr/>
+          <p:nvPr/>
+        </p:nvSpPr>
+        <p:spPr>
+          <a:xfrm>
+            <a:off x="1286256" y="2004529"/>
+            <a:ext cx="6571488" cy="2848942"/>
+          </a:xfrm>
+          <a:prstGeom prst="rect">
+            <a:avLst/>
+          </a:prstGeom>
+          <a:noFill/>
+          <a:ln w="38100">
+            <a:solidFill>
+              <a:srgbClr val="3333FF"/>
+            </a:solidFill>
+          </a:ln>
+        </p:spPr>
+        <p:style>
+          <a:lnRef idx="2">
+            <a:schemeClr val="accent1">
+              <a:shade val="50000"/>
+            </a:schemeClr>
+          </a:lnRef>
+          <a:fillRef idx="1">
+            <a:schemeClr val="accent1"/>
+          </a:fillRef>
+          <a:effectRef idx="0">
+            <a:schemeClr val="accent1"/>
+          </a:effectRef>
+          <a:fontRef idx="minor">
+            <a:schemeClr val="lt1"/>
+          </a:fontRef>
+        </p:style>
+        <p:txBody>
+          <a:bodyPr rtlCol="0" anchor="ctr"/>
+          <a:lstStyle/>
+          <a:p>
+            <a:pPr algn="ctr"/>
+            <a:r>
+              <a:rPr lang="en-US" altLang="ko-KR" sz="3600" dirty="0" smtClean="0">
+                <a:solidFill>
+                  <a:srgbClr val="3333FF"/>
+                </a:solidFill>
+                <a:latin typeface="Arial" panose="020B0604020202020204" pitchFamily="34" charset="0"/>
+              </a:rPr>
+              <a:t>Sample Measurement</a:t>
+            </a:r>
+          </a:p>
+          <a:p>
+            <a:pPr algn="ctr"/>
+            <a:r>
+              <a:rPr lang="en-US" altLang="ko-KR" sz="3600" dirty="0" smtClean="0">
+                <a:solidFill>
+                  <a:srgbClr val="3333FF"/>
+                </a:solidFill>
+                <a:latin typeface="Arial" panose="020B0604020202020204" pitchFamily="34" charset="0"/>
+              </a:rPr>
+              <a:t>Parameter Recovery</a:t>
+            </a:r>
+            <a:endParaRPr lang="ko-KR" altLang="en-US" sz="3600" dirty="0"/>
+          </a:p>
+        </p:txBody>
+      </p:sp>
+      <p:sp>
+        <p:nvSpPr>
+          <p:cNvPr id="3" name="날짜 개체 틀 2"/>
+          <p:cNvSpPr>
+            <a:spLocks noGrp="1"/>
+          </p:cNvSpPr>
+          <p:nvPr>
+            <p:ph type="dt" sz="half" idx="10"/>
+          </p:nvPr>
+        </p:nvSpPr>
+        <p:spPr/>
+        <p:txBody>
+          <a:bodyPr/>
+          <a:lstStyle/>
+          <a:p>
+            <a:fld id="{F85A177F-6FD3-496B-8A9C-B332CA04E863}" type="datetime1">
+              <a:rPr lang="ko-KR" altLang="en-US" smtClean="0"/>
+              <a:t>2018-03-31</a:t>
+            </a:fld>
+            <a:endParaRPr lang="ko-KR" altLang="en-US"/>
+          </a:p>
+        </p:txBody>
+      </p:sp>
+      <p:sp>
+        <p:nvSpPr>
+          <p:cNvPr id="4" name="슬라이드 번호 개체 틀 3"/>
+          <p:cNvSpPr>
+            <a:spLocks noGrp="1"/>
+          </p:cNvSpPr>
+          <p:nvPr>
+            <p:ph type="sldNum" sz="quarter" idx="12"/>
+          </p:nvPr>
+        </p:nvSpPr>
+        <p:spPr/>
+        <p:txBody>
+          <a:bodyPr/>
+          <a:lstStyle/>
+          <a:p>
+            <a:fld id="{8765F8EB-1186-4395-8E70-F957669279DD}" type="slidenum">
+              <a:rPr lang="ko-KR" altLang="en-US" smtClean="0"/>
+              <a:t>16</a:t>
+            </a:fld>
+            <a:endParaRPr lang="ko-KR" altLang="en-US"/>
+          </a:p>
+        </p:txBody>
+      </p:sp>
+    </p:spTree>
+    <p:extLst>
+      <p:ext uri="{BB962C8B-B14F-4D97-AF65-F5344CB8AC3E}">
+        <p14:creationId xmlns:p14="http://schemas.microsoft.com/office/powerpoint/2010/main" val="2992753732"/>
+      </p:ext>
+    </p:extLst>
+  </p:cSld>
+  <p:clrMapOvr>
+    <a:masterClrMapping/>
+  </p:clrMapOvr>
+  <p:timing>
+    <p:tnLst>
+      <p:par>
+        <p:cTn id="1" dur="indefinite" restart="never" nodeType="tmRoot"/>
+      </p:par>
+    </p:tnLst>
+  </p:timing>
+</p:sld>
+</file>
+
+<file path=ppt/slides/slide17.xml><?xml version="1.0" encoding="utf-8"?>
+<p:sld xmlns:a="http://schemas.openxmlformats.org/drawingml/2006/main" xmlns:r="http://schemas.openxmlformats.org/officeDocument/2006/relationships" xmlns:p="http://schemas.openxmlformats.org/presentationml/2006/main">
+  <p:cSld>
+    <p:spTree>
+      <p:nvGrpSpPr>
+        <p:cNvPr id="1" name=""/>
+        <p:cNvGrpSpPr/>
+        <p:nvPr/>
+      </p:nvGrpSpPr>
+      <p:grpSpPr>
+        <a:xfrm>
+          <a:off x="0" y="0"/>
+          <a:ext cx="0" cy="0"/>
+          <a:chOff x="0" y="0"/>
+          <a:chExt cx="0" cy="0"/>
+        </a:xfrm>
+      </p:grpSpPr>
+      <p:sp>
+        <p:nvSpPr>
+          <p:cNvPr id="6199" name="Rectangle 55"/>
+          <p:cNvSpPr>
+            <a:spLocks noChangeArrowheads="1"/>
+          </p:cNvSpPr>
+          <p:nvPr/>
+        </p:nvSpPr>
+        <p:spPr bwMode="auto">
+          <a:xfrm>
+            <a:off x="0" y="0"/>
+            <a:ext cx="9144000" cy="692150"/>
+          </a:xfrm>
+          <a:prstGeom prst="rect">
+            <a:avLst/>
+          </a:prstGeom>
+          <a:solidFill>
+            <a:srgbClr val="3333FF"/>
+          </a:solidFill>
+          <a:ln>
+            <a:noFill/>
+          </a:ln>
+          <a:effectLst/>
+          <a:extLst>
+            <a:ext uri="{91240B29-F687-4F45-9708-019B960494DF}">
+              <a14:hiddenLine xmlns:a14="http://schemas.microsoft.com/office/drawing/2010/main" w="9525">
+                <a:solidFill>
+                  <a:schemeClr val="tx1"/>
+                </a:solidFill>
+                <a:miter lim="800000"/>
+                <a:headEnd/>
+                <a:tailEnd/>
+              </a14:hiddenLine>
+            </a:ext>
+            <a:ext uri="{AF507438-7753-43E0-B8FC-AC1667EBCBE1}">
+              <a14:hiddenEffects xmlns:a14="http://schemas.microsoft.com/office/drawing/2010/main">
+                <a:effectLst>
+                  <a:outerShdw dist="35921" dir="2700000" algn="ctr" rotWithShape="0">
+                    <a:schemeClr val="bg2"/>
+                  </a:outerShdw>
+                </a:effectLst>
+              </a14:hiddenEffects>
+            </a:ext>
+          </a:extLst>
+        </p:spPr>
+        <p:txBody>
+          <a:bodyPr wrap="none" anchor="ctr"/>
+          <a:lstStyle/>
+          <a:p>
+            <a:pPr algn="ctr"/>
+            <a:r>
+              <a:rPr lang="en-US" altLang="ko-KR" sz="2400" dirty="0" smtClean="0">
+                <a:solidFill>
+                  <a:schemeClr val="bg1"/>
+                </a:solidFill>
+                <a:latin typeface="Arial" panose="020B0604020202020204" pitchFamily="34" charset="0"/>
+              </a:rPr>
+              <a:t>3.1 Thin Sample Approximation: Lossless Case</a:t>
+            </a:r>
+            <a:endParaRPr lang="en-US" altLang="ko-KR" sz="2400" dirty="0" smtClean="0">
+              <a:solidFill>
+                <a:schemeClr val="bg1"/>
+              </a:solidFill>
+              <a:latin typeface="Arial" panose="020B0604020202020204" pitchFamily="34" charset="0"/>
+            </a:endParaRPr>
+          </a:p>
+        </p:txBody>
+      </p:sp>
+      <p:sp>
+        <p:nvSpPr>
+          <p:cNvPr id="2" name="날짜 개체 틀 1"/>
+          <p:cNvSpPr>
+            <a:spLocks noGrp="1"/>
+          </p:cNvSpPr>
+          <p:nvPr>
+            <p:ph type="dt" sz="half" idx="10"/>
+          </p:nvPr>
+        </p:nvSpPr>
+        <p:spPr/>
+        <p:txBody>
+          <a:bodyPr/>
+          <a:lstStyle/>
+          <a:p>
+            <a:fld id="{53646E5C-8775-44A9-9523-40B6CCA06789}" type="datetime1">
+              <a:rPr lang="ko-KR" altLang="en-US" smtClean="0"/>
+              <a:t>2018-03-31</a:t>
+            </a:fld>
+            <a:endParaRPr lang="ko-KR" altLang="en-US"/>
+          </a:p>
+        </p:txBody>
+      </p:sp>
+      <p:sp>
+        <p:nvSpPr>
+          <p:cNvPr id="15" name="슬라이드 번호 개체 틀 14"/>
+          <p:cNvSpPr>
+            <a:spLocks noGrp="1"/>
+          </p:cNvSpPr>
+          <p:nvPr>
+            <p:ph type="sldNum" sz="quarter" idx="12"/>
+          </p:nvPr>
+        </p:nvSpPr>
+        <p:spPr/>
+        <p:txBody>
+          <a:bodyPr/>
+          <a:lstStyle/>
+          <a:p>
+            <a:fld id="{8765F8EB-1186-4395-8E70-F957669279DD}" type="slidenum">
+              <a:rPr lang="ko-KR" altLang="en-US" smtClean="0"/>
+              <a:t>17</a:t>
+            </a:fld>
+            <a:endParaRPr lang="ko-KR" altLang="en-US"/>
+          </a:p>
+        </p:txBody>
+      </p:sp>
+      <p:sp>
+        <p:nvSpPr>
+          <p:cNvPr id="6" name="TextBox 5"/>
+          <p:cNvSpPr txBox="1"/>
+          <p:nvPr/>
+        </p:nvSpPr>
+        <p:spPr>
+          <a:xfrm>
+            <a:off x="720969" y="914202"/>
+            <a:ext cx="7794381" cy="707886"/>
+          </a:xfrm>
+          <a:prstGeom prst="rect">
+            <a:avLst/>
+          </a:prstGeom>
+          <a:noFill/>
+        </p:spPr>
+        <p:txBody>
+          <a:bodyPr wrap="square" rtlCol="0">
+            <a:spAutoFit/>
+          </a:bodyPr>
+          <a:lstStyle/>
+          <a:p>
+            <a:r>
+              <a:rPr lang="en-US" altLang="ko-KR" sz="2000" dirty="0" smtClean="0"/>
+              <a:t>A model of the </a:t>
+            </a:r>
+            <a:r>
+              <a:rPr lang="en-US" altLang="ko-KR" sz="2000" dirty="0" err="1" smtClean="0"/>
+              <a:t>Fabry</a:t>
+            </a:r>
+            <a:r>
+              <a:rPr lang="en-US" altLang="ko-KR" sz="2000" dirty="0" smtClean="0"/>
+              <a:t>-Perot etalon presented by the sample can then be fitted.</a:t>
+            </a:r>
+            <a:endParaRPr lang="en-US" altLang="ko-KR" sz="2000" dirty="0" smtClean="0"/>
+          </a:p>
+        </p:txBody>
+      </p:sp>
+      <p:sp>
+        <p:nvSpPr>
+          <p:cNvPr id="4" name="직사각형 3"/>
+          <p:cNvSpPr/>
+          <p:nvPr/>
+        </p:nvSpPr>
+        <p:spPr>
+          <a:xfrm>
+            <a:off x="4430684" y="1720933"/>
+            <a:ext cx="282632" cy="1454727"/>
+          </a:xfrm>
+          <a:prstGeom prst="rect">
+            <a:avLst/>
+          </a:prstGeom>
+          <a:noFill/>
+          <a:ln w="28575">
+            <a:solidFill>
+              <a:schemeClr val="tx1"/>
+            </a:solidFill>
+          </a:ln>
+        </p:spPr>
+        <p:style>
+          <a:lnRef idx="2">
+            <a:schemeClr val="accent1">
+              <a:shade val="50000"/>
+            </a:schemeClr>
+          </a:lnRef>
+          <a:fillRef idx="1">
+            <a:schemeClr val="accent1"/>
+          </a:fillRef>
+          <a:effectRef idx="0">
+            <a:schemeClr val="accent1"/>
+          </a:effectRef>
+          <a:fontRef idx="minor">
+            <a:schemeClr val="lt1"/>
+          </a:fontRef>
+        </p:style>
+        <p:txBody>
+          <a:bodyPr rtlCol="0" anchor="ctr"/>
+          <a:lstStyle/>
+          <a:p>
+            <a:pPr algn="ctr"/>
+            <a:endParaRPr lang="ko-KR" altLang="en-US"/>
+          </a:p>
+        </p:txBody>
+      </p:sp>
+      <p:cxnSp>
+        <p:nvCxnSpPr>
+          <p:cNvPr id="9" name="직선 화살표 연결선 8"/>
+          <p:cNvCxnSpPr/>
+          <p:nvPr/>
+        </p:nvCxnSpPr>
+        <p:spPr>
+          <a:xfrm>
+            <a:off x="4430684" y="1622088"/>
+            <a:ext cx="282632" cy="0"/>
+          </a:xfrm>
+          <a:prstGeom prst="straightConnector1">
+            <a:avLst/>
+          </a:prstGeom>
+          <a:ln>
+            <a:solidFill>
+              <a:schemeClr val="tx1"/>
+            </a:solidFill>
+            <a:headEnd type="triangle"/>
+            <a:tailEnd type="triangle"/>
+          </a:ln>
+        </p:spPr>
+        <p:style>
+          <a:lnRef idx="1">
+            <a:schemeClr val="accent1"/>
+          </a:lnRef>
+          <a:fillRef idx="0">
+            <a:schemeClr val="accent1"/>
+          </a:fillRef>
+          <a:effectRef idx="0">
+            <a:schemeClr val="accent1"/>
+          </a:effectRef>
+          <a:fontRef idx="minor">
+            <a:schemeClr val="tx1"/>
+          </a:fontRef>
+        </p:style>
+      </p:cxnSp>
+      <p:sp>
+        <p:nvSpPr>
+          <p:cNvPr id="12" name="TextBox 11"/>
+          <p:cNvSpPr txBox="1"/>
+          <p:nvPr/>
+        </p:nvSpPr>
+        <p:spPr>
+          <a:xfrm>
+            <a:off x="4430684" y="1271401"/>
+            <a:ext cx="282100" cy="400110"/>
+          </a:xfrm>
+          <a:prstGeom prst="rect">
+            <a:avLst/>
+          </a:prstGeom>
+          <a:noFill/>
+        </p:spPr>
+        <p:txBody>
+          <a:bodyPr wrap="square" rtlCol="0">
+            <a:spAutoFit/>
+          </a:bodyPr>
+          <a:lstStyle/>
+          <a:p>
+            <a:r>
+              <a:rPr lang="en-US" altLang="ko-KR" sz="2000" dirty="0" smtClean="0"/>
+              <a:t>t</a:t>
+            </a:r>
+            <a:endParaRPr lang="en-US" altLang="ko-KR" sz="2000" dirty="0" smtClean="0"/>
+          </a:p>
+        </p:txBody>
+      </p:sp>
+      <p:cxnSp>
+        <p:nvCxnSpPr>
+          <p:cNvPr id="11" name="직선 화살표 연결선 10"/>
+          <p:cNvCxnSpPr>
+            <a:endCxn id="4" idx="1"/>
+          </p:cNvCxnSpPr>
+          <p:nvPr/>
+        </p:nvCxnSpPr>
+        <p:spPr>
+          <a:xfrm>
+            <a:off x="2177935" y="2448296"/>
+            <a:ext cx="2252749" cy="1"/>
+          </a:xfrm>
+          <a:prstGeom prst="straightConnector1">
+            <a:avLst/>
+          </a:prstGeom>
+          <a:ln w="28575">
+            <a:solidFill>
+              <a:srgbClr val="FF0000"/>
+            </a:solidFill>
+            <a:prstDash val="lgDash"/>
+            <a:tailEnd type="triangle"/>
+          </a:ln>
+        </p:spPr>
+        <p:style>
+          <a:lnRef idx="1">
+            <a:schemeClr val="accent1"/>
+          </a:lnRef>
+          <a:fillRef idx="0">
+            <a:schemeClr val="accent1"/>
+          </a:fillRef>
+          <a:effectRef idx="0">
+            <a:schemeClr val="accent1"/>
+          </a:effectRef>
+          <a:fontRef idx="minor">
+            <a:schemeClr val="tx1"/>
+          </a:fontRef>
+        </p:style>
+      </p:cxnSp>
+      <p:cxnSp>
+        <p:nvCxnSpPr>
+          <p:cNvPr id="16" name="직선 화살표 연결선 15"/>
+          <p:cNvCxnSpPr/>
+          <p:nvPr/>
+        </p:nvCxnSpPr>
+        <p:spPr>
+          <a:xfrm>
+            <a:off x="4713316" y="2451025"/>
+            <a:ext cx="2252749" cy="1"/>
+          </a:xfrm>
+          <a:prstGeom prst="straightConnector1">
+            <a:avLst/>
+          </a:prstGeom>
+          <a:ln w="28575">
+            <a:solidFill>
+              <a:srgbClr val="FF0000"/>
+            </a:solidFill>
+            <a:prstDash val="lgDash"/>
+            <a:tailEnd type="triangle"/>
+          </a:ln>
+        </p:spPr>
+        <p:style>
+          <a:lnRef idx="1">
+            <a:schemeClr val="accent1"/>
+          </a:lnRef>
+          <a:fillRef idx="0">
+            <a:schemeClr val="accent1"/>
+          </a:fillRef>
+          <a:effectRef idx="0">
+            <a:schemeClr val="accent1"/>
+          </a:effectRef>
+          <a:fontRef idx="minor">
+            <a:schemeClr val="tx1"/>
+          </a:fontRef>
+        </p:style>
+      </p:cxnSp>
+      <p:cxnSp>
+        <p:nvCxnSpPr>
+          <p:cNvPr id="17" name="직선 화살표 연결선 16"/>
+          <p:cNvCxnSpPr>
+            <a:endCxn id="4" idx="3"/>
+          </p:cNvCxnSpPr>
+          <p:nvPr/>
+        </p:nvCxnSpPr>
+        <p:spPr>
+          <a:xfrm flipV="1">
+            <a:off x="4430684" y="2448297"/>
+            <a:ext cx="282632" cy="9851"/>
+          </a:xfrm>
+          <a:prstGeom prst="straightConnector1">
+            <a:avLst/>
+          </a:prstGeom>
+          <a:ln w="28575">
+            <a:solidFill>
+              <a:srgbClr val="FF0000"/>
+            </a:solidFill>
+            <a:prstDash val="lgDash"/>
+            <a:tailEnd type="triangle"/>
+          </a:ln>
+        </p:spPr>
+        <p:style>
+          <a:lnRef idx="1">
+            <a:schemeClr val="accent1"/>
+          </a:lnRef>
+          <a:fillRef idx="0">
+            <a:schemeClr val="accent1"/>
+          </a:fillRef>
+          <a:effectRef idx="0">
+            <a:schemeClr val="accent1"/>
+          </a:effectRef>
+          <a:fontRef idx="minor">
+            <a:schemeClr val="tx1"/>
+          </a:fontRef>
+        </p:style>
+      </p:cxnSp>
+      <mc:AlternateContent xmlns:mc="http://schemas.openxmlformats.org/markup-compatibility/2006">
+        <mc:Choice xmlns:a14="http://schemas.microsoft.com/office/drawing/2010/main" Requires="a14">
+          <p:sp>
+            <p:nvSpPr>
+              <p:cNvPr id="18" name="TextBox 17"/>
+              <p:cNvSpPr txBox="1"/>
+              <p:nvPr/>
+            </p:nvSpPr>
+            <p:spPr>
+              <a:xfrm>
+                <a:off x="1750771" y="3349972"/>
+                <a:ext cx="2867388" cy="602473"/>
+              </a:xfrm>
+              <a:prstGeom prst="rect">
+                <a:avLst/>
+              </a:prstGeom>
+              <a:noFill/>
+            </p:spPr>
+            <p:txBody>
+              <a:bodyPr wrap="none" lIns="0" tIns="0" rIns="0" bIns="0" rtlCol="0">
+                <a:spAutoFit/>
+              </a:bodyPr>
+              <a:lstStyle/>
+              <a:p>
+                <a14:m>
+                  <m:oMathPara xmlns:m="http://schemas.openxmlformats.org/officeDocument/2006/math">
+                    <m:oMathParaPr>
+                      <m:jc m:val="centerGroup"/>
+                    </m:oMathParaPr>
+                    <m:oMath xmlns:m="http://schemas.openxmlformats.org/officeDocument/2006/math">
+                      <m:r>
+                        <a:rPr lang="en-US" altLang="ko-KR" b="0" i="1" smtClean="0">
+                          <a:latin typeface="Cambria Math" panose="02040503050406030204" pitchFamily="18" charset="0"/>
+                        </a:rPr>
+                        <m:t>𝑅</m:t>
+                      </m:r>
+                      <m:d>
+                        <m:dPr>
+                          <m:ctrlPr>
+                            <a:rPr lang="en-US" altLang="ko-KR" b="0" i="1" smtClean="0">
+                              <a:latin typeface="Cambria Math" panose="02040503050406030204" pitchFamily="18" charset="0"/>
+                            </a:rPr>
+                          </m:ctrlPr>
+                        </m:dPr>
+                        <m:e>
+                          <m:r>
+                            <a:rPr lang="en-US" altLang="ko-KR" b="0" i="1" smtClean="0">
+                              <a:latin typeface="Cambria Math" panose="02040503050406030204" pitchFamily="18" charset="0"/>
+                            </a:rPr>
+                            <m:t>𝜎</m:t>
+                          </m:r>
+                        </m:e>
+                      </m:d>
+                      <m:r>
+                        <a:rPr lang="en-US" altLang="ko-KR" b="0" i="1" smtClean="0">
+                          <a:latin typeface="Cambria Math" panose="02040503050406030204" pitchFamily="18" charset="0"/>
+                        </a:rPr>
+                        <m:t>=</m:t>
+                      </m:r>
+                      <m:f>
+                        <m:fPr>
+                          <m:ctrlPr>
+                            <a:rPr lang="en-US" altLang="ko-KR" b="0" i="1" smtClean="0">
+                              <a:latin typeface="Cambria Math" panose="02040503050406030204" pitchFamily="18" charset="0"/>
+                            </a:rPr>
+                          </m:ctrlPr>
+                        </m:fPr>
+                        <m:num>
+                          <m:r>
+                            <a:rPr lang="en-US" altLang="ko-KR" b="0" i="1" smtClean="0">
+                              <a:latin typeface="Cambria Math" panose="02040503050406030204" pitchFamily="18" charset="0"/>
+                            </a:rPr>
+                            <m:t>2</m:t>
+                          </m:r>
+                          <m:sSup>
+                            <m:sSupPr>
+                              <m:ctrlPr>
+                                <a:rPr lang="en-US" altLang="ko-KR" b="0" i="1" smtClean="0">
+                                  <a:latin typeface="Cambria Math" panose="02040503050406030204" pitchFamily="18" charset="0"/>
+                                </a:rPr>
+                              </m:ctrlPr>
+                            </m:sSupPr>
+                            <m:e>
+                              <m:r>
+                                <a:rPr lang="en-US" altLang="ko-KR" b="0" i="1" smtClean="0">
+                                  <a:latin typeface="Cambria Math" panose="02040503050406030204" pitchFamily="18" charset="0"/>
+                                </a:rPr>
+                                <m:t>𝑟</m:t>
+                              </m:r>
+                            </m:e>
+                            <m:sup>
+                              <m:r>
+                                <a:rPr lang="en-US" altLang="ko-KR" b="0" i="1" smtClean="0">
+                                  <a:latin typeface="Cambria Math" panose="02040503050406030204" pitchFamily="18" charset="0"/>
+                                </a:rPr>
+                                <m:t>2</m:t>
+                              </m:r>
+                            </m:sup>
+                          </m:sSup>
+                          <m:d>
+                            <m:dPr>
+                              <m:ctrlPr>
+                                <a:rPr lang="en-US" altLang="ko-KR" b="0" i="1" smtClean="0">
+                                  <a:latin typeface="Cambria Math" panose="02040503050406030204" pitchFamily="18" charset="0"/>
+                                </a:rPr>
+                              </m:ctrlPr>
+                            </m:dPr>
+                            <m:e>
+                              <m:r>
+                                <a:rPr lang="en-US" altLang="ko-KR" b="0" i="1" smtClean="0">
+                                  <a:latin typeface="Cambria Math" panose="02040503050406030204" pitchFamily="18" charset="0"/>
+                                </a:rPr>
+                                <m:t>1−</m:t>
+                              </m:r>
+                              <m:func>
+                                <m:funcPr>
+                                  <m:ctrlPr>
+                                    <a:rPr lang="en-US" altLang="ko-KR" b="0" i="1" smtClean="0">
+                                      <a:latin typeface="Cambria Math" panose="02040503050406030204" pitchFamily="18" charset="0"/>
+                                    </a:rPr>
+                                  </m:ctrlPr>
+                                </m:funcPr>
+                                <m:fName>
+                                  <m:r>
+                                    <m:rPr>
+                                      <m:sty m:val="p"/>
+                                    </m:rPr>
+                                    <a:rPr lang="en-US" altLang="ko-KR" b="0" i="0" smtClean="0">
+                                      <a:latin typeface="Cambria Math" panose="02040503050406030204" pitchFamily="18" charset="0"/>
+                                    </a:rPr>
+                                    <m:t>cos</m:t>
+                                  </m:r>
+                                </m:fName>
+                                <m:e>
+                                  <m:r>
+                                    <a:rPr lang="en-US" altLang="ko-KR" b="0" i="1" smtClean="0">
+                                      <a:latin typeface="Cambria Math" panose="02040503050406030204" pitchFamily="18" charset="0"/>
+                                    </a:rPr>
+                                    <m:t>2</m:t>
+                                  </m:r>
+                                  <m:r>
+                                    <a:rPr lang="en-US" altLang="ko-KR" b="0" i="1" smtClean="0">
+                                      <a:latin typeface="Cambria Math" panose="02040503050406030204" pitchFamily="18" charset="0"/>
+                                    </a:rPr>
+                                    <m:t>𝛽</m:t>
+                                  </m:r>
+                                  <m:r>
+                                    <a:rPr lang="en-US" altLang="ko-KR" b="0" i="1" smtClean="0">
+                                      <a:latin typeface="Cambria Math" panose="02040503050406030204" pitchFamily="18" charset="0"/>
+                                    </a:rPr>
+                                    <m:t>𝑡</m:t>
+                                  </m:r>
+                                </m:e>
+                              </m:func>
+                            </m:e>
+                          </m:d>
+                        </m:num>
+                        <m:den>
+                          <m:r>
+                            <a:rPr lang="en-US" altLang="ko-KR" b="0" i="1" smtClean="0">
+                              <a:latin typeface="Cambria Math" panose="02040503050406030204" pitchFamily="18" charset="0"/>
+                            </a:rPr>
+                            <m:t>1+</m:t>
+                          </m:r>
+                          <m:sSup>
+                            <m:sSupPr>
+                              <m:ctrlPr>
+                                <a:rPr lang="en-US" altLang="ko-KR" b="0" i="1" smtClean="0">
+                                  <a:latin typeface="Cambria Math" panose="02040503050406030204" pitchFamily="18" charset="0"/>
+                                </a:rPr>
+                              </m:ctrlPr>
+                            </m:sSupPr>
+                            <m:e>
+                              <m:r>
+                                <a:rPr lang="en-US" altLang="ko-KR" b="0" i="1" smtClean="0">
+                                  <a:latin typeface="Cambria Math" panose="02040503050406030204" pitchFamily="18" charset="0"/>
+                                </a:rPr>
+                                <m:t>𝑟</m:t>
+                              </m:r>
+                            </m:e>
+                            <m:sup>
+                              <m:r>
+                                <a:rPr lang="en-US" altLang="ko-KR" b="0" i="1" smtClean="0">
+                                  <a:latin typeface="Cambria Math" panose="02040503050406030204" pitchFamily="18" charset="0"/>
+                                </a:rPr>
+                                <m:t>4</m:t>
+                              </m:r>
+                            </m:sup>
+                          </m:sSup>
+                          <m:r>
+                            <a:rPr lang="en-US" altLang="ko-KR" b="0" i="1" smtClean="0">
+                              <a:latin typeface="Cambria Math" panose="02040503050406030204" pitchFamily="18" charset="0"/>
+                            </a:rPr>
+                            <m:t>+2</m:t>
+                          </m:r>
+                          <m:sSup>
+                            <m:sSupPr>
+                              <m:ctrlPr>
+                                <a:rPr lang="en-US" altLang="ko-KR" b="0" i="1" smtClean="0">
+                                  <a:latin typeface="Cambria Math" panose="02040503050406030204" pitchFamily="18" charset="0"/>
+                                </a:rPr>
+                              </m:ctrlPr>
+                            </m:sSupPr>
+                            <m:e>
+                              <m:r>
+                                <a:rPr lang="en-US" altLang="ko-KR" b="0" i="1" smtClean="0">
+                                  <a:latin typeface="Cambria Math" panose="02040503050406030204" pitchFamily="18" charset="0"/>
+                                </a:rPr>
+                                <m:t>𝑟</m:t>
+                              </m:r>
+                            </m:e>
+                            <m:sup>
+                              <m:r>
+                                <a:rPr lang="en-US" altLang="ko-KR" b="0" i="1" smtClean="0">
+                                  <a:latin typeface="Cambria Math" panose="02040503050406030204" pitchFamily="18" charset="0"/>
+                                </a:rPr>
+                                <m:t>2</m:t>
+                              </m:r>
+                            </m:sup>
+                          </m:sSup>
+                          <m:func>
+                            <m:funcPr>
+                              <m:ctrlPr>
+                                <a:rPr lang="en-US" altLang="ko-KR" b="0" i="1" smtClean="0">
+                                  <a:latin typeface="Cambria Math" panose="02040503050406030204" pitchFamily="18" charset="0"/>
+                                </a:rPr>
+                              </m:ctrlPr>
+                            </m:funcPr>
+                            <m:fName>
+                              <m:r>
+                                <m:rPr>
+                                  <m:sty m:val="p"/>
+                                </m:rPr>
+                                <a:rPr lang="en-US" altLang="ko-KR" b="0" i="0" smtClean="0">
+                                  <a:latin typeface="Cambria Math" panose="02040503050406030204" pitchFamily="18" charset="0"/>
+                                </a:rPr>
+                                <m:t>cos</m:t>
+                              </m:r>
+                            </m:fName>
+                            <m:e>
+                              <m:r>
+                                <a:rPr lang="en-US" altLang="ko-KR" b="0" i="1" smtClean="0">
+                                  <a:latin typeface="Cambria Math" panose="02040503050406030204" pitchFamily="18" charset="0"/>
+                                </a:rPr>
+                                <m:t>2</m:t>
+                              </m:r>
+                              <m:r>
+                                <a:rPr lang="en-US" altLang="ko-KR" b="0" i="1" smtClean="0">
+                                  <a:latin typeface="Cambria Math" panose="02040503050406030204" pitchFamily="18" charset="0"/>
+                                </a:rPr>
+                                <m:t>𝛽</m:t>
+                              </m:r>
+                              <m:r>
+                                <a:rPr lang="en-US" altLang="ko-KR" b="0" i="1" smtClean="0">
+                                  <a:latin typeface="Cambria Math" panose="02040503050406030204" pitchFamily="18" charset="0"/>
+                                </a:rPr>
+                                <m:t>𝑡</m:t>
+                              </m:r>
+                            </m:e>
+                          </m:func>
+                        </m:den>
+                      </m:f>
+                    </m:oMath>
+                  </m:oMathPara>
+                </a14:m>
+                <a:endParaRPr lang="ko-KR" altLang="en-US" dirty="0"/>
+              </a:p>
+            </p:txBody>
+          </p:sp>
+        </mc:Choice>
+        <mc:Fallback>
+          <p:sp>
+            <p:nvSpPr>
+              <p:cNvPr id="18" name="TextBox 17"/>
+              <p:cNvSpPr txBox="1">
+                <a:spLocks noRot="1" noChangeAspect="1" noMove="1" noResize="1" noEditPoints="1" noAdjustHandles="1" noChangeArrowheads="1" noChangeShapeType="1" noTextEdit="1"/>
+              </p:cNvSpPr>
+              <p:nvPr/>
+            </p:nvSpPr>
+            <p:spPr>
+              <a:xfrm>
+                <a:off x="1750771" y="3349972"/>
+                <a:ext cx="2867388" cy="602473"/>
+              </a:xfrm>
+              <a:prstGeom prst="rect">
+                <a:avLst/>
+              </a:prstGeom>
+              <a:blipFill>
+                <a:blip r:embed="rId3"/>
+                <a:stretch>
+                  <a:fillRect/>
+                </a:stretch>
+              </a:blipFill>
+            </p:spPr>
+            <p:txBody>
+              <a:bodyPr/>
+              <a:lstStyle/>
+              <a:p>
+                <a:r>
+                  <a:rPr lang="ko-KR" altLang="en-US">
+                    <a:noFill/>
+                  </a:rPr>
+                  <a:t> </a:t>
+                </a:r>
+              </a:p>
+            </p:txBody>
+          </p:sp>
+        </mc:Fallback>
+      </mc:AlternateContent>
+      <mc:AlternateContent xmlns:mc="http://schemas.openxmlformats.org/markup-compatibility/2006">
+        <mc:Choice xmlns:a14="http://schemas.microsoft.com/office/drawing/2010/main" Requires="a14">
+          <p:sp>
+            <p:nvSpPr>
+              <p:cNvPr id="19" name="TextBox 18"/>
+              <p:cNvSpPr txBox="1"/>
+              <p:nvPr/>
+            </p:nvSpPr>
+            <p:spPr>
+              <a:xfrm>
+                <a:off x="5644773" y="3427429"/>
+                <a:ext cx="2642583" cy="525016"/>
+              </a:xfrm>
+              <a:prstGeom prst="rect">
+                <a:avLst/>
+              </a:prstGeom>
+              <a:noFill/>
+            </p:spPr>
+            <p:txBody>
+              <a:bodyPr wrap="none" lIns="0" tIns="0" rIns="0" bIns="0" rtlCol="0">
+                <a:spAutoFit/>
+              </a:bodyPr>
+              <a:lstStyle/>
+              <a:p>
+                <a14:m>
+                  <m:oMathPara xmlns:m="http://schemas.openxmlformats.org/officeDocument/2006/math">
+                    <m:oMathParaPr>
+                      <m:jc m:val="centerGroup"/>
+                    </m:oMathParaPr>
+                    <m:oMath xmlns:m="http://schemas.openxmlformats.org/officeDocument/2006/math">
+                      <m:r>
+                        <a:rPr lang="en-US" altLang="ko-KR" b="0" i="1" smtClean="0">
+                          <a:latin typeface="Cambria Math" panose="02040503050406030204" pitchFamily="18" charset="0"/>
+                        </a:rPr>
+                        <m:t>;</m:t>
+                      </m:r>
+                      <m:r>
+                        <a:rPr lang="en-US" altLang="ko-KR" b="0" i="1" smtClean="0">
+                          <a:latin typeface="Cambria Math" panose="02040503050406030204" pitchFamily="18" charset="0"/>
+                        </a:rPr>
+                        <m:t>𝑟</m:t>
+                      </m:r>
+                      <m:r>
+                        <a:rPr lang="en-US" altLang="ko-KR" b="0" i="1" smtClean="0">
+                          <a:latin typeface="Cambria Math" panose="02040503050406030204" pitchFamily="18" charset="0"/>
+                        </a:rPr>
+                        <m:t>=</m:t>
+                      </m:r>
+                      <m:f>
+                        <m:fPr>
+                          <m:ctrlPr>
+                            <a:rPr lang="en-US" altLang="ko-KR" b="0" i="1" smtClean="0">
+                              <a:latin typeface="Cambria Math" panose="02040503050406030204" pitchFamily="18" charset="0"/>
+                            </a:rPr>
+                          </m:ctrlPr>
+                        </m:fPr>
+                        <m:num>
+                          <m:r>
+                            <a:rPr lang="en-US" altLang="ko-KR" b="0" i="1" smtClean="0">
+                              <a:latin typeface="Cambria Math" panose="02040503050406030204" pitchFamily="18" charset="0"/>
+                            </a:rPr>
+                            <m:t>1−</m:t>
+                          </m:r>
+                          <m:r>
+                            <a:rPr lang="en-US" altLang="ko-KR" b="0" i="1" smtClean="0">
+                              <a:latin typeface="Cambria Math" panose="02040503050406030204" pitchFamily="18" charset="0"/>
+                            </a:rPr>
+                            <m:t>𝑛</m:t>
+                          </m:r>
+                        </m:num>
+                        <m:den>
+                          <m:r>
+                            <a:rPr lang="en-US" altLang="ko-KR" b="0" i="1" smtClean="0">
+                              <a:latin typeface="Cambria Math" panose="02040503050406030204" pitchFamily="18" charset="0"/>
+                            </a:rPr>
+                            <m:t>1+</m:t>
+                          </m:r>
+                          <m:r>
+                            <a:rPr lang="en-US" altLang="ko-KR" b="0" i="1" smtClean="0">
+                              <a:latin typeface="Cambria Math" panose="02040503050406030204" pitchFamily="18" charset="0"/>
+                            </a:rPr>
+                            <m:t>𝑛</m:t>
+                          </m:r>
+                        </m:den>
+                      </m:f>
+                      <m:r>
+                        <a:rPr lang="en-US" altLang="ko-KR" b="0" i="1" smtClean="0">
+                          <a:latin typeface="Cambria Math" panose="02040503050406030204" pitchFamily="18" charset="0"/>
+                        </a:rPr>
+                        <m:t>,  </m:t>
+                      </m:r>
+                      <m:r>
+                        <a:rPr lang="en-US" altLang="ko-KR" b="0" i="1" smtClean="0">
+                          <a:latin typeface="Cambria Math" panose="02040503050406030204" pitchFamily="18" charset="0"/>
+                        </a:rPr>
+                        <m:t>𝛽</m:t>
+                      </m:r>
+                      <m:r>
+                        <a:rPr lang="en-US" altLang="ko-KR" b="0" i="1" smtClean="0">
+                          <a:latin typeface="Cambria Math" panose="02040503050406030204" pitchFamily="18" charset="0"/>
+                        </a:rPr>
+                        <m:t>=2</m:t>
+                      </m:r>
+                      <m:r>
+                        <a:rPr lang="en-US" altLang="ko-KR" b="0" i="1" smtClean="0">
+                          <a:latin typeface="Cambria Math" panose="02040503050406030204" pitchFamily="18" charset="0"/>
+                        </a:rPr>
+                        <m:t>𝜋</m:t>
+                      </m:r>
+                      <m:r>
+                        <a:rPr lang="en-US" altLang="ko-KR" b="0" i="1" smtClean="0">
+                          <a:latin typeface="Cambria Math" panose="02040503050406030204" pitchFamily="18" charset="0"/>
+                        </a:rPr>
+                        <m:t>𝑛</m:t>
+                      </m:r>
+                      <m:r>
+                        <a:rPr lang="en-US" altLang="ko-KR" b="0" i="1" smtClean="0">
+                          <a:latin typeface="Cambria Math" panose="02040503050406030204" pitchFamily="18" charset="0"/>
+                        </a:rPr>
+                        <m:t>𝜎</m:t>
+                      </m:r>
+                    </m:oMath>
+                  </m:oMathPara>
+                </a14:m>
+                <a:endParaRPr lang="ko-KR" altLang="en-US" dirty="0"/>
+              </a:p>
+            </p:txBody>
+          </p:sp>
+        </mc:Choice>
+        <mc:Fallback>
+          <p:sp>
+            <p:nvSpPr>
+              <p:cNvPr id="19" name="TextBox 18"/>
+              <p:cNvSpPr txBox="1">
+                <a:spLocks noRot="1" noChangeAspect="1" noMove="1" noResize="1" noEditPoints="1" noAdjustHandles="1" noChangeArrowheads="1" noChangeShapeType="1" noTextEdit="1"/>
+              </p:cNvSpPr>
+              <p:nvPr/>
+            </p:nvSpPr>
+            <p:spPr>
+              <a:xfrm>
+                <a:off x="5644773" y="3427429"/>
+                <a:ext cx="2642583" cy="525016"/>
+              </a:xfrm>
+              <a:prstGeom prst="rect">
+                <a:avLst/>
+              </a:prstGeom>
+              <a:blipFill>
+                <a:blip r:embed="rId4"/>
+                <a:stretch>
+                  <a:fillRect/>
+                </a:stretch>
+              </a:blipFill>
+            </p:spPr>
+            <p:txBody>
+              <a:bodyPr/>
+              <a:lstStyle/>
+              <a:p>
+                <a:r>
+                  <a:rPr lang="ko-KR" altLang="en-US">
+                    <a:noFill/>
+                  </a:rPr>
+                  <a:t> </a:t>
+                </a:r>
+              </a:p>
+            </p:txBody>
+          </p:sp>
+        </mc:Fallback>
+      </mc:AlternateContent>
+      <mc:AlternateContent xmlns:mc="http://schemas.openxmlformats.org/markup-compatibility/2006">
+        <mc:Choice xmlns:a14="http://schemas.microsoft.com/office/drawing/2010/main" Requires="a14">
+          <p:sp>
+            <p:nvSpPr>
+              <p:cNvPr id="20" name="TextBox 19"/>
+              <p:cNvSpPr txBox="1"/>
+              <p:nvPr/>
+            </p:nvSpPr>
+            <p:spPr>
+              <a:xfrm>
+                <a:off x="1750771" y="4196127"/>
+                <a:ext cx="2159822" cy="567078"/>
+              </a:xfrm>
+              <a:prstGeom prst="rect">
+                <a:avLst/>
+              </a:prstGeom>
+              <a:noFill/>
+            </p:spPr>
+            <p:txBody>
+              <a:bodyPr wrap="none" lIns="0" tIns="0" rIns="0" bIns="0" rtlCol="0">
+                <a:spAutoFit/>
+              </a:bodyPr>
+              <a:lstStyle/>
+              <a:p>
+                <a14:m>
+                  <m:oMathPara xmlns:m="http://schemas.openxmlformats.org/officeDocument/2006/math">
+                    <m:oMathParaPr>
+                      <m:jc m:val="centerGroup"/>
+                    </m:oMathParaPr>
+                    <m:oMath xmlns:m="http://schemas.openxmlformats.org/officeDocument/2006/math">
+                      <m:r>
+                        <a:rPr lang="en-US" altLang="ko-KR" b="0" i="1" smtClean="0">
+                          <a:latin typeface="Cambria Math" panose="02040503050406030204" pitchFamily="18" charset="0"/>
+                        </a:rPr>
+                        <m:t>𝑇</m:t>
+                      </m:r>
+                      <m:d>
+                        <m:dPr>
+                          <m:ctrlPr>
+                            <a:rPr lang="en-US" altLang="ko-KR" b="0" i="1" smtClean="0">
+                              <a:latin typeface="Cambria Math" panose="02040503050406030204" pitchFamily="18" charset="0"/>
+                            </a:rPr>
+                          </m:ctrlPr>
+                        </m:dPr>
+                        <m:e>
+                          <m:r>
+                            <a:rPr lang="en-US" altLang="ko-KR" b="0" i="1" smtClean="0">
+                              <a:latin typeface="Cambria Math" panose="02040503050406030204" pitchFamily="18" charset="0"/>
+                            </a:rPr>
+                            <m:t>𝜎</m:t>
+                          </m:r>
+                        </m:e>
+                      </m:d>
+                      <m:r>
+                        <a:rPr lang="en-US" altLang="ko-KR" b="0" i="1" smtClean="0">
+                          <a:latin typeface="Cambria Math" panose="02040503050406030204" pitchFamily="18" charset="0"/>
+                        </a:rPr>
+                        <m:t>=</m:t>
+                      </m:r>
+                      <m:f>
+                        <m:fPr>
+                          <m:ctrlPr>
+                            <a:rPr lang="en-US" altLang="ko-KR" b="0" i="1" smtClean="0">
+                              <a:latin typeface="Cambria Math" panose="02040503050406030204" pitchFamily="18" charset="0"/>
+                            </a:rPr>
+                          </m:ctrlPr>
+                        </m:fPr>
+                        <m:num>
+                          <m:r>
+                            <a:rPr lang="en-US" altLang="ko-KR" b="0" i="1" smtClean="0">
+                              <a:latin typeface="Cambria Math" panose="02040503050406030204" pitchFamily="18" charset="0"/>
+                            </a:rPr>
+                            <m:t>1</m:t>
+                          </m:r>
+                        </m:num>
+                        <m:den>
+                          <m:r>
+                            <a:rPr lang="en-US" altLang="ko-KR" b="0" i="1" smtClean="0">
+                              <a:latin typeface="Cambria Math" panose="02040503050406030204" pitchFamily="18" charset="0"/>
+                            </a:rPr>
+                            <m:t>1+</m:t>
+                          </m:r>
+                          <m:r>
+                            <a:rPr lang="en-US" altLang="ko-KR" b="0" i="1" smtClean="0">
+                              <a:latin typeface="Cambria Math" panose="02040503050406030204" pitchFamily="18" charset="0"/>
+                            </a:rPr>
+                            <m:t>ℱ</m:t>
+                          </m:r>
+                          <m:func>
+                            <m:funcPr>
+                              <m:ctrlPr>
+                                <a:rPr lang="en-US" altLang="ko-KR" b="0" i="1" smtClean="0">
+                                  <a:latin typeface="Cambria Math" panose="02040503050406030204" pitchFamily="18" charset="0"/>
+                                </a:rPr>
+                              </m:ctrlPr>
+                            </m:funcPr>
+                            <m:fName>
+                              <m:sSup>
+                                <m:sSupPr>
+                                  <m:ctrlPr>
+                                    <a:rPr lang="en-US" altLang="ko-KR" b="0" i="1" smtClean="0">
+                                      <a:latin typeface="Cambria Math" panose="02040503050406030204" pitchFamily="18" charset="0"/>
+                                    </a:rPr>
+                                  </m:ctrlPr>
+                                </m:sSupPr>
+                                <m:e>
+                                  <m:r>
+                                    <m:rPr>
+                                      <m:sty m:val="p"/>
+                                    </m:rPr>
+                                    <a:rPr lang="en-US" altLang="ko-KR" b="0" i="0" smtClean="0">
+                                      <a:latin typeface="Cambria Math" panose="02040503050406030204" pitchFamily="18" charset="0"/>
+                                    </a:rPr>
+                                    <m:t>sin</m:t>
+                                  </m:r>
+                                </m:e>
+                                <m:sup>
+                                  <m:r>
+                                    <a:rPr lang="en-US" altLang="ko-KR" b="0" i="1" smtClean="0">
+                                      <a:latin typeface="Cambria Math" panose="02040503050406030204" pitchFamily="18" charset="0"/>
+                                    </a:rPr>
+                                    <m:t>2</m:t>
+                                  </m:r>
+                                </m:sup>
+                              </m:sSup>
+                            </m:fName>
+                            <m:e>
+                              <m:r>
+                                <a:rPr lang="en-US" altLang="ko-KR" b="0" i="1" smtClean="0">
+                                  <a:latin typeface="Cambria Math" panose="02040503050406030204" pitchFamily="18" charset="0"/>
+                                </a:rPr>
+                                <m:t>𝛽</m:t>
+                              </m:r>
+                              <m:r>
+                                <a:rPr lang="en-US" altLang="ko-KR" b="0" i="1" smtClean="0">
+                                  <a:latin typeface="Cambria Math" panose="02040503050406030204" pitchFamily="18" charset="0"/>
+                                </a:rPr>
+                                <m:t>𝑑</m:t>
+                              </m:r>
+                            </m:e>
+                          </m:func>
+                        </m:den>
+                      </m:f>
+                    </m:oMath>
+                  </m:oMathPara>
+                </a14:m>
+                <a:endParaRPr lang="ko-KR" altLang="en-US" dirty="0"/>
+              </a:p>
+            </p:txBody>
+          </p:sp>
+        </mc:Choice>
+        <mc:Fallback>
+          <p:sp>
+            <p:nvSpPr>
+              <p:cNvPr id="20" name="TextBox 19"/>
+              <p:cNvSpPr txBox="1">
+                <a:spLocks noRot="1" noChangeAspect="1" noMove="1" noResize="1" noEditPoints="1" noAdjustHandles="1" noChangeArrowheads="1" noChangeShapeType="1" noTextEdit="1"/>
+              </p:cNvSpPr>
+              <p:nvPr/>
+            </p:nvSpPr>
+            <p:spPr>
+              <a:xfrm>
+                <a:off x="1750771" y="4196127"/>
+                <a:ext cx="2159822" cy="567078"/>
+              </a:xfrm>
+              <a:prstGeom prst="rect">
+                <a:avLst/>
+              </a:prstGeom>
+              <a:blipFill>
+                <a:blip r:embed="rId5"/>
+                <a:stretch>
+                  <a:fillRect/>
+                </a:stretch>
+              </a:blipFill>
+            </p:spPr>
+            <p:txBody>
+              <a:bodyPr/>
+              <a:lstStyle/>
+              <a:p>
+                <a:r>
+                  <a:rPr lang="ko-KR" altLang="en-US">
+                    <a:noFill/>
+                  </a:rPr>
+                  <a:t> </a:t>
+                </a:r>
+              </a:p>
+            </p:txBody>
+          </p:sp>
+        </mc:Fallback>
+      </mc:AlternateContent>
+      <mc:AlternateContent xmlns:mc="http://schemas.openxmlformats.org/markup-compatibility/2006">
+        <mc:Choice xmlns:a14="http://schemas.microsoft.com/office/drawing/2010/main" Requires="a14">
+          <p:sp>
+            <p:nvSpPr>
+              <p:cNvPr id="21" name="TextBox 20"/>
+              <p:cNvSpPr txBox="1"/>
+              <p:nvPr/>
+            </p:nvSpPr>
+            <p:spPr>
+              <a:xfrm>
+                <a:off x="5644773" y="4256367"/>
+                <a:ext cx="1555106" cy="595035"/>
+              </a:xfrm>
+              <a:prstGeom prst="rect">
+                <a:avLst/>
+              </a:prstGeom>
+              <a:noFill/>
+            </p:spPr>
+            <p:txBody>
+              <a:bodyPr wrap="none" lIns="0" tIns="0" rIns="0" bIns="0" rtlCol="0">
+                <a:spAutoFit/>
+              </a:bodyPr>
+              <a:lstStyle/>
+              <a:p>
+                <a14:m>
+                  <m:oMathPara xmlns:m="http://schemas.openxmlformats.org/officeDocument/2006/math">
+                    <m:oMathParaPr>
+                      <m:jc m:val="centerGroup"/>
+                    </m:oMathParaPr>
+                    <m:oMath xmlns:m="http://schemas.openxmlformats.org/officeDocument/2006/math">
+                      <m:r>
+                        <a:rPr lang="en-US" altLang="ko-KR" b="0" i="1" smtClean="0">
+                          <a:latin typeface="Cambria Math" panose="02040503050406030204" pitchFamily="18" charset="0"/>
+                        </a:rPr>
+                        <m:t>;</m:t>
+                      </m:r>
+                      <m:r>
+                        <a:rPr lang="en-US" altLang="ko-KR" i="1" smtClean="0">
+                          <a:latin typeface="Cambria Math" panose="02040503050406030204" pitchFamily="18" charset="0"/>
+                        </a:rPr>
+                        <m:t>ℱ</m:t>
+                      </m:r>
+                      <m:r>
+                        <a:rPr lang="en-US" altLang="ko-KR" b="0" i="1" smtClean="0">
+                          <a:latin typeface="Cambria Math" panose="02040503050406030204" pitchFamily="18" charset="0"/>
+                        </a:rPr>
+                        <m:t>=</m:t>
+                      </m:r>
+                      <m:f>
+                        <m:fPr>
+                          <m:ctrlPr>
+                            <a:rPr lang="en-US" altLang="ko-KR" b="0" i="1" smtClean="0">
+                              <a:latin typeface="Cambria Math" panose="02040503050406030204" pitchFamily="18" charset="0"/>
+                            </a:rPr>
+                          </m:ctrlPr>
+                        </m:fPr>
+                        <m:num>
+                          <m:r>
+                            <a:rPr lang="en-US" altLang="ko-KR" b="0" i="1" smtClean="0">
+                              <a:latin typeface="Cambria Math" panose="02040503050406030204" pitchFamily="18" charset="0"/>
+                            </a:rPr>
+                            <m:t>4</m:t>
+                          </m:r>
+                          <m:sSup>
+                            <m:sSupPr>
+                              <m:ctrlPr>
+                                <a:rPr lang="en-US" altLang="ko-KR" b="0" i="1" smtClean="0">
+                                  <a:latin typeface="Cambria Math" panose="02040503050406030204" pitchFamily="18" charset="0"/>
+                                </a:rPr>
+                              </m:ctrlPr>
+                            </m:sSupPr>
+                            <m:e>
+                              <m:r>
+                                <a:rPr lang="en-US" altLang="ko-KR" b="0" i="1" smtClean="0">
+                                  <a:latin typeface="Cambria Math" panose="02040503050406030204" pitchFamily="18" charset="0"/>
+                                </a:rPr>
+                                <m:t>𝑟</m:t>
+                              </m:r>
+                            </m:e>
+                            <m:sup>
+                              <m:r>
+                                <a:rPr lang="en-US" altLang="ko-KR" b="0" i="1" smtClean="0">
+                                  <a:latin typeface="Cambria Math" panose="02040503050406030204" pitchFamily="18" charset="0"/>
+                                </a:rPr>
+                                <m:t>2</m:t>
+                              </m:r>
+                            </m:sup>
+                          </m:sSup>
+                        </m:num>
+                        <m:den>
+                          <m:sSup>
+                            <m:sSupPr>
+                              <m:ctrlPr>
+                                <a:rPr lang="en-US" altLang="ko-KR" b="0" i="1" smtClean="0">
+                                  <a:latin typeface="Cambria Math" panose="02040503050406030204" pitchFamily="18" charset="0"/>
+                                </a:rPr>
+                              </m:ctrlPr>
+                            </m:sSupPr>
+                            <m:e>
+                              <m:d>
+                                <m:dPr>
+                                  <m:ctrlPr>
+                                    <a:rPr lang="en-US" altLang="ko-KR" b="0" i="1" smtClean="0">
+                                      <a:latin typeface="Cambria Math" panose="02040503050406030204" pitchFamily="18" charset="0"/>
+                                    </a:rPr>
+                                  </m:ctrlPr>
+                                </m:dPr>
+                                <m:e>
+                                  <m:r>
+                                    <a:rPr lang="en-US" altLang="ko-KR" b="0" i="1" smtClean="0">
+                                      <a:latin typeface="Cambria Math" panose="02040503050406030204" pitchFamily="18" charset="0"/>
+                                    </a:rPr>
+                                    <m:t>1−</m:t>
+                                  </m:r>
+                                  <m:sSup>
+                                    <m:sSupPr>
+                                      <m:ctrlPr>
+                                        <a:rPr lang="en-US" altLang="ko-KR" b="0" i="1" smtClean="0">
+                                          <a:latin typeface="Cambria Math" panose="02040503050406030204" pitchFamily="18" charset="0"/>
+                                        </a:rPr>
+                                      </m:ctrlPr>
+                                    </m:sSupPr>
+                                    <m:e>
+                                      <m:r>
+                                        <a:rPr lang="en-US" altLang="ko-KR" b="0" i="1" smtClean="0">
+                                          <a:latin typeface="Cambria Math" panose="02040503050406030204" pitchFamily="18" charset="0"/>
+                                        </a:rPr>
+                                        <m:t>𝑟</m:t>
+                                      </m:r>
+                                    </m:e>
+                                    <m:sup>
+                                      <m:r>
+                                        <a:rPr lang="en-US" altLang="ko-KR" b="0" i="1" smtClean="0">
+                                          <a:latin typeface="Cambria Math" panose="02040503050406030204" pitchFamily="18" charset="0"/>
+                                        </a:rPr>
+                                        <m:t>2</m:t>
+                                      </m:r>
+                                    </m:sup>
+                                  </m:sSup>
+                                </m:e>
+                              </m:d>
+                            </m:e>
+                            <m:sup>
+                              <m:r>
+                                <a:rPr lang="en-US" altLang="ko-KR" b="0" i="1" smtClean="0">
+                                  <a:latin typeface="Cambria Math" panose="02040503050406030204" pitchFamily="18" charset="0"/>
+                                </a:rPr>
+                                <m:t>2</m:t>
+                              </m:r>
+                            </m:sup>
+                          </m:sSup>
+                        </m:den>
+                      </m:f>
+                    </m:oMath>
+                  </m:oMathPara>
+                </a14:m>
+                <a:endParaRPr lang="ko-KR" altLang="en-US" dirty="0"/>
+              </a:p>
+            </p:txBody>
+          </p:sp>
+        </mc:Choice>
+        <mc:Fallback>
+          <p:sp>
+            <p:nvSpPr>
+              <p:cNvPr id="21" name="TextBox 20"/>
+              <p:cNvSpPr txBox="1">
+                <a:spLocks noRot="1" noChangeAspect="1" noMove="1" noResize="1" noEditPoints="1" noAdjustHandles="1" noChangeArrowheads="1" noChangeShapeType="1" noTextEdit="1"/>
+              </p:cNvSpPr>
+              <p:nvPr/>
+            </p:nvSpPr>
+            <p:spPr>
+              <a:xfrm>
+                <a:off x="5644773" y="4256367"/>
+                <a:ext cx="1555106" cy="595035"/>
+              </a:xfrm>
+              <a:prstGeom prst="rect">
+                <a:avLst/>
+              </a:prstGeom>
+              <a:blipFill>
+                <a:blip r:embed="rId6"/>
+                <a:stretch>
+                  <a:fillRect/>
+                </a:stretch>
+              </a:blipFill>
+            </p:spPr>
+            <p:txBody>
+              <a:bodyPr/>
+              <a:lstStyle/>
+              <a:p>
+                <a:r>
+                  <a:rPr lang="ko-KR" altLang="en-US">
+                    <a:noFill/>
+                  </a:rPr>
+                  <a:t> </a:t>
+                </a:r>
+              </a:p>
+            </p:txBody>
+          </p:sp>
+        </mc:Fallback>
+      </mc:AlternateContent>
+      <p:sp>
+        <p:nvSpPr>
+          <p:cNvPr id="24" name="TextBox 23"/>
+          <p:cNvSpPr txBox="1"/>
+          <p:nvPr/>
+        </p:nvSpPr>
+        <p:spPr>
+          <a:xfrm>
+            <a:off x="4430684" y="2547141"/>
+            <a:ext cx="282100" cy="400110"/>
+          </a:xfrm>
+          <a:prstGeom prst="rect">
+            <a:avLst/>
+          </a:prstGeom>
+          <a:noFill/>
+        </p:spPr>
+        <p:txBody>
+          <a:bodyPr wrap="square" rtlCol="0">
+            <a:spAutoFit/>
+          </a:bodyPr>
+          <a:lstStyle/>
+          <a:p>
+            <a:r>
+              <a:rPr lang="en-US" altLang="ko-KR" sz="2000" dirty="0"/>
+              <a:t>n</a:t>
+            </a:r>
+            <a:endParaRPr lang="en-US" altLang="ko-KR" sz="2000" dirty="0" smtClean="0"/>
+          </a:p>
+        </p:txBody>
+      </p:sp>
+    </p:spTree>
+    <p:extLst>
+      <p:ext uri="{BB962C8B-B14F-4D97-AF65-F5344CB8AC3E}">
+        <p14:creationId xmlns:p14="http://schemas.microsoft.com/office/powerpoint/2010/main" val="693372439"/>
+      </p:ext>
+    </p:extLst>
+  </p:cSld>
+  <p:clrMapOvr>
+    <a:masterClrMapping/>
+  </p:clrMapOvr>
+  <p:timing>
+    <p:tnLst>
+      <p:par>
+        <p:cTn id="1" dur="indefinite" restart="never" nodeType="tmRoot"/>
+      </p:par>
+    </p:tnLst>
+  </p:timing>
+</p:sld>
+</file>
+
+<file path=ppt/slides/slide18.xml><?xml version="1.0" encoding="utf-8"?>
+<p:sld xmlns:a="http://schemas.openxmlformats.org/drawingml/2006/main" xmlns:r="http://schemas.openxmlformats.org/officeDocument/2006/relationships" xmlns:p="http://schemas.openxmlformats.org/presentationml/2006/main">
+  <p:cSld>
+    <p:spTree>
+      <p:nvGrpSpPr>
+        <p:cNvPr id="1" name=""/>
+        <p:cNvGrpSpPr/>
+        <p:nvPr/>
+      </p:nvGrpSpPr>
+      <p:grpSpPr>
+        <a:xfrm>
+          <a:off x="0" y="0"/>
+          <a:ext cx="0" cy="0"/>
+          <a:chOff x="0" y="0"/>
+          <a:chExt cx="0" cy="0"/>
+        </a:xfrm>
+      </p:grpSpPr>
+      <p:sp>
+        <p:nvSpPr>
+          <p:cNvPr id="6199" name="Rectangle 55"/>
+          <p:cNvSpPr>
+            <a:spLocks noChangeArrowheads="1"/>
+          </p:cNvSpPr>
+          <p:nvPr/>
+        </p:nvSpPr>
+        <p:spPr bwMode="auto">
+          <a:xfrm>
+            <a:off x="0" y="0"/>
+            <a:ext cx="9144000" cy="692150"/>
+          </a:xfrm>
+          <a:prstGeom prst="rect">
+            <a:avLst/>
+          </a:prstGeom>
+          <a:solidFill>
+            <a:srgbClr val="3333FF"/>
+          </a:solidFill>
+          <a:ln>
+            <a:noFill/>
+          </a:ln>
+          <a:effectLst/>
+          <a:extLst>
+            <a:ext uri="{91240B29-F687-4F45-9708-019B960494DF}">
+              <a14:hiddenLine xmlns:a14="http://schemas.microsoft.com/office/drawing/2010/main" w="9525">
+                <a:solidFill>
+                  <a:schemeClr val="tx1"/>
+                </a:solidFill>
+                <a:miter lim="800000"/>
+                <a:headEnd/>
+                <a:tailEnd/>
+              </a14:hiddenLine>
+            </a:ext>
+            <a:ext uri="{AF507438-7753-43E0-B8FC-AC1667EBCBE1}">
+              <a14:hiddenEffects xmlns:a14="http://schemas.microsoft.com/office/drawing/2010/main">
+                <a:effectLst>
+                  <a:outerShdw dist="35921" dir="2700000" algn="ctr" rotWithShape="0">
+                    <a:schemeClr val="bg2"/>
+                  </a:outerShdw>
+                </a:effectLst>
+              </a14:hiddenEffects>
+            </a:ext>
+          </a:extLst>
+        </p:spPr>
+        <p:txBody>
+          <a:bodyPr wrap="none" anchor="ctr"/>
+          <a:lstStyle/>
+          <a:p>
+            <a:pPr algn="ctr"/>
+            <a:r>
+              <a:rPr lang="en-US" altLang="ko-KR" sz="2400" dirty="0" smtClean="0">
+                <a:solidFill>
+                  <a:schemeClr val="bg1"/>
+                </a:solidFill>
+                <a:latin typeface="Arial" panose="020B0604020202020204" pitchFamily="34" charset="0"/>
+              </a:rPr>
+              <a:t>3.1 Thin Sample Approximation: Lossless Case</a:t>
+            </a:r>
+            <a:endParaRPr lang="en-US" altLang="ko-KR" sz="2400" dirty="0" smtClean="0">
+              <a:solidFill>
+                <a:schemeClr val="bg1"/>
+              </a:solidFill>
+              <a:latin typeface="Arial" panose="020B0604020202020204" pitchFamily="34" charset="0"/>
+            </a:endParaRPr>
+          </a:p>
+        </p:txBody>
+      </p:sp>
+      <p:sp>
+        <p:nvSpPr>
+          <p:cNvPr id="2" name="날짜 개체 틀 1"/>
+          <p:cNvSpPr>
+            <a:spLocks noGrp="1"/>
+          </p:cNvSpPr>
+          <p:nvPr>
+            <p:ph type="dt" sz="half" idx="10"/>
+          </p:nvPr>
+        </p:nvSpPr>
+        <p:spPr/>
+        <p:txBody>
+          <a:bodyPr/>
+          <a:lstStyle/>
+          <a:p>
+            <a:fld id="{53646E5C-8775-44A9-9523-40B6CCA06789}" type="datetime1">
+              <a:rPr lang="ko-KR" altLang="en-US" smtClean="0"/>
+              <a:t>2018-04-01</a:t>
+            </a:fld>
+            <a:endParaRPr lang="ko-KR" altLang="en-US"/>
+          </a:p>
+        </p:txBody>
+      </p:sp>
+      <p:sp>
+        <p:nvSpPr>
+          <p:cNvPr id="15" name="슬라이드 번호 개체 틀 14"/>
+          <p:cNvSpPr>
+            <a:spLocks noGrp="1"/>
+          </p:cNvSpPr>
+          <p:nvPr>
+            <p:ph type="sldNum" sz="quarter" idx="12"/>
+          </p:nvPr>
+        </p:nvSpPr>
+        <p:spPr/>
+        <p:txBody>
+          <a:bodyPr/>
+          <a:lstStyle/>
+          <a:p>
+            <a:fld id="{8765F8EB-1186-4395-8E70-F957669279DD}" type="slidenum">
+              <a:rPr lang="ko-KR" altLang="en-US" smtClean="0"/>
+              <a:t>18</a:t>
+            </a:fld>
+            <a:endParaRPr lang="ko-KR" altLang="en-US"/>
+          </a:p>
+        </p:txBody>
+      </p:sp>
+      <p:sp>
+        <p:nvSpPr>
+          <p:cNvPr id="6" name="TextBox 5"/>
+          <p:cNvSpPr txBox="1"/>
+          <p:nvPr/>
+        </p:nvSpPr>
+        <p:spPr>
+          <a:xfrm>
+            <a:off x="720969" y="914202"/>
+            <a:ext cx="7794381" cy="707886"/>
+          </a:xfrm>
+          <a:prstGeom prst="rect">
+            <a:avLst/>
+          </a:prstGeom>
+          <a:noFill/>
+        </p:spPr>
+        <p:txBody>
+          <a:bodyPr wrap="square" rtlCol="0">
+            <a:spAutoFit/>
+          </a:bodyPr>
+          <a:lstStyle/>
+          <a:p>
+            <a:r>
+              <a:rPr lang="en-US" altLang="ko-KR" sz="2000" dirty="0" smtClean="0"/>
+              <a:t>The presence of negative side-lobes and distinct ringing features caused by the </a:t>
+            </a:r>
+            <a:r>
+              <a:rPr lang="en-US" altLang="ko-KR" sz="2000" dirty="0" err="1" smtClean="0"/>
+              <a:t>sinc</a:t>
+            </a:r>
+            <a:r>
+              <a:rPr lang="en-US" altLang="ko-KR" sz="2000" dirty="0" smtClean="0"/>
+              <a:t> ILF can be acceptable for some applications, but not for others.</a:t>
+            </a:r>
+          </a:p>
+        </p:txBody>
+      </p:sp>
+      <p:sp>
+        <p:nvSpPr>
+          <p:cNvPr id="7" name="TextBox 6"/>
+          <p:cNvSpPr txBox="1"/>
+          <p:nvPr/>
+        </p:nvSpPr>
+        <p:spPr>
+          <a:xfrm>
+            <a:off x="720970" y="2705338"/>
+            <a:ext cx="4033910" cy="400110"/>
+          </a:xfrm>
+          <a:prstGeom prst="rect">
+            <a:avLst/>
+          </a:prstGeom>
+          <a:noFill/>
+        </p:spPr>
+        <p:txBody>
+          <a:bodyPr wrap="square" rtlCol="0">
+            <a:spAutoFit/>
+          </a:bodyPr>
+          <a:lstStyle/>
+          <a:p>
+            <a:r>
+              <a:rPr lang="en-US" altLang="ko-KR" sz="2000" dirty="0" smtClean="0">
+                <a:solidFill>
+                  <a:srgbClr val="3333FF"/>
+                </a:solidFill>
+                <a:sym typeface="Wingdings" panose="05000000000000000000" pitchFamily="2" charset="2"/>
+              </a:rPr>
+              <a:t>An Alternative Non-Fourier Method</a:t>
+            </a:r>
+          </a:p>
+        </p:txBody>
+      </p:sp>
+      <p:sp>
+        <p:nvSpPr>
+          <p:cNvPr id="8" name="TextBox 7"/>
+          <p:cNvSpPr txBox="1"/>
+          <p:nvPr/>
+        </p:nvSpPr>
+        <p:spPr>
+          <a:xfrm>
+            <a:off x="720970" y="3324195"/>
+            <a:ext cx="4033910" cy="400110"/>
+          </a:xfrm>
+          <a:prstGeom prst="rect">
+            <a:avLst/>
+          </a:prstGeom>
+          <a:noFill/>
+        </p:spPr>
+        <p:txBody>
+          <a:bodyPr wrap="square" rtlCol="0">
+            <a:spAutoFit/>
+          </a:bodyPr>
+          <a:lstStyle/>
+          <a:p>
+            <a:r>
+              <a:rPr lang="en-US" altLang="ko-KR" sz="2000" dirty="0" smtClean="0">
+                <a:solidFill>
+                  <a:srgbClr val="3333FF"/>
+                </a:solidFill>
+                <a:sym typeface="Wingdings" panose="05000000000000000000" pitchFamily="2" charset="2"/>
+              </a:rPr>
+              <a:t>Minima </a:t>
+            </a:r>
+            <a:r>
+              <a:rPr lang="en-US" altLang="ko-KR" sz="2000" i="1" dirty="0" smtClean="0">
+                <a:solidFill>
+                  <a:srgbClr val="3333FF"/>
+                </a:solidFill>
+                <a:sym typeface="Wingdings" panose="05000000000000000000" pitchFamily="2" charset="2"/>
+              </a:rPr>
+              <a:t>n</a:t>
+            </a:r>
+            <a:r>
+              <a:rPr lang="en-US" altLang="ko-KR" sz="2000" dirty="0" smtClean="0">
+                <a:solidFill>
+                  <a:srgbClr val="3333FF"/>
+                </a:solidFill>
+                <a:sym typeface="Wingdings" panose="05000000000000000000" pitchFamily="2" charset="2"/>
+              </a:rPr>
+              <a:t>-Recovery</a:t>
+            </a:r>
+          </a:p>
+        </p:txBody>
+      </p:sp>
+    </p:spTree>
+    <p:extLst>
+      <p:ext uri="{BB962C8B-B14F-4D97-AF65-F5344CB8AC3E}">
+        <p14:creationId xmlns:p14="http://schemas.microsoft.com/office/powerpoint/2010/main" val="1967621864"/>
+      </p:ext>
+    </p:extLst>
+  </p:cSld>
+  <p:clrMapOvr>
+    <a:masterClrMapping/>
+  </p:clrMapOvr>
+  <p:timing>
+    <p:tnLst>
+      <p:par>
+        <p:cTn id="1" dur="indefinite" restart="never" nodeType="tmRoot"/>
+      </p:par>
+    </p:tnLst>
+  </p:timing>
+</p:sld>
+</file>
+
+<file path=ppt/slides/slide19.xml><?xml version="1.0" encoding="utf-8"?>
+<p:sld xmlns:a="http://schemas.openxmlformats.org/drawingml/2006/main" xmlns:r="http://schemas.openxmlformats.org/officeDocument/2006/relationships" xmlns:p="http://schemas.openxmlformats.org/presentationml/2006/main">
+  <p:cSld>
+    <p:spTree>
+      <p:nvGrpSpPr>
+        <p:cNvPr id="1" name=""/>
+        <p:cNvGrpSpPr/>
+        <p:nvPr/>
+      </p:nvGrpSpPr>
+      <p:grpSpPr>
+        <a:xfrm>
+          <a:off x="0" y="0"/>
+          <a:ext cx="0" cy="0"/>
+          <a:chOff x="0" y="0"/>
+          <a:chExt cx="0" cy="0"/>
+        </a:xfrm>
+      </p:grpSpPr>
+      <p:sp>
+        <p:nvSpPr>
+          <p:cNvPr id="6199" name="Rectangle 55"/>
+          <p:cNvSpPr>
+            <a:spLocks noChangeArrowheads="1"/>
+          </p:cNvSpPr>
+          <p:nvPr/>
+        </p:nvSpPr>
+        <p:spPr bwMode="auto">
+          <a:xfrm>
+            <a:off x="0" y="0"/>
+            <a:ext cx="9144000" cy="692150"/>
+          </a:xfrm>
+          <a:prstGeom prst="rect">
+            <a:avLst/>
+          </a:prstGeom>
+          <a:solidFill>
+            <a:srgbClr val="3333FF"/>
+          </a:solidFill>
+          <a:ln>
+            <a:noFill/>
+          </a:ln>
+          <a:effectLst/>
+          <a:extLst>
+            <a:ext uri="{91240B29-F687-4F45-9708-019B960494DF}">
+              <a14:hiddenLine xmlns:a14="http://schemas.microsoft.com/office/drawing/2010/main" w="9525">
+                <a:solidFill>
+                  <a:schemeClr val="tx1"/>
+                </a:solidFill>
+                <a:miter lim="800000"/>
+                <a:headEnd/>
+                <a:tailEnd/>
+              </a14:hiddenLine>
+            </a:ext>
+            <a:ext uri="{AF507438-7753-43E0-B8FC-AC1667EBCBE1}">
+              <a14:hiddenEffects xmlns:a14="http://schemas.microsoft.com/office/drawing/2010/main">
+                <a:effectLst>
+                  <a:outerShdw dist="35921" dir="2700000" algn="ctr" rotWithShape="0">
+                    <a:schemeClr val="bg2"/>
+                  </a:outerShdw>
+                </a:effectLst>
+              </a14:hiddenEffects>
+            </a:ext>
+          </a:extLst>
+        </p:spPr>
+        <p:txBody>
+          <a:bodyPr wrap="none" anchor="ctr"/>
+          <a:lstStyle/>
+          <a:p>
+            <a:pPr algn="ctr"/>
+            <a:r>
               <a:rPr lang="en-US" altLang="ko-KR" sz="2800" dirty="0" smtClean="0">
                 <a:solidFill>
                   <a:schemeClr val="bg1"/>
@@ -7772,10 +10062,6 @@
               </a:rPr>
               <a:t>, Vol. 38, No. 18, 1999, pp. 3945-3950.</a:t>
             </a:r>
-            <a:endParaRPr lang="en-US" altLang="ko-KR" dirty="0" smtClean="0">
-              <a:latin typeface="Times New Roman" panose="02020603050405020304" pitchFamily="18" charset="0"/>
-              <a:cs typeface="Times New Roman" panose="02020603050405020304" pitchFamily="18" charset="0"/>
-            </a:endParaRPr>
           </a:p>
         </p:txBody>
       </p:sp>
@@ -7796,7 +10082,7 @@
           <a:p>
             <a:fld id="{6509A91F-0059-474E-BAEC-65E67593FE25}" type="datetime1">
               <a:rPr lang="ko-KR" altLang="en-US" smtClean="0"/>
-              <a:t>2018-03-28</a:t>
+              <a:t>2018-03-31</a:t>
             </a:fld>
             <a:endParaRPr lang="ko-KR" altLang="en-US"/>
           </a:p>
@@ -7819,7 +10105,7 @@
           <a:p>
             <a:fld id="{8765F8EB-1186-4395-8E70-F957669279DD}" type="slidenum">
               <a:rPr lang="ko-KR" altLang="en-US" smtClean="0"/>
-              <a:t>15</a:t>
+              <a:t>19</a:t>
             </a:fld>
             <a:endParaRPr lang="ko-KR" altLang="en-US"/>
           </a:p>
@@ -8110,7 +10396,7 @@
           <a:p>
             <a:fld id="{D71C2118-E1AA-468B-9259-8864ED518988}" type="datetime1">
               <a:rPr lang="ko-KR" altLang="en-US" smtClean="0"/>
-              <a:t>2018-03-28</a:t>
+              <a:t>2018-03-31</a:t>
             </a:fld>
             <a:endParaRPr lang="ko-KR" altLang="en-US"/>
           </a:p>
@@ -8307,7 +10593,7 @@
           <a:p>
             <a:fld id="{F85A177F-6FD3-496B-8A9C-B332CA04E863}" type="datetime1">
               <a:rPr lang="ko-KR" altLang="en-US" smtClean="0"/>
-              <a:t>2018-03-28</a:t>
+              <a:t>2018-03-31</a:t>
             </a:fld>
             <a:endParaRPr lang="ko-KR" altLang="en-US"/>
           </a:p>
@@ -8430,23 +10716,8 @@
                 </a:solidFill>
                 <a:latin typeface="Arial" panose="020B0604020202020204" pitchFamily="34" charset="0"/>
               </a:rPr>
-              <a:t>1.1 </a:t>
-            </a:r>
-            <a:r>
-              <a:rPr lang="en-US" altLang="ko-KR" sz="2800" dirty="0" smtClean="0">
-                <a:solidFill>
-                  <a:schemeClr val="bg1"/>
-                </a:solidFill>
-                <a:latin typeface="Arial" panose="020B0604020202020204" pitchFamily="34" charset="0"/>
-              </a:rPr>
-              <a:t>Michelson</a:t>
-            </a:r>
-            <a:endParaRPr lang="en-US" altLang="ko-KR" sz="2800" dirty="0" smtClean="0">
-              <a:solidFill>
-                <a:schemeClr val="bg1"/>
-              </a:solidFill>
-              <a:latin typeface="Arial" panose="020B0604020202020204" pitchFamily="34" charset="0"/>
-            </a:endParaRPr>
+              <a:t>1.1 Michelson</a:t>
+            </a:r>
           </a:p>
         </p:txBody>
       </p:sp>
@@ -8467,7 +10738,7 @@
           <a:p>
             <a:fld id="{53646E5C-8775-44A9-9523-40B6CCA06789}" type="datetime1">
               <a:rPr lang="ko-KR" altLang="en-US" smtClean="0"/>
-              <a:t>2018-03-28</a:t>
+              <a:t>2018-03-31</a:t>
             </a:fld>
             <a:endParaRPr lang="ko-KR" altLang="en-US"/>
           </a:p>
@@ -8522,7 +10793,6 @@
               <a:rPr lang="en-US" altLang="ko-KR" sz="2000" dirty="0" smtClean="0"/>
               <a:t>This two-port configuration will inherently perform Fourier spectroscopy of the difference of the two ports.</a:t>
             </a:r>
-            <a:endParaRPr lang="en-US" altLang="ko-KR" sz="2000" dirty="0" smtClean="0"/>
           </a:p>
         </p:txBody>
       </p:sp>
@@ -8698,7 +10968,7 @@
           <a:p>
             <a:fld id="{53646E5C-8775-44A9-9523-40B6CCA06789}" type="datetime1">
               <a:rPr lang="ko-KR" altLang="en-US" smtClean="0"/>
-              <a:t>2018-03-28</a:t>
+              <a:t>2018-03-31</a:t>
             </a:fld>
             <a:endParaRPr lang="ko-KR" altLang="en-US"/>
           </a:p>
@@ -8753,7 +11023,6 @@
               <a:rPr lang="en-US" altLang="ko-KR" sz="2000" dirty="0" smtClean="0"/>
               <a:t>The highly configurable design figure of interferometer unfolds the light path.</a:t>
             </a:r>
-            <a:endParaRPr lang="en-US" altLang="ko-KR" sz="2000" dirty="0" smtClean="0"/>
           </a:p>
         </p:txBody>
       </p:sp>
@@ -8912,12 +11181,6 @@
               </a:rPr>
               <a:t> Interferometer)</a:t>
             </a:r>
-            <a:endParaRPr lang="en-US" altLang="ko-KR" sz="2000" dirty="0" smtClean="0">
-              <a:solidFill>
-                <a:schemeClr val="bg1"/>
-              </a:solidFill>
-              <a:latin typeface="Arial" panose="020B0604020202020204" pitchFamily="34" charset="0"/>
-            </a:endParaRPr>
           </a:p>
         </p:txBody>
       </p:sp>
@@ -8938,7 +11201,7 @@
           <a:p>
             <a:fld id="{53646E5C-8775-44A9-9523-40B6CCA06789}" type="datetime1">
               <a:rPr lang="ko-KR" altLang="en-US" smtClean="0"/>
-              <a:t>2018-03-29</a:t>
+              <a:t>2018-03-31</a:t>
             </a:fld>
             <a:endParaRPr lang="ko-KR" altLang="en-US"/>
           </a:p>
@@ -9157,7 +11420,6 @@
               <a:rPr lang="en-US" altLang="ko-KR" sz="2000" dirty="0" smtClean="0"/>
               <a:t>The highly configurable design figure of interferometer unfolds the light path.</a:t>
             </a:r>
-            <a:endParaRPr lang="en-US" altLang="ko-KR" sz="2000" dirty="0" smtClean="0"/>
           </a:p>
         </p:txBody>
       </p:sp>
@@ -9257,12 +11519,6 @@
               </a:rPr>
               <a:t>1.4 Modes of Operation : Step and Integrate or Fast Scanning</a:t>
             </a:r>
-            <a:endParaRPr lang="en-US" altLang="ko-KR" sz="2400" dirty="0" smtClean="0">
-              <a:solidFill>
-                <a:schemeClr val="bg1"/>
-              </a:solidFill>
-              <a:latin typeface="Arial" panose="020B0604020202020204" pitchFamily="34" charset="0"/>
-            </a:endParaRPr>
           </a:p>
         </p:txBody>
       </p:sp>
@@ -9283,7 +11539,7 @@
           <a:p>
             <a:fld id="{53646E5C-8775-44A9-9523-40B6CCA06789}" type="datetime1">
               <a:rPr lang="ko-KR" altLang="en-US" smtClean="0"/>
-              <a:t>2018-03-30</a:t>
+              <a:t>2018-03-31</a:t>
             </a:fld>
             <a:endParaRPr lang="ko-KR" altLang="en-US"/>
           </a:p>
@@ -9391,15 +11647,7 @@
             </a:r>
             <a:r>
               <a:rPr lang="en-US" altLang="ko-KR" sz="2000" dirty="0"/>
-              <a:t>the moving mirror of the interferometer is scanned at constant velocity, and some form of metrology is used to sample the </a:t>
-            </a:r>
-            <a:r>
-              <a:rPr lang="en-US" altLang="ko-KR" sz="2000" dirty="0" err="1"/>
-              <a:t>interferogram</a:t>
-            </a:r>
-            <a:r>
-              <a:rPr lang="en-US" altLang="ko-KR" sz="2000" dirty="0"/>
-              <a:t>, usually on a uniform optical path difference</a:t>
+              <a:t>the moving mirror of the interferometer is scanned at constant velocity, and some form of metrology is used to sample the interferogram, usually on a uniform optical path difference</a:t>
             </a:r>
             <a:r>
               <a:rPr lang="en-US" altLang="ko-KR" sz="2000" dirty="0" smtClean="0"/>
@@ -9469,8 +11717,8 @@
           </a:p>
         </p:txBody>
       </p:sp>
-      <mc:AlternateContent xmlns:mc="http://schemas.openxmlformats.org/markup-compatibility/2006">
-        <mc:Choice xmlns:a14="http://schemas.microsoft.com/office/drawing/2010/main" Requires="a14">
+      <mc:AlternateContent xmlns:mc="http://schemas.openxmlformats.org/markup-compatibility/2006" xmlns:a14="http://schemas.microsoft.com/office/drawing/2010/main">
+        <mc:Choice Requires="a14">
           <p:sp>
             <p:nvSpPr>
               <p:cNvPr id="3" name="TextBox 2"/>
@@ -9493,6 +11741,7 @@
               </a:bodyPr>
               <a:lstStyle/>
               <a:p>
+                <a:pPr/>
                 <a14:m>
                   <m:oMathPara xmlns:m="http://schemas.openxmlformats.org/officeDocument/2006/math">
                     <m:oMathParaPr>
@@ -9584,7 +11833,7 @@
             </p:txBody>
           </p:sp>
         </mc:Choice>
-        <mc:Fallback>
+        <mc:Fallback xmlns="">
           <p:sp>
             <p:nvSpPr>
               <p:cNvPr id="3" name="TextBox 2"/>
@@ -9623,8 +11872,8 @@
           </p:sp>
         </mc:Fallback>
       </mc:AlternateContent>
-      <mc:AlternateContent xmlns:mc="http://schemas.openxmlformats.org/markup-compatibility/2006">
-        <mc:Choice xmlns:a14="http://schemas.microsoft.com/office/drawing/2010/main" Requires="a14">
+      <mc:AlternateContent xmlns:mc="http://schemas.openxmlformats.org/markup-compatibility/2006" xmlns:a14="http://schemas.microsoft.com/office/drawing/2010/main">
+        <mc:Choice Requires="a14">
           <p:sp>
             <p:nvSpPr>
               <p:cNvPr id="4" name="TextBox 3"/>
@@ -9647,6 +11896,7 @@
               </a:bodyPr>
               <a:lstStyle/>
               <a:p>
+                <a:pPr/>
                 <a14:m>
                   <m:oMathPara xmlns:m="http://schemas.openxmlformats.org/officeDocument/2006/math">
                     <m:oMathParaPr>
@@ -9789,7 +12039,7 @@
             </p:txBody>
           </p:sp>
         </mc:Choice>
-        <mc:Fallback>
+        <mc:Fallback xmlns="">
           <p:sp>
             <p:nvSpPr>
               <p:cNvPr id="4" name="TextBox 3"/>
@@ -9924,12 +12174,6 @@
               </a:rPr>
               <a:t>1.5 Moving Stage</a:t>
             </a:r>
-            <a:endParaRPr lang="en-US" altLang="ko-KR" sz="2400" dirty="0" smtClean="0">
-              <a:solidFill>
-                <a:schemeClr val="bg1"/>
-              </a:solidFill>
-              <a:latin typeface="Arial" panose="020B0604020202020204" pitchFamily="34" charset="0"/>
-            </a:endParaRPr>
           </a:p>
         </p:txBody>
       </p:sp>
@@ -9950,7 +12194,7 @@
           <a:p>
             <a:fld id="{53646E5C-8775-44A9-9523-40B6CCA06789}" type="datetime1">
               <a:rPr lang="ko-KR" altLang="en-US" smtClean="0"/>
-              <a:t>2018-03-30</a:t>
+              <a:t>2018-03-31</a:t>
             </a:fld>
             <a:endParaRPr lang="ko-KR" altLang="en-US"/>
           </a:p>
@@ -10013,7 +12257,6 @@
               <a:rPr lang="en-US" altLang="ko-KR" sz="2000" dirty="0" smtClean="0"/>
               <a:t> configuration, a variety of mirror configurations can be chosen, each with different advantages and disadvantages.</a:t>
             </a:r>
-            <a:endParaRPr lang="en-US" altLang="ko-KR" sz="2000" dirty="0" smtClean="0"/>
           </a:p>
         </p:txBody>
       </p:sp>
@@ -10197,12 +12440,6 @@
               </a:rPr>
               <a:t>1.6 General Fourier Transform Spectrometer Advantages</a:t>
             </a:r>
-            <a:endParaRPr lang="en-US" altLang="ko-KR" sz="2400" dirty="0" smtClean="0">
-              <a:solidFill>
-                <a:schemeClr val="bg1"/>
-              </a:solidFill>
-              <a:latin typeface="Arial" panose="020B0604020202020204" pitchFamily="34" charset="0"/>
-            </a:endParaRPr>
           </a:p>
         </p:txBody>
       </p:sp>
@@ -10223,7 +12460,7 @@
           <a:p>
             <a:fld id="{53646E5C-8775-44A9-9523-40B6CCA06789}" type="datetime1">
               <a:rPr lang="ko-KR" altLang="en-US" smtClean="0"/>
-              <a:t>2018-03-29</a:t>
+              <a:t>2018-03-31</a:t>
             </a:fld>
             <a:endParaRPr lang="ko-KR" altLang="en-US"/>
           </a:p>
@@ -10294,7 +12531,6 @@
               <a:rPr lang="en-US" altLang="ko-KR" sz="2000" dirty="0" smtClean="0"/>
               <a:t> or dispersive spectrometers.</a:t>
             </a:r>
-            <a:endParaRPr lang="en-US" altLang="ko-KR" sz="2000" dirty="0" smtClean="0"/>
           </a:p>
         </p:txBody>
       </p:sp>

--- a/Terahertz Metrology/Ch5/Terahertz Metrology_Ch5.pptx
+++ b/Terahertz Metrology/Ch5/Terahertz Metrology_Ch5.pptx
@@ -5,7 +5,7 @@
     <p:sldMasterId id="2147483660" r:id="rId1"/>
   </p:sldMasterIdLst>
   <p:notesMasterIdLst>
-    <p:notesMasterId r:id="rId21"/>
+    <p:notesMasterId r:id="rId26"/>
   </p:notesMasterIdLst>
   <p:sldIdLst>
     <p:sldId id="258" r:id="rId2"/>
@@ -21,12 +21,17 @@
     <p:sldId id="283" r:id="rId12"/>
     <p:sldId id="284" r:id="rId13"/>
     <p:sldId id="285" r:id="rId14"/>
-    <p:sldId id="286" r:id="rId15"/>
-    <p:sldId id="287" r:id="rId16"/>
-    <p:sldId id="288" r:id="rId17"/>
-    <p:sldId id="289" r:id="rId18"/>
-    <p:sldId id="290" r:id="rId19"/>
-    <p:sldId id="275" r:id="rId20"/>
+    <p:sldId id="287" r:id="rId15"/>
+    <p:sldId id="288" r:id="rId16"/>
+    <p:sldId id="289" r:id="rId17"/>
+    <p:sldId id="290" r:id="rId18"/>
+    <p:sldId id="291" r:id="rId19"/>
+    <p:sldId id="292" r:id="rId20"/>
+    <p:sldId id="293" r:id="rId21"/>
+    <p:sldId id="294" r:id="rId22"/>
+    <p:sldId id="295" r:id="rId23"/>
+    <p:sldId id="296" r:id="rId24"/>
+    <p:sldId id="275" r:id="rId25"/>
   </p:sldIdLst>
   <p:sldSz cx="9144000" cy="6858000" type="screen4x3"/>
   <p:notesSz cx="6735763" cy="9866313"/>
@@ -215,7 +220,7 @@
           <a:p>
             <a:fld id="{A9D6DECA-6E4E-4D09-9277-E151A2E3F74C}" type="datetimeFigureOut">
               <a:rPr lang="ko-KR" altLang="en-US" smtClean="0"/>
-              <a:t>2018-03-31</a:t>
+              <a:t>2018-04-02</a:t>
             </a:fld>
             <a:endParaRPr lang="ko-KR" altLang="en-US"/>
           </a:p>
@@ -977,7 +982,7 @@
     </p:spTree>
     <p:extLst>
       <p:ext uri="{BB962C8B-B14F-4D97-AF65-F5344CB8AC3E}">
-        <p14:creationId xmlns:p14="http://schemas.microsoft.com/office/powerpoint/2010/main" val="3482034605"/>
+        <p14:creationId xmlns:p14="http://schemas.microsoft.com/office/powerpoint/2010/main" val="2545344807"/>
       </p:ext>
     </p:extLst>
   </p:cSld>
@@ -1061,7 +1066,7 @@
     </p:spTree>
     <p:extLst>
       <p:ext uri="{BB962C8B-B14F-4D97-AF65-F5344CB8AC3E}">
-        <p14:creationId xmlns:p14="http://schemas.microsoft.com/office/powerpoint/2010/main" val="2545344807"/>
+        <p14:creationId xmlns:p14="http://schemas.microsoft.com/office/powerpoint/2010/main" val="2173034271"/>
       </p:ext>
     </p:extLst>
   </p:cSld>
@@ -1145,7 +1150,7 @@
     </p:spTree>
     <p:extLst>
       <p:ext uri="{BB962C8B-B14F-4D97-AF65-F5344CB8AC3E}">
-        <p14:creationId xmlns:p14="http://schemas.microsoft.com/office/powerpoint/2010/main" val="2173034271"/>
+        <p14:creationId xmlns:p14="http://schemas.microsoft.com/office/powerpoint/2010/main" val="1988125153"/>
       </p:ext>
     </p:extLst>
   </p:cSld>
@@ -1229,7 +1234,7 @@
     </p:spTree>
     <p:extLst>
       <p:ext uri="{BB962C8B-B14F-4D97-AF65-F5344CB8AC3E}">
-        <p14:creationId xmlns:p14="http://schemas.microsoft.com/office/powerpoint/2010/main" val="1988125153"/>
+        <p14:creationId xmlns:p14="http://schemas.microsoft.com/office/powerpoint/2010/main" val="2234726665"/>
       </p:ext>
     </p:extLst>
   </p:cSld>
@@ -1313,7 +1318,7 @@
     </p:spTree>
     <p:extLst>
       <p:ext uri="{BB962C8B-B14F-4D97-AF65-F5344CB8AC3E}">
-        <p14:creationId xmlns:p14="http://schemas.microsoft.com/office/powerpoint/2010/main" val="2234726665"/>
+        <p14:creationId xmlns:p14="http://schemas.microsoft.com/office/powerpoint/2010/main" val="3369361956"/>
       </p:ext>
     </p:extLst>
   </p:cSld>
@@ -1397,7 +1402,7 @@
     </p:spTree>
     <p:extLst>
       <p:ext uri="{BB962C8B-B14F-4D97-AF65-F5344CB8AC3E}">
-        <p14:creationId xmlns:p14="http://schemas.microsoft.com/office/powerpoint/2010/main" val="1671263539"/>
+        <p14:creationId xmlns:p14="http://schemas.microsoft.com/office/powerpoint/2010/main" val="2673626780"/>
       </p:ext>
     </p:extLst>
   </p:cSld>
@@ -1482,6 +1487,426 @@
     <p:extLst>
       <p:ext uri="{BB962C8B-B14F-4D97-AF65-F5344CB8AC3E}">
         <p14:creationId xmlns:p14="http://schemas.microsoft.com/office/powerpoint/2010/main" val="3753383617"/>
+      </p:ext>
+    </p:extLst>
+  </p:cSld>
+  <p:clrMapOvr>
+    <a:masterClrMapping/>
+  </p:clrMapOvr>
+</p:notes>
+</file>
+
+<file path=ppt/notesSlides/notesSlide20.xml><?xml version="1.0" encoding="utf-8"?>
+<p:notes xmlns:a="http://schemas.openxmlformats.org/drawingml/2006/main" xmlns:r="http://schemas.openxmlformats.org/officeDocument/2006/relationships" xmlns:p="http://schemas.openxmlformats.org/presentationml/2006/main">
+  <p:cSld>
+    <p:spTree>
+      <p:nvGrpSpPr>
+        <p:cNvPr id="1" name=""/>
+        <p:cNvGrpSpPr/>
+        <p:nvPr/>
+      </p:nvGrpSpPr>
+      <p:grpSpPr>
+        <a:xfrm>
+          <a:off x="0" y="0"/>
+          <a:ext cx="0" cy="0"/>
+          <a:chOff x="0" y="0"/>
+          <a:chExt cx="0" cy="0"/>
+        </a:xfrm>
+      </p:grpSpPr>
+      <p:sp>
+        <p:nvSpPr>
+          <p:cNvPr id="2" name="슬라이드 이미지 개체 틀 1"/>
+          <p:cNvSpPr>
+            <a:spLocks noGrp="1" noRot="1" noChangeAspect="1"/>
+          </p:cNvSpPr>
+          <p:nvPr>
+            <p:ph type="sldImg"/>
+          </p:nvPr>
+        </p:nvSpPr>
+        <p:spPr/>
+      </p:sp>
+      <p:sp>
+        <p:nvSpPr>
+          <p:cNvPr id="3" name="슬라이드 노트 개체 틀 2"/>
+          <p:cNvSpPr>
+            <a:spLocks noGrp="1"/>
+          </p:cNvSpPr>
+          <p:nvPr>
+            <p:ph type="body" idx="1"/>
+          </p:nvPr>
+        </p:nvSpPr>
+        <p:spPr/>
+        <p:txBody>
+          <a:bodyPr/>
+          <a:lstStyle/>
+          <a:p>
+            <a:endParaRPr lang="ko-KR" altLang="en-US"/>
+          </a:p>
+        </p:txBody>
+      </p:sp>
+      <p:sp>
+        <p:nvSpPr>
+          <p:cNvPr id="4" name="슬라이드 번호 개체 틀 3"/>
+          <p:cNvSpPr>
+            <a:spLocks noGrp="1"/>
+          </p:cNvSpPr>
+          <p:nvPr>
+            <p:ph type="sldNum" sz="quarter" idx="10"/>
+          </p:nvPr>
+        </p:nvSpPr>
+        <p:spPr/>
+        <p:txBody>
+          <a:bodyPr/>
+          <a:lstStyle/>
+          <a:p>
+            <a:fld id="{6D0ABE42-EEBB-47F0-BC6E-2BB25FA03CFE}" type="slidenum">
+              <a:rPr lang="ko-KR" altLang="en-US" smtClean="0"/>
+              <a:t>20</a:t>
+            </a:fld>
+            <a:endParaRPr lang="ko-KR" altLang="en-US"/>
+          </a:p>
+        </p:txBody>
+      </p:sp>
+    </p:spTree>
+    <p:extLst>
+      <p:ext uri="{BB962C8B-B14F-4D97-AF65-F5344CB8AC3E}">
+        <p14:creationId xmlns:p14="http://schemas.microsoft.com/office/powerpoint/2010/main" val="102509267"/>
+      </p:ext>
+    </p:extLst>
+  </p:cSld>
+  <p:clrMapOvr>
+    <a:masterClrMapping/>
+  </p:clrMapOvr>
+</p:notes>
+</file>
+
+<file path=ppt/notesSlides/notesSlide21.xml><?xml version="1.0" encoding="utf-8"?>
+<p:notes xmlns:a="http://schemas.openxmlformats.org/drawingml/2006/main" xmlns:r="http://schemas.openxmlformats.org/officeDocument/2006/relationships" xmlns:p="http://schemas.openxmlformats.org/presentationml/2006/main">
+  <p:cSld>
+    <p:spTree>
+      <p:nvGrpSpPr>
+        <p:cNvPr id="1" name=""/>
+        <p:cNvGrpSpPr/>
+        <p:nvPr/>
+      </p:nvGrpSpPr>
+      <p:grpSpPr>
+        <a:xfrm>
+          <a:off x="0" y="0"/>
+          <a:ext cx="0" cy="0"/>
+          <a:chOff x="0" y="0"/>
+          <a:chExt cx="0" cy="0"/>
+        </a:xfrm>
+      </p:grpSpPr>
+      <p:sp>
+        <p:nvSpPr>
+          <p:cNvPr id="2" name="슬라이드 이미지 개체 틀 1"/>
+          <p:cNvSpPr>
+            <a:spLocks noGrp="1" noRot="1" noChangeAspect="1"/>
+          </p:cNvSpPr>
+          <p:nvPr>
+            <p:ph type="sldImg"/>
+          </p:nvPr>
+        </p:nvSpPr>
+        <p:spPr/>
+      </p:sp>
+      <p:sp>
+        <p:nvSpPr>
+          <p:cNvPr id="3" name="슬라이드 노트 개체 틀 2"/>
+          <p:cNvSpPr>
+            <a:spLocks noGrp="1"/>
+          </p:cNvSpPr>
+          <p:nvPr>
+            <p:ph type="body" idx="1"/>
+          </p:nvPr>
+        </p:nvSpPr>
+        <p:spPr/>
+        <p:txBody>
+          <a:bodyPr/>
+          <a:lstStyle/>
+          <a:p>
+            <a:endParaRPr lang="ko-KR" altLang="en-US"/>
+          </a:p>
+        </p:txBody>
+      </p:sp>
+      <p:sp>
+        <p:nvSpPr>
+          <p:cNvPr id="4" name="슬라이드 번호 개체 틀 3"/>
+          <p:cNvSpPr>
+            <a:spLocks noGrp="1"/>
+          </p:cNvSpPr>
+          <p:nvPr>
+            <p:ph type="sldNum" sz="quarter" idx="10"/>
+          </p:nvPr>
+        </p:nvSpPr>
+        <p:spPr/>
+        <p:txBody>
+          <a:bodyPr/>
+          <a:lstStyle/>
+          <a:p>
+            <a:fld id="{6D0ABE42-EEBB-47F0-BC6E-2BB25FA03CFE}" type="slidenum">
+              <a:rPr lang="ko-KR" altLang="en-US" smtClean="0"/>
+              <a:t>21</a:t>
+            </a:fld>
+            <a:endParaRPr lang="ko-KR" altLang="en-US"/>
+          </a:p>
+        </p:txBody>
+      </p:sp>
+    </p:spTree>
+    <p:extLst>
+      <p:ext uri="{BB962C8B-B14F-4D97-AF65-F5344CB8AC3E}">
+        <p14:creationId xmlns:p14="http://schemas.microsoft.com/office/powerpoint/2010/main" val="3043827232"/>
+      </p:ext>
+    </p:extLst>
+  </p:cSld>
+  <p:clrMapOvr>
+    <a:masterClrMapping/>
+  </p:clrMapOvr>
+</p:notes>
+</file>
+
+<file path=ppt/notesSlides/notesSlide22.xml><?xml version="1.0" encoding="utf-8"?>
+<p:notes xmlns:a="http://schemas.openxmlformats.org/drawingml/2006/main" xmlns:r="http://schemas.openxmlformats.org/officeDocument/2006/relationships" xmlns:p="http://schemas.openxmlformats.org/presentationml/2006/main">
+  <p:cSld>
+    <p:spTree>
+      <p:nvGrpSpPr>
+        <p:cNvPr id="1" name=""/>
+        <p:cNvGrpSpPr/>
+        <p:nvPr/>
+      </p:nvGrpSpPr>
+      <p:grpSpPr>
+        <a:xfrm>
+          <a:off x="0" y="0"/>
+          <a:ext cx="0" cy="0"/>
+          <a:chOff x="0" y="0"/>
+          <a:chExt cx="0" cy="0"/>
+        </a:xfrm>
+      </p:grpSpPr>
+      <p:sp>
+        <p:nvSpPr>
+          <p:cNvPr id="2" name="슬라이드 이미지 개체 틀 1"/>
+          <p:cNvSpPr>
+            <a:spLocks noGrp="1" noRot="1" noChangeAspect="1"/>
+          </p:cNvSpPr>
+          <p:nvPr>
+            <p:ph type="sldImg"/>
+          </p:nvPr>
+        </p:nvSpPr>
+        <p:spPr/>
+      </p:sp>
+      <p:sp>
+        <p:nvSpPr>
+          <p:cNvPr id="3" name="슬라이드 노트 개체 틀 2"/>
+          <p:cNvSpPr>
+            <a:spLocks noGrp="1"/>
+          </p:cNvSpPr>
+          <p:nvPr>
+            <p:ph type="body" idx="1"/>
+          </p:nvPr>
+        </p:nvSpPr>
+        <p:spPr/>
+        <p:txBody>
+          <a:bodyPr/>
+          <a:lstStyle/>
+          <a:p>
+            <a:endParaRPr lang="ko-KR" altLang="en-US"/>
+          </a:p>
+        </p:txBody>
+      </p:sp>
+      <p:sp>
+        <p:nvSpPr>
+          <p:cNvPr id="4" name="슬라이드 번호 개체 틀 3"/>
+          <p:cNvSpPr>
+            <a:spLocks noGrp="1"/>
+          </p:cNvSpPr>
+          <p:nvPr>
+            <p:ph type="sldNum" sz="quarter" idx="10"/>
+          </p:nvPr>
+        </p:nvSpPr>
+        <p:spPr/>
+        <p:txBody>
+          <a:bodyPr/>
+          <a:lstStyle/>
+          <a:p>
+            <a:fld id="{6D0ABE42-EEBB-47F0-BC6E-2BB25FA03CFE}" type="slidenum">
+              <a:rPr lang="ko-KR" altLang="en-US" smtClean="0"/>
+              <a:t>22</a:t>
+            </a:fld>
+            <a:endParaRPr lang="ko-KR" altLang="en-US"/>
+          </a:p>
+        </p:txBody>
+      </p:sp>
+    </p:spTree>
+    <p:extLst>
+      <p:ext uri="{BB962C8B-B14F-4D97-AF65-F5344CB8AC3E}">
+        <p14:creationId xmlns:p14="http://schemas.microsoft.com/office/powerpoint/2010/main" val="2126747925"/>
+      </p:ext>
+    </p:extLst>
+  </p:cSld>
+  <p:clrMapOvr>
+    <a:masterClrMapping/>
+  </p:clrMapOvr>
+</p:notes>
+</file>
+
+<file path=ppt/notesSlides/notesSlide23.xml><?xml version="1.0" encoding="utf-8"?>
+<p:notes xmlns:a="http://schemas.openxmlformats.org/drawingml/2006/main" xmlns:r="http://schemas.openxmlformats.org/officeDocument/2006/relationships" xmlns:p="http://schemas.openxmlformats.org/presentationml/2006/main">
+  <p:cSld>
+    <p:spTree>
+      <p:nvGrpSpPr>
+        <p:cNvPr id="1" name=""/>
+        <p:cNvGrpSpPr/>
+        <p:nvPr/>
+      </p:nvGrpSpPr>
+      <p:grpSpPr>
+        <a:xfrm>
+          <a:off x="0" y="0"/>
+          <a:ext cx="0" cy="0"/>
+          <a:chOff x="0" y="0"/>
+          <a:chExt cx="0" cy="0"/>
+        </a:xfrm>
+      </p:grpSpPr>
+      <p:sp>
+        <p:nvSpPr>
+          <p:cNvPr id="2" name="슬라이드 이미지 개체 틀 1"/>
+          <p:cNvSpPr>
+            <a:spLocks noGrp="1" noRot="1" noChangeAspect="1"/>
+          </p:cNvSpPr>
+          <p:nvPr>
+            <p:ph type="sldImg"/>
+          </p:nvPr>
+        </p:nvSpPr>
+        <p:spPr/>
+      </p:sp>
+      <p:sp>
+        <p:nvSpPr>
+          <p:cNvPr id="3" name="슬라이드 노트 개체 틀 2"/>
+          <p:cNvSpPr>
+            <a:spLocks noGrp="1"/>
+          </p:cNvSpPr>
+          <p:nvPr>
+            <p:ph type="body" idx="1"/>
+          </p:nvPr>
+        </p:nvSpPr>
+        <p:spPr/>
+        <p:txBody>
+          <a:bodyPr/>
+          <a:lstStyle/>
+          <a:p>
+            <a:endParaRPr lang="ko-KR" altLang="en-US"/>
+          </a:p>
+        </p:txBody>
+      </p:sp>
+      <p:sp>
+        <p:nvSpPr>
+          <p:cNvPr id="4" name="슬라이드 번호 개체 틀 3"/>
+          <p:cNvSpPr>
+            <a:spLocks noGrp="1"/>
+          </p:cNvSpPr>
+          <p:nvPr>
+            <p:ph type="sldNum" sz="quarter" idx="10"/>
+          </p:nvPr>
+        </p:nvSpPr>
+        <p:spPr/>
+        <p:txBody>
+          <a:bodyPr/>
+          <a:lstStyle/>
+          <a:p>
+            <a:fld id="{6D0ABE42-EEBB-47F0-BC6E-2BB25FA03CFE}" type="slidenum">
+              <a:rPr lang="ko-KR" altLang="en-US" smtClean="0"/>
+              <a:t>23</a:t>
+            </a:fld>
+            <a:endParaRPr lang="ko-KR" altLang="en-US"/>
+          </a:p>
+        </p:txBody>
+      </p:sp>
+    </p:spTree>
+    <p:extLst>
+      <p:ext uri="{BB962C8B-B14F-4D97-AF65-F5344CB8AC3E}">
+        <p14:creationId xmlns:p14="http://schemas.microsoft.com/office/powerpoint/2010/main" val="2798265408"/>
+      </p:ext>
+    </p:extLst>
+  </p:cSld>
+  <p:clrMapOvr>
+    <a:masterClrMapping/>
+  </p:clrMapOvr>
+</p:notes>
+</file>
+
+<file path=ppt/notesSlides/notesSlide24.xml><?xml version="1.0" encoding="utf-8"?>
+<p:notes xmlns:a="http://schemas.openxmlformats.org/drawingml/2006/main" xmlns:r="http://schemas.openxmlformats.org/officeDocument/2006/relationships" xmlns:p="http://schemas.openxmlformats.org/presentationml/2006/main">
+  <p:cSld>
+    <p:spTree>
+      <p:nvGrpSpPr>
+        <p:cNvPr id="1" name=""/>
+        <p:cNvGrpSpPr/>
+        <p:nvPr/>
+      </p:nvGrpSpPr>
+      <p:grpSpPr>
+        <a:xfrm>
+          <a:off x="0" y="0"/>
+          <a:ext cx="0" cy="0"/>
+          <a:chOff x="0" y="0"/>
+          <a:chExt cx="0" cy="0"/>
+        </a:xfrm>
+      </p:grpSpPr>
+      <p:sp>
+        <p:nvSpPr>
+          <p:cNvPr id="2" name="슬라이드 이미지 개체 틀 1"/>
+          <p:cNvSpPr>
+            <a:spLocks noGrp="1" noRot="1" noChangeAspect="1"/>
+          </p:cNvSpPr>
+          <p:nvPr>
+            <p:ph type="sldImg"/>
+          </p:nvPr>
+        </p:nvSpPr>
+        <p:spPr/>
+      </p:sp>
+      <p:sp>
+        <p:nvSpPr>
+          <p:cNvPr id="3" name="슬라이드 노트 개체 틀 2"/>
+          <p:cNvSpPr>
+            <a:spLocks noGrp="1"/>
+          </p:cNvSpPr>
+          <p:nvPr>
+            <p:ph type="body" idx="1"/>
+          </p:nvPr>
+        </p:nvSpPr>
+        <p:spPr/>
+        <p:txBody>
+          <a:bodyPr/>
+          <a:lstStyle/>
+          <a:p>
+            <a:endParaRPr lang="ko-KR" altLang="en-US"/>
+          </a:p>
+        </p:txBody>
+      </p:sp>
+      <p:sp>
+        <p:nvSpPr>
+          <p:cNvPr id="4" name="슬라이드 번호 개체 틀 3"/>
+          <p:cNvSpPr>
+            <a:spLocks noGrp="1"/>
+          </p:cNvSpPr>
+          <p:nvPr>
+            <p:ph type="sldNum" sz="quarter" idx="10"/>
+          </p:nvPr>
+        </p:nvSpPr>
+        <p:spPr/>
+        <p:txBody>
+          <a:bodyPr/>
+          <a:lstStyle/>
+          <a:p>
+            <a:fld id="{6D0ABE42-EEBB-47F0-BC6E-2BB25FA03CFE}" type="slidenum">
+              <a:rPr lang="ko-KR" altLang="en-US" smtClean="0"/>
+              <a:t>24</a:t>
+            </a:fld>
+            <a:endParaRPr lang="ko-KR" altLang="en-US"/>
+          </a:p>
+        </p:txBody>
+      </p:sp>
+    </p:spTree>
+    <p:extLst>
+      <p:ext uri="{BB962C8B-B14F-4D97-AF65-F5344CB8AC3E}">
+        <p14:creationId xmlns:p14="http://schemas.microsoft.com/office/powerpoint/2010/main" val="1671263539"/>
       </p:ext>
     </p:extLst>
   </p:cSld>
@@ -2210,7 +2635,7 @@
           <a:p>
             <a:fld id="{78E89258-A40F-4400-BA1A-638141289729}" type="datetime1">
               <a:rPr lang="ko-KR" altLang="en-US" smtClean="0"/>
-              <a:t>2018-03-31</a:t>
+              <a:t>2018-04-02</a:t>
             </a:fld>
             <a:endParaRPr lang="ko-KR" altLang="en-US"/>
           </a:p>
@@ -2387,7 +2812,7 @@
           <a:p>
             <a:fld id="{CD116CEF-802E-43F7-8932-78519DF2A264}" type="datetime1">
               <a:rPr lang="ko-KR" altLang="en-US" smtClean="0"/>
-              <a:t>2018-03-31</a:t>
+              <a:t>2018-04-02</a:t>
             </a:fld>
             <a:endParaRPr lang="ko-KR" altLang="en-US"/>
           </a:p>
@@ -2567,7 +2992,7 @@
           <a:p>
             <a:fld id="{EFD9D7C3-1982-427D-BFA7-1AF9687AAB0F}" type="datetime1">
               <a:rPr lang="ko-KR" altLang="en-US" smtClean="0"/>
-              <a:t>2018-03-31</a:t>
+              <a:t>2018-04-02</a:t>
             </a:fld>
             <a:endParaRPr lang="ko-KR" altLang="en-US"/>
           </a:p>
@@ -2737,7 +3162,7 @@
           <a:p>
             <a:fld id="{EDD93E7F-B437-40E5-8ACB-B79696783EFA}" type="datetime1">
               <a:rPr lang="ko-KR" altLang="en-US" smtClean="0"/>
-              <a:t>2018-03-31</a:t>
+              <a:t>2018-04-02</a:t>
             </a:fld>
             <a:endParaRPr lang="ko-KR" altLang="en-US"/>
           </a:p>
@@ -2981,7 +3406,7 @@
           <a:p>
             <a:fld id="{DB249950-0BD4-4F6E-BE3F-CB53B7E2FD06}" type="datetime1">
               <a:rPr lang="ko-KR" altLang="en-US" smtClean="0"/>
-              <a:t>2018-03-31</a:t>
+              <a:t>2018-04-02</a:t>
             </a:fld>
             <a:endParaRPr lang="ko-KR" altLang="en-US"/>
           </a:p>
@@ -3213,7 +3638,7 @@
           <a:p>
             <a:fld id="{7B016D7E-32C0-4DB3-B6B3-0506A62840FB}" type="datetime1">
               <a:rPr lang="ko-KR" altLang="en-US" smtClean="0"/>
-              <a:t>2018-03-31</a:t>
+              <a:t>2018-04-02</a:t>
             </a:fld>
             <a:endParaRPr lang="ko-KR" altLang="en-US"/>
           </a:p>
@@ -3580,7 +4005,7 @@
           <a:p>
             <a:fld id="{B246672D-B3FD-4B2E-92C0-4A80DA670927}" type="datetime1">
               <a:rPr lang="ko-KR" altLang="en-US" smtClean="0"/>
-              <a:t>2018-03-31</a:t>
+              <a:t>2018-04-02</a:t>
             </a:fld>
             <a:endParaRPr lang="ko-KR" altLang="en-US"/>
           </a:p>
@@ -3698,7 +4123,7 @@
           <a:p>
             <a:fld id="{9B9B7D2E-B202-4D7A-9519-0C490A04EB9C}" type="datetime1">
               <a:rPr lang="ko-KR" altLang="en-US" smtClean="0"/>
-              <a:t>2018-03-31</a:t>
+              <a:t>2018-04-02</a:t>
             </a:fld>
             <a:endParaRPr lang="ko-KR" altLang="en-US"/>
           </a:p>
@@ -3793,7 +4218,7 @@
           <a:p>
             <a:fld id="{12FB9327-987E-47D6-AE2D-63CED8A79494}" type="datetime1">
               <a:rPr lang="ko-KR" altLang="en-US" smtClean="0"/>
-              <a:t>2018-03-31</a:t>
+              <a:t>2018-04-02</a:t>
             </a:fld>
             <a:endParaRPr lang="ko-KR" altLang="en-US"/>
           </a:p>
@@ -4070,7 +4495,7 @@
           <a:p>
             <a:fld id="{D8D87011-7294-4632-A156-4F695AB9E41C}" type="datetime1">
               <a:rPr lang="ko-KR" altLang="en-US" smtClean="0"/>
-              <a:t>2018-03-31</a:t>
+              <a:t>2018-04-02</a:t>
             </a:fld>
             <a:endParaRPr lang="ko-KR" altLang="en-US"/>
           </a:p>
@@ -4327,7 +4752,7 @@
           <a:p>
             <a:fld id="{1BDC7FDB-72DE-4D65-AF4F-510496DAF70F}" type="datetime1">
               <a:rPr lang="ko-KR" altLang="en-US" smtClean="0"/>
-              <a:t>2018-03-31</a:t>
+              <a:t>2018-04-02</a:t>
             </a:fld>
             <a:endParaRPr lang="ko-KR" altLang="en-US"/>
           </a:p>
@@ -4540,7 +4965,7 @@
           <a:p>
             <a:fld id="{9A286DBF-DB43-470A-A903-26374CB6EF47}" type="datetime1">
               <a:rPr lang="ko-KR" altLang="en-US" smtClean="0"/>
-              <a:t>2018-03-31</a:t>
+              <a:t>2018-04-02</a:t>
             </a:fld>
             <a:endParaRPr lang="ko-KR" altLang="en-US"/>
           </a:p>
@@ -5139,7 +5564,7 @@
           <a:p>
             <a:fld id="{32C03489-23FC-4021-B9AB-958EFB3C0FE7}" type="datetime1">
               <a:rPr lang="ko-KR" altLang="en-US" smtClean="0"/>
-              <a:t>2018-03-31</a:t>
+              <a:t>2018-04-02</a:t>
             </a:fld>
             <a:endParaRPr lang="ko-KR" altLang="en-US"/>
           </a:p>
@@ -5348,7 +5773,7 @@
           <a:p>
             <a:fld id="{F85A177F-6FD3-496B-8A9C-B332CA04E863}" type="datetime1">
               <a:rPr lang="ko-KR" altLang="en-US" smtClean="0"/>
-              <a:t>2018-03-31</a:t>
+              <a:t>2018-04-02</a:t>
             </a:fld>
             <a:endParaRPr lang="ko-KR" altLang="en-US"/>
           </a:p>
@@ -5493,7 +5918,7 @@
           <a:p>
             <a:fld id="{53646E5C-8775-44A9-9523-40B6CCA06789}" type="datetime1">
               <a:rPr lang="ko-KR" altLang="en-US" smtClean="0"/>
-              <a:t>2018-03-31</a:t>
+              <a:t>2018-04-02</a:t>
             </a:fld>
             <a:endParaRPr lang="ko-KR" altLang="en-US"/>
           </a:p>
@@ -5741,7 +6166,7 @@
           <a:p>
             <a:fld id="{53646E5C-8775-44A9-9523-40B6CCA06789}" type="datetime1">
               <a:rPr lang="ko-KR" altLang="en-US" smtClean="0"/>
-              <a:t>2018-03-31</a:t>
+              <a:t>2018-04-02</a:t>
             </a:fld>
             <a:endParaRPr lang="ko-KR" altLang="en-US"/>
           </a:p>
@@ -7459,7 +7884,7 @@
           <a:p>
             <a:fld id="{53646E5C-8775-44A9-9523-40B6CCA06789}" type="datetime1">
               <a:rPr lang="ko-KR" altLang="en-US" smtClean="0"/>
-              <a:t>2018-03-31</a:t>
+              <a:t>2018-04-02</a:t>
             </a:fld>
             <a:endParaRPr lang="ko-KR" altLang="en-US"/>
           </a:p>
@@ -7637,13 +8062,13 @@
           <a:p>
             <a:pPr algn="ctr"/>
             <a:r>
-              <a:rPr lang="en-US" altLang="ko-KR" sz="2400" dirty="0" smtClean="0">
+              <a:rPr lang="en-US" altLang="ko-KR" sz="2300" dirty="0" smtClean="0">
                 <a:solidFill>
                   <a:schemeClr val="bg1"/>
                 </a:solidFill>
                 <a:latin typeface="Arial" panose="020B0604020202020204" pitchFamily="34" charset="0"/>
               </a:rPr>
-              <a:t>2.4 Cosine and Sine Terms and Phase Correction Techniques</a:t>
+              <a:t>2.5 Achievable Spectral Resolution (Commercial and State of the Art)</a:t>
             </a:r>
           </a:p>
         </p:txBody>
@@ -7665,7 +8090,7 @@
           <a:p>
             <a:fld id="{53646E5C-8775-44A9-9523-40B6CCA06789}" type="datetime1">
               <a:rPr lang="ko-KR" altLang="en-US" smtClean="0"/>
-              <a:t>2018-03-31</a:t>
+              <a:t>2018-04-02</a:t>
             </a:fld>
             <a:endParaRPr lang="ko-KR" altLang="en-US"/>
           </a:p>
@@ -7718,264 +8143,8 @@
           <a:p>
             <a:r>
               <a:rPr lang="en-US" altLang="ko-KR" sz="2000" dirty="0" smtClean="0"/>
-              <a:t>In an ideal instrument</a:t>
-            </a:r>
-          </a:p>
-          <a:p>
-            <a:r>
-              <a:rPr lang="en-US" altLang="ko-KR" sz="2000" dirty="0" smtClean="0"/>
-              <a:t>In reality</a:t>
-            </a:r>
-            <a:endParaRPr lang="en-US" altLang="ko-KR" sz="2000" dirty="0" smtClean="0"/>
-          </a:p>
-        </p:txBody>
-      </p:sp>
-      <p:sp>
-        <p:nvSpPr>
-          <p:cNvPr id="7" name="TextBox 6"/>
-          <p:cNvSpPr txBox="1"/>
-          <p:nvPr/>
-        </p:nvSpPr>
-        <p:spPr>
-          <a:xfrm>
-            <a:off x="720970" y="2705338"/>
-            <a:ext cx="2703874" cy="400110"/>
-          </a:xfrm>
-          <a:prstGeom prst="rect">
-            <a:avLst/>
-          </a:prstGeom>
-          <a:noFill/>
-        </p:spPr>
-        <p:txBody>
-          <a:bodyPr wrap="square" rtlCol="0">
-            <a:spAutoFit/>
-          </a:bodyPr>
-          <a:lstStyle/>
-          <a:p>
-            <a:r>
-              <a:rPr lang="en-US" altLang="ko-KR" sz="2000" dirty="0" smtClean="0">
-                <a:solidFill>
-                  <a:srgbClr val="3333FF"/>
-                </a:solidFill>
-                <a:sym typeface="Wingdings" panose="05000000000000000000" pitchFamily="2" charset="2"/>
-              </a:rPr>
-              <a:t>Mertz Phase Correction</a:t>
-            </a:r>
-          </a:p>
-        </p:txBody>
-      </p:sp>
-      <p:sp>
-        <p:nvSpPr>
-          <p:cNvPr id="8" name="TextBox 7"/>
-          <p:cNvSpPr txBox="1"/>
-          <p:nvPr/>
-        </p:nvSpPr>
-        <p:spPr>
-          <a:xfrm>
-            <a:off x="720969" y="3389054"/>
-            <a:ext cx="2853503" cy="400110"/>
-          </a:xfrm>
-          <a:prstGeom prst="rect">
-            <a:avLst/>
-          </a:prstGeom>
-          <a:noFill/>
-        </p:spPr>
-        <p:txBody>
-          <a:bodyPr wrap="square" rtlCol="0">
-            <a:spAutoFit/>
-          </a:bodyPr>
-          <a:lstStyle/>
-          <a:p>
-            <a:r>
-              <a:rPr lang="en-US" altLang="ko-KR" sz="2000" dirty="0" smtClean="0">
-                <a:solidFill>
-                  <a:srgbClr val="3333FF"/>
-                </a:solidFill>
-                <a:sym typeface="Wingdings" panose="05000000000000000000" pitchFamily="2" charset="2"/>
-              </a:rPr>
-              <a:t>Forman Phase Correction</a:t>
-            </a:r>
-          </a:p>
-        </p:txBody>
-      </p:sp>
-    </p:spTree>
-    <p:extLst>
-      <p:ext uri="{BB962C8B-B14F-4D97-AF65-F5344CB8AC3E}">
-        <p14:creationId xmlns:p14="http://schemas.microsoft.com/office/powerpoint/2010/main" val="1844566833"/>
-      </p:ext>
-    </p:extLst>
-  </p:cSld>
-  <p:clrMapOvr>
-    <a:masterClrMapping/>
-  </p:clrMapOvr>
-  <p:timing>
-    <p:tnLst>
-      <p:par>
-        <p:cTn id="1" dur="indefinite" restart="never" nodeType="tmRoot"/>
-      </p:par>
-    </p:tnLst>
-  </p:timing>
-</p:sld>
-</file>
-
-<file path=ppt/slides/slide15.xml><?xml version="1.0" encoding="utf-8"?>
-<p:sld xmlns:a="http://schemas.openxmlformats.org/drawingml/2006/main" xmlns:r="http://schemas.openxmlformats.org/officeDocument/2006/relationships" xmlns:p="http://schemas.openxmlformats.org/presentationml/2006/main">
-  <p:cSld>
-    <p:spTree>
-      <p:nvGrpSpPr>
-        <p:cNvPr id="1" name=""/>
-        <p:cNvGrpSpPr/>
-        <p:nvPr/>
-      </p:nvGrpSpPr>
-      <p:grpSpPr>
-        <a:xfrm>
-          <a:off x="0" y="0"/>
-          <a:ext cx="0" cy="0"/>
-          <a:chOff x="0" y="0"/>
-          <a:chExt cx="0" cy="0"/>
-        </a:xfrm>
-      </p:grpSpPr>
-      <p:sp>
-        <p:nvSpPr>
-          <p:cNvPr id="6199" name="Rectangle 55"/>
-          <p:cNvSpPr>
-            <a:spLocks noChangeArrowheads="1"/>
-          </p:cNvSpPr>
-          <p:nvPr/>
-        </p:nvSpPr>
-        <p:spPr bwMode="auto">
-          <a:xfrm>
-            <a:off x="0" y="0"/>
-            <a:ext cx="9144000" cy="692150"/>
-          </a:xfrm>
-          <a:prstGeom prst="rect">
-            <a:avLst/>
-          </a:prstGeom>
-          <a:solidFill>
-            <a:srgbClr val="3333FF"/>
-          </a:solidFill>
-          <a:ln>
-            <a:noFill/>
-          </a:ln>
-          <a:effectLst/>
-          <a:extLst>
-            <a:ext uri="{91240B29-F687-4F45-9708-019B960494DF}">
-              <a14:hiddenLine xmlns:a14="http://schemas.microsoft.com/office/drawing/2010/main" w="9525">
-                <a:solidFill>
-                  <a:schemeClr val="tx1"/>
-                </a:solidFill>
-                <a:miter lim="800000"/>
-                <a:headEnd/>
-                <a:tailEnd/>
-              </a14:hiddenLine>
-            </a:ext>
-            <a:ext uri="{AF507438-7753-43E0-B8FC-AC1667EBCBE1}">
-              <a14:hiddenEffects xmlns:a14="http://schemas.microsoft.com/office/drawing/2010/main">
-                <a:effectLst>
-                  <a:outerShdw dist="35921" dir="2700000" algn="ctr" rotWithShape="0">
-                    <a:schemeClr val="bg2"/>
-                  </a:outerShdw>
-                </a:effectLst>
-              </a14:hiddenEffects>
-            </a:ext>
-          </a:extLst>
-        </p:spPr>
-        <p:txBody>
-          <a:bodyPr wrap="none" anchor="ctr"/>
-          <a:lstStyle/>
-          <a:p>
-            <a:pPr algn="ctr"/>
-            <a:r>
-              <a:rPr lang="en-US" altLang="ko-KR" sz="2300" dirty="0" smtClean="0">
-                <a:solidFill>
-                  <a:schemeClr val="bg1"/>
-                </a:solidFill>
-                <a:latin typeface="Arial" panose="020B0604020202020204" pitchFamily="34" charset="0"/>
-              </a:rPr>
-              <a:t>2.5 Achievable Spectral Resolution (Commercial and State of the Art)</a:t>
-            </a:r>
-            <a:endParaRPr lang="en-US" altLang="ko-KR" sz="2300" dirty="0" smtClean="0">
-              <a:solidFill>
-                <a:schemeClr val="bg1"/>
-              </a:solidFill>
-              <a:latin typeface="Arial" panose="020B0604020202020204" pitchFamily="34" charset="0"/>
-            </a:endParaRPr>
-          </a:p>
-        </p:txBody>
-      </p:sp>
-      <p:sp>
-        <p:nvSpPr>
-          <p:cNvPr id="2" name="날짜 개체 틀 1"/>
-          <p:cNvSpPr>
-            <a:spLocks noGrp="1"/>
-          </p:cNvSpPr>
-          <p:nvPr>
-            <p:ph type="dt" sz="half" idx="10"/>
-          </p:nvPr>
-        </p:nvSpPr>
-        <p:spPr/>
-        <p:txBody>
-          <a:bodyPr/>
-          <a:lstStyle/>
-          <a:p>
-            <a:fld id="{53646E5C-8775-44A9-9523-40B6CCA06789}" type="datetime1">
-              <a:rPr lang="ko-KR" altLang="en-US" smtClean="0"/>
-              <a:t>2018-03-31</a:t>
-            </a:fld>
-            <a:endParaRPr lang="ko-KR" altLang="en-US"/>
-          </a:p>
-        </p:txBody>
-      </p:sp>
-      <p:sp>
-        <p:nvSpPr>
-          <p:cNvPr id="15" name="슬라이드 번호 개체 틀 14"/>
-          <p:cNvSpPr>
-            <a:spLocks noGrp="1"/>
-          </p:cNvSpPr>
-          <p:nvPr>
-            <p:ph type="sldNum" sz="quarter" idx="12"/>
-          </p:nvPr>
-        </p:nvSpPr>
-        <p:spPr/>
-        <p:txBody>
-          <a:bodyPr/>
-          <a:lstStyle/>
-          <a:p>
-            <a:fld id="{8765F8EB-1186-4395-8E70-F957669279DD}" type="slidenum">
-              <a:rPr lang="ko-KR" altLang="en-US" smtClean="0"/>
-              <a:t>15</a:t>
-            </a:fld>
-            <a:endParaRPr lang="ko-KR" altLang="en-US"/>
-          </a:p>
-        </p:txBody>
-      </p:sp>
-      <p:sp>
-        <p:nvSpPr>
-          <p:cNvPr id="6" name="TextBox 5"/>
-          <p:cNvSpPr txBox="1"/>
-          <p:nvPr/>
-        </p:nvSpPr>
-        <p:spPr>
-          <a:xfrm>
-            <a:off x="720969" y="914202"/>
-            <a:ext cx="7794381" cy="707886"/>
-          </a:xfrm>
-          <a:prstGeom prst="rect">
-            <a:avLst/>
-          </a:prstGeom>
-          <a:noFill/>
-        </p:spPr>
-        <p:txBody>
-          <a:bodyPr wrap="square" rtlCol="0">
-            <a:spAutoFit/>
-          </a:bodyPr>
-          <a:lstStyle/>
-          <a:p>
-            <a:r>
-              <a:rPr lang="en-US" altLang="ko-KR" sz="2000" dirty="0" smtClean="0"/>
               <a:t>Commercial Fourier Transform Spectrometer Instruments and Their Resolutions</a:t>
             </a:r>
-            <a:endParaRPr lang="en-US" altLang="ko-KR" sz="2000" dirty="0" smtClean="0"/>
           </a:p>
         </p:txBody>
       </p:sp>
@@ -8023,7 +8192,7 @@
 </p:sld>
 </file>
 
-<file path=ppt/slides/slide16.xml><?xml version="1.0" encoding="utf-8"?>
+<file path=ppt/slides/slide15.xml><?xml version="1.0" encoding="utf-8"?>
 <p:sld xmlns:a="http://schemas.openxmlformats.org/drawingml/2006/main" xmlns:r="http://schemas.openxmlformats.org/officeDocument/2006/relationships" xmlns:p="http://schemas.openxmlformats.org/presentationml/2006/main">
   <p:cSld>
     <p:spTree>
@@ -8183,7 +8352,7 @@
           <a:p>
             <a:fld id="{F85A177F-6FD3-496B-8A9C-B332CA04E863}" type="datetime1">
               <a:rPr lang="ko-KR" altLang="en-US" smtClean="0"/>
-              <a:t>2018-03-31</a:t>
+              <a:t>2018-04-02</a:t>
             </a:fld>
             <a:endParaRPr lang="ko-KR" altLang="en-US"/>
           </a:p>
@@ -8206,7 +8375,7 @@
           <a:p>
             <a:fld id="{8765F8EB-1186-4395-8E70-F957669279DD}" type="slidenum">
               <a:rPr lang="ko-KR" altLang="en-US" smtClean="0"/>
-              <a:t>16</a:t>
+              <a:t>15</a:t>
             </a:fld>
             <a:endParaRPr lang="ko-KR" altLang="en-US"/>
           </a:p>
@@ -8232,7 +8401,7 @@
 </p:sld>
 </file>
 
-<file path=ppt/slides/slide17.xml><?xml version="1.0" encoding="utf-8"?>
+<file path=ppt/slides/slide16.xml><?xml version="1.0" encoding="utf-8"?>
 <p:sld xmlns:a="http://schemas.openxmlformats.org/drawingml/2006/main" xmlns:r="http://schemas.openxmlformats.org/officeDocument/2006/relationships" xmlns:p="http://schemas.openxmlformats.org/presentationml/2006/main">
   <p:cSld>
     <p:spTree>
@@ -8308,12 +8477,6 @@
               </a:rPr>
               <a:t>3.1 Thin Sample Approximation: Lossless Case</a:t>
             </a:r>
-            <a:endParaRPr lang="en-US" altLang="ko-KR" sz="2400" dirty="0" smtClean="0">
-              <a:solidFill>
-                <a:schemeClr val="bg1"/>
-              </a:solidFill>
-              <a:latin typeface="Arial" panose="020B0604020202020204" pitchFamily="34" charset="0"/>
-            </a:endParaRPr>
           </a:p>
         </p:txBody>
       </p:sp>
@@ -8334,7 +8497,7 @@
           <a:p>
             <a:fld id="{53646E5C-8775-44A9-9523-40B6CCA06789}" type="datetime1">
               <a:rPr lang="ko-KR" altLang="en-US" smtClean="0"/>
-              <a:t>2018-03-31</a:t>
+              <a:t>2018-04-02</a:t>
             </a:fld>
             <a:endParaRPr lang="ko-KR" altLang="en-US"/>
           </a:p>
@@ -8357,7 +8520,7 @@
           <a:p>
             <a:fld id="{8765F8EB-1186-4395-8E70-F957669279DD}" type="slidenum">
               <a:rPr lang="ko-KR" altLang="en-US" smtClean="0"/>
-              <a:t>17</a:t>
+              <a:t>16</a:t>
             </a:fld>
             <a:endParaRPr lang="ko-KR" altLang="en-US"/>
           </a:p>
@@ -8397,7 +8560,6 @@
               <a:rPr lang="en-US" altLang="ko-KR" sz="2000" dirty="0" smtClean="0"/>
               <a:t>-Perot etalon presented by the sample can then be fitted.</a:t>
             </a:r>
-            <a:endParaRPr lang="en-US" altLang="ko-KR" sz="2000" dirty="0" smtClean="0"/>
           </a:p>
         </p:txBody>
       </p:sp>
@@ -8510,7 +8672,6 @@
               <a:rPr lang="en-US" altLang="ko-KR" sz="2000" dirty="0" smtClean="0"/>
               <a:t>t</a:t>
             </a:r>
-            <a:endParaRPr lang="en-US" altLang="ko-KR" sz="2000" dirty="0" smtClean="0"/>
           </a:p>
         </p:txBody>
       </p:sp>
@@ -8629,8 +8790,8 @@
           </a:fontRef>
         </p:style>
       </p:cxnSp>
-      <mc:AlternateContent xmlns:mc="http://schemas.openxmlformats.org/markup-compatibility/2006">
-        <mc:Choice xmlns:a14="http://schemas.microsoft.com/office/drawing/2010/main" Requires="a14">
+      <mc:AlternateContent xmlns:mc="http://schemas.openxmlformats.org/markup-compatibility/2006" xmlns:a14="http://schemas.microsoft.com/office/drawing/2010/main">
+        <mc:Choice Requires="a14">
           <p:sp>
             <p:nvSpPr>
               <p:cNvPr id="18" name="TextBox 17"/>
@@ -8653,6 +8814,7 @@
               </a:bodyPr>
               <a:lstStyle/>
               <a:p>
+                <a:pPr/>
                 <a14:m>
                   <m:oMathPara xmlns:m="http://schemas.openxmlformats.org/officeDocument/2006/math">
                     <m:oMathParaPr>
@@ -8899,7 +9061,7 @@
             </p:txBody>
           </p:sp>
         </mc:Choice>
-        <mc:Fallback>
+        <mc:Fallback xmlns="">
           <p:sp>
             <p:nvSpPr>
               <p:cNvPr id="18" name="TextBox 17"/>
@@ -8938,8 +9100,8 @@
           </p:sp>
         </mc:Fallback>
       </mc:AlternateContent>
-      <mc:AlternateContent xmlns:mc="http://schemas.openxmlformats.org/markup-compatibility/2006">
-        <mc:Choice xmlns:a14="http://schemas.microsoft.com/office/drawing/2010/main" Requires="a14">
+      <mc:AlternateContent xmlns:mc="http://schemas.openxmlformats.org/markup-compatibility/2006" xmlns:a14="http://schemas.microsoft.com/office/drawing/2010/main">
+        <mc:Choice Requires="a14">
           <p:sp>
             <p:nvSpPr>
               <p:cNvPr id="19" name="TextBox 18"/>
@@ -8962,6 +9124,7 @@
               </a:bodyPr>
               <a:lstStyle/>
               <a:p>
+                <a:pPr/>
                 <a14:m>
                   <m:oMathPara xmlns:m="http://schemas.openxmlformats.org/officeDocument/2006/math">
                     <m:oMathParaPr>
@@ -9067,7 +9230,7 @@
             </p:txBody>
           </p:sp>
         </mc:Choice>
-        <mc:Fallback>
+        <mc:Fallback xmlns="">
           <p:sp>
             <p:nvSpPr>
               <p:cNvPr id="19" name="TextBox 18"/>
@@ -9106,8 +9269,8 @@
           </p:sp>
         </mc:Fallback>
       </mc:AlternateContent>
-      <mc:AlternateContent xmlns:mc="http://schemas.openxmlformats.org/markup-compatibility/2006">
-        <mc:Choice xmlns:a14="http://schemas.microsoft.com/office/drawing/2010/main" Requires="a14">
+      <mc:AlternateContent xmlns:mc="http://schemas.openxmlformats.org/markup-compatibility/2006" xmlns:a14="http://schemas.microsoft.com/office/drawing/2010/main">
+        <mc:Choice Requires="a14">
           <p:sp>
             <p:nvSpPr>
               <p:cNvPr id="20" name="TextBox 19"/>
@@ -9130,6 +9293,7 @@
               </a:bodyPr>
               <a:lstStyle/>
               <a:p>
+                <a:pPr/>
                 <a14:m>
                   <m:oMathPara xmlns:m="http://schemas.openxmlformats.org/officeDocument/2006/math">
                     <m:oMathParaPr>
@@ -9257,7 +9421,7 @@
             </p:txBody>
           </p:sp>
         </mc:Choice>
-        <mc:Fallback>
+        <mc:Fallback xmlns="">
           <p:sp>
             <p:nvSpPr>
               <p:cNvPr id="20" name="TextBox 19"/>
@@ -9296,8 +9460,8 @@
           </p:sp>
         </mc:Fallback>
       </mc:AlternateContent>
-      <mc:AlternateContent xmlns:mc="http://schemas.openxmlformats.org/markup-compatibility/2006">
-        <mc:Choice xmlns:a14="http://schemas.microsoft.com/office/drawing/2010/main" Requires="a14">
+      <mc:AlternateContent xmlns:mc="http://schemas.openxmlformats.org/markup-compatibility/2006" xmlns:a14="http://schemas.microsoft.com/office/drawing/2010/main">
+        <mc:Choice Requires="a14">
           <p:sp>
             <p:nvSpPr>
               <p:cNvPr id="21" name="TextBox 20"/>
@@ -9320,6 +9484,7 @@
               </a:bodyPr>
               <a:lstStyle/>
               <a:p>
+                <a:pPr/>
                 <a14:m>
                   <m:oMathPara xmlns:m="http://schemas.openxmlformats.org/officeDocument/2006/math">
                     <m:oMathParaPr>
@@ -9457,7 +9622,7 @@
             </p:txBody>
           </p:sp>
         </mc:Choice>
-        <mc:Fallback>
+        <mc:Fallback xmlns="">
           <p:sp>
             <p:nvSpPr>
               <p:cNvPr id="21" name="TextBox 20"/>
@@ -9546,7 +9711,7 @@
 </p:sld>
 </file>
 
-<file path=ppt/slides/slide18.xml><?xml version="1.0" encoding="utf-8"?>
+<file path=ppt/slides/slide17.xml><?xml version="1.0" encoding="utf-8"?>
 <p:sld xmlns:a="http://schemas.openxmlformats.org/drawingml/2006/main" xmlns:r="http://schemas.openxmlformats.org/officeDocument/2006/relationships" xmlns:p="http://schemas.openxmlformats.org/presentationml/2006/main">
   <p:cSld>
     <p:spTree>
@@ -9622,12 +9787,6 @@
               </a:rPr>
               <a:t>3.1 Thin Sample Approximation: Lossless Case</a:t>
             </a:r>
-            <a:endParaRPr lang="en-US" altLang="ko-KR" sz="2400" dirty="0" smtClean="0">
-              <a:solidFill>
-                <a:schemeClr val="bg1"/>
-              </a:solidFill>
-              <a:latin typeface="Arial" panose="020B0604020202020204" pitchFamily="34" charset="0"/>
-            </a:endParaRPr>
           </a:p>
         </p:txBody>
       </p:sp>
@@ -9648,7 +9807,7 @@
           <a:p>
             <a:fld id="{53646E5C-8775-44A9-9523-40B6CCA06789}" type="datetime1">
               <a:rPr lang="ko-KR" altLang="en-US" smtClean="0"/>
-              <a:t>2018-04-01</a:t>
+              <a:t>2018-04-02</a:t>
             </a:fld>
             <a:endParaRPr lang="ko-KR" altLang="en-US"/>
           </a:p>
@@ -9671,46 +9830,9 @@
           <a:p>
             <a:fld id="{8765F8EB-1186-4395-8E70-F957669279DD}" type="slidenum">
               <a:rPr lang="ko-KR" altLang="en-US" smtClean="0"/>
-              <a:t>18</a:t>
+              <a:t>17</a:t>
             </a:fld>
             <a:endParaRPr lang="ko-KR" altLang="en-US"/>
-          </a:p>
-        </p:txBody>
-      </p:sp>
-      <p:sp>
-        <p:nvSpPr>
-          <p:cNvPr id="6" name="TextBox 5"/>
-          <p:cNvSpPr txBox="1"/>
-          <p:nvPr/>
-        </p:nvSpPr>
-        <p:spPr>
-          <a:xfrm>
-            <a:off x="720969" y="914202"/>
-            <a:ext cx="7794381" cy="707886"/>
-          </a:xfrm>
-          <a:prstGeom prst="rect">
-            <a:avLst/>
-          </a:prstGeom>
-          <a:noFill/>
-        </p:spPr>
-        <p:txBody>
-          <a:bodyPr wrap="square" rtlCol="0">
-            <a:spAutoFit/>
-          </a:bodyPr>
-          <a:lstStyle/>
-          <a:p>
-            <a:r>
-              <a:rPr lang="en-US" altLang="ko-KR" sz="2000" dirty="0" smtClean="0"/>
-              <a:t>The presence of negative side-lobes and distinct ringing features caused by the </a:t>
-            </a:r>
-            <a:r>
-              <a:rPr lang="en-US" altLang="ko-KR" sz="2000" dirty="0" err="1" smtClean="0"/>
-              <a:t>sinc</a:t>
-            </a:r>
-            <a:r>
-              <a:rPr lang="en-US" altLang="ko-KR" sz="2000" dirty="0" smtClean="0"/>
-              <a:t> ILF can be acceptable for some applications, but not for others.</a:t>
-            </a:r>
           </a:p>
         </p:txBody>
       </p:sp>
@@ -9722,7 +9844,7 @@
         </p:nvSpPr>
         <p:spPr>
           <a:xfrm>
-            <a:off x="720970" y="2705338"/>
+            <a:off x="720970" y="893164"/>
             <a:ext cx="4033910" cy="400110"/>
           </a:xfrm>
           <a:prstGeom prst="rect">
@@ -9756,7 +9878,7 @@
         </p:nvSpPr>
         <p:spPr>
           <a:xfrm>
-            <a:off x="720970" y="3324195"/>
+            <a:off x="720970" y="4089876"/>
             <a:ext cx="4033910" cy="400110"/>
           </a:xfrm>
           <a:prstGeom prst="rect">
@@ -9800,6 +9922,624 @@
           </a:p>
         </p:txBody>
       </p:sp>
+      <p:pic>
+        <p:nvPicPr>
+          <p:cNvPr id="3" name="그림 2"/>
+          <p:cNvPicPr>
+            <a:picLocks noChangeAspect="1"/>
+          </p:cNvPicPr>
+          <p:nvPr/>
+        </p:nvPicPr>
+        <p:blipFill>
+          <a:blip r:embed="rId3"/>
+          <a:stretch>
+            <a:fillRect/>
+          </a:stretch>
+        </p:blipFill>
+        <p:spPr>
+          <a:xfrm rot="5400000">
+            <a:off x="3274206" y="-1574619"/>
+            <a:ext cx="2595588" cy="8331374"/>
+          </a:xfrm>
+          <a:prstGeom prst="rect">
+            <a:avLst/>
+          </a:prstGeom>
+        </p:spPr>
+      </p:pic>
+      <mc:AlternateContent xmlns:mc="http://schemas.openxmlformats.org/markup-compatibility/2006" xmlns:a14="http://schemas.microsoft.com/office/drawing/2010/main">
+        <mc:Choice Requires="a14">
+          <p:sp>
+            <p:nvSpPr>
+              <p:cNvPr id="4" name="TextBox 3"/>
+              <p:cNvSpPr txBox="1"/>
+              <p:nvPr/>
+            </p:nvSpPr>
+            <p:spPr>
+              <a:xfrm>
+                <a:off x="2402560" y="4489986"/>
+                <a:ext cx="4338880" cy="682687"/>
+              </a:xfrm>
+              <a:prstGeom prst="rect">
+                <a:avLst/>
+              </a:prstGeom>
+              <a:noFill/>
+            </p:spPr>
+            <p:txBody>
+              <a:bodyPr wrap="none" lIns="0" tIns="0" rIns="0" bIns="0" rtlCol="0">
+                <a:spAutoFit/>
+              </a:bodyPr>
+              <a:lstStyle/>
+              <a:p>
+                <a:pPr/>
+                <a14:m>
+                  <m:oMathPara xmlns:m="http://schemas.openxmlformats.org/officeDocument/2006/math">
+                    <m:oMathParaPr>
+                      <m:jc m:val="centerGroup"/>
+                    </m:oMathParaPr>
+                    <m:oMath xmlns:m="http://schemas.openxmlformats.org/officeDocument/2006/math">
+                      <m:sSub>
+                        <m:sSubPr>
+                          <m:ctrlPr>
+                            <a:rPr lang="en-US" altLang="ko-KR" b="0" i="1" smtClean="0">
+                              <a:latin typeface="Cambria Math" panose="02040503050406030204" pitchFamily="18" charset="0"/>
+                            </a:rPr>
+                          </m:ctrlPr>
+                        </m:sSubPr>
+                        <m:e>
+                          <m:r>
+                            <a:rPr lang="en-US" altLang="ko-KR" b="0" i="1" smtClean="0">
+                              <a:latin typeface="Cambria Math" panose="02040503050406030204" pitchFamily="18" charset="0"/>
+                            </a:rPr>
+                            <m:t>𝑇</m:t>
+                          </m:r>
+                        </m:e>
+                        <m:sub>
+                          <m:r>
+                            <m:rPr>
+                              <m:sty m:val="p"/>
+                            </m:rPr>
+                            <a:rPr lang="en-US" altLang="ko-KR" b="0" i="0" smtClean="0">
+                              <a:latin typeface="Cambria Math" panose="02040503050406030204" pitchFamily="18" charset="0"/>
+                            </a:rPr>
+                            <m:t>min</m:t>
+                          </m:r>
+                        </m:sub>
+                      </m:sSub>
+                      <m:d>
+                        <m:dPr>
+                          <m:ctrlPr>
+                            <a:rPr lang="en-US" altLang="ko-KR" b="0" i="1" smtClean="0">
+                              <a:latin typeface="Cambria Math" panose="02040503050406030204" pitchFamily="18" charset="0"/>
+                            </a:rPr>
+                          </m:ctrlPr>
+                        </m:dPr>
+                        <m:e>
+                          <m:r>
+                            <a:rPr lang="en-US" altLang="ko-KR" b="0" i="1" smtClean="0">
+                              <a:latin typeface="Cambria Math" panose="02040503050406030204" pitchFamily="18" charset="0"/>
+                            </a:rPr>
+                            <m:t>𝜎</m:t>
+                          </m:r>
+                        </m:e>
+                      </m:d>
+                      <m:r>
+                        <a:rPr lang="en-US" altLang="ko-KR" b="0" i="1" smtClean="0">
+                          <a:latin typeface="Cambria Math" panose="02040503050406030204" pitchFamily="18" charset="0"/>
+                        </a:rPr>
+                        <m:t>=</m:t>
+                      </m:r>
+                      <m:f>
+                        <m:fPr>
+                          <m:ctrlPr>
+                            <a:rPr lang="en-US" altLang="ko-KR" b="0" i="1" smtClean="0">
+                              <a:latin typeface="Cambria Math" panose="02040503050406030204" pitchFamily="18" charset="0"/>
+                            </a:rPr>
+                          </m:ctrlPr>
+                        </m:fPr>
+                        <m:num>
+                          <m:r>
+                            <a:rPr lang="en-US" altLang="ko-KR" b="0" i="1" smtClean="0">
+                              <a:latin typeface="Cambria Math" panose="02040503050406030204" pitchFamily="18" charset="0"/>
+                            </a:rPr>
+                            <m:t>1</m:t>
+                          </m:r>
+                        </m:num>
+                        <m:den>
+                          <m:r>
+                            <a:rPr lang="en-US" altLang="ko-KR" b="0" i="1" smtClean="0">
+                              <a:latin typeface="Cambria Math" panose="02040503050406030204" pitchFamily="18" charset="0"/>
+                            </a:rPr>
+                            <m:t>1+</m:t>
+                          </m:r>
+                          <m:r>
+                            <a:rPr lang="en-US" altLang="ko-KR" b="0" i="1" smtClean="0">
+                              <a:latin typeface="Cambria Math" panose="02040503050406030204" pitchFamily="18" charset="0"/>
+                            </a:rPr>
+                            <m:t>ℱ</m:t>
+                          </m:r>
+                        </m:den>
+                      </m:f>
+                      <m:r>
+                        <a:rPr lang="en-US" altLang="ko-KR" b="0" i="1" smtClean="0">
+                          <a:latin typeface="Cambria Math" panose="02040503050406030204" pitchFamily="18" charset="0"/>
+                        </a:rPr>
+                        <m:t>=</m:t>
+                      </m:r>
+                      <m:sSup>
+                        <m:sSupPr>
+                          <m:ctrlPr>
+                            <a:rPr lang="en-US" altLang="ko-KR" b="0" i="1" smtClean="0">
+                              <a:latin typeface="Cambria Math" panose="02040503050406030204" pitchFamily="18" charset="0"/>
+                            </a:rPr>
+                          </m:ctrlPr>
+                        </m:sSupPr>
+                        <m:e>
+                          <m:d>
+                            <m:dPr>
+                              <m:ctrlPr>
+                                <a:rPr lang="en-US" altLang="ko-KR" b="0" i="1" smtClean="0">
+                                  <a:latin typeface="Cambria Math" panose="02040503050406030204" pitchFamily="18" charset="0"/>
+                                </a:rPr>
+                              </m:ctrlPr>
+                            </m:dPr>
+                            <m:e>
+                              <m:f>
+                                <m:fPr>
+                                  <m:ctrlPr>
+                                    <a:rPr lang="en-US" altLang="ko-KR" b="0" i="1" smtClean="0">
+                                      <a:latin typeface="Cambria Math" panose="02040503050406030204" pitchFamily="18" charset="0"/>
+                                    </a:rPr>
+                                  </m:ctrlPr>
+                                </m:fPr>
+                                <m:num>
+                                  <m:r>
+                                    <a:rPr lang="en-US" altLang="ko-KR" b="0" i="1" smtClean="0">
+                                      <a:latin typeface="Cambria Math" panose="02040503050406030204" pitchFamily="18" charset="0"/>
+                                    </a:rPr>
+                                    <m:t>1−</m:t>
+                                  </m:r>
+                                  <m:sSup>
+                                    <m:sSupPr>
+                                      <m:ctrlPr>
+                                        <a:rPr lang="en-US" altLang="ko-KR" b="0" i="1" smtClean="0">
+                                          <a:latin typeface="Cambria Math" panose="02040503050406030204" pitchFamily="18" charset="0"/>
+                                        </a:rPr>
+                                      </m:ctrlPr>
+                                    </m:sSupPr>
+                                    <m:e>
+                                      <m:r>
+                                        <a:rPr lang="en-US" altLang="ko-KR" b="0" i="1" smtClean="0">
+                                          <a:latin typeface="Cambria Math" panose="02040503050406030204" pitchFamily="18" charset="0"/>
+                                        </a:rPr>
+                                        <m:t>𝑟</m:t>
+                                      </m:r>
+                                    </m:e>
+                                    <m:sup>
+                                      <m:r>
+                                        <a:rPr lang="en-US" altLang="ko-KR" b="0" i="1" smtClean="0">
+                                          <a:latin typeface="Cambria Math" panose="02040503050406030204" pitchFamily="18" charset="0"/>
+                                        </a:rPr>
+                                        <m:t>2</m:t>
+                                      </m:r>
+                                    </m:sup>
+                                  </m:sSup>
+                                </m:num>
+                                <m:den>
+                                  <m:r>
+                                    <a:rPr lang="en-US" altLang="ko-KR" b="0" i="1" smtClean="0">
+                                      <a:latin typeface="Cambria Math" panose="02040503050406030204" pitchFamily="18" charset="0"/>
+                                    </a:rPr>
+                                    <m:t>1+</m:t>
+                                  </m:r>
+                                  <m:sSup>
+                                    <m:sSupPr>
+                                      <m:ctrlPr>
+                                        <a:rPr lang="en-US" altLang="ko-KR" b="0" i="1" smtClean="0">
+                                          <a:latin typeface="Cambria Math" panose="02040503050406030204" pitchFamily="18" charset="0"/>
+                                        </a:rPr>
+                                      </m:ctrlPr>
+                                    </m:sSupPr>
+                                    <m:e>
+                                      <m:r>
+                                        <a:rPr lang="en-US" altLang="ko-KR" b="0" i="1" smtClean="0">
+                                          <a:latin typeface="Cambria Math" panose="02040503050406030204" pitchFamily="18" charset="0"/>
+                                        </a:rPr>
+                                        <m:t>𝑟</m:t>
+                                      </m:r>
+                                    </m:e>
+                                    <m:sup>
+                                      <m:r>
+                                        <a:rPr lang="en-US" altLang="ko-KR" b="0" i="1" smtClean="0">
+                                          <a:latin typeface="Cambria Math" panose="02040503050406030204" pitchFamily="18" charset="0"/>
+                                        </a:rPr>
+                                        <m:t>2</m:t>
+                                      </m:r>
+                                    </m:sup>
+                                  </m:sSup>
+                                </m:den>
+                              </m:f>
+                            </m:e>
+                          </m:d>
+                        </m:e>
+                        <m:sup>
+                          <m:r>
+                            <a:rPr lang="en-US" altLang="ko-KR" b="0" i="1" smtClean="0">
+                              <a:latin typeface="Cambria Math" panose="02040503050406030204" pitchFamily="18" charset="0"/>
+                            </a:rPr>
+                            <m:t>2</m:t>
+                          </m:r>
+                        </m:sup>
+                      </m:sSup>
+                      <m:r>
+                        <a:rPr lang="en-US" altLang="ko-KR" b="0" i="1" smtClean="0">
+                          <a:latin typeface="Cambria Math" panose="02040503050406030204" pitchFamily="18" charset="0"/>
+                        </a:rPr>
+                        <m:t>=</m:t>
+                      </m:r>
+                      <m:sSup>
+                        <m:sSupPr>
+                          <m:ctrlPr>
+                            <a:rPr lang="en-US" altLang="ko-KR" b="0" i="1" smtClean="0">
+                              <a:latin typeface="Cambria Math" panose="02040503050406030204" pitchFamily="18" charset="0"/>
+                            </a:rPr>
+                          </m:ctrlPr>
+                        </m:sSupPr>
+                        <m:e>
+                          <m:d>
+                            <m:dPr>
+                              <m:ctrlPr>
+                                <a:rPr lang="en-US" altLang="ko-KR" b="0" i="1" smtClean="0">
+                                  <a:latin typeface="Cambria Math" panose="02040503050406030204" pitchFamily="18" charset="0"/>
+                                </a:rPr>
+                              </m:ctrlPr>
+                            </m:dPr>
+                            <m:e>
+                              <m:f>
+                                <m:fPr>
+                                  <m:ctrlPr>
+                                    <a:rPr lang="en-US" altLang="ko-KR" b="0" i="1" smtClean="0">
+                                      <a:latin typeface="Cambria Math" panose="02040503050406030204" pitchFamily="18" charset="0"/>
+                                    </a:rPr>
+                                  </m:ctrlPr>
+                                </m:fPr>
+                                <m:num>
+                                  <m:r>
+                                    <a:rPr lang="en-US" altLang="ko-KR" b="0" i="1" smtClean="0">
+                                      <a:latin typeface="Cambria Math" panose="02040503050406030204" pitchFamily="18" charset="0"/>
+                                    </a:rPr>
+                                    <m:t>2</m:t>
+                                  </m:r>
+                                  <m:r>
+                                    <a:rPr lang="en-US" altLang="ko-KR" b="0" i="1" smtClean="0">
+                                      <a:latin typeface="Cambria Math" panose="02040503050406030204" pitchFamily="18" charset="0"/>
+                                    </a:rPr>
+                                    <m:t>𝑛</m:t>
+                                  </m:r>
+                                </m:num>
+                                <m:den>
+                                  <m:r>
+                                    <a:rPr lang="en-US" altLang="ko-KR" b="0" i="1" smtClean="0">
+                                      <a:latin typeface="Cambria Math" panose="02040503050406030204" pitchFamily="18" charset="0"/>
+                                    </a:rPr>
+                                    <m:t>1+</m:t>
+                                  </m:r>
+                                  <m:sSup>
+                                    <m:sSupPr>
+                                      <m:ctrlPr>
+                                        <a:rPr lang="en-US" altLang="ko-KR" b="0" i="1" smtClean="0">
+                                          <a:latin typeface="Cambria Math" panose="02040503050406030204" pitchFamily="18" charset="0"/>
+                                        </a:rPr>
+                                      </m:ctrlPr>
+                                    </m:sSupPr>
+                                    <m:e>
+                                      <m:r>
+                                        <a:rPr lang="en-US" altLang="ko-KR" b="0" i="1" smtClean="0">
+                                          <a:latin typeface="Cambria Math" panose="02040503050406030204" pitchFamily="18" charset="0"/>
+                                        </a:rPr>
+                                        <m:t>𝑛</m:t>
+                                      </m:r>
+                                    </m:e>
+                                    <m:sup>
+                                      <m:r>
+                                        <a:rPr lang="en-US" altLang="ko-KR" b="0" i="1" smtClean="0">
+                                          <a:latin typeface="Cambria Math" panose="02040503050406030204" pitchFamily="18" charset="0"/>
+                                        </a:rPr>
+                                        <m:t>2</m:t>
+                                      </m:r>
+                                    </m:sup>
+                                  </m:sSup>
+                                </m:den>
+                              </m:f>
+                            </m:e>
+                          </m:d>
+                        </m:e>
+                        <m:sup>
+                          <m:r>
+                            <a:rPr lang="en-US" altLang="ko-KR" b="0" i="1" smtClean="0">
+                              <a:latin typeface="Cambria Math" panose="02040503050406030204" pitchFamily="18" charset="0"/>
+                            </a:rPr>
+                            <m:t>2</m:t>
+                          </m:r>
+                        </m:sup>
+                      </m:sSup>
+                    </m:oMath>
+                  </m:oMathPara>
+                </a14:m>
+                <a:endParaRPr lang="ko-KR" altLang="en-US" dirty="0"/>
+              </a:p>
+            </p:txBody>
+          </p:sp>
+        </mc:Choice>
+        <mc:Fallback xmlns="">
+          <p:sp>
+            <p:nvSpPr>
+              <p:cNvPr id="4" name="TextBox 3"/>
+              <p:cNvSpPr txBox="1">
+                <a:spLocks noRot="1" noChangeAspect="1" noMove="1" noResize="1" noEditPoints="1" noAdjustHandles="1" noChangeArrowheads="1" noChangeShapeType="1" noTextEdit="1"/>
+              </p:cNvSpPr>
+              <p:nvPr/>
+            </p:nvSpPr>
+            <p:spPr>
+              <a:xfrm>
+                <a:off x="2402560" y="4489986"/>
+                <a:ext cx="4338880" cy="682687"/>
+              </a:xfrm>
+              <a:prstGeom prst="rect">
+                <a:avLst/>
+              </a:prstGeom>
+              <a:blipFill>
+                <a:blip r:embed="rId4"/>
+                <a:stretch>
+                  <a:fillRect/>
+                </a:stretch>
+              </a:blipFill>
+            </p:spPr>
+            <p:txBody>
+              <a:bodyPr/>
+              <a:lstStyle/>
+              <a:p>
+                <a:r>
+                  <a:rPr lang="ko-KR" altLang="en-US">
+                    <a:noFill/>
+                  </a:rPr>
+                  <a:t> </a:t>
+                </a:r>
+              </a:p>
+            </p:txBody>
+          </p:sp>
+        </mc:Fallback>
+      </mc:AlternateContent>
+      <mc:AlternateContent xmlns:mc="http://schemas.openxmlformats.org/markup-compatibility/2006" xmlns:a14="http://schemas.microsoft.com/office/drawing/2010/main">
+        <mc:Choice Requires="a14">
+          <p:sp>
+            <p:nvSpPr>
+              <p:cNvPr id="5" name="TextBox 4"/>
+              <p:cNvSpPr txBox="1"/>
+              <p:nvPr/>
+            </p:nvSpPr>
+            <p:spPr>
+              <a:xfrm>
+                <a:off x="3445282" y="5313989"/>
+                <a:ext cx="2253437" cy="716415"/>
+              </a:xfrm>
+              <a:prstGeom prst="rect">
+                <a:avLst/>
+              </a:prstGeom>
+              <a:noFill/>
+            </p:spPr>
+            <p:txBody>
+              <a:bodyPr wrap="none" lIns="0" tIns="0" rIns="0" bIns="0" rtlCol="0">
+                <a:spAutoFit/>
+              </a:bodyPr>
+              <a:lstStyle/>
+              <a:p>
+                <a:pPr/>
+                <a14:m>
+                  <m:oMathPara xmlns:m="http://schemas.openxmlformats.org/officeDocument/2006/math">
+                    <m:oMathParaPr>
+                      <m:jc m:val="centerGroup"/>
+                    </m:oMathParaPr>
+                    <m:oMath xmlns:m="http://schemas.openxmlformats.org/officeDocument/2006/math">
+                      <m:r>
+                        <a:rPr lang="en-US" altLang="ko-KR" b="0" i="1" smtClean="0">
+                          <a:latin typeface="Cambria Math" panose="02040503050406030204" pitchFamily="18" charset="0"/>
+                        </a:rPr>
+                        <m:t>𝑛</m:t>
+                      </m:r>
+                      <m:r>
+                        <a:rPr lang="en-US" altLang="ko-KR" b="0" i="1" smtClean="0">
+                          <a:latin typeface="Cambria Math" panose="02040503050406030204" pitchFamily="18" charset="0"/>
+                        </a:rPr>
+                        <m:t>=</m:t>
+                      </m:r>
+                      <m:f>
+                        <m:fPr>
+                          <m:ctrlPr>
+                            <a:rPr lang="en-US" altLang="ko-KR" b="0" i="1" smtClean="0">
+                              <a:latin typeface="Cambria Math" panose="02040503050406030204" pitchFamily="18" charset="0"/>
+                            </a:rPr>
+                          </m:ctrlPr>
+                        </m:fPr>
+                        <m:num>
+                          <m:r>
+                            <a:rPr lang="en-US" altLang="ko-KR" b="0" i="1" smtClean="0">
+                              <a:latin typeface="Cambria Math" panose="02040503050406030204" pitchFamily="18" charset="0"/>
+                            </a:rPr>
+                            <m:t>1+</m:t>
+                          </m:r>
+                          <m:rad>
+                            <m:radPr>
+                              <m:degHide m:val="on"/>
+                              <m:ctrlPr>
+                                <a:rPr lang="en-US" altLang="ko-KR" b="0" i="1" smtClean="0">
+                                  <a:latin typeface="Cambria Math" panose="02040503050406030204" pitchFamily="18" charset="0"/>
+                                </a:rPr>
+                              </m:ctrlPr>
+                            </m:radPr>
+                            <m:deg/>
+                            <m:e>
+                              <m:r>
+                                <a:rPr lang="en-US" altLang="ko-KR" b="0" i="1" smtClean="0">
+                                  <a:latin typeface="Cambria Math" panose="02040503050406030204" pitchFamily="18" charset="0"/>
+                                </a:rPr>
+                                <m:t>1−</m:t>
+                              </m:r>
+                              <m:sSub>
+                                <m:sSubPr>
+                                  <m:ctrlPr>
+                                    <a:rPr lang="en-US" altLang="ko-KR" b="0" i="1" smtClean="0">
+                                      <a:latin typeface="Cambria Math" panose="02040503050406030204" pitchFamily="18" charset="0"/>
+                                    </a:rPr>
+                                  </m:ctrlPr>
+                                </m:sSubPr>
+                                <m:e>
+                                  <m:r>
+                                    <a:rPr lang="en-US" altLang="ko-KR" b="0" i="1" smtClean="0">
+                                      <a:latin typeface="Cambria Math" panose="02040503050406030204" pitchFamily="18" charset="0"/>
+                                    </a:rPr>
+                                    <m:t>𝑇</m:t>
+                                  </m:r>
+                                </m:e>
+                                <m:sub>
+                                  <m:r>
+                                    <m:rPr>
+                                      <m:sty m:val="p"/>
+                                    </m:rPr>
+                                    <a:rPr lang="en-US" altLang="ko-KR" b="0" i="0" smtClean="0">
+                                      <a:latin typeface="Cambria Math" panose="02040503050406030204" pitchFamily="18" charset="0"/>
+                                    </a:rPr>
+                                    <m:t>min</m:t>
+                                  </m:r>
+                                </m:sub>
+                              </m:sSub>
+                              <m:d>
+                                <m:dPr>
+                                  <m:ctrlPr>
+                                    <a:rPr lang="en-US" altLang="ko-KR" b="0" i="1" smtClean="0">
+                                      <a:latin typeface="Cambria Math" panose="02040503050406030204" pitchFamily="18" charset="0"/>
+                                    </a:rPr>
+                                  </m:ctrlPr>
+                                </m:dPr>
+                                <m:e>
+                                  <m:r>
+                                    <a:rPr lang="en-US" altLang="ko-KR" b="0" i="1" smtClean="0">
+                                      <a:latin typeface="Cambria Math" panose="02040503050406030204" pitchFamily="18" charset="0"/>
+                                    </a:rPr>
+                                    <m:t>𝜎</m:t>
+                                  </m:r>
+                                </m:e>
+                              </m:d>
+                            </m:e>
+                          </m:rad>
+                        </m:num>
+                        <m:den>
+                          <m:rad>
+                            <m:radPr>
+                              <m:degHide m:val="on"/>
+                              <m:ctrlPr>
+                                <a:rPr lang="en-US" altLang="ko-KR" b="0" i="1" smtClean="0">
+                                  <a:latin typeface="Cambria Math" panose="02040503050406030204" pitchFamily="18" charset="0"/>
+                                </a:rPr>
+                              </m:ctrlPr>
+                            </m:radPr>
+                            <m:deg/>
+                            <m:e>
+                              <m:sSub>
+                                <m:sSubPr>
+                                  <m:ctrlPr>
+                                    <a:rPr lang="en-US" altLang="ko-KR" b="0" i="1" smtClean="0">
+                                      <a:latin typeface="Cambria Math" panose="02040503050406030204" pitchFamily="18" charset="0"/>
+                                    </a:rPr>
+                                  </m:ctrlPr>
+                                </m:sSubPr>
+                                <m:e>
+                                  <m:r>
+                                    <a:rPr lang="en-US" altLang="ko-KR" b="0" i="1" smtClean="0">
+                                      <a:latin typeface="Cambria Math" panose="02040503050406030204" pitchFamily="18" charset="0"/>
+                                    </a:rPr>
+                                    <m:t>𝑇</m:t>
+                                  </m:r>
+                                </m:e>
+                                <m:sub>
+                                  <m:r>
+                                    <m:rPr>
+                                      <m:sty m:val="p"/>
+                                    </m:rPr>
+                                    <a:rPr lang="en-US" altLang="ko-KR" b="0" i="0" smtClean="0">
+                                      <a:latin typeface="Cambria Math" panose="02040503050406030204" pitchFamily="18" charset="0"/>
+                                    </a:rPr>
+                                    <m:t>min</m:t>
+                                  </m:r>
+                                </m:sub>
+                              </m:sSub>
+                              <m:d>
+                                <m:dPr>
+                                  <m:ctrlPr>
+                                    <a:rPr lang="en-US" altLang="ko-KR" b="0" i="1" smtClean="0">
+                                      <a:latin typeface="Cambria Math" panose="02040503050406030204" pitchFamily="18" charset="0"/>
+                                    </a:rPr>
+                                  </m:ctrlPr>
+                                </m:dPr>
+                                <m:e>
+                                  <m:r>
+                                    <a:rPr lang="en-US" altLang="ko-KR" b="0" i="1" smtClean="0">
+                                      <a:latin typeface="Cambria Math" panose="02040503050406030204" pitchFamily="18" charset="0"/>
+                                    </a:rPr>
+                                    <m:t>𝜎</m:t>
+                                  </m:r>
+                                </m:e>
+                              </m:d>
+                            </m:e>
+                          </m:rad>
+                        </m:den>
+                      </m:f>
+                    </m:oMath>
+                  </m:oMathPara>
+                </a14:m>
+                <a:endParaRPr lang="ko-KR" altLang="en-US" dirty="0"/>
+              </a:p>
+            </p:txBody>
+          </p:sp>
+        </mc:Choice>
+        <mc:Fallback xmlns="">
+          <p:sp>
+            <p:nvSpPr>
+              <p:cNvPr id="5" name="TextBox 4"/>
+              <p:cNvSpPr txBox="1">
+                <a:spLocks noRot="1" noChangeAspect="1" noMove="1" noResize="1" noEditPoints="1" noAdjustHandles="1" noChangeArrowheads="1" noChangeShapeType="1" noTextEdit="1"/>
+              </p:cNvSpPr>
+              <p:nvPr/>
+            </p:nvSpPr>
+            <p:spPr>
+              <a:xfrm>
+                <a:off x="3445282" y="5313989"/>
+                <a:ext cx="2253437" cy="716415"/>
+              </a:xfrm>
+              <a:prstGeom prst="rect">
+                <a:avLst/>
+              </a:prstGeom>
+              <a:blipFill>
+                <a:blip r:embed="rId5"/>
+                <a:stretch>
+                  <a:fillRect/>
+                </a:stretch>
+              </a:blipFill>
+            </p:spPr>
+            <p:txBody>
+              <a:bodyPr/>
+              <a:lstStyle/>
+              <a:p>
+                <a:r>
+                  <a:rPr lang="ko-KR" altLang="en-US">
+                    <a:noFill/>
+                  </a:rPr>
+                  <a:t> </a:t>
+                </a:r>
+              </a:p>
+            </p:txBody>
+          </p:sp>
+        </mc:Fallback>
+      </mc:AlternateContent>
     </p:spTree>
     <p:extLst>
       <p:ext uri="{BB962C8B-B14F-4D97-AF65-F5344CB8AC3E}">
@@ -9820,7 +10560,7 @@
 </p:sld>
 </file>
 
-<file path=ppt/slides/slide19.xml><?xml version="1.0" encoding="utf-8"?>
+<file path=ppt/slides/slide18.xml><?xml version="1.0" encoding="utf-8"?>
 <p:sld xmlns:a="http://schemas.openxmlformats.org/drawingml/2006/main" xmlns:r="http://schemas.openxmlformats.org/officeDocument/2006/relationships" xmlns:p="http://schemas.openxmlformats.org/presentationml/2006/main">
   <p:cSld>
     <p:spTree>
@@ -9888,33 +10628,73 @@
           <a:p>
             <a:pPr algn="ctr"/>
             <a:r>
-              <a:rPr lang="en-US" altLang="ko-KR" sz="2800" dirty="0" smtClean="0">
+              <a:rPr lang="en-US" altLang="ko-KR" sz="2400" dirty="0" smtClean="0">
                 <a:solidFill>
                   <a:schemeClr val="bg1"/>
                 </a:solidFill>
                 <a:latin typeface="Arial" panose="020B0604020202020204" pitchFamily="34" charset="0"/>
               </a:rPr>
-              <a:t>References</a:t>
-            </a:r>
-            <a:endParaRPr lang="en-US" altLang="ko-KR" sz="2800" dirty="0">
-              <a:solidFill>
-                <a:schemeClr val="bg1"/>
-              </a:solidFill>
-              <a:latin typeface="Arial" panose="020B0604020202020204" pitchFamily="34" charset="0"/>
-            </a:endParaRPr>
-          </a:p>
-        </p:txBody>
-      </p:sp>
-      <p:sp>
-        <p:nvSpPr>
-          <p:cNvPr id="2" name="TextBox 1"/>
+              <a:t>3.2 Dispersive Medium</a:t>
+            </a:r>
+          </a:p>
+        </p:txBody>
+      </p:sp>
+      <p:sp>
+        <p:nvSpPr>
+          <p:cNvPr id="2" name="날짜 개체 틀 1"/>
+          <p:cNvSpPr>
+            <a:spLocks noGrp="1"/>
+          </p:cNvSpPr>
+          <p:nvPr>
+            <p:ph type="dt" sz="half" idx="10"/>
+          </p:nvPr>
+        </p:nvSpPr>
+        <p:spPr/>
+        <p:txBody>
+          <a:bodyPr/>
+          <a:lstStyle/>
+          <a:p>
+            <a:fld id="{53646E5C-8775-44A9-9523-40B6CCA06789}" type="datetime1">
+              <a:rPr lang="ko-KR" altLang="en-US" smtClean="0"/>
+              <a:t>2018-04-02</a:t>
+            </a:fld>
+            <a:endParaRPr lang="ko-KR" altLang="en-US"/>
+          </a:p>
+        </p:txBody>
+      </p:sp>
+      <p:sp>
+        <p:nvSpPr>
+          <p:cNvPr id="15" name="슬라이드 번호 개체 틀 14"/>
+          <p:cNvSpPr>
+            <a:spLocks noGrp="1"/>
+          </p:cNvSpPr>
+          <p:nvPr>
+            <p:ph type="sldNum" sz="quarter" idx="12"/>
+          </p:nvPr>
+        </p:nvSpPr>
+        <p:spPr/>
+        <p:txBody>
+          <a:bodyPr/>
+          <a:lstStyle/>
+          <a:p>
+            <a:fld id="{8765F8EB-1186-4395-8E70-F957669279DD}" type="slidenum">
+              <a:rPr lang="ko-KR" altLang="en-US" smtClean="0"/>
+              <a:t>18</a:t>
+            </a:fld>
+            <a:endParaRPr lang="ko-KR" altLang="en-US"/>
+          </a:p>
+        </p:txBody>
+      </p:sp>
+      <p:sp>
+        <p:nvSpPr>
+          <p:cNvPr id="6" name="TextBox 5"/>
           <p:cNvSpPr txBox="1"/>
           <p:nvPr/>
         </p:nvSpPr>
         <p:spPr>
           <a:xfrm>
-            <a:off x="268165" y="1362807"/>
-            <a:ext cx="8607669" cy="2031325"/>
+            <a:off x="720969" y="1105395"/>
+            <a:ext cx="7794381" cy="1323439"/>
           </a:xfrm>
           <a:prstGeom prst="rect">
             <a:avLst/>
@@ -9927,147 +10707,237 @@
           </a:bodyPr>
           <a:lstStyle/>
           <a:p>
-            <a:pPr marL="285750" indent="-285750">
-              <a:buFont typeface="Arial" panose="020B0604020202020204" pitchFamily="34" charset="0"/>
-              <a:buChar char="•"/>
-            </a:pPr>
-            <a:r>
-              <a:rPr lang="en-US" altLang="ko-KR" dirty="0" smtClean="0">
-                <a:latin typeface="Times New Roman" panose="02020603050405020304" pitchFamily="18" charset="0"/>
-                <a:cs typeface="Times New Roman" panose="02020603050405020304" pitchFamily="18" charset="0"/>
+            <a:r>
+              <a:rPr lang="en-US" altLang="ko-KR" sz="2000" dirty="0" smtClean="0"/>
+              <a:t>Most materials have an index that is a slowly varying function of wavenumber.</a:t>
+            </a:r>
+          </a:p>
+          <a:p>
+            <a:r>
+              <a:rPr lang="en-US" altLang="ko-KR" sz="2000" dirty="0" smtClean="0">
+                <a:sym typeface="Wingdings" panose="05000000000000000000" pitchFamily="2" charset="2"/>
               </a:rPr>
-              <a:t>Martin, D. H., and E. </a:t>
-            </a:r>
-            <a:r>
-              <a:rPr lang="en-US" altLang="ko-KR" dirty="0" err="1" smtClean="0">
-                <a:latin typeface="Times New Roman" panose="02020603050405020304" pitchFamily="18" charset="0"/>
-                <a:cs typeface="Times New Roman" panose="02020603050405020304" pitchFamily="18" charset="0"/>
+              <a:t> Limit the precision of either the recovery of the index value, or of the calibration through a reference sample of the system.</a:t>
+            </a:r>
+            <a:endParaRPr lang="en-US" altLang="ko-KR" sz="2000" dirty="0" smtClean="0"/>
+          </a:p>
+        </p:txBody>
+      </p:sp>
+      <mc:AlternateContent xmlns:mc="http://schemas.openxmlformats.org/markup-compatibility/2006">
+        <mc:Choice xmlns:a14="http://schemas.microsoft.com/office/drawing/2010/main" Requires="a14">
+          <p:sp>
+            <p:nvSpPr>
+              <p:cNvPr id="4" name="TextBox 3"/>
+              <p:cNvSpPr txBox="1"/>
+              <p:nvPr/>
+            </p:nvSpPr>
+            <p:spPr>
+              <a:xfrm>
+                <a:off x="3980772" y="3154918"/>
+                <a:ext cx="1274773" cy="369332"/>
+              </a:xfrm>
+              <a:prstGeom prst="rect">
+                <a:avLst/>
+              </a:prstGeom>
+              <a:noFill/>
+            </p:spPr>
+            <p:txBody>
+              <a:bodyPr wrap="none" lIns="0" tIns="0" rIns="0" bIns="0" rtlCol="0">
+                <a:spAutoFit/>
+              </a:bodyPr>
+              <a:lstStyle/>
+              <a:p>
+                <a:pPr/>
+                <a14:m>
+                  <m:oMathPara xmlns:m="http://schemas.openxmlformats.org/officeDocument/2006/math">
+                    <m:oMathParaPr>
+                      <m:jc m:val="centerGroup"/>
+                    </m:oMathParaPr>
+                    <m:oMath xmlns:m="http://schemas.openxmlformats.org/officeDocument/2006/math">
+                      <m:r>
+                        <a:rPr lang="en-US" altLang="ko-KR" sz="2400" b="0" i="1" smtClean="0">
+                          <a:latin typeface="Cambria Math" panose="02040503050406030204" pitchFamily="18" charset="0"/>
+                        </a:rPr>
+                        <m:t>𝑛</m:t>
+                      </m:r>
+                      <m:r>
+                        <a:rPr lang="en-US" altLang="ko-KR" sz="2400" b="0" i="1" smtClean="0">
+                          <a:latin typeface="Cambria Math" panose="02040503050406030204" pitchFamily="18" charset="0"/>
+                        </a:rPr>
+                        <m:t>=</m:t>
+                      </m:r>
+                      <m:r>
+                        <a:rPr lang="en-US" altLang="ko-KR" sz="2400" b="0" i="1" smtClean="0">
+                          <a:latin typeface="Cambria Math" panose="02040503050406030204" pitchFamily="18" charset="0"/>
+                        </a:rPr>
+                        <m:t>𝑛</m:t>
+                      </m:r>
+                      <m:d>
+                        <m:dPr>
+                          <m:ctrlPr>
+                            <a:rPr lang="en-US" altLang="ko-KR" sz="2400" b="0" i="1" smtClean="0">
+                              <a:latin typeface="Cambria Math" panose="02040503050406030204" pitchFamily="18" charset="0"/>
+                            </a:rPr>
+                          </m:ctrlPr>
+                        </m:dPr>
+                        <m:e>
+                          <m:r>
+                            <a:rPr lang="en-US" altLang="ko-KR" sz="2400" b="0" i="1" smtClean="0">
+                              <a:latin typeface="Cambria Math" panose="02040503050406030204" pitchFamily="18" charset="0"/>
+                            </a:rPr>
+                            <m:t>𝜎</m:t>
+                          </m:r>
+                        </m:e>
+                      </m:d>
+                    </m:oMath>
+                  </m:oMathPara>
+                </a14:m>
+                <a:endParaRPr lang="ko-KR" altLang="en-US" sz="2400" dirty="0"/>
+              </a:p>
+            </p:txBody>
+          </p:sp>
+        </mc:Choice>
+        <mc:Fallback>
+          <p:sp>
+            <p:nvSpPr>
+              <p:cNvPr id="4" name="TextBox 3"/>
+              <p:cNvSpPr txBox="1">
+                <a:spLocks noRot="1" noChangeAspect="1" noMove="1" noResize="1" noEditPoints="1" noAdjustHandles="1" noChangeArrowheads="1" noChangeShapeType="1" noTextEdit="1"/>
+              </p:cNvSpPr>
+              <p:nvPr/>
+            </p:nvSpPr>
+            <p:spPr>
+              <a:xfrm>
+                <a:off x="3980772" y="3154918"/>
+                <a:ext cx="1274773" cy="369332"/>
+              </a:xfrm>
+              <a:prstGeom prst="rect">
+                <a:avLst/>
+              </a:prstGeom>
+              <a:blipFill>
+                <a:blip r:embed="rId3"/>
+                <a:stretch>
+                  <a:fillRect l="-2392"/>
+                </a:stretch>
+              </a:blipFill>
+            </p:spPr>
+            <p:txBody>
+              <a:bodyPr/>
+              <a:lstStyle/>
+              <a:p>
+                <a:r>
+                  <a:rPr lang="ko-KR" altLang="en-US">
+                    <a:noFill/>
+                  </a:rPr>
+                  <a:t> </a:t>
+                </a:r>
+              </a:p>
+            </p:txBody>
+          </p:sp>
+        </mc:Fallback>
+      </mc:AlternateContent>
+    </p:spTree>
+    <p:extLst>
+      <p:ext uri="{BB962C8B-B14F-4D97-AF65-F5344CB8AC3E}">
+        <p14:creationId xmlns:p14="http://schemas.microsoft.com/office/powerpoint/2010/main" val="1667650335"/>
+      </p:ext>
+    </p:extLst>
+  </p:cSld>
+  <p:clrMapOvr>
+    <a:masterClrMapping/>
+  </p:clrMapOvr>
+  <p:timing>
+    <p:tnLst>
+      <p:par>
+        <p:cTn id="1" dur="indefinite" restart="never" nodeType="tmRoot"/>
+      </p:par>
+    </p:tnLst>
+  </p:timing>
+</p:sld>
+</file>
+
+<file path=ppt/slides/slide19.xml><?xml version="1.0" encoding="utf-8"?>
+<p:sld xmlns:a="http://schemas.openxmlformats.org/drawingml/2006/main" xmlns:r="http://schemas.openxmlformats.org/officeDocument/2006/relationships" xmlns:p="http://schemas.openxmlformats.org/presentationml/2006/main">
+  <p:cSld>
+    <p:spTree>
+      <p:nvGrpSpPr>
+        <p:cNvPr id="1" name=""/>
+        <p:cNvGrpSpPr/>
+        <p:nvPr/>
+      </p:nvGrpSpPr>
+      <p:grpSpPr>
+        <a:xfrm>
+          <a:off x="0" y="0"/>
+          <a:ext cx="0" cy="0"/>
+          <a:chOff x="0" y="0"/>
+          <a:chExt cx="0" cy="0"/>
+        </a:xfrm>
+      </p:grpSpPr>
+      <p:sp>
+        <p:nvSpPr>
+          <p:cNvPr id="6199" name="Rectangle 55"/>
+          <p:cNvSpPr>
+            <a:spLocks noChangeArrowheads="1"/>
+          </p:cNvSpPr>
+          <p:nvPr/>
+        </p:nvSpPr>
+        <p:spPr bwMode="auto">
+          <a:xfrm>
+            <a:off x="0" y="0"/>
+            <a:ext cx="9144000" cy="692150"/>
+          </a:xfrm>
+          <a:prstGeom prst="rect">
+            <a:avLst/>
+          </a:prstGeom>
+          <a:solidFill>
+            <a:srgbClr val="3333FF"/>
+          </a:solidFill>
+          <a:ln>
+            <a:noFill/>
+          </a:ln>
+          <a:effectLst/>
+          <a:extLst>
+            <a:ext uri="{91240B29-F687-4F45-9708-019B960494DF}">
+              <a14:hiddenLine xmlns:a14="http://schemas.microsoft.com/office/drawing/2010/main" w="9525">
+                <a:solidFill>
+                  <a:schemeClr val="tx1"/>
+                </a:solidFill>
+                <a:miter lim="800000"/>
+                <a:headEnd/>
+                <a:tailEnd/>
+              </a14:hiddenLine>
+            </a:ext>
+            <a:ext uri="{AF507438-7753-43E0-B8FC-AC1667EBCBE1}">
+              <a14:hiddenEffects xmlns:a14="http://schemas.microsoft.com/office/drawing/2010/main">
+                <a:effectLst>
+                  <a:outerShdw dist="35921" dir="2700000" algn="ctr" rotWithShape="0">
+                    <a:schemeClr val="bg2"/>
+                  </a:outerShdw>
+                </a:effectLst>
+              </a14:hiddenEffects>
+            </a:ext>
+          </a:extLst>
+        </p:spPr>
+        <p:txBody>
+          <a:bodyPr wrap="none" anchor="ctr"/>
+          <a:lstStyle/>
+          <a:p>
+            <a:pPr algn="ctr"/>
+            <a:r>
+              <a:rPr lang="en-US" altLang="ko-KR" sz="2400" dirty="0" smtClean="0">
+                <a:solidFill>
+                  <a:schemeClr val="bg1"/>
+                </a:solidFill>
+                <a:latin typeface="Arial" panose="020B0604020202020204" pitchFamily="34" charset="0"/>
               </a:rPr>
-              <a:t>Puplett</a:t>
-            </a:r>
-            <a:r>
-              <a:rPr lang="en-US" altLang="ko-KR" dirty="0" smtClean="0">
-                <a:latin typeface="Times New Roman" panose="02020603050405020304" pitchFamily="18" charset="0"/>
-                <a:cs typeface="Times New Roman" panose="02020603050405020304" pitchFamily="18" charset="0"/>
-              </a:rPr>
-              <a:t>, “</a:t>
-            </a:r>
-            <a:r>
-              <a:rPr lang="en-US" altLang="ko-KR" dirty="0" err="1" smtClean="0">
-                <a:latin typeface="Times New Roman" panose="02020603050405020304" pitchFamily="18" charset="0"/>
-                <a:cs typeface="Times New Roman" panose="02020603050405020304" pitchFamily="18" charset="0"/>
-              </a:rPr>
-              <a:t>Polarised</a:t>
-            </a:r>
-            <a:r>
-              <a:rPr lang="en-US" altLang="ko-KR" dirty="0" smtClean="0">
-                <a:latin typeface="Times New Roman" panose="02020603050405020304" pitchFamily="18" charset="0"/>
-                <a:cs typeface="Times New Roman" panose="02020603050405020304" pitchFamily="18" charset="0"/>
-              </a:rPr>
-              <a:t> Interferometric Spectrometry for the </a:t>
-            </a:r>
-            <a:r>
-              <a:rPr lang="en-US" altLang="ko-KR" dirty="0" err="1" smtClean="0">
-                <a:latin typeface="Times New Roman" panose="02020603050405020304" pitchFamily="18" charset="0"/>
-                <a:cs typeface="Times New Roman" panose="02020603050405020304" pitchFamily="18" charset="0"/>
-              </a:rPr>
-              <a:t>Millimetre</a:t>
-            </a:r>
-            <a:r>
-              <a:rPr lang="en-US" altLang="ko-KR" dirty="0" smtClean="0">
-                <a:latin typeface="Times New Roman" panose="02020603050405020304" pitchFamily="18" charset="0"/>
-                <a:cs typeface="Times New Roman" panose="02020603050405020304" pitchFamily="18" charset="0"/>
-              </a:rPr>
-              <a:t> and </a:t>
-            </a:r>
-            <a:r>
-              <a:rPr lang="en-US" altLang="ko-KR" dirty="0" err="1" smtClean="0">
-                <a:latin typeface="Times New Roman" panose="02020603050405020304" pitchFamily="18" charset="0"/>
-                <a:cs typeface="Times New Roman" panose="02020603050405020304" pitchFamily="18" charset="0"/>
-              </a:rPr>
-              <a:t>Submillimetre</a:t>
-            </a:r>
-            <a:r>
-              <a:rPr lang="en-US" altLang="ko-KR" dirty="0" smtClean="0">
-                <a:latin typeface="Times New Roman" panose="02020603050405020304" pitchFamily="18" charset="0"/>
-                <a:cs typeface="Times New Roman" panose="02020603050405020304" pitchFamily="18" charset="0"/>
-              </a:rPr>
-              <a:t> Spectrum,” </a:t>
-            </a:r>
-            <a:r>
-              <a:rPr lang="en-US" altLang="ko-KR" i="1" dirty="0" smtClean="0">
-                <a:latin typeface="Times New Roman" panose="02020603050405020304" pitchFamily="18" charset="0"/>
-                <a:cs typeface="Times New Roman" panose="02020603050405020304" pitchFamily="18" charset="0"/>
-              </a:rPr>
-              <a:t>App. Opt.</a:t>
-            </a:r>
-            <a:r>
-              <a:rPr lang="en-US" altLang="ko-KR" dirty="0" smtClean="0">
-                <a:latin typeface="Times New Roman" panose="02020603050405020304" pitchFamily="18" charset="0"/>
-                <a:cs typeface="Times New Roman" panose="02020603050405020304" pitchFamily="18" charset="0"/>
-              </a:rPr>
-              <a:t>, Vol. 10, 1969, p. 105.</a:t>
-            </a:r>
-          </a:p>
-          <a:p>
-            <a:pPr marL="285750" indent="-285750">
-              <a:buFont typeface="Arial" panose="020B0604020202020204" pitchFamily="34" charset="0"/>
-              <a:buChar char="•"/>
-            </a:pPr>
-            <a:r>
-              <a:rPr lang="en-US" altLang="ko-KR" dirty="0" smtClean="0">
-                <a:latin typeface="Times New Roman" panose="02020603050405020304" pitchFamily="18" charset="0"/>
-                <a:cs typeface="Times New Roman" panose="02020603050405020304" pitchFamily="18" charset="0"/>
-              </a:rPr>
-              <a:t>Naylor, D. A., et al., “Astronomical Spectroscopy Using an Aliased Step-and-Integrate Fourier Transform Spectrometer,” </a:t>
-            </a:r>
-            <a:r>
-              <a:rPr lang="en-US" altLang="ko-KR" i="1" dirty="0" smtClean="0">
-                <a:latin typeface="Times New Roman" panose="02020603050405020304" pitchFamily="18" charset="0"/>
-                <a:cs typeface="Times New Roman" panose="02020603050405020304" pitchFamily="18" charset="0"/>
-              </a:rPr>
-              <a:t>Proceedings of the SPIE</a:t>
-            </a:r>
-            <a:r>
-              <a:rPr lang="en-US" altLang="ko-KR" dirty="0" smtClean="0">
-                <a:latin typeface="Times New Roman" panose="02020603050405020304" pitchFamily="18" charset="0"/>
-                <a:cs typeface="Times New Roman" panose="02020603050405020304" pitchFamily="18" charset="0"/>
-              </a:rPr>
-              <a:t>, Vol. 5498, 2004, pp. 685-694.</a:t>
-            </a:r>
-          </a:p>
-          <a:p>
-            <a:pPr marL="285750" indent="-285750">
-              <a:buFont typeface="Arial" panose="020B0604020202020204" pitchFamily="34" charset="0"/>
-              <a:buChar char="•"/>
-            </a:pPr>
-            <a:r>
-              <a:rPr lang="en-US" altLang="ko-KR" dirty="0" smtClean="0">
-                <a:latin typeface="Times New Roman" panose="02020603050405020304" pitchFamily="18" charset="0"/>
-                <a:cs typeface="Times New Roman" panose="02020603050405020304" pitchFamily="18" charset="0"/>
-              </a:rPr>
-              <a:t>Carli, B., et al., “Design of an Efficient Broadband Far-Infrared Fourier Transform Spectrometer,” </a:t>
-            </a:r>
-            <a:r>
-              <a:rPr lang="en-US" altLang="ko-KR" i="1" dirty="0" smtClean="0">
-                <a:latin typeface="Times New Roman" panose="02020603050405020304" pitchFamily="18" charset="0"/>
-                <a:cs typeface="Times New Roman" panose="02020603050405020304" pitchFamily="18" charset="0"/>
-              </a:rPr>
-              <a:t>App. Opt.</a:t>
-            </a:r>
-            <a:r>
-              <a:rPr lang="en-US" altLang="ko-KR" dirty="0" smtClean="0">
-                <a:latin typeface="Times New Roman" panose="02020603050405020304" pitchFamily="18" charset="0"/>
-                <a:cs typeface="Times New Roman" panose="02020603050405020304" pitchFamily="18" charset="0"/>
-              </a:rPr>
-              <a:t>, Vol. 38, No. 18, 1999, pp. 3945-3950.</a:t>
-            </a:r>
-          </a:p>
-        </p:txBody>
-      </p:sp>
-      <p:sp>
-        <p:nvSpPr>
-          <p:cNvPr id="3" name="날짜 개체 틀 2"/>
+              <a:t>3.3 Thick Sample Analysis (or Noncollimated Measurement)</a:t>
+            </a:r>
+          </a:p>
+        </p:txBody>
+      </p:sp>
+      <p:sp>
+        <p:nvSpPr>
+          <p:cNvPr id="2" name="날짜 개체 틀 1"/>
           <p:cNvSpPr>
             <a:spLocks noGrp="1"/>
           </p:cNvSpPr>
@@ -10080,9 +10950,9 @@
           <a:bodyPr/>
           <a:lstStyle/>
           <a:p>
-            <a:fld id="{6509A91F-0059-474E-BAEC-65E67593FE25}" type="datetime1">
+            <a:fld id="{53646E5C-8775-44A9-9523-40B6CCA06789}" type="datetime1">
               <a:rPr lang="ko-KR" altLang="en-US" smtClean="0"/>
-              <a:t>2018-03-31</a:t>
+              <a:t>2018-04-02</a:t>
             </a:fld>
             <a:endParaRPr lang="ko-KR" altLang="en-US"/>
           </a:p>
@@ -10090,7 +10960,7 @@
       </p:sp>
       <p:sp>
         <p:nvSpPr>
-          <p:cNvPr id="4" name="슬라이드 번호 개체 틀 3"/>
+          <p:cNvPr id="15" name="슬라이드 번호 개체 틀 14"/>
           <p:cNvSpPr>
             <a:spLocks noGrp="1"/>
           </p:cNvSpPr>
@@ -10111,10 +10981,660 @@
           </a:p>
         </p:txBody>
       </p:sp>
+      <p:sp>
+        <p:nvSpPr>
+          <p:cNvPr id="6" name="TextBox 5"/>
+          <p:cNvSpPr txBox="1"/>
+          <p:nvPr/>
+        </p:nvSpPr>
+        <p:spPr>
+          <a:xfrm>
+            <a:off x="720969" y="813946"/>
+            <a:ext cx="7794381" cy="707886"/>
+          </a:xfrm>
+          <a:prstGeom prst="rect">
+            <a:avLst/>
+          </a:prstGeom>
+          <a:noFill/>
+        </p:spPr>
+        <p:txBody>
+          <a:bodyPr wrap="square" rtlCol="0">
+            <a:spAutoFit/>
+          </a:bodyPr>
+          <a:lstStyle/>
+          <a:p>
+            <a:r>
+              <a:rPr lang="en-US" altLang="ko-KR" sz="2000" dirty="0" smtClean="0"/>
+              <a:t>In a converging beam, the thick sample results will vary from the previous in at least two characteristics.</a:t>
+            </a:r>
+            <a:endParaRPr lang="en-US" altLang="ko-KR" sz="2000" dirty="0" smtClean="0"/>
+          </a:p>
+        </p:txBody>
+      </p:sp>
+      <p:sp>
+        <p:nvSpPr>
+          <p:cNvPr id="7" name="TextBox 6"/>
+          <p:cNvSpPr txBox="1"/>
+          <p:nvPr/>
+        </p:nvSpPr>
+        <p:spPr>
+          <a:xfrm>
+            <a:off x="720970" y="3641558"/>
+            <a:ext cx="4033910" cy="400110"/>
+          </a:xfrm>
+          <a:prstGeom prst="rect">
+            <a:avLst/>
+          </a:prstGeom>
+          <a:noFill/>
+        </p:spPr>
+        <p:txBody>
+          <a:bodyPr wrap="square" rtlCol="0">
+            <a:spAutoFit/>
+          </a:bodyPr>
+          <a:lstStyle/>
+          <a:p>
+            <a:r>
+              <a:rPr lang="en-US" altLang="ko-KR" sz="2000" dirty="0" smtClean="0">
+                <a:solidFill>
+                  <a:srgbClr val="3333FF"/>
+                </a:solidFill>
+                <a:sym typeface="Wingdings" panose="05000000000000000000" pitchFamily="2" charset="2"/>
+              </a:rPr>
+              <a:t>Weighted Contributions at an Angle</a:t>
+            </a:r>
+          </a:p>
+        </p:txBody>
+      </p:sp>
+      <p:sp>
+        <p:nvSpPr>
+          <p:cNvPr id="8" name="TextBox 7"/>
+          <p:cNvSpPr txBox="1"/>
+          <p:nvPr/>
+        </p:nvSpPr>
+        <p:spPr>
+          <a:xfrm>
+            <a:off x="720970" y="4998954"/>
+            <a:ext cx="4033910" cy="400110"/>
+          </a:xfrm>
+          <a:prstGeom prst="rect">
+            <a:avLst/>
+          </a:prstGeom>
+          <a:noFill/>
+        </p:spPr>
+        <p:txBody>
+          <a:bodyPr wrap="square" rtlCol="0">
+            <a:spAutoFit/>
+          </a:bodyPr>
+          <a:lstStyle/>
+          <a:p>
+            <a:r>
+              <a:rPr lang="en-US" altLang="ko-KR" sz="2000" dirty="0" smtClean="0">
+                <a:solidFill>
+                  <a:srgbClr val="3333FF"/>
+                </a:solidFill>
+                <a:sym typeface="Wingdings" panose="05000000000000000000" pitchFamily="2" charset="2"/>
+              </a:rPr>
+              <a:t>Finite Series of Terms</a:t>
+            </a:r>
+          </a:p>
+        </p:txBody>
+      </p:sp>
+      <p:pic>
+        <p:nvPicPr>
+          <p:cNvPr id="3" name="그림 2"/>
+          <p:cNvPicPr>
+            <a:picLocks noChangeAspect="1"/>
+          </p:cNvPicPr>
+          <p:nvPr/>
+        </p:nvPicPr>
+        <p:blipFill>
+          <a:blip r:embed="rId3"/>
+          <a:stretch>
+            <a:fillRect/>
+          </a:stretch>
+        </p:blipFill>
+        <p:spPr>
+          <a:xfrm>
+            <a:off x="1474909" y="1654238"/>
+            <a:ext cx="6286500" cy="1948447"/>
+          </a:xfrm>
+          <a:prstGeom prst="rect">
+            <a:avLst/>
+          </a:prstGeom>
+        </p:spPr>
+      </p:pic>
+      <p:sp>
+        <p:nvSpPr>
+          <p:cNvPr id="4" name="직사각형 3"/>
+          <p:cNvSpPr/>
+          <p:nvPr/>
+        </p:nvSpPr>
+        <p:spPr>
+          <a:xfrm>
+            <a:off x="3712226" y="3150029"/>
+            <a:ext cx="905933" cy="238432"/>
+          </a:xfrm>
+          <a:prstGeom prst="rect">
+            <a:avLst/>
+          </a:prstGeom>
+          <a:noFill/>
+          <a:ln w="28575">
+            <a:solidFill>
+              <a:srgbClr val="FF0000"/>
+            </a:solidFill>
+          </a:ln>
+        </p:spPr>
+        <p:style>
+          <a:lnRef idx="2">
+            <a:schemeClr val="accent1">
+              <a:shade val="50000"/>
+            </a:schemeClr>
+          </a:lnRef>
+          <a:fillRef idx="1">
+            <a:schemeClr val="accent1"/>
+          </a:fillRef>
+          <a:effectRef idx="0">
+            <a:schemeClr val="accent1"/>
+          </a:effectRef>
+          <a:fontRef idx="minor">
+            <a:schemeClr val="lt1"/>
+          </a:fontRef>
+        </p:style>
+        <p:txBody>
+          <a:bodyPr rtlCol="0" anchor="ctr"/>
+          <a:lstStyle/>
+          <a:p>
+            <a:pPr algn="ctr"/>
+            <a:endParaRPr lang="ko-KR" altLang="en-US"/>
+          </a:p>
+        </p:txBody>
+      </p:sp>
+      <p:sp>
+        <p:nvSpPr>
+          <p:cNvPr id="10" name="직사각형 9"/>
+          <p:cNvSpPr/>
+          <p:nvPr/>
+        </p:nvSpPr>
+        <p:spPr>
+          <a:xfrm>
+            <a:off x="5461000" y="3101065"/>
+            <a:ext cx="1219200" cy="501620"/>
+          </a:xfrm>
+          <a:prstGeom prst="rect">
+            <a:avLst/>
+          </a:prstGeom>
+          <a:noFill/>
+          <a:ln w="28575">
+            <a:solidFill>
+              <a:srgbClr val="FF0000"/>
+            </a:solidFill>
+          </a:ln>
+        </p:spPr>
+        <p:style>
+          <a:lnRef idx="2">
+            <a:schemeClr val="accent1">
+              <a:shade val="50000"/>
+            </a:schemeClr>
+          </a:lnRef>
+          <a:fillRef idx="1">
+            <a:schemeClr val="accent1"/>
+          </a:fillRef>
+          <a:effectRef idx="0">
+            <a:schemeClr val="accent1"/>
+          </a:effectRef>
+          <a:fontRef idx="minor">
+            <a:schemeClr val="lt1"/>
+          </a:fontRef>
+        </p:style>
+        <p:txBody>
+          <a:bodyPr rtlCol="0" anchor="ctr"/>
+          <a:lstStyle/>
+          <a:p>
+            <a:pPr algn="ctr"/>
+            <a:endParaRPr lang="ko-KR" altLang="en-US"/>
+          </a:p>
+        </p:txBody>
+      </p:sp>
+      <mc:AlternateContent xmlns:mc="http://schemas.openxmlformats.org/markup-compatibility/2006">
+        <mc:Choice xmlns:a14="http://schemas.microsoft.com/office/drawing/2010/main" Requires="a14">
+          <p:sp>
+            <p:nvSpPr>
+              <p:cNvPr id="5" name="TextBox 4"/>
+              <p:cNvSpPr txBox="1"/>
+              <p:nvPr/>
+            </p:nvSpPr>
+            <p:spPr>
+              <a:xfrm>
+                <a:off x="3412484" y="4295028"/>
+                <a:ext cx="2319033" cy="512128"/>
+              </a:xfrm>
+              <a:prstGeom prst="rect">
+                <a:avLst/>
+              </a:prstGeom>
+              <a:noFill/>
+            </p:spPr>
+            <p:txBody>
+              <a:bodyPr wrap="none" lIns="0" tIns="0" rIns="0" bIns="0" rtlCol="0">
+                <a:spAutoFit/>
+              </a:bodyPr>
+              <a:lstStyle/>
+              <a:p>
+                <a14:m>
+                  <m:oMathPara xmlns:m="http://schemas.openxmlformats.org/officeDocument/2006/math">
+                    <m:oMathParaPr>
+                      <m:jc m:val="centerGroup"/>
+                    </m:oMathParaPr>
+                    <m:oMath xmlns:m="http://schemas.openxmlformats.org/officeDocument/2006/math">
+                      <m:r>
+                        <a:rPr lang="en-US" altLang="ko-KR" b="0" i="1" smtClean="0">
+                          <a:latin typeface="Cambria Math" panose="02040503050406030204" pitchFamily="18" charset="0"/>
+                        </a:rPr>
+                        <m:t>𝑇</m:t>
+                      </m:r>
+                      <m:d>
+                        <m:dPr>
+                          <m:ctrlPr>
+                            <a:rPr lang="en-US" altLang="ko-KR" b="0" i="1" smtClean="0">
+                              <a:latin typeface="Cambria Math" panose="02040503050406030204" pitchFamily="18" charset="0"/>
+                            </a:rPr>
+                          </m:ctrlPr>
+                        </m:dPr>
+                        <m:e>
+                          <m:r>
+                            <a:rPr lang="en-US" altLang="ko-KR" b="0" i="1" smtClean="0">
+                              <a:latin typeface="Cambria Math" panose="02040503050406030204" pitchFamily="18" charset="0"/>
+                            </a:rPr>
+                            <m:t>𝜎</m:t>
+                          </m:r>
+                        </m:e>
+                      </m:d>
+                      <m:r>
+                        <a:rPr lang="en-US" altLang="ko-KR" b="0" i="1" smtClean="0">
+                          <a:latin typeface="Cambria Math" panose="02040503050406030204" pitchFamily="18" charset="0"/>
+                        </a:rPr>
+                        <m:t>=</m:t>
+                      </m:r>
+                      <m:nary>
+                        <m:naryPr>
+                          <m:chr m:val="∑"/>
+                          <m:limLoc m:val="subSup"/>
+                          <m:supHide m:val="on"/>
+                          <m:ctrlPr>
+                            <a:rPr lang="en-US" altLang="ko-KR" b="0" i="1" smtClean="0">
+                              <a:latin typeface="Cambria Math" panose="02040503050406030204" pitchFamily="18" charset="0"/>
+                            </a:rPr>
+                          </m:ctrlPr>
+                        </m:naryPr>
+                        <m:sub>
+                          <m:r>
+                            <a:rPr lang="en-US" altLang="ko-KR" b="0" i="1" smtClean="0">
+                              <a:latin typeface="Cambria Math" panose="02040503050406030204" pitchFamily="18" charset="0"/>
+                            </a:rPr>
+                            <m:t>𝜃</m:t>
+                          </m:r>
+                        </m:sub>
+                        <m:sup/>
+                        <m:e>
+                          <m:r>
+                            <a:rPr lang="en-US" altLang="ko-KR" b="0" i="1" smtClean="0">
+                              <a:latin typeface="Cambria Math" panose="02040503050406030204" pitchFamily="18" charset="0"/>
+                            </a:rPr>
+                            <m:t>𝑤</m:t>
+                          </m:r>
+                          <m:d>
+                            <m:dPr>
+                              <m:ctrlPr>
+                                <a:rPr lang="en-US" altLang="ko-KR" b="0" i="1" smtClean="0">
+                                  <a:latin typeface="Cambria Math" panose="02040503050406030204" pitchFamily="18" charset="0"/>
+                                </a:rPr>
+                              </m:ctrlPr>
+                            </m:dPr>
+                            <m:e>
+                              <m:r>
+                                <a:rPr lang="en-US" altLang="ko-KR" b="0" i="1" smtClean="0">
+                                  <a:latin typeface="Cambria Math" panose="02040503050406030204" pitchFamily="18" charset="0"/>
+                                </a:rPr>
+                                <m:t>𝜃</m:t>
+                              </m:r>
+                            </m:e>
+                          </m:d>
+                          <m:sSub>
+                            <m:sSubPr>
+                              <m:ctrlPr>
+                                <a:rPr lang="en-US" altLang="ko-KR" b="0" i="1" smtClean="0">
+                                  <a:latin typeface="Cambria Math" panose="02040503050406030204" pitchFamily="18" charset="0"/>
+                                </a:rPr>
+                              </m:ctrlPr>
+                            </m:sSubPr>
+                            <m:e>
+                              <m:r>
+                                <a:rPr lang="en-US" altLang="ko-KR" b="0" i="1" smtClean="0">
+                                  <a:latin typeface="Cambria Math" panose="02040503050406030204" pitchFamily="18" charset="0"/>
+                                </a:rPr>
+                                <m:t>𝑇</m:t>
+                              </m:r>
+                            </m:e>
+                            <m:sub>
+                              <m:r>
+                                <a:rPr lang="en-US" altLang="ko-KR" b="0" i="1" smtClean="0">
+                                  <a:latin typeface="Cambria Math" panose="02040503050406030204" pitchFamily="18" charset="0"/>
+                                </a:rPr>
+                                <m:t>𝜃</m:t>
+                              </m:r>
+                            </m:sub>
+                          </m:sSub>
+                          <m:d>
+                            <m:dPr>
+                              <m:ctrlPr>
+                                <a:rPr lang="en-US" altLang="ko-KR" b="0" i="1" smtClean="0">
+                                  <a:latin typeface="Cambria Math" panose="02040503050406030204" pitchFamily="18" charset="0"/>
+                                </a:rPr>
+                              </m:ctrlPr>
+                            </m:dPr>
+                            <m:e>
+                              <m:r>
+                                <a:rPr lang="en-US" altLang="ko-KR" b="0" i="1" smtClean="0">
+                                  <a:latin typeface="Cambria Math" panose="02040503050406030204" pitchFamily="18" charset="0"/>
+                                </a:rPr>
+                                <m:t>𝜎</m:t>
+                              </m:r>
+                            </m:e>
+                          </m:d>
+                        </m:e>
+                      </m:nary>
+                    </m:oMath>
+                  </m:oMathPara>
+                </a14:m>
+                <a:endParaRPr lang="ko-KR" altLang="en-US" dirty="0"/>
+              </a:p>
+            </p:txBody>
+          </p:sp>
+        </mc:Choice>
+        <mc:Fallback>
+          <p:sp>
+            <p:nvSpPr>
+              <p:cNvPr id="5" name="TextBox 4"/>
+              <p:cNvSpPr txBox="1">
+                <a:spLocks noRot="1" noChangeAspect="1" noMove="1" noResize="1" noEditPoints="1" noAdjustHandles="1" noChangeArrowheads="1" noChangeShapeType="1" noTextEdit="1"/>
+              </p:cNvSpPr>
+              <p:nvPr/>
+            </p:nvSpPr>
+            <p:spPr>
+              <a:xfrm>
+                <a:off x="3412484" y="4295028"/>
+                <a:ext cx="2319033" cy="512128"/>
+              </a:xfrm>
+              <a:prstGeom prst="rect">
+                <a:avLst/>
+              </a:prstGeom>
+              <a:blipFill>
+                <a:blip r:embed="rId4"/>
+                <a:stretch>
+                  <a:fillRect/>
+                </a:stretch>
+              </a:blipFill>
+            </p:spPr>
+            <p:txBody>
+              <a:bodyPr/>
+              <a:lstStyle/>
+              <a:p>
+                <a:r>
+                  <a:rPr lang="ko-KR" altLang="en-US">
+                    <a:noFill/>
+                  </a:rPr>
+                  <a:t> </a:t>
+                </a:r>
+              </a:p>
+            </p:txBody>
+          </p:sp>
+        </mc:Fallback>
+      </mc:AlternateContent>
+      <mc:AlternateContent xmlns:mc="http://schemas.openxmlformats.org/markup-compatibility/2006">
+        <mc:Choice xmlns:a14="http://schemas.microsoft.com/office/drawing/2010/main" Requires="a14">
+          <p:sp>
+            <p:nvSpPr>
+              <p:cNvPr id="9" name="TextBox 8"/>
+              <p:cNvSpPr txBox="1"/>
+              <p:nvPr/>
+            </p:nvSpPr>
+            <p:spPr>
+              <a:xfrm>
+                <a:off x="6060017" y="4412592"/>
+                <a:ext cx="2847126" cy="276999"/>
+              </a:xfrm>
+              <a:prstGeom prst="rect">
+                <a:avLst/>
+              </a:prstGeom>
+              <a:noFill/>
+            </p:spPr>
+            <p:txBody>
+              <a:bodyPr wrap="none" lIns="0" tIns="0" rIns="0" bIns="0" rtlCol="0">
+                <a:spAutoFit/>
+              </a:bodyPr>
+              <a:lstStyle/>
+              <a:p>
+                <a14:m>
+                  <m:oMathPara xmlns:m="http://schemas.openxmlformats.org/officeDocument/2006/math">
+                    <m:oMathParaPr>
+                      <m:jc m:val="centerGroup"/>
+                    </m:oMathParaPr>
+                    <m:oMath xmlns:m="http://schemas.openxmlformats.org/officeDocument/2006/math">
+                      <m:r>
+                        <a:rPr lang="en-US" altLang="ko-KR" b="0" i="1" smtClean="0">
+                          <a:latin typeface="Cambria Math" panose="02040503050406030204" pitchFamily="18" charset="0"/>
+                        </a:rPr>
+                        <m:t>;</m:t>
+                      </m:r>
+                      <m:sSub>
+                        <m:sSubPr>
+                          <m:ctrlPr>
+                            <a:rPr lang="en-US" altLang="ko-KR" b="0" i="1" smtClean="0">
+                              <a:latin typeface="Cambria Math" panose="02040503050406030204" pitchFamily="18" charset="0"/>
+                            </a:rPr>
+                          </m:ctrlPr>
+                        </m:sSubPr>
+                        <m:e>
+                          <m:r>
+                            <a:rPr lang="en-US" altLang="ko-KR" b="0" i="1" smtClean="0">
+                              <a:latin typeface="Cambria Math" panose="02040503050406030204" pitchFamily="18" charset="0"/>
+                            </a:rPr>
+                            <m:t>𝑇</m:t>
+                          </m:r>
+                        </m:e>
+                        <m:sub>
+                          <m:r>
+                            <a:rPr lang="en-US" altLang="ko-KR" b="0" i="1" smtClean="0">
+                              <a:latin typeface="Cambria Math" panose="02040503050406030204" pitchFamily="18" charset="0"/>
+                            </a:rPr>
+                            <m:t>𝜃</m:t>
+                          </m:r>
+                        </m:sub>
+                      </m:sSub>
+                      <m:d>
+                        <m:dPr>
+                          <m:ctrlPr>
+                            <a:rPr lang="en-US" altLang="ko-KR" b="0" i="1" smtClean="0">
+                              <a:latin typeface="Cambria Math" panose="02040503050406030204" pitchFamily="18" charset="0"/>
+                            </a:rPr>
+                          </m:ctrlPr>
+                        </m:dPr>
+                        <m:e>
+                          <m:r>
+                            <a:rPr lang="en-US" altLang="ko-KR" b="0" i="1" smtClean="0">
+                              <a:latin typeface="Cambria Math" panose="02040503050406030204" pitchFamily="18" charset="0"/>
+                            </a:rPr>
+                            <m:t>𝜎</m:t>
+                          </m:r>
+                        </m:e>
+                      </m:d>
+                      <m:r>
+                        <a:rPr lang="en-US" altLang="ko-KR" b="0" i="1" smtClean="0">
+                          <a:latin typeface="Cambria Math" panose="02040503050406030204" pitchFamily="18" charset="0"/>
+                        </a:rPr>
+                        <m:t>=</m:t>
+                      </m:r>
+                      <m:r>
+                        <a:rPr lang="en-US" altLang="ko-KR" b="0" i="1" smtClean="0">
+                          <a:latin typeface="Cambria Math" panose="02040503050406030204" pitchFamily="18" charset="0"/>
+                        </a:rPr>
+                        <m:t>𝑇</m:t>
+                      </m:r>
+                      <m:d>
+                        <m:dPr>
+                          <m:ctrlPr>
+                            <a:rPr lang="en-US" altLang="ko-KR" b="0" i="1" smtClean="0">
+                              <a:latin typeface="Cambria Math" panose="02040503050406030204" pitchFamily="18" charset="0"/>
+                            </a:rPr>
+                          </m:ctrlPr>
+                        </m:dPr>
+                        <m:e>
+                          <m:r>
+                            <a:rPr lang="en-US" altLang="ko-KR" b="0" i="1" smtClean="0">
+                              <a:latin typeface="Cambria Math" panose="02040503050406030204" pitchFamily="18" charset="0"/>
+                            </a:rPr>
+                            <m:t>𝜎</m:t>
+                          </m:r>
+                          <m:r>
+                            <a:rPr lang="en-US" altLang="ko-KR" b="0" i="1" smtClean="0">
+                              <a:latin typeface="Cambria Math" panose="02040503050406030204" pitchFamily="18" charset="0"/>
+                            </a:rPr>
+                            <m:t>;</m:t>
+                          </m:r>
+                          <m:r>
+                            <a:rPr lang="en-US" altLang="ko-KR" b="0" i="1" smtClean="0">
+                              <a:latin typeface="Cambria Math" panose="02040503050406030204" pitchFamily="18" charset="0"/>
+                            </a:rPr>
+                            <m:t>𝑑</m:t>
+                          </m:r>
+                          <m:r>
+                            <a:rPr lang="en-US" altLang="ko-KR" b="0" i="1" smtClean="0">
+                              <a:latin typeface="Cambria Math" panose="02040503050406030204" pitchFamily="18" charset="0"/>
+                            </a:rPr>
+                            <m:t>→</m:t>
+                          </m:r>
+                          <m:r>
+                            <a:rPr lang="en-US" altLang="ko-KR" b="0" i="1" smtClean="0">
+                              <a:latin typeface="Cambria Math" panose="02040503050406030204" pitchFamily="18" charset="0"/>
+                            </a:rPr>
+                            <m:t>𝑑</m:t>
+                          </m:r>
+                          <m:r>
+                            <a:rPr lang="en-US" altLang="ko-KR" b="0" i="1" smtClean="0">
+                              <a:latin typeface="Cambria Math" panose="02040503050406030204" pitchFamily="18" charset="0"/>
+                            </a:rPr>
+                            <m:t>/</m:t>
+                          </m:r>
+                          <m:func>
+                            <m:funcPr>
+                              <m:ctrlPr>
+                                <a:rPr lang="en-US" altLang="ko-KR" b="0" i="1" smtClean="0">
+                                  <a:latin typeface="Cambria Math" panose="02040503050406030204" pitchFamily="18" charset="0"/>
+                                </a:rPr>
+                              </m:ctrlPr>
+                            </m:funcPr>
+                            <m:fName>
+                              <m:r>
+                                <m:rPr>
+                                  <m:sty m:val="p"/>
+                                </m:rPr>
+                                <a:rPr lang="en-US" altLang="ko-KR" b="0" i="0" smtClean="0">
+                                  <a:latin typeface="Cambria Math" panose="02040503050406030204" pitchFamily="18" charset="0"/>
+                                </a:rPr>
+                                <m:t>cos</m:t>
+                              </m:r>
+                            </m:fName>
+                            <m:e>
+                              <m:r>
+                                <a:rPr lang="en-US" altLang="ko-KR" b="0" i="1" smtClean="0">
+                                  <a:latin typeface="Cambria Math" panose="02040503050406030204" pitchFamily="18" charset="0"/>
+                                </a:rPr>
+                                <m:t>𝜃</m:t>
+                              </m:r>
+                            </m:e>
+                          </m:func>
+                        </m:e>
+                      </m:d>
+                    </m:oMath>
+                  </m:oMathPara>
+                </a14:m>
+                <a:endParaRPr lang="ko-KR" altLang="en-US" dirty="0"/>
+              </a:p>
+            </p:txBody>
+          </p:sp>
+        </mc:Choice>
+        <mc:Fallback>
+          <p:sp>
+            <p:nvSpPr>
+              <p:cNvPr id="9" name="TextBox 8"/>
+              <p:cNvSpPr txBox="1">
+                <a:spLocks noRot="1" noChangeAspect="1" noMove="1" noResize="1" noEditPoints="1" noAdjustHandles="1" noChangeArrowheads="1" noChangeShapeType="1" noTextEdit="1"/>
+              </p:cNvSpPr>
+              <p:nvPr/>
+            </p:nvSpPr>
+            <p:spPr>
+              <a:xfrm>
+                <a:off x="6060017" y="4412592"/>
+                <a:ext cx="2847126" cy="276999"/>
+              </a:xfrm>
+              <a:prstGeom prst="rect">
+                <a:avLst/>
+              </a:prstGeom>
+              <a:blipFill>
+                <a:blip r:embed="rId5"/>
+                <a:stretch>
+                  <a:fillRect l="-1071" t="-2222" b="-35556"/>
+                </a:stretch>
+              </a:blipFill>
+            </p:spPr>
+            <p:txBody>
+              <a:bodyPr/>
+              <a:lstStyle/>
+              <a:p>
+                <a:r>
+                  <a:rPr lang="ko-KR" altLang="en-US">
+                    <a:noFill/>
+                  </a:rPr>
+                  <a:t> </a:t>
+                </a:r>
+              </a:p>
+            </p:txBody>
+          </p:sp>
+        </mc:Fallback>
+      </mc:AlternateContent>
+      <p:sp>
+        <p:nvSpPr>
+          <p:cNvPr id="13" name="TextBox 12"/>
+          <p:cNvSpPr txBox="1"/>
+          <p:nvPr/>
+        </p:nvSpPr>
+        <p:spPr>
+          <a:xfrm>
+            <a:off x="720969" y="5453508"/>
+            <a:ext cx="7794381" cy="707886"/>
+          </a:xfrm>
+          <a:prstGeom prst="rect">
+            <a:avLst/>
+          </a:prstGeom>
+          <a:noFill/>
+        </p:spPr>
+        <p:txBody>
+          <a:bodyPr wrap="square" rtlCol="0">
+            <a:spAutoFit/>
+          </a:bodyPr>
+          <a:lstStyle/>
+          <a:p>
+            <a:r>
+              <a:rPr lang="en-US" altLang="ko-KR" sz="2000" dirty="0" smtClean="0"/>
+              <a:t>Due to the noncollimated nature of the beam, only a limited number of terms will be summed in the series that previously yielded.</a:t>
+            </a:r>
+            <a:endParaRPr lang="en-US" altLang="ko-KR" sz="2000" dirty="0" smtClean="0"/>
+          </a:p>
+        </p:txBody>
+      </p:sp>
     </p:spTree>
     <p:extLst>
       <p:ext uri="{BB962C8B-B14F-4D97-AF65-F5344CB8AC3E}">
-        <p14:creationId xmlns:p14="http://schemas.microsoft.com/office/powerpoint/2010/main" val="3518239763"/>
+        <p14:creationId xmlns:p14="http://schemas.microsoft.com/office/powerpoint/2010/main" val="734459140"/>
       </p:ext>
     </p:extLst>
   </p:cSld>
@@ -10396,7 +11916,7 @@
           <a:p>
             <a:fld id="{D71C2118-E1AA-468B-9259-8864ED518988}" type="datetime1">
               <a:rPr lang="ko-KR" altLang="en-US" smtClean="0"/>
-              <a:t>2018-03-31</a:t>
+              <a:t>2018-04-02</a:t>
             </a:fld>
             <a:endParaRPr lang="ko-KR" altLang="en-US"/>
           </a:p>
@@ -10445,7 +11965,7 @@
 </p:sld>
 </file>
 
-<file path=ppt/slides/slide3.xml><?xml version="1.0" encoding="utf-8"?>
+<file path=ppt/slides/slide20.xml><?xml version="1.0" encoding="utf-8"?>
 <p:sld xmlns:a="http://schemas.openxmlformats.org/drawingml/2006/main" xmlns:r="http://schemas.openxmlformats.org/officeDocument/2006/relationships" xmlns:p="http://schemas.openxmlformats.org/presentationml/2006/main">
   <p:cSld>
     <p:spTree>
@@ -10512,6 +12032,1184 @@
           <a:lstStyle/>
           <a:p>
             <a:pPr algn="ctr"/>
+            <a:r>
+              <a:rPr lang="en-US" altLang="ko-KR" sz="2400" dirty="0" smtClean="0">
+                <a:solidFill>
+                  <a:schemeClr val="bg1"/>
+                </a:solidFill>
+                <a:latin typeface="Arial" panose="020B0604020202020204" pitchFamily="34" charset="0"/>
+              </a:rPr>
+              <a:t>3.4 Absorption Coefficients</a:t>
+            </a:r>
+          </a:p>
+        </p:txBody>
+      </p:sp>
+      <p:sp>
+        <p:nvSpPr>
+          <p:cNvPr id="2" name="날짜 개체 틀 1"/>
+          <p:cNvSpPr>
+            <a:spLocks noGrp="1"/>
+          </p:cNvSpPr>
+          <p:nvPr>
+            <p:ph type="dt" sz="half" idx="10"/>
+          </p:nvPr>
+        </p:nvSpPr>
+        <p:spPr/>
+        <p:txBody>
+          <a:bodyPr/>
+          <a:lstStyle/>
+          <a:p>
+            <a:fld id="{53646E5C-8775-44A9-9523-40B6CCA06789}" type="datetime1">
+              <a:rPr lang="ko-KR" altLang="en-US" smtClean="0"/>
+              <a:t>2018-04-02</a:t>
+            </a:fld>
+            <a:endParaRPr lang="ko-KR" altLang="en-US"/>
+          </a:p>
+        </p:txBody>
+      </p:sp>
+      <p:sp>
+        <p:nvSpPr>
+          <p:cNvPr id="15" name="슬라이드 번호 개체 틀 14"/>
+          <p:cNvSpPr>
+            <a:spLocks noGrp="1"/>
+          </p:cNvSpPr>
+          <p:nvPr>
+            <p:ph type="sldNum" sz="quarter" idx="12"/>
+          </p:nvPr>
+        </p:nvSpPr>
+        <p:spPr/>
+        <p:txBody>
+          <a:bodyPr/>
+          <a:lstStyle/>
+          <a:p>
+            <a:fld id="{8765F8EB-1186-4395-8E70-F957669279DD}" type="slidenum">
+              <a:rPr lang="ko-KR" altLang="en-US" smtClean="0"/>
+              <a:t>20</a:t>
+            </a:fld>
+            <a:endParaRPr lang="ko-KR" altLang="en-US"/>
+          </a:p>
+        </p:txBody>
+      </p:sp>
+      <mc:AlternateContent xmlns:mc="http://schemas.openxmlformats.org/markup-compatibility/2006">
+        <mc:Choice xmlns:a14="http://schemas.microsoft.com/office/drawing/2010/main" Requires="a14">
+          <p:sp>
+            <p:nvSpPr>
+              <p:cNvPr id="6" name="TextBox 5"/>
+              <p:cNvSpPr txBox="1"/>
+              <p:nvPr/>
+            </p:nvSpPr>
+            <p:spPr>
+              <a:xfrm>
+                <a:off x="720969" y="914202"/>
+                <a:ext cx="7794381" cy="707886"/>
+              </a:xfrm>
+              <a:prstGeom prst="rect">
+                <a:avLst/>
+              </a:prstGeom>
+              <a:noFill/>
+            </p:spPr>
+            <p:txBody>
+              <a:bodyPr wrap="square" rtlCol="0">
+                <a:spAutoFit/>
+              </a:bodyPr>
+              <a:lstStyle/>
+              <a:p>
+                <a:r>
+                  <a:rPr lang="en-US" altLang="ko-KR" sz="2000" dirty="0" smtClean="0"/>
+                  <a:t>To include the effect of absorption, one can replace the real quantity </a:t>
+                </a:r>
+                <a14:m>
+                  <m:oMath xmlns:m="http://schemas.openxmlformats.org/officeDocument/2006/math">
+                    <m:r>
+                      <a:rPr lang="en-US" altLang="ko-KR" sz="2000" b="0" i="1" smtClean="0">
+                        <a:latin typeface="Cambria Math" panose="02040503050406030204" pitchFamily="18" charset="0"/>
+                      </a:rPr>
+                      <m:t>𝛽</m:t>
+                    </m:r>
+                  </m:oMath>
+                </a14:m>
+                <a:r>
+                  <a:rPr lang="en-US" altLang="ko-KR" sz="2000" dirty="0" smtClean="0"/>
+                  <a:t> with the general complex term </a:t>
+                </a:r>
+                <a14:m>
+                  <m:oMath xmlns:m="http://schemas.openxmlformats.org/officeDocument/2006/math">
+                    <m:r>
+                      <a:rPr lang="en-US" altLang="ko-KR" sz="2000" b="0" i="1" smtClean="0">
+                        <a:latin typeface="Cambria Math" panose="02040503050406030204" pitchFamily="18" charset="0"/>
+                      </a:rPr>
+                      <m:t>𝛽</m:t>
+                    </m:r>
+                    <m:r>
+                      <a:rPr lang="en-US" altLang="ko-KR" sz="2000" b="0" i="1" smtClean="0">
+                        <a:latin typeface="Cambria Math" panose="02040503050406030204" pitchFamily="18" charset="0"/>
+                      </a:rPr>
+                      <m:t>+</m:t>
+                    </m:r>
+                    <m:r>
+                      <a:rPr lang="en-US" altLang="ko-KR" sz="2000" b="0" i="1" smtClean="0">
+                        <a:latin typeface="Cambria Math" panose="02040503050406030204" pitchFamily="18" charset="0"/>
+                      </a:rPr>
+                      <m:t>𝑖</m:t>
+                    </m:r>
+                    <m:r>
+                      <a:rPr lang="en-US" altLang="ko-KR" sz="2000" b="0" i="1" smtClean="0">
+                        <a:latin typeface="Cambria Math" panose="02040503050406030204" pitchFamily="18" charset="0"/>
+                      </a:rPr>
+                      <m:t>𝛼</m:t>
+                    </m:r>
+                  </m:oMath>
+                </a14:m>
+                <a:endParaRPr lang="en-US" altLang="ko-KR" sz="2000" dirty="0" smtClean="0"/>
+              </a:p>
+            </p:txBody>
+          </p:sp>
+        </mc:Choice>
+        <mc:Fallback>
+          <p:sp>
+            <p:nvSpPr>
+              <p:cNvPr id="6" name="TextBox 5"/>
+              <p:cNvSpPr txBox="1">
+                <a:spLocks noRot="1" noChangeAspect="1" noMove="1" noResize="1" noEditPoints="1" noAdjustHandles="1" noChangeArrowheads="1" noChangeShapeType="1" noTextEdit="1"/>
+              </p:cNvSpPr>
+              <p:nvPr/>
+            </p:nvSpPr>
+            <p:spPr>
+              <a:xfrm>
+                <a:off x="720969" y="914202"/>
+                <a:ext cx="7794381" cy="707886"/>
+              </a:xfrm>
+              <a:prstGeom prst="rect">
+                <a:avLst/>
+              </a:prstGeom>
+              <a:blipFill>
+                <a:blip r:embed="rId3"/>
+                <a:stretch>
+                  <a:fillRect l="-782" t="-5172" b="-14655"/>
+                </a:stretch>
+              </a:blipFill>
+            </p:spPr>
+            <p:txBody>
+              <a:bodyPr/>
+              <a:lstStyle/>
+              <a:p>
+                <a:r>
+                  <a:rPr lang="ko-KR" altLang="en-US">
+                    <a:noFill/>
+                  </a:rPr>
+                  <a:t> </a:t>
+                </a:r>
+              </a:p>
+            </p:txBody>
+          </p:sp>
+        </mc:Fallback>
+      </mc:AlternateContent>
+      <mc:AlternateContent xmlns:mc="http://schemas.openxmlformats.org/markup-compatibility/2006">
+        <mc:Choice xmlns:a14="http://schemas.microsoft.com/office/drawing/2010/main" Requires="a14">
+          <p:sp>
+            <p:nvSpPr>
+              <p:cNvPr id="7" name="TextBox 6"/>
+              <p:cNvSpPr txBox="1"/>
+              <p:nvPr/>
+            </p:nvSpPr>
+            <p:spPr>
+              <a:xfrm>
+                <a:off x="3521424" y="1844141"/>
+                <a:ext cx="2101153" cy="276999"/>
+              </a:xfrm>
+              <a:prstGeom prst="rect">
+                <a:avLst/>
+              </a:prstGeom>
+              <a:noFill/>
+            </p:spPr>
+            <p:txBody>
+              <a:bodyPr wrap="none" lIns="0" tIns="0" rIns="0" bIns="0" rtlCol="0">
+                <a:spAutoFit/>
+              </a:bodyPr>
+              <a:lstStyle/>
+              <a:p>
+                <a:pPr/>
+                <a14:m>
+                  <m:oMathPara xmlns:m="http://schemas.openxmlformats.org/officeDocument/2006/math">
+                    <m:oMathParaPr>
+                      <m:jc m:val="centerGroup"/>
+                    </m:oMathParaPr>
+                    <m:oMath xmlns:m="http://schemas.openxmlformats.org/officeDocument/2006/math">
+                      <m:r>
+                        <a:rPr lang="en-US" altLang="ko-KR" b="0" i="1" smtClean="0">
+                          <a:latin typeface="Cambria Math" panose="02040503050406030204" pitchFamily="18" charset="0"/>
+                        </a:rPr>
+                        <m:t>𝛽</m:t>
+                      </m:r>
+                      <m:r>
+                        <a:rPr lang="en-US" altLang="ko-KR" b="0" i="1" smtClean="0">
+                          <a:latin typeface="Cambria Math" panose="02040503050406030204" pitchFamily="18" charset="0"/>
+                        </a:rPr>
+                        <m:t>=2</m:t>
+                      </m:r>
+                      <m:r>
+                        <a:rPr lang="en-US" altLang="ko-KR" b="0" i="1" smtClean="0">
+                          <a:latin typeface="Cambria Math" panose="02040503050406030204" pitchFamily="18" charset="0"/>
+                        </a:rPr>
+                        <m:t>𝜋</m:t>
+                      </m:r>
+                      <m:r>
+                        <a:rPr lang="en-US" altLang="ko-KR" b="0" i="1" smtClean="0">
+                          <a:latin typeface="Cambria Math" panose="02040503050406030204" pitchFamily="18" charset="0"/>
+                        </a:rPr>
+                        <m:t>𝑛</m:t>
+                      </m:r>
+                      <m:r>
+                        <a:rPr lang="en-US" altLang="ko-KR" b="0" i="1" smtClean="0">
+                          <a:latin typeface="Cambria Math" panose="02040503050406030204" pitchFamily="18" charset="0"/>
+                        </a:rPr>
+                        <m:t>𝜎</m:t>
+                      </m:r>
+                      <m:r>
+                        <a:rPr lang="en-US" altLang="ko-KR" b="0" i="1" smtClean="0">
+                          <a:latin typeface="Cambria Math" panose="02040503050406030204" pitchFamily="18" charset="0"/>
+                        </a:rPr>
+                        <m:t>, </m:t>
+                      </m:r>
+                      <m:r>
+                        <a:rPr lang="en-US" altLang="ko-KR" b="0" i="1" smtClean="0">
+                          <a:latin typeface="Cambria Math" panose="02040503050406030204" pitchFamily="18" charset="0"/>
+                        </a:rPr>
+                        <m:t>𝛼</m:t>
+                      </m:r>
+                      <m:r>
+                        <a:rPr lang="en-US" altLang="ko-KR" b="0" i="1" smtClean="0">
+                          <a:latin typeface="Cambria Math" panose="02040503050406030204" pitchFamily="18" charset="0"/>
+                        </a:rPr>
+                        <m:t>=2</m:t>
+                      </m:r>
+                      <m:r>
+                        <a:rPr lang="en-US" altLang="ko-KR" b="0" i="1" smtClean="0">
+                          <a:latin typeface="Cambria Math" panose="02040503050406030204" pitchFamily="18" charset="0"/>
+                        </a:rPr>
+                        <m:t>𝜋𝜅𝜎</m:t>
+                      </m:r>
+                    </m:oMath>
+                  </m:oMathPara>
+                </a14:m>
+                <a:endParaRPr lang="ko-KR" altLang="en-US" dirty="0"/>
+              </a:p>
+            </p:txBody>
+          </p:sp>
+        </mc:Choice>
+        <mc:Fallback>
+          <p:sp>
+            <p:nvSpPr>
+              <p:cNvPr id="7" name="TextBox 6"/>
+              <p:cNvSpPr txBox="1">
+                <a:spLocks noRot="1" noChangeAspect="1" noMove="1" noResize="1" noEditPoints="1" noAdjustHandles="1" noChangeArrowheads="1" noChangeShapeType="1" noTextEdit="1"/>
+              </p:cNvSpPr>
+              <p:nvPr/>
+            </p:nvSpPr>
+            <p:spPr>
+              <a:xfrm>
+                <a:off x="3521424" y="1844141"/>
+                <a:ext cx="2101153" cy="276999"/>
+              </a:xfrm>
+              <a:prstGeom prst="rect">
+                <a:avLst/>
+              </a:prstGeom>
+              <a:blipFill>
+                <a:blip r:embed="rId4"/>
+                <a:stretch>
+                  <a:fillRect l="-3488" t="-4444" r="-2326" b="-35556"/>
+                </a:stretch>
+              </a:blipFill>
+            </p:spPr>
+            <p:txBody>
+              <a:bodyPr/>
+              <a:lstStyle/>
+              <a:p>
+                <a:r>
+                  <a:rPr lang="ko-KR" altLang="en-US">
+                    <a:noFill/>
+                  </a:rPr>
+                  <a:t> </a:t>
+                </a:r>
+              </a:p>
+            </p:txBody>
+          </p:sp>
+        </mc:Fallback>
+      </mc:AlternateContent>
+      <mc:AlternateContent xmlns:mc="http://schemas.openxmlformats.org/markup-compatibility/2006">
+        <mc:Choice xmlns:a14="http://schemas.microsoft.com/office/drawing/2010/main" Requires="a14">
+          <p:sp>
+            <p:nvSpPr>
+              <p:cNvPr id="8" name="TextBox 7"/>
+              <p:cNvSpPr txBox="1"/>
+              <p:nvPr/>
+            </p:nvSpPr>
+            <p:spPr>
+              <a:xfrm>
+                <a:off x="6457950" y="1844140"/>
+                <a:ext cx="1208408" cy="276999"/>
+              </a:xfrm>
+              <a:prstGeom prst="rect">
+                <a:avLst/>
+              </a:prstGeom>
+              <a:noFill/>
+            </p:spPr>
+            <p:txBody>
+              <a:bodyPr wrap="none" lIns="0" tIns="0" rIns="0" bIns="0" rtlCol="0">
+                <a:spAutoFit/>
+              </a:bodyPr>
+              <a:lstStyle/>
+              <a:p>
+                <a:pPr/>
+                <a14:m>
+                  <m:oMathPara xmlns:m="http://schemas.openxmlformats.org/officeDocument/2006/math">
+                    <m:oMathParaPr>
+                      <m:jc m:val="centerGroup"/>
+                    </m:oMathParaPr>
+                    <m:oMath xmlns:m="http://schemas.openxmlformats.org/officeDocument/2006/math">
+                      <m:r>
+                        <a:rPr lang="en-US" altLang="ko-KR" b="0" i="1" smtClean="0">
+                          <a:latin typeface="Cambria Math" panose="02040503050406030204" pitchFamily="18" charset="0"/>
+                        </a:rPr>
+                        <m:t>;</m:t>
+                      </m:r>
+                      <m:acc>
+                        <m:accPr>
+                          <m:chr m:val="̃"/>
+                          <m:ctrlPr>
+                            <a:rPr lang="en-US" altLang="ko-KR" b="0" i="1" smtClean="0">
+                              <a:latin typeface="Cambria Math" panose="02040503050406030204" pitchFamily="18" charset="0"/>
+                            </a:rPr>
+                          </m:ctrlPr>
+                        </m:accPr>
+                        <m:e>
+                          <m:r>
+                            <a:rPr lang="en-US" altLang="ko-KR" b="0" i="1" smtClean="0">
+                              <a:latin typeface="Cambria Math" panose="02040503050406030204" pitchFamily="18" charset="0"/>
+                            </a:rPr>
+                            <m:t>𝑛</m:t>
+                          </m:r>
+                        </m:e>
+                      </m:acc>
+                      <m:r>
+                        <a:rPr lang="en-US" altLang="ko-KR" b="0" i="1" smtClean="0">
+                          <a:latin typeface="Cambria Math" panose="02040503050406030204" pitchFamily="18" charset="0"/>
+                        </a:rPr>
+                        <m:t>=</m:t>
+                      </m:r>
+                      <m:r>
+                        <a:rPr lang="en-US" altLang="ko-KR" b="0" i="1" smtClean="0">
+                          <a:latin typeface="Cambria Math" panose="02040503050406030204" pitchFamily="18" charset="0"/>
+                        </a:rPr>
+                        <m:t>𝑛</m:t>
+                      </m:r>
+                      <m:r>
+                        <a:rPr lang="en-US" altLang="ko-KR" b="0" i="1" smtClean="0">
+                          <a:latin typeface="Cambria Math" panose="02040503050406030204" pitchFamily="18" charset="0"/>
+                        </a:rPr>
+                        <m:t>−</m:t>
+                      </m:r>
+                      <m:r>
+                        <a:rPr lang="en-US" altLang="ko-KR" b="0" i="1" smtClean="0">
+                          <a:latin typeface="Cambria Math" panose="02040503050406030204" pitchFamily="18" charset="0"/>
+                        </a:rPr>
+                        <m:t>𝑖</m:t>
+                      </m:r>
+                      <m:r>
+                        <a:rPr lang="en-US" altLang="ko-KR" b="0" i="1" smtClean="0">
+                          <a:latin typeface="Cambria Math" panose="02040503050406030204" pitchFamily="18" charset="0"/>
+                        </a:rPr>
+                        <m:t>𝜅</m:t>
+                      </m:r>
+                    </m:oMath>
+                  </m:oMathPara>
+                </a14:m>
+                <a:endParaRPr lang="ko-KR" altLang="en-US" dirty="0"/>
+              </a:p>
+            </p:txBody>
+          </p:sp>
+        </mc:Choice>
+        <mc:Fallback>
+          <p:sp>
+            <p:nvSpPr>
+              <p:cNvPr id="8" name="TextBox 7"/>
+              <p:cNvSpPr txBox="1">
+                <a:spLocks noRot="1" noChangeAspect="1" noMove="1" noResize="1" noEditPoints="1" noAdjustHandles="1" noChangeArrowheads="1" noChangeShapeType="1" noTextEdit="1"/>
+              </p:cNvSpPr>
+              <p:nvPr/>
+            </p:nvSpPr>
+            <p:spPr>
+              <a:xfrm>
+                <a:off x="6457950" y="1844140"/>
+                <a:ext cx="1208408" cy="276999"/>
+              </a:xfrm>
+              <a:prstGeom prst="rect">
+                <a:avLst/>
+              </a:prstGeom>
+              <a:blipFill>
+                <a:blip r:embed="rId5"/>
+                <a:stretch>
+                  <a:fillRect l="-3015" t="-11111" r="-4020" b="-13333"/>
+                </a:stretch>
+              </a:blipFill>
+            </p:spPr>
+            <p:txBody>
+              <a:bodyPr/>
+              <a:lstStyle/>
+              <a:p>
+                <a:r>
+                  <a:rPr lang="ko-KR" altLang="en-US">
+                    <a:noFill/>
+                  </a:rPr>
+                  <a:t> </a:t>
+                </a:r>
+              </a:p>
+            </p:txBody>
+          </p:sp>
+        </mc:Fallback>
+      </mc:AlternateContent>
+      <mc:AlternateContent xmlns:mc="http://schemas.openxmlformats.org/markup-compatibility/2006">
+        <mc:Choice xmlns:a14="http://schemas.microsoft.com/office/drawing/2010/main" Requires="a14">
+          <p:sp>
+            <p:nvSpPr>
+              <p:cNvPr id="9" name="TextBox 8"/>
+              <p:cNvSpPr txBox="1"/>
+              <p:nvPr/>
+            </p:nvSpPr>
+            <p:spPr>
+              <a:xfrm>
+                <a:off x="1974663" y="2236039"/>
+                <a:ext cx="2295500" cy="567078"/>
+              </a:xfrm>
+              <a:prstGeom prst="rect">
+                <a:avLst/>
+              </a:prstGeom>
+              <a:noFill/>
+            </p:spPr>
+            <p:txBody>
+              <a:bodyPr wrap="none" lIns="0" tIns="0" rIns="0" bIns="0" rtlCol="0">
+                <a:spAutoFit/>
+              </a:bodyPr>
+              <a:lstStyle/>
+              <a:p>
+                <a:pPr/>
+                <a14:m>
+                  <m:oMathPara xmlns:m="http://schemas.openxmlformats.org/officeDocument/2006/math">
+                    <m:oMathParaPr>
+                      <m:jc m:val="centerGroup"/>
+                    </m:oMathParaPr>
+                    <m:oMath xmlns:m="http://schemas.openxmlformats.org/officeDocument/2006/math">
+                      <m:r>
+                        <a:rPr lang="en-US" altLang="ko-KR" b="0" i="1" smtClean="0">
+                          <a:latin typeface="Cambria Math" panose="02040503050406030204" pitchFamily="18" charset="0"/>
+                        </a:rPr>
+                        <m:t>𝑇</m:t>
+                      </m:r>
+                      <m:d>
+                        <m:dPr>
+                          <m:ctrlPr>
+                            <a:rPr lang="en-US" altLang="ko-KR" b="0" i="1" smtClean="0">
+                              <a:latin typeface="Cambria Math" panose="02040503050406030204" pitchFamily="18" charset="0"/>
+                            </a:rPr>
+                          </m:ctrlPr>
+                        </m:dPr>
+                        <m:e>
+                          <m:r>
+                            <a:rPr lang="en-US" altLang="ko-KR" b="0" i="1" smtClean="0">
+                              <a:latin typeface="Cambria Math" panose="02040503050406030204" pitchFamily="18" charset="0"/>
+                            </a:rPr>
+                            <m:t>𝜎</m:t>
+                          </m:r>
+                        </m:e>
+                      </m:d>
+                      <m:r>
+                        <a:rPr lang="en-US" altLang="ko-KR" b="0" i="1" smtClean="0">
+                          <a:latin typeface="Cambria Math" panose="02040503050406030204" pitchFamily="18" charset="0"/>
+                        </a:rPr>
+                        <m:t>=</m:t>
+                      </m:r>
+                      <m:f>
+                        <m:fPr>
+                          <m:ctrlPr>
+                            <a:rPr lang="en-US" altLang="ko-KR" b="0" i="1" smtClean="0">
+                              <a:latin typeface="Cambria Math" panose="02040503050406030204" pitchFamily="18" charset="0"/>
+                            </a:rPr>
+                          </m:ctrlPr>
+                        </m:fPr>
+                        <m:num>
+                          <m:r>
+                            <a:rPr lang="en-US" altLang="ko-KR" b="0" i="1" smtClean="0">
+                              <a:latin typeface="Cambria Math" panose="02040503050406030204" pitchFamily="18" charset="0"/>
+                            </a:rPr>
+                            <m:t>1</m:t>
+                          </m:r>
+                        </m:num>
+                        <m:den>
+                          <m:r>
+                            <a:rPr lang="en-US" altLang="ko-KR" i="1">
+                              <a:latin typeface="Cambria Math" panose="02040503050406030204" pitchFamily="18" charset="0"/>
+                            </a:rPr>
+                            <m:t>ℳ</m:t>
+                          </m:r>
+                          <m:r>
+                            <a:rPr lang="en-US" altLang="ko-KR" b="0" i="1" smtClean="0">
+                              <a:latin typeface="Cambria Math" panose="02040503050406030204" pitchFamily="18" charset="0"/>
+                            </a:rPr>
+                            <m:t>+</m:t>
+                          </m:r>
+                          <m:r>
+                            <a:rPr lang="en-US" altLang="ko-KR" b="0" i="1" smtClean="0">
+                              <a:latin typeface="Cambria Math" panose="02040503050406030204" pitchFamily="18" charset="0"/>
+                            </a:rPr>
+                            <m:t>ℱ</m:t>
+                          </m:r>
+                          <m:func>
+                            <m:funcPr>
+                              <m:ctrlPr>
+                                <a:rPr lang="en-US" altLang="ko-KR" b="0" i="1" smtClean="0">
+                                  <a:latin typeface="Cambria Math" panose="02040503050406030204" pitchFamily="18" charset="0"/>
+                                </a:rPr>
+                              </m:ctrlPr>
+                            </m:funcPr>
+                            <m:fName>
+                              <m:sSup>
+                                <m:sSupPr>
+                                  <m:ctrlPr>
+                                    <a:rPr lang="en-US" altLang="ko-KR" b="0" i="1" smtClean="0">
+                                      <a:latin typeface="Cambria Math" panose="02040503050406030204" pitchFamily="18" charset="0"/>
+                                    </a:rPr>
+                                  </m:ctrlPr>
+                                </m:sSupPr>
+                                <m:e>
+                                  <m:r>
+                                    <m:rPr>
+                                      <m:sty m:val="p"/>
+                                    </m:rPr>
+                                    <a:rPr lang="en-US" altLang="ko-KR" b="0" i="0" smtClean="0">
+                                      <a:latin typeface="Cambria Math" panose="02040503050406030204" pitchFamily="18" charset="0"/>
+                                    </a:rPr>
+                                    <m:t>sin</m:t>
+                                  </m:r>
+                                </m:e>
+                                <m:sup>
+                                  <m:r>
+                                    <a:rPr lang="en-US" altLang="ko-KR" b="0" i="1" smtClean="0">
+                                      <a:latin typeface="Cambria Math" panose="02040503050406030204" pitchFamily="18" charset="0"/>
+                                    </a:rPr>
+                                    <m:t>2</m:t>
+                                  </m:r>
+                                </m:sup>
+                              </m:sSup>
+                            </m:fName>
+                            <m:e>
+                              <m:r>
+                                <a:rPr lang="en-US" altLang="ko-KR" b="0" i="1" smtClean="0">
+                                  <a:latin typeface="Cambria Math" panose="02040503050406030204" pitchFamily="18" charset="0"/>
+                                </a:rPr>
+                                <m:t>𝛽</m:t>
+                              </m:r>
+                              <m:r>
+                                <a:rPr lang="en-US" altLang="ko-KR" b="0" i="1" smtClean="0">
+                                  <a:latin typeface="Cambria Math" panose="02040503050406030204" pitchFamily="18" charset="0"/>
+                                </a:rPr>
+                                <m:t>𝑑</m:t>
+                              </m:r>
+                            </m:e>
+                          </m:func>
+                        </m:den>
+                      </m:f>
+                    </m:oMath>
+                  </m:oMathPara>
+                </a14:m>
+                <a:endParaRPr lang="ko-KR" altLang="en-US" dirty="0"/>
+              </a:p>
+            </p:txBody>
+          </p:sp>
+        </mc:Choice>
+        <mc:Fallback>
+          <p:sp>
+            <p:nvSpPr>
+              <p:cNvPr id="9" name="TextBox 8"/>
+              <p:cNvSpPr txBox="1">
+                <a:spLocks noRot="1" noChangeAspect="1" noMove="1" noResize="1" noEditPoints="1" noAdjustHandles="1" noChangeArrowheads="1" noChangeShapeType="1" noTextEdit="1"/>
+              </p:cNvSpPr>
+              <p:nvPr/>
+            </p:nvSpPr>
+            <p:spPr>
+              <a:xfrm>
+                <a:off x="1974663" y="2236039"/>
+                <a:ext cx="2295500" cy="567078"/>
+              </a:xfrm>
+              <a:prstGeom prst="rect">
+                <a:avLst/>
+              </a:prstGeom>
+              <a:blipFill>
+                <a:blip r:embed="rId6"/>
+                <a:stretch>
+                  <a:fillRect/>
+                </a:stretch>
+              </a:blipFill>
+            </p:spPr>
+            <p:txBody>
+              <a:bodyPr/>
+              <a:lstStyle/>
+              <a:p>
+                <a:r>
+                  <a:rPr lang="ko-KR" altLang="en-US">
+                    <a:noFill/>
+                  </a:rPr>
+                  <a:t> </a:t>
+                </a:r>
+              </a:p>
+            </p:txBody>
+          </p:sp>
+        </mc:Fallback>
+      </mc:AlternateContent>
+      <mc:AlternateContent xmlns:mc="http://schemas.openxmlformats.org/markup-compatibility/2006">
+        <mc:Choice xmlns:a14="http://schemas.microsoft.com/office/drawing/2010/main" Requires="a14">
+          <p:sp>
+            <p:nvSpPr>
+              <p:cNvPr id="10" name="TextBox 9"/>
+              <p:cNvSpPr txBox="1"/>
+              <p:nvPr/>
+            </p:nvSpPr>
+            <p:spPr>
+              <a:xfrm>
+                <a:off x="4500787" y="2186827"/>
+                <a:ext cx="4201599" cy="665503"/>
+              </a:xfrm>
+              <a:prstGeom prst="rect">
+                <a:avLst/>
+              </a:prstGeom>
+              <a:noFill/>
+            </p:spPr>
+            <p:txBody>
+              <a:bodyPr wrap="none" lIns="0" tIns="0" rIns="0" bIns="0" rtlCol="0">
+                <a:spAutoFit/>
+              </a:bodyPr>
+              <a:lstStyle/>
+              <a:p>
+                <a:pPr/>
+                <a14:m>
+                  <m:oMathPara xmlns:m="http://schemas.openxmlformats.org/officeDocument/2006/math">
+                    <m:oMathParaPr>
+                      <m:jc m:val="centerGroup"/>
+                    </m:oMathParaPr>
+                    <m:oMath xmlns:m="http://schemas.openxmlformats.org/officeDocument/2006/math">
+                      <m:r>
+                        <a:rPr lang="en-US" altLang="ko-KR" b="0" i="1" smtClean="0">
+                          <a:latin typeface="Cambria Math" panose="02040503050406030204" pitchFamily="18" charset="0"/>
+                        </a:rPr>
+                        <m:t>;</m:t>
+                      </m:r>
+                      <m:r>
+                        <a:rPr lang="en-US" altLang="ko-KR" i="1" smtClean="0">
+                          <a:latin typeface="Cambria Math" panose="02040503050406030204" pitchFamily="18" charset="0"/>
+                        </a:rPr>
+                        <m:t>ℱ</m:t>
+                      </m:r>
+                      <m:r>
+                        <a:rPr lang="en-US" altLang="ko-KR" b="0" i="1" smtClean="0">
+                          <a:latin typeface="Cambria Math" panose="02040503050406030204" pitchFamily="18" charset="0"/>
+                        </a:rPr>
+                        <m:t>=</m:t>
+                      </m:r>
+                      <m:f>
+                        <m:fPr>
+                          <m:ctrlPr>
+                            <a:rPr lang="en-US" altLang="ko-KR" b="0" i="1" smtClean="0">
+                              <a:latin typeface="Cambria Math" panose="02040503050406030204" pitchFamily="18" charset="0"/>
+                            </a:rPr>
+                          </m:ctrlPr>
+                        </m:fPr>
+                        <m:num>
+                          <m:r>
+                            <a:rPr lang="en-US" altLang="ko-KR" b="0" i="1" smtClean="0">
+                              <a:latin typeface="Cambria Math" panose="02040503050406030204" pitchFamily="18" charset="0"/>
+                            </a:rPr>
+                            <m:t>4</m:t>
+                          </m:r>
+                          <m:sSup>
+                            <m:sSupPr>
+                              <m:ctrlPr>
+                                <a:rPr lang="en-US" altLang="ko-KR" b="0" i="1" smtClean="0">
+                                  <a:latin typeface="Cambria Math" panose="02040503050406030204" pitchFamily="18" charset="0"/>
+                                </a:rPr>
+                              </m:ctrlPr>
+                            </m:sSupPr>
+                            <m:e>
+                              <m:r>
+                                <a:rPr lang="en-US" altLang="ko-KR" b="0" i="1" smtClean="0">
+                                  <a:latin typeface="Cambria Math" panose="02040503050406030204" pitchFamily="18" charset="0"/>
+                                </a:rPr>
+                                <m:t>𝑟</m:t>
+                              </m:r>
+                            </m:e>
+                            <m:sup>
+                              <m:r>
+                                <a:rPr lang="en-US" altLang="ko-KR" b="0" i="1" smtClean="0">
+                                  <a:latin typeface="Cambria Math" panose="02040503050406030204" pitchFamily="18" charset="0"/>
+                                </a:rPr>
+                                <m:t>2</m:t>
+                              </m:r>
+                            </m:sup>
+                          </m:sSup>
+                        </m:num>
+                        <m:den>
+                          <m:sSup>
+                            <m:sSupPr>
+                              <m:ctrlPr>
+                                <a:rPr lang="en-US" altLang="ko-KR" b="0" i="1" smtClean="0">
+                                  <a:latin typeface="Cambria Math" panose="02040503050406030204" pitchFamily="18" charset="0"/>
+                                </a:rPr>
+                              </m:ctrlPr>
+                            </m:sSupPr>
+                            <m:e>
+                              <m:d>
+                                <m:dPr>
+                                  <m:ctrlPr>
+                                    <a:rPr lang="en-US" altLang="ko-KR" b="0" i="1" smtClean="0">
+                                      <a:latin typeface="Cambria Math" panose="02040503050406030204" pitchFamily="18" charset="0"/>
+                                    </a:rPr>
+                                  </m:ctrlPr>
+                                </m:dPr>
+                                <m:e>
+                                  <m:r>
+                                    <a:rPr lang="en-US" altLang="ko-KR" b="0" i="1" smtClean="0">
+                                      <a:latin typeface="Cambria Math" panose="02040503050406030204" pitchFamily="18" charset="0"/>
+                                    </a:rPr>
+                                    <m:t>1−</m:t>
+                                  </m:r>
+                                  <m:sSup>
+                                    <m:sSupPr>
+                                      <m:ctrlPr>
+                                        <a:rPr lang="en-US" altLang="ko-KR" b="0" i="1" smtClean="0">
+                                          <a:latin typeface="Cambria Math" panose="02040503050406030204" pitchFamily="18" charset="0"/>
+                                        </a:rPr>
+                                      </m:ctrlPr>
+                                    </m:sSupPr>
+                                    <m:e>
+                                      <m:r>
+                                        <a:rPr lang="en-US" altLang="ko-KR" b="0" i="1" smtClean="0">
+                                          <a:latin typeface="Cambria Math" panose="02040503050406030204" pitchFamily="18" charset="0"/>
+                                        </a:rPr>
+                                        <m:t>𝑟</m:t>
+                                      </m:r>
+                                    </m:e>
+                                    <m:sup>
+                                      <m:r>
+                                        <a:rPr lang="en-US" altLang="ko-KR" b="0" i="1" smtClean="0">
+                                          <a:latin typeface="Cambria Math" panose="02040503050406030204" pitchFamily="18" charset="0"/>
+                                        </a:rPr>
+                                        <m:t>2</m:t>
+                                      </m:r>
+                                    </m:sup>
+                                  </m:sSup>
+                                </m:e>
+                              </m:d>
+                            </m:e>
+                            <m:sup>
+                              <m:r>
+                                <a:rPr lang="en-US" altLang="ko-KR" b="0" i="1" smtClean="0">
+                                  <a:latin typeface="Cambria Math" panose="02040503050406030204" pitchFamily="18" charset="0"/>
+                                </a:rPr>
+                                <m:t>2</m:t>
+                              </m:r>
+                            </m:sup>
+                          </m:sSup>
+                        </m:den>
+                      </m:f>
+                      <m:r>
+                        <a:rPr lang="en-US" altLang="ko-KR" b="0" i="1" smtClean="0">
+                          <a:latin typeface="Cambria Math" panose="02040503050406030204" pitchFamily="18" charset="0"/>
+                        </a:rPr>
+                        <m:t>,</m:t>
+                      </m:r>
+                      <m:r>
+                        <a:rPr lang="en-US" altLang="ko-KR" i="1">
+                          <a:latin typeface="Cambria Math" panose="02040503050406030204" pitchFamily="18" charset="0"/>
+                        </a:rPr>
+                        <m:t>ℳ</m:t>
+                      </m:r>
+                      <m:r>
+                        <a:rPr lang="en-US" altLang="ko-KR" b="0" i="1" smtClean="0">
+                          <a:latin typeface="Cambria Math" panose="02040503050406030204" pitchFamily="18" charset="0"/>
+                        </a:rPr>
+                        <m:t>=</m:t>
+                      </m:r>
+                      <m:f>
+                        <m:fPr>
+                          <m:ctrlPr>
+                            <a:rPr lang="en-US" altLang="ko-KR" b="0" i="1" smtClean="0">
+                              <a:latin typeface="Cambria Math" panose="02040503050406030204" pitchFamily="18" charset="0"/>
+                            </a:rPr>
+                          </m:ctrlPr>
+                        </m:fPr>
+                        <m:num>
+                          <m:sSup>
+                            <m:sSupPr>
+                              <m:ctrlPr>
+                                <a:rPr lang="en-US" altLang="ko-KR" b="0" i="1" smtClean="0">
+                                  <a:latin typeface="Cambria Math" panose="02040503050406030204" pitchFamily="18" charset="0"/>
+                                </a:rPr>
+                              </m:ctrlPr>
+                            </m:sSupPr>
+                            <m:e>
+                              <m:d>
+                                <m:dPr>
+                                  <m:ctrlPr>
+                                    <a:rPr lang="en-US" altLang="ko-KR" b="0" i="1" smtClean="0">
+                                      <a:latin typeface="Cambria Math" panose="02040503050406030204" pitchFamily="18" charset="0"/>
+                                    </a:rPr>
+                                  </m:ctrlPr>
+                                </m:dPr>
+                                <m:e>
+                                  <m:r>
+                                    <a:rPr lang="en-US" altLang="ko-KR" b="0" i="1" smtClean="0">
+                                      <a:latin typeface="Cambria Math" panose="02040503050406030204" pitchFamily="18" charset="0"/>
+                                    </a:rPr>
+                                    <m:t>1−</m:t>
+                                  </m:r>
+                                  <m:sSup>
+                                    <m:sSupPr>
+                                      <m:ctrlPr>
+                                        <a:rPr lang="en-US" altLang="ko-KR" b="0" i="1" smtClean="0">
+                                          <a:latin typeface="Cambria Math" panose="02040503050406030204" pitchFamily="18" charset="0"/>
+                                        </a:rPr>
+                                      </m:ctrlPr>
+                                    </m:sSupPr>
+                                    <m:e>
+                                      <m:r>
+                                        <a:rPr lang="en-US" altLang="ko-KR" b="0" i="1" smtClean="0">
+                                          <a:latin typeface="Cambria Math" panose="02040503050406030204" pitchFamily="18" charset="0"/>
+                                        </a:rPr>
+                                        <m:t>𝑟</m:t>
+                                      </m:r>
+                                    </m:e>
+                                    <m:sup>
+                                      <m:r>
+                                        <a:rPr lang="en-US" altLang="ko-KR" b="0" i="1" smtClean="0">
+                                          <a:latin typeface="Cambria Math" panose="02040503050406030204" pitchFamily="18" charset="0"/>
+                                        </a:rPr>
+                                        <m:t>2</m:t>
+                                      </m:r>
+                                    </m:sup>
+                                  </m:sSup>
+                                  <m:sSup>
+                                    <m:sSupPr>
+                                      <m:ctrlPr>
+                                        <a:rPr lang="en-US" altLang="ko-KR" b="0" i="1" smtClean="0">
+                                          <a:latin typeface="Cambria Math" panose="02040503050406030204" pitchFamily="18" charset="0"/>
+                                        </a:rPr>
+                                      </m:ctrlPr>
+                                    </m:sSupPr>
+                                    <m:e>
+                                      <m:r>
+                                        <a:rPr lang="en-US" altLang="ko-KR" b="0" i="1" smtClean="0">
+                                          <a:latin typeface="Cambria Math" panose="02040503050406030204" pitchFamily="18" charset="0"/>
+                                        </a:rPr>
+                                        <m:t>𝑒</m:t>
+                                      </m:r>
+                                    </m:e>
+                                    <m:sup>
+                                      <m:r>
+                                        <a:rPr lang="en-US" altLang="ko-KR" b="0" i="1" smtClean="0">
+                                          <a:latin typeface="Cambria Math" panose="02040503050406030204" pitchFamily="18" charset="0"/>
+                                        </a:rPr>
+                                        <m:t>−2</m:t>
+                                      </m:r>
+                                      <m:r>
+                                        <a:rPr lang="en-US" altLang="ko-KR" b="0" i="1" smtClean="0">
+                                          <a:latin typeface="Cambria Math" panose="02040503050406030204" pitchFamily="18" charset="0"/>
+                                        </a:rPr>
+                                        <m:t>𝛼</m:t>
+                                      </m:r>
+                                      <m:r>
+                                        <a:rPr lang="en-US" altLang="ko-KR" b="0" i="1" smtClean="0">
+                                          <a:latin typeface="Cambria Math" panose="02040503050406030204" pitchFamily="18" charset="0"/>
+                                        </a:rPr>
+                                        <m:t>𝑑</m:t>
+                                      </m:r>
+                                    </m:sup>
+                                  </m:sSup>
+                                </m:e>
+                              </m:d>
+                            </m:e>
+                            <m:sup>
+                              <m:r>
+                                <a:rPr lang="en-US" altLang="ko-KR" b="0" i="1" smtClean="0">
+                                  <a:latin typeface="Cambria Math" panose="02040503050406030204" pitchFamily="18" charset="0"/>
+                                </a:rPr>
+                                <m:t>2</m:t>
+                              </m:r>
+                            </m:sup>
+                          </m:sSup>
+                        </m:num>
+                        <m:den>
+                          <m:sSup>
+                            <m:sSupPr>
+                              <m:ctrlPr>
+                                <a:rPr lang="en-US" altLang="ko-KR" b="0" i="1" smtClean="0">
+                                  <a:latin typeface="Cambria Math" panose="02040503050406030204" pitchFamily="18" charset="0"/>
+                                </a:rPr>
+                              </m:ctrlPr>
+                            </m:sSupPr>
+                            <m:e>
+                              <m:d>
+                                <m:dPr>
+                                  <m:ctrlPr>
+                                    <a:rPr lang="en-US" altLang="ko-KR" b="0" i="1" smtClean="0">
+                                      <a:latin typeface="Cambria Math" panose="02040503050406030204" pitchFamily="18" charset="0"/>
+                                    </a:rPr>
+                                  </m:ctrlPr>
+                                </m:dPr>
+                                <m:e>
+                                  <m:r>
+                                    <a:rPr lang="en-US" altLang="ko-KR" b="0" i="1" smtClean="0">
+                                      <a:latin typeface="Cambria Math" panose="02040503050406030204" pitchFamily="18" charset="0"/>
+                                    </a:rPr>
+                                    <m:t>1−</m:t>
+                                  </m:r>
+                                  <m:sSup>
+                                    <m:sSupPr>
+                                      <m:ctrlPr>
+                                        <a:rPr lang="en-US" altLang="ko-KR" b="0" i="1" smtClean="0">
+                                          <a:latin typeface="Cambria Math" panose="02040503050406030204" pitchFamily="18" charset="0"/>
+                                        </a:rPr>
+                                      </m:ctrlPr>
+                                    </m:sSupPr>
+                                    <m:e>
+                                      <m:r>
+                                        <a:rPr lang="en-US" altLang="ko-KR" b="0" i="1" smtClean="0">
+                                          <a:latin typeface="Cambria Math" panose="02040503050406030204" pitchFamily="18" charset="0"/>
+                                        </a:rPr>
+                                        <m:t>𝑟</m:t>
+                                      </m:r>
+                                    </m:e>
+                                    <m:sup>
+                                      <m:r>
+                                        <a:rPr lang="en-US" altLang="ko-KR" b="0" i="1" smtClean="0">
+                                          <a:latin typeface="Cambria Math" panose="02040503050406030204" pitchFamily="18" charset="0"/>
+                                        </a:rPr>
+                                        <m:t>2</m:t>
+                                      </m:r>
+                                    </m:sup>
+                                  </m:sSup>
+                                </m:e>
+                              </m:d>
+                            </m:e>
+                            <m:sup>
+                              <m:r>
+                                <a:rPr lang="en-US" altLang="ko-KR" b="0" i="1" smtClean="0">
+                                  <a:latin typeface="Cambria Math" panose="02040503050406030204" pitchFamily="18" charset="0"/>
+                                </a:rPr>
+                                <m:t>2</m:t>
+                              </m:r>
+                            </m:sup>
+                          </m:sSup>
+                          <m:sSup>
+                            <m:sSupPr>
+                              <m:ctrlPr>
+                                <a:rPr lang="en-US" altLang="ko-KR" b="0" i="1" smtClean="0">
+                                  <a:latin typeface="Cambria Math" panose="02040503050406030204" pitchFamily="18" charset="0"/>
+                                </a:rPr>
+                              </m:ctrlPr>
+                            </m:sSupPr>
+                            <m:e>
+                              <m:r>
+                                <a:rPr lang="en-US" altLang="ko-KR" b="0" i="1" smtClean="0">
+                                  <a:latin typeface="Cambria Math" panose="02040503050406030204" pitchFamily="18" charset="0"/>
+                                </a:rPr>
+                                <m:t>𝑒</m:t>
+                              </m:r>
+                            </m:e>
+                            <m:sup>
+                              <m:r>
+                                <a:rPr lang="en-US" altLang="ko-KR" b="0" i="1" smtClean="0">
+                                  <a:latin typeface="Cambria Math" panose="02040503050406030204" pitchFamily="18" charset="0"/>
+                                </a:rPr>
+                                <m:t>−2</m:t>
+                              </m:r>
+                              <m:r>
+                                <a:rPr lang="en-US" altLang="ko-KR" b="0" i="1" smtClean="0">
+                                  <a:latin typeface="Cambria Math" panose="02040503050406030204" pitchFamily="18" charset="0"/>
+                                </a:rPr>
+                                <m:t>𝛼</m:t>
+                              </m:r>
+                              <m:r>
+                                <a:rPr lang="en-US" altLang="ko-KR" b="0" i="1" smtClean="0">
+                                  <a:latin typeface="Cambria Math" panose="02040503050406030204" pitchFamily="18" charset="0"/>
+                                </a:rPr>
+                                <m:t>𝑑</m:t>
+                              </m:r>
+                            </m:sup>
+                          </m:sSup>
+                        </m:den>
+                      </m:f>
+                      <m:r>
+                        <a:rPr lang="en-US" altLang="ko-KR" b="0" i="1" smtClean="0">
+                          <a:latin typeface="Cambria Math" panose="02040503050406030204" pitchFamily="18" charset="0"/>
+                        </a:rPr>
+                        <m:t>&gt;1</m:t>
+                      </m:r>
+                    </m:oMath>
+                  </m:oMathPara>
+                </a14:m>
+                <a:endParaRPr lang="ko-KR" altLang="en-US" dirty="0"/>
+              </a:p>
+            </p:txBody>
+          </p:sp>
+        </mc:Choice>
+        <mc:Fallback>
+          <p:sp>
+            <p:nvSpPr>
+              <p:cNvPr id="10" name="TextBox 9"/>
+              <p:cNvSpPr txBox="1">
+                <a:spLocks noRot="1" noChangeAspect="1" noMove="1" noResize="1" noEditPoints="1" noAdjustHandles="1" noChangeArrowheads="1" noChangeShapeType="1" noTextEdit="1"/>
+              </p:cNvSpPr>
+              <p:nvPr/>
+            </p:nvSpPr>
+            <p:spPr>
+              <a:xfrm>
+                <a:off x="4500787" y="2186827"/>
+                <a:ext cx="4201599" cy="665503"/>
+              </a:xfrm>
+              <a:prstGeom prst="rect">
+                <a:avLst/>
+              </a:prstGeom>
+              <a:blipFill>
+                <a:blip r:embed="rId7"/>
+                <a:stretch>
+                  <a:fillRect/>
+                </a:stretch>
+              </a:blipFill>
+            </p:spPr>
+            <p:txBody>
+              <a:bodyPr/>
+              <a:lstStyle/>
+              <a:p>
+                <a:r>
+                  <a:rPr lang="ko-KR" altLang="en-US">
+                    <a:noFill/>
+                  </a:rPr>
+                  <a:t> </a:t>
+                </a:r>
+              </a:p>
+            </p:txBody>
+          </p:sp>
+        </mc:Fallback>
+      </mc:AlternateContent>
+      <p:pic>
+        <p:nvPicPr>
+          <p:cNvPr id="3" name="그림 2"/>
+          <p:cNvPicPr>
+            <a:picLocks noChangeAspect="1"/>
+          </p:cNvPicPr>
+          <p:nvPr/>
+        </p:nvPicPr>
+        <p:blipFill>
+          <a:blip r:embed="rId8"/>
+          <a:stretch>
+            <a:fillRect/>
+          </a:stretch>
+        </p:blipFill>
+        <p:spPr>
+          <a:xfrm>
+            <a:off x="2219267" y="3019689"/>
+            <a:ext cx="4705466" cy="3307803"/>
+          </a:xfrm>
+          <a:prstGeom prst="rect">
+            <a:avLst/>
+          </a:prstGeom>
+        </p:spPr>
+      </p:pic>
+    </p:spTree>
+    <p:extLst>
+      <p:ext uri="{BB962C8B-B14F-4D97-AF65-F5344CB8AC3E}">
+        <p14:creationId xmlns:p14="http://schemas.microsoft.com/office/powerpoint/2010/main" val="649312301"/>
+      </p:ext>
+    </p:extLst>
+  </p:cSld>
+  <p:clrMapOvr>
+    <a:masterClrMapping/>
+  </p:clrMapOvr>
+  <p:timing>
+    <p:tnLst>
+      <p:par>
+        <p:cTn id="1" dur="indefinite" restart="never" nodeType="tmRoot"/>
+      </p:par>
+    </p:tnLst>
+  </p:timing>
+</p:sld>
+</file>
+
+<file path=ppt/slides/slide21.xml><?xml version="1.0" encoding="utf-8"?>
+<p:sld xmlns:a="http://schemas.openxmlformats.org/drawingml/2006/main" xmlns:r="http://schemas.openxmlformats.org/officeDocument/2006/relationships" xmlns:p="http://schemas.openxmlformats.org/presentationml/2006/main">
+  <p:cSld>
+    <p:spTree>
+      <p:nvGrpSpPr>
+        <p:cNvPr id="1" name=""/>
+        <p:cNvGrpSpPr/>
+        <p:nvPr/>
+      </p:nvGrpSpPr>
+      <p:grpSpPr>
+        <a:xfrm>
+          <a:off x="0" y="0"/>
+          <a:ext cx="0" cy="0"/>
+          <a:chOff x="0" y="0"/>
+          <a:chExt cx="0" cy="0"/>
+        </a:xfrm>
+      </p:grpSpPr>
+      <p:sp>
+        <p:nvSpPr>
+          <p:cNvPr id="6199" name="Rectangle 55"/>
+          <p:cNvSpPr>
+            <a:spLocks noChangeArrowheads="1"/>
+          </p:cNvSpPr>
+          <p:nvPr/>
+        </p:nvSpPr>
+        <p:spPr bwMode="auto">
+          <a:xfrm>
+            <a:off x="0" y="0"/>
+            <a:ext cx="9144000" cy="692150"/>
+          </a:xfrm>
+          <a:prstGeom prst="rect">
+            <a:avLst/>
+          </a:prstGeom>
+          <a:solidFill>
+            <a:srgbClr val="3333FF"/>
+          </a:solidFill>
+          <a:ln>
+            <a:noFill/>
+          </a:ln>
+          <a:effectLst/>
+          <a:extLst>
+            <a:ext uri="{91240B29-F687-4F45-9708-019B960494DF}">
+              <a14:hiddenLine xmlns:a14="http://schemas.microsoft.com/office/drawing/2010/main" w="9525">
+                <a:solidFill>
+                  <a:schemeClr val="tx1"/>
+                </a:solidFill>
+                <a:miter lim="800000"/>
+                <a:headEnd/>
+                <a:tailEnd/>
+              </a14:hiddenLine>
+            </a:ext>
+            <a:ext uri="{AF507438-7753-43E0-B8FC-AC1667EBCBE1}">
+              <a14:hiddenEffects xmlns:a14="http://schemas.microsoft.com/office/drawing/2010/main">
+                <a:effectLst>
+                  <a:outerShdw dist="35921" dir="2700000" algn="ctr" rotWithShape="0">
+                    <a:schemeClr val="bg2"/>
+                  </a:outerShdw>
+                </a:effectLst>
+              </a14:hiddenEffects>
+            </a:ext>
+          </a:extLst>
+        </p:spPr>
+        <p:txBody>
+          <a:bodyPr wrap="none" anchor="ctr"/>
+          <a:lstStyle/>
+          <a:p>
+            <a:pPr algn="ctr"/>
             <a:endParaRPr lang="en-US" altLang="ko-KR" sz="2800" dirty="0">
               <a:solidFill>
                 <a:schemeClr val="bg1"/>
@@ -10570,7 +13268,19 @@
                 </a:solidFill>
                 <a:latin typeface="Arial" panose="020B0604020202020204" pitchFamily="34" charset="0"/>
               </a:rPr>
-              <a:t>Spectrometer Configurations</a:t>
+              <a:t>Sources of Noise and</a:t>
+            </a:r>
+          </a:p>
+          <a:p>
+            <a:pPr algn="ctr"/>
+            <a:r>
+              <a:rPr lang="en-US" altLang="ko-KR" sz="3600" dirty="0" smtClean="0">
+                <a:solidFill>
+                  <a:srgbClr val="3333FF"/>
+                </a:solidFill>
+                <a:latin typeface="Arial" panose="020B0604020202020204" pitchFamily="34" charset="0"/>
+              </a:rPr>
+              <a:t>Uncertainties</a:t>
             </a:r>
             <a:endParaRPr lang="ko-KR" altLang="en-US" sz="3600" dirty="0"/>
           </a:p>
@@ -10593,7 +13303,1144 @@
           <a:p>
             <a:fld id="{F85A177F-6FD3-496B-8A9C-B332CA04E863}" type="datetime1">
               <a:rPr lang="ko-KR" altLang="en-US" smtClean="0"/>
-              <a:t>2018-03-31</a:t>
+              <a:t>2018-04-02</a:t>
+            </a:fld>
+            <a:endParaRPr lang="ko-KR" altLang="en-US"/>
+          </a:p>
+        </p:txBody>
+      </p:sp>
+      <p:sp>
+        <p:nvSpPr>
+          <p:cNvPr id="4" name="슬라이드 번호 개체 틀 3"/>
+          <p:cNvSpPr>
+            <a:spLocks noGrp="1"/>
+          </p:cNvSpPr>
+          <p:nvPr>
+            <p:ph type="sldNum" sz="quarter" idx="12"/>
+          </p:nvPr>
+        </p:nvSpPr>
+        <p:spPr/>
+        <p:txBody>
+          <a:bodyPr/>
+          <a:lstStyle/>
+          <a:p>
+            <a:fld id="{8765F8EB-1186-4395-8E70-F957669279DD}" type="slidenum">
+              <a:rPr lang="ko-KR" altLang="en-US" smtClean="0"/>
+              <a:t>21</a:t>
+            </a:fld>
+            <a:endParaRPr lang="ko-KR" altLang="en-US"/>
+          </a:p>
+        </p:txBody>
+      </p:sp>
+    </p:spTree>
+    <p:extLst>
+      <p:ext uri="{BB962C8B-B14F-4D97-AF65-F5344CB8AC3E}">
+        <p14:creationId xmlns:p14="http://schemas.microsoft.com/office/powerpoint/2010/main" val="3178808598"/>
+      </p:ext>
+    </p:extLst>
+  </p:cSld>
+  <p:clrMapOvr>
+    <a:masterClrMapping/>
+  </p:clrMapOvr>
+  <p:timing>
+    <p:tnLst>
+      <p:par>
+        <p:cTn id="1" dur="indefinite" restart="never" nodeType="tmRoot"/>
+      </p:par>
+    </p:tnLst>
+  </p:timing>
+</p:sld>
+</file>
+
+<file path=ppt/slides/slide22.xml><?xml version="1.0" encoding="utf-8"?>
+<p:sld xmlns:a="http://schemas.openxmlformats.org/drawingml/2006/main" xmlns:r="http://schemas.openxmlformats.org/officeDocument/2006/relationships" xmlns:p="http://schemas.openxmlformats.org/presentationml/2006/main">
+  <p:cSld>
+    <p:spTree>
+      <p:nvGrpSpPr>
+        <p:cNvPr id="1" name=""/>
+        <p:cNvGrpSpPr/>
+        <p:nvPr/>
+      </p:nvGrpSpPr>
+      <p:grpSpPr>
+        <a:xfrm>
+          <a:off x="0" y="0"/>
+          <a:ext cx="0" cy="0"/>
+          <a:chOff x="0" y="0"/>
+          <a:chExt cx="0" cy="0"/>
+        </a:xfrm>
+      </p:grpSpPr>
+      <p:sp>
+        <p:nvSpPr>
+          <p:cNvPr id="6199" name="Rectangle 55"/>
+          <p:cNvSpPr>
+            <a:spLocks noChangeArrowheads="1"/>
+          </p:cNvSpPr>
+          <p:nvPr/>
+        </p:nvSpPr>
+        <p:spPr bwMode="auto">
+          <a:xfrm>
+            <a:off x="0" y="0"/>
+            <a:ext cx="9144000" cy="692150"/>
+          </a:xfrm>
+          <a:prstGeom prst="rect">
+            <a:avLst/>
+          </a:prstGeom>
+          <a:solidFill>
+            <a:srgbClr val="3333FF"/>
+          </a:solidFill>
+          <a:ln>
+            <a:noFill/>
+          </a:ln>
+          <a:effectLst/>
+          <a:extLst>
+            <a:ext uri="{91240B29-F687-4F45-9708-019B960494DF}">
+              <a14:hiddenLine xmlns:a14="http://schemas.microsoft.com/office/drawing/2010/main" w="9525">
+                <a:solidFill>
+                  <a:schemeClr val="tx1"/>
+                </a:solidFill>
+                <a:miter lim="800000"/>
+                <a:headEnd/>
+                <a:tailEnd/>
+              </a14:hiddenLine>
+            </a:ext>
+            <a:ext uri="{AF507438-7753-43E0-B8FC-AC1667EBCBE1}">
+              <a14:hiddenEffects xmlns:a14="http://schemas.microsoft.com/office/drawing/2010/main">
+                <a:effectLst>
+                  <a:outerShdw dist="35921" dir="2700000" algn="ctr" rotWithShape="0">
+                    <a:schemeClr val="bg2"/>
+                  </a:outerShdw>
+                </a:effectLst>
+              </a14:hiddenEffects>
+            </a:ext>
+          </a:extLst>
+        </p:spPr>
+        <p:txBody>
+          <a:bodyPr wrap="none" anchor="ctr"/>
+          <a:lstStyle/>
+          <a:p>
+            <a:pPr algn="ctr"/>
+            <a:r>
+              <a:rPr lang="en-US" altLang="ko-KR" sz="2400" dirty="0" smtClean="0">
+                <a:solidFill>
+                  <a:schemeClr val="bg1"/>
+                </a:solidFill>
+                <a:latin typeface="Arial" panose="020B0604020202020204" pitchFamily="34" charset="0"/>
+              </a:rPr>
+              <a:t>4.1 Time-Domain Errors</a:t>
+            </a:r>
+          </a:p>
+        </p:txBody>
+      </p:sp>
+      <p:sp>
+        <p:nvSpPr>
+          <p:cNvPr id="2" name="날짜 개체 틀 1"/>
+          <p:cNvSpPr>
+            <a:spLocks noGrp="1"/>
+          </p:cNvSpPr>
+          <p:nvPr>
+            <p:ph type="dt" sz="half" idx="10"/>
+          </p:nvPr>
+        </p:nvSpPr>
+        <p:spPr/>
+        <p:txBody>
+          <a:bodyPr/>
+          <a:lstStyle/>
+          <a:p>
+            <a:fld id="{53646E5C-8775-44A9-9523-40B6CCA06789}" type="datetime1">
+              <a:rPr lang="ko-KR" altLang="en-US" smtClean="0"/>
+              <a:t>2018-04-02</a:t>
+            </a:fld>
+            <a:endParaRPr lang="ko-KR" altLang="en-US"/>
+          </a:p>
+        </p:txBody>
+      </p:sp>
+      <p:sp>
+        <p:nvSpPr>
+          <p:cNvPr id="15" name="슬라이드 번호 개체 틀 14"/>
+          <p:cNvSpPr>
+            <a:spLocks noGrp="1"/>
+          </p:cNvSpPr>
+          <p:nvPr>
+            <p:ph type="sldNum" sz="quarter" idx="12"/>
+          </p:nvPr>
+        </p:nvSpPr>
+        <p:spPr/>
+        <p:txBody>
+          <a:bodyPr/>
+          <a:lstStyle/>
+          <a:p>
+            <a:fld id="{8765F8EB-1186-4395-8E70-F957669279DD}" type="slidenum">
+              <a:rPr lang="ko-KR" altLang="en-US" smtClean="0"/>
+              <a:t>22</a:t>
+            </a:fld>
+            <a:endParaRPr lang="ko-KR" altLang="en-US"/>
+          </a:p>
+        </p:txBody>
+      </p:sp>
+      <p:sp>
+        <p:nvSpPr>
+          <p:cNvPr id="6" name="TextBox 5"/>
+          <p:cNvSpPr txBox="1"/>
+          <p:nvPr/>
+        </p:nvSpPr>
+        <p:spPr>
+          <a:xfrm>
+            <a:off x="720969" y="914202"/>
+            <a:ext cx="7794381" cy="707886"/>
+          </a:xfrm>
+          <a:prstGeom prst="rect">
+            <a:avLst/>
+          </a:prstGeom>
+          <a:noFill/>
+        </p:spPr>
+        <p:txBody>
+          <a:bodyPr wrap="square" rtlCol="0">
+            <a:spAutoFit/>
+          </a:bodyPr>
+          <a:lstStyle/>
+          <a:p>
+            <a:r>
+              <a:rPr lang="en-US" altLang="ko-KR" sz="2000" dirty="0" smtClean="0"/>
+              <a:t>Errors that are generically grouped and related to the correct knowledge of the position of the scanning stage</a:t>
+            </a:r>
+            <a:endParaRPr lang="en-US" altLang="ko-KR" sz="2000" dirty="0" smtClean="0"/>
+          </a:p>
+        </p:txBody>
+      </p:sp>
+      <p:sp>
+        <p:nvSpPr>
+          <p:cNvPr id="7" name="TextBox 6"/>
+          <p:cNvSpPr txBox="1"/>
+          <p:nvPr/>
+        </p:nvSpPr>
+        <p:spPr>
+          <a:xfrm>
+            <a:off x="720970" y="1622088"/>
+            <a:ext cx="8107146" cy="2862322"/>
+          </a:xfrm>
+          <a:prstGeom prst="rect">
+            <a:avLst/>
+          </a:prstGeom>
+          <a:noFill/>
+        </p:spPr>
+        <p:txBody>
+          <a:bodyPr wrap="square" rtlCol="0">
+            <a:spAutoFit/>
+          </a:bodyPr>
+          <a:lstStyle/>
+          <a:p>
+            <a:pPr marL="342900" indent="-342900">
+              <a:buFont typeface="Arial" panose="020B0604020202020204" pitchFamily="34" charset="0"/>
+              <a:buChar char="•"/>
+            </a:pPr>
+            <a:r>
+              <a:rPr lang="en-US" altLang="ko-KR" sz="2000" dirty="0" smtClean="0">
+                <a:sym typeface="Wingdings" panose="05000000000000000000" pitchFamily="2" charset="2"/>
+              </a:rPr>
+              <a:t>Zero Path Difference Knowledge</a:t>
+            </a:r>
+          </a:p>
+          <a:p>
+            <a:pPr marL="342900" indent="-342900">
+              <a:buFont typeface="Arial" panose="020B0604020202020204" pitchFamily="34" charset="0"/>
+              <a:buChar char="•"/>
+            </a:pPr>
+            <a:r>
+              <a:rPr lang="en-US" altLang="ko-KR" sz="2000" dirty="0">
+                <a:sym typeface="Wingdings" panose="05000000000000000000" pitchFamily="2" charset="2"/>
+              </a:rPr>
+              <a:t>Encoder </a:t>
+            </a:r>
+            <a:r>
+              <a:rPr lang="en-US" altLang="ko-KR" sz="2000" dirty="0" smtClean="0">
+                <a:sym typeface="Wingdings" panose="05000000000000000000" pitchFamily="2" charset="2"/>
+              </a:rPr>
+              <a:t>Errors</a:t>
+            </a:r>
+          </a:p>
+          <a:p>
+            <a:pPr marL="342900" indent="-342900">
+              <a:buFont typeface="Arial" panose="020B0604020202020204" pitchFamily="34" charset="0"/>
+              <a:buChar char="•"/>
+            </a:pPr>
+            <a:r>
+              <a:rPr lang="en-US" altLang="ko-KR" sz="2000" dirty="0">
+                <a:sym typeface="Wingdings" panose="05000000000000000000" pitchFamily="2" charset="2"/>
+              </a:rPr>
+              <a:t>Timing Errors (Nonsynchronous Clocks</a:t>
+            </a:r>
+            <a:r>
+              <a:rPr lang="en-US" altLang="ko-KR" sz="2000" dirty="0" smtClean="0">
+                <a:sym typeface="Wingdings" panose="05000000000000000000" pitchFamily="2" charset="2"/>
+              </a:rPr>
+              <a:t>)</a:t>
+            </a:r>
+          </a:p>
+          <a:p>
+            <a:pPr marL="342900" indent="-342900">
+              <a:buFont typeface="Arial" panose="020B0604020202020204" pitchFamily="34" charset="0"/>
+              <a:buChar char="•"/>
+            </a:pPr>
+            <a:r>
+              <a:rPr lang="en-US" altLang="ko-KR" sz="2000" dirty="0" smtClean="0">
+                <a:sym typeface="Wingdings" panose="05000000000000000000" pitchFamily="2" charset="2"/>
+              </a:rPr>
+              <a:t>Scanning </a:t>
+            </a:r>
+            <a:r>
+              <a:rPr lang="en-US" altLang="ko-KR" sz="2000" dirty="0">
+                <a:sym typeface="Wingdings" panose="05000000000000000000" pitchFamily="2" charset="2"/>
+              </a:rPr>
+              <a:t>Speed </a:t>
+            </a:r>
+            <a:r>
+              <a:rPr lang="en-US" altLang="ko-KR" sz="2000" dirty="0" err="1" smtClean="0">
+                <a:sym typeface="Wingdings" panose="05000000000000000000" pitchFamily="2" charset="2"/>
+              </a:rPr>
+              <a:t>Nonuniformity</a:t>
+            </a:r>
+            <a:endParaRPr lang="en-US" altLang="ko-KR" sz="2000" dirty="0" smtClean="0">
+              <a:sym typeface="Wingdings" panose="05000000000000000000" pitchFamily="2" charset="2"/>
+            </a:endParaRPr>
+          </a:p>
+          <a:p>
+            <a:pPr marL="342900" indent="-342900">
+              <a:buFont typeface="Arial" panose="020B0604020202020204" pitchFamily="34" charset="0"/>
+              <a:buChar char="•"/>
+            </a:pPr>
+            <a:r>
+              <a:rPr lang="en-US" altLang="ko-KR" sz="2000" dirty="0">
+                <a:sym typeface="Wingdings" panose="05000000000000000000" pitchFamily="2" charset="2"/>
+              </a:rPr>
+              <a:t>Generic Phase </a:t>
+            </a:r>
+            <a:r>
+              <a:rPr lang="en-US" altLang="ko-KR" sz="2000" dirty="0" smtClean="0">
+                <a:sym typeface="Wingdings" panose="05000000000000000000" pitchFamily="2" charset="2"/>
+              </a:rPr>
+              <a:t>Errors</a:t>
+            </a:r>
+          </a:p>
+          <a:p>
+            <a:pPr marL="342900" indent="-342900">
+              <a:buFont typeface="Arial" panose="020B0604020202020204" pitchFamily="34" charset="0"/>
+              <a:buChar char="•"/>
+            </a:pPr>
+            <a:r>
+              <a:rPr lang="en-US" altLang="ko-KR" sz="2000" dirty="0">
+                <a:sym typeface="Wingdings" panose="05000000000000000000" pitchFamily="2" charset="2"/>
+              </a:rPr>
+              <a:t>Detector Nonlinearity, Detector noise, and Detector and Source </a:t>
+            </a:r>
+            <a:r>
+              <a:rPr lang="en-US" altLang="ko-KR" sz="2000" dirty="0" smtClean="0">
+                <a:sym typeface="Wingdings" panose="05000000000000000000" pitchFamily="2" charset="2"/>
+              </a:rPr>
+              <a:t>Stability</a:t>
+            </a:r>
+          </a:p>
+          <a:p>
+            <a:r>
+              <a:rPr lang="en-US" altLang="ko-KR" sz="2000" dirty="0" smtClean="0">
+                <a:sym typeface="Wingdings" panose="05000000000000000000" pitchFamily="2" charset="2"/>
+              </a:rPr>
+              <a:t>- A quadratic response</a:t>
+            </a:r>
+          </a:p>
+          <a:p>
+            <a:pPr marL="342900" indent="-342900">
+              <a:buFont typeface="Arial" panose="020B0604020202020204" pitchFamily="34" charset="0"/>
+              <a:buChar char="•"/>
+            </a:pPr>
+            <a:r>
+              <a:rPr lang="en-US" altLang="ko-KR" sz="2000" dirty="0" smtClean="0">
+                <a:sym typeface="Wingdings" panose="05000000000000000000" pitchFamily="2" charset="2"/>
+              </a:rPr>
+              <a:t>Optical element Induced</a:t>
+            </a:r>
+          </a:p>
+          <a:p>
+            <a:pPr marL="342900" indent="-342900">
+              <a:buFont typeface="Arial" panose="020B0604020202020204" pitchFamily="34" charset="0"/>
+              <a:buChar char="•"/>
+            </a:pPr>
+            <a:r>
+              <a:rPr lang="en-US" altLang="ko-KR" sz="2000" dirty="0" smtClean="0">
+                <a:sym typeface="Wingdings" panose="05000000000000000000" pitchFamily="2" charset="2"/>
+              </a:rPr>
+              <a:t>Readout Saturation</a:t>
+            </a:r>
+            <a:endParaRPr lang="en-US" altLang="ko-KR" sz="2000" dirty="0" smtClean="0">
+              <a:sym typeface="Wingdings" panose="05000000000000000000" pitchFamily="2" charset="2"/>
+            </a:endParaRPr>
+          </a:p>
+        </p:txBody>
+      </p:sp>
+    </p:spTree>
+    <p:extLst>
+      <p:ext uri="{BB962C8B-B14F-4D97-AF65-F5344CB8AC3E}">
+        <p14:creationId xmlns:p14="http://schemas.microsoft.com/office/powerpoint/2010/main" val="30401612"/>
+      </p:ext>
+    </p:extLst>
+  </p:cSld>
+  <p:clrMapOvr>
+    <a:masterClrMapping/>
+  </p:clrMapOvr>
+  <p:timing>
+    <p:tnLst>
+      <p:par>
+        <p:cTn id="1" dur="indefinite" restart="never" nodeType="tmRoot"/>
+      </p:par>
+    </p:tnLst>
+  </p:timing>
+</p:sld>
+</file>
+
+<file path=ppt/slides/slide23.xml><?xml version="1.0" encoding="utf-8"?>
+<p:sld xmlns:a="http://schemas.openxmlformats.org/drawingml/2006/main" xmlns:r="http://schemas.openxmlformats.org/officeDocument/2006/relationships" xmlns:p="http://schemas.openxmlformats.org/presentationml/2006/main">
+  <p:cSld>
+    <p:spTree>
+      <p:nvGrpSpPr>
+        <p:cNvPr id="1" name=""/>
+        <p:cNvGrpSpPr/>
+        <p:nvPr/>
+      </p:nvGrpSpPr>
+      <p:grpSpPr>
+        <a:xfrm>
+          <a:off x="0" y="0"/>
+          <a:ext cx="0" cy="0"/>
+          <a:chOff x="0" y="0"/>
+          <a:chExt cx="0" cy="0"/>
+        </a:xfrm>
+      </p:grpSpPr>
+      <p:sp>
+        <p:nvSpPr>
+          <p:cNvPr id="6199" name="Rectangle 55"/>
+          <p:cNvSpPr>
+            <a:spLocks noChangeArrowheads="1"/>
+          </p:cNvSpPr>
+          <p:nvPr/>
+        </p:nvSpPr>
+        <p:spPr bwMode="auto">
+          <a:xfrm>
+            <a:off x="0" y="0"/>
+            <a:ext cx="9144000" cy="692150"/>
+          </a:xfrm>
+          <a:prstGeom prst="rect">
+            <a:avLst/>
+          </a:prstGeom>
+          <a:solidFill>
+            <a:srgbClr val="3333FF"/>
+          </a:solidFill>
+          <a:ln>
+            <a:noFill/>
+          </a:ln>
+          <a:effectLst/>
+          <a:extLst>
+            <a:ext uri="{91240B29-F687-4F45-9708-019B960494DF}">
+              <a14:hiddenLine xmlns:a14="http://schemas.microsoft.com/office/drawing/2010/main" w="9525">
+                <a:solidFill>
+                  <a:schemeClr val="tx1"/>
+                </a:solidFill>
+                <a:miter lim="800000"/>
+                <a:headEnd/>
+                <a:tailEnd/>
+              </a14:hiddenLine>
+            </a:ext>
+            <a:ext uri="{AF507438-7753-43E0-B8FC-AC1667EBCBE1}">
+              <a14:hiddenEffects xmlns:a14="http://schemas.microsoft.com/office/drawing/2010/main">
+                <a:effectLst>
+                  <a:outerShdw dist="35921" dir="2700000" algn="ctr" rotWithShape="0">
+                    <a:schemeClr val="bg2"/>
+                  </a:outerShdw>
+                </a:effectLst>
+              </a14:hiddenEffects>
+            </a:ext>
+          </a:extLst>
+        </p:spPr>
+        <p:txBody>
+          <a:bodyPr wrap="none" anchor="ctr"/>
+          <a:lstStyle/>
+          <a:p>
+            <a:pPr algn="ctr"/>
+            <a:r>
+              <a:rPr lang="en-US" altLang="ko-KR" sz="2400" dirty="0" smtClean="0">
+                <a:solidFill>
+                  <a:schemeClr val="bg1"/>
+                </a:solidFill>
+                <a:latin typeface="Arial" panose="020B0604020202020204" pitchFamily="34" charset="0"/>
+              </a:rPr>
+              <a:t>4.2 (Software) Noise Reduction Techniques</a:t>
+            </a:r>
+            <a:endParaRPr lang="en-US" altLang="ko-KR" sz="2400" dirty="0" smtClean="0">
+              <a:solidFill>
+                <a:schemeClr val="bg1"/>
+              </a:solidFill>
+              <a:latin typeface="Arial" panose="020B0604020202020204" pitchFamily="34" charset="0"/>
+            </a:endParaRPr>
+          </a:p>
+        </p:txBody>
+      </p:sp>
+      <p:sp>
+        <p:nvSpPr>
+          <p:cNvPr id="2" name="날짜 개체 틀 1"/>
+          <p:cNvSpPr>
+            <a:spLocks noGrp="1"/>
+          </p:cNvSpPr>
+          <p:nvPr>
+            <p:ph type="dt" sz="half" idx="10"/>
+          </p:nvPr>
+        </p:nvSpPr>
+        <p:spPr/>
+        <p:txBody>
+          <a:bodyPr/>
+          <a:lstStyle/>
+          <a:p>
+            <a:fld id="{53646E5C-8775-44A9-9523-40B6CCA06789}" type="datetime1">
+              <a:rPr lang="ko-KR" altLang="en-US" smtClean="0"/>
+              <a:t>2018-04-02</a:t>
+            </a:fld>
+            <a:endParaRPr lang="ko-KR" altLang="en-US"/>
+          </a:p>
+        </p:txBody>
+      </p:sp>
+      <p:sp>
+        <p:nvSpPr>
+          <p:cNvPr id="15" name="슬라이드 번호 개체 틀 14"/>
+          <p:cNvSpPr>
+            <a:spLocks noGrp="1"/>
+          </p:cNvSpPr>
+          <p:nvPr>
+            <p:ph type="sldNum" sz="quarter" idx="12"/>
+          </p:nvPr>
+        </p:nvSpPr>
+        <p:spPr/>
+        <p:txBody>
+          <a:bodyPr/>
+          <a:lstStyle/>
+          <a:p>
+            <a:fld id="{8765F8EB-1186-4395-8E70-F957669279DD}" type="slidenum">
+              <a:rPr lang="ko-KR" altLang="en-US" smtClean="0"/>
+              <a:t>23</a:t>
+            </a:fld>
+            <a:endParaRPr lang="ko-KR" altLang="en-US"/>
+          </a:p>
+        </p:txBody>
+      </p:sp>
+      <p:sp>
+        <p:nvSpPr>
+          <p:cNvPr id="6" name="TextBox 5"/>
+          <p:cNvSpPr txBox="1"/>
+          <p:nvPr/>
+        </p:nvSpPr>
+        <p:spPr>
+          <a:xfrm>
+            <a:off x="720969" y="914202"/>
+            <a:ext cx="7794381" cy="707886"/>
+          </a:xfrm>
+          <a:prstGeom prst="rect">
+            <a:avLst/>
+          </a:prstGeom>
+          <a:noFill/>
+        </p:spPr>
+        <p:txBody>
+          <a:bodyPr wrap="square" rtlCol="0">
+            <a:spAutoFit/>
+          </a:bodyPr>
+          <a:lstStyle/>
+          <a:p>
+            <a:r>
+              <a:rPr lang="en-US" altLang="ko-KR" sz="2000" dirty="0" smtClean="0"/>
+              <a:t>Errors that are generically grouped and related to the correct knowledge of the position of the scanning stage</a:t>
+            </a:r>
+            <a:endParaRPr lang="en-US" altLang="ko-KR" sz="2000" dirty="0" smtClean="0"/>
+          </a:p>
+        </p:txBody>
+      </p:sp>
+      <p:sp>
+        <p:nvSpPr>
+          <p:cNvPr id="7" name="TextBox 6"/>
+          <p:cNvSpPr txBox="1"/>
+          <p:nvPr/>
+        </p:nvSpPr>
+        <p:spPr>
+          <a:xfrm>
+            <a:off x="720970" y="1622088"/>
+            <a:ext cx="8107146" cy="1938992"/>
+          </a:xfrm>
+          <a:prstGeom prst="rect">
+            <a:avLst/>
+          </a:prstGeom>
+          <a:noFill/>
+        </p:spPr>
+        <p:txBody>
+          <a:bodyPr wrap="square" rtlCol="0">
+            <a:spAutoFit/>
+          </a:bodyPr>
+          <a:lstStyle/>
+          <a:p>
+            <a:pPr marL="342900" indent="-342900">
+              <a:buFont typeface="Arial" panose="020B0604020202020204" pitchFamily="34" charset="0"/>
+              <a:buChar char="•"/>
+            </a:pPr>
+            <a:r>
+              <a:rPr lang="en-US" altLang="ko-KR" sz="2000" dirty="0" err="1" smtClean="0">
+                <a:sym typeface="Wingdings" panose="05000000000000000000" pitchFamily="2" charset="2"/>
+              </a:rPr>
+              <a:t>Interferogram</a:t>
+            </a:r>
+            <a:r>
+              <a:rPr lang="en-US" altLang="ko-KR" sz="2000" dirty="0" smtClean="0">
+                <a:sym typeface="Wingdings" panose="05000000000000000000" pitchFamily="2" charset="2"/>
+              </a:rPr>
+              <a:t> or Spectral Averaging Techniques</a:t>
+            </a:r>
+          </a:p>
+          <a:p>
+            <a:pPr marL="342900" indent="-342900">
+              <a:buFont typeface="Arial" panose="020B0604020202020204" pitchFamily="34" charset="0"/>
+              <a:buChar char="•"/>
+            </a:pPr>
+            <a:r>
+              <a:rPr lang="en-US" altLang="ko-KR" sz="2000" dirty="0" smtClean="0">
+                <a:sym typeface="Wingdings" panose="05000000000000000000" pitchFamily="2" charset="2"/>
+              </a:rPr>
+              <a:t>Signal Filtering</a:t>
+            </a:r>
+          </a:p>
+          <a:p>
+            <a:pPr marL="342900" indent="-342900">
+              <a:buFont typeface="Arial" panose="020B0604020202020204" pitchFamily="34" charset="0"/>
+              <a:buChar char="•"/>
+            </a:pPr>
+            <a:r>
+              <a:rPr lang="en-US" altLang="ko-KR" sz="2000" dirty="0" smtClean="0">
+                <a:sym typeface="Wingdings" panose="05000000000000000000" pitchFamily="2" charset="2"/>
+              </a:rPr>
+              <a:t>Glitch Removal</a:t>
+            </a:r>
+          </a:p>
+          <a:p>
+            <a:pPr marL="342900" indent="-342900">
+              <a:buFont typeface="Arial" panose="020B0604020202020204" pitchFamily="34" charset="0"/>
+              <a:buChar char="•"/>
+            </a:pPr>
+            <a:r>
+              <a:rPr lang="en-US" altLang="ko-KR" sz="2000" dirty="0" smtClean="0">
+                <a:sym typeface="Wingdings" panose="05000000000000000000" pitchFamily="2" charset="2"/>
+              </a:rPr>
+              <a:t>Time Deconvolution</a:t>
+            </a:r>
+          </a:p>
+          <a:p>
+            <a:pPr marL="342900" indent="-342900">
+              <a:buFont typeface="Arial" panose="020B0604020202020204" pitchFamily="34" charset="0"/>
+              <a:buChar char="•"/>
+            </a:pPr>
+            <a:r>
+              <a:rPr lang="en-US" altLang="ko-KR" sz="2000" dirty="0" smtClean="0">
+                <a:sym typeface="Wingdings" panose="05000000000000000000" pitchFamily="2" charset="2"/>
+              </a:rPr>
+              <a:t>Nonlinearity Correction</a:t>
+            </a:r>
+          </a:p>
+          <a:p>
+            <a:pPr marL="342900" indent="-342900">
+              <a:buFont typeface="Arial" panose="020B0604020202020204" pitchFamily="34" charset="0"/>
+              <a:buChar char="•"/>
+            </a:pPr>
+            <a:r>
+              <a:rPr lang="en-US" altLang="ko-KR" sz="2000" dirty="0" smtClean="0">
+                <a:sym typeface="Wingdings" panose="05000000000000000000" pitchFamily="2" charset="2"/>
+              </a:rPr>
+              <a:t>Regular Time-Grid Interpolation</a:t>
+            </a:r>
+            <a:endParaRPr lang="en-US" altLang="ko-KR" sz="2000" dirty="0" smtClean="0">
+              <a:sym typeface="Wingdings" panose="05000000000000000000" pitchFamily="2" charset="2"/>
+            </a:endParaRPr>
+          </a:p>
+        </p:txBody>
+      </p:sp>
+    </p:spTree>
+    <p:extLst>
+      <p:ext uri="{BB962C8B-B14F-4D97-AF65-F5344CB8AC3E}">
+        <p14:creationId xmlns:p14="http://schemas.microsoft.com/office/powerpoint/2010/main" val="159112625"/>
+      </p:ext>
+    </p:extLst>
+  </p:cSld>
+  <p:clrMapOvr>
+    <a:masterClrMapping/>
+  </p:clrMapOvr>
+  <p:timing>
+    <p:tnLst>
+      <p:par>
+        <p:cTn id="1" dur="indefinite" restart="never" nodeType="tmRoot"/>
+      </p:par>
+    </p:tnLst>
+  </p:timing>
+</p:sld>
+</file>
+
+<file path=ppt/slides/slide24.xml><?xml version="1.0" encoding="utf-8"?>
+<p:sld xmlns:a="http://schemas.openxmlformats.org/drawingml/2006/main" xmlns:r="http://schemas.openxmlformats.org/officeDocument/2006/relationships" xmlns:p="http://schemas.openxmlformats.org/presentationml/2006/main">
+  <p:cSld>
+    <p:spTree>
+      <p:nvGrpSpPr>
+        <p:cNvPr id="1" name=""/>
+        <p:cNvGrpSpPr/>
+        <p:nvPr/>
+      </p:nvGrpSpPr>
+      <p:grpSpPr>
+        <a:xfrm>
+          <a:off x="0" y="0"/>
+          <a:ext cx="0" cy="0"/>
+          <a:chOff x="0" y="0"/>
+          <a:chExt cx="0" cy="0"/>
+        </a:xfrm>
+      </p:grpSpPr>
+      <p:sp>
+        <p:nvSpPr>
+          <p:cNvPr id="6199" name="Rectangle 55"/>
+          <p:cNvSpPr>
+            <a:spLocks noChangeArrowheads="1"/>
+          </p:cNvSpPr>
+          <p:nvPr/>
+        </p:nvSpPr>
+        <p:spPr bwMode="auto">
+          <a:xfrm>
+            <a:off x="0" y="0"/>
+            <a:ext cx="9144000" cy="692150"/>
+          </a:xfrm>
+          <a:prstGeom prst="rect">
+            <a:avLst/>
+          </a:prstGeom>
+          <a:solidFill>
+            <a:srgbClr val="3333FF"/>
+          </a:solidFill>
+          <a:ln>
+            <a:noFill/>
+          </a:ln>
+          <a:effectLst/>
+          <a:extLst>
+            <a:ext uri="{91240B29-F687-4F45-9708-019B960494DF}">
+              <a14:hiddenLine xmlns:a14="http://schemas.microsoft.com/office/drawing/2010/main" w="9525">
+                <a:solidFill>
+                  <a:schemeClr val="tx1"/>
+                </a:solidFill>
+                <a:miter lim="800000"/>
+                <a:headEnd/>
+                <a:tailEnd/>
+              </a14:hiddenLine>
+            </a:ext>
+            <a:ext uri="{AF507438-7753-43E0-B8FC-AC1667EBCBE1}">
+              <a14:hiddenEffects xmlns:a14="http://schemas.microsoft.com/office/drawing/2010/main">
+                <a:effectLst>
+                  <a:outerShdw dist="35921" dir="2700000" algn="ctr" rotWithShape="0">
+                    <a:schemeClr val="bg2"/>
+                  </a:outerShdw>
+                </a:effectLst>
+              </a14:hiddenEffects>
+            </a:ext>
+          </a:extLst>
+        </p:spPr>
+        <p:txBody>
+          <a:bodyPr wrap="none" anchor="ctr"/>
+          <a:lstStyle/>
+          <a:p>
+            <a:pPr algn="ctr"/>
+            <a:r>
+              <a:rPr lang="en-US" altLang="ko-KR" sz="2800" dirty="0" smtClean="0">
+                <a:solidFill>
+                  <a:schemeClr val="bg1"/>
+                </a:solidFill>
+                <a:latin typeface="Arial" panose="020B0604020202020204" pitchFamily="34" charset="0"/>
+              </a:rPr>
+              <a:t>References</a:t>
+            </a:r>
+            <a:endParaRPr lang="en-US" altLang="ko-KR" sz="2800" dirty="0">
+              <a:solidFill>
+                <a:schemeClr val="bg1"/>
+              </a:solidFill>
+              <a:latin typeface="Arial" panose="020B0604020202020204" pitchFamily="34" charset="0"/>
+            </a:endParaRPr>
+          </a:p>
+        </p:txBody>
+      </p:sp>
+      <p:sp>
+        <p:nvSpPr>
+          <p:cNvPr id="2" name="TextBox 1"/>
+          <p:cNvSpPr txBox="1"/>
+          <p:nvPr/>
+        </p:nvSpPr>
+        <p:spPr>
+          <a:xfrm>
+            <a:off x="268165" y="1362807"/>
+            <a:ext cx="8607669" cy="2031325"/>
+          </a:xfrm>
+          <a:prstGeom prst="rect">
+            <a:avLst/>
+          </a:prstGeom>
+          <a:noFill/>
+        </p:spPr>
+        <p:txBody>
+          <a:bodyPr wrap="square" rtlCol="0">
+            <a:spAutoFit/>
+          </a:bodyPr>
+          <a:lstStyle/>
+          <a:p>
+            <a:pPr marL="285750" indent="-285750">
+              <a:buFont typeface="Arial" panose="020B0604020202020204" pitchFamily="34" charset="0"/>
+              <a:buChar char="•"/>
+            </a:pPr>
+            <a:r>
+              <a:rPr lang="en-US" altLang="ko-KR" dirty="0" smtClean="0">
+                <a:latin typeface="Times New Roman" panose="02020603050405020304" pitchFamily="18" charset="0"/>
+                <a:cs typeface="Times New Roman" panose="02020603050405020304" pitchFamily="18" charset="0"/>
+              </a:rPr>
+              <a:t>Martin, D. H., and E. </a:t>
+            </a:r>
+            <a:r>
+              <a:rPr lang="en-US" altLang="ko-KR" dirty="0" err="1" smtClean="0">
+                <a:latin typeface="Times New Roman" panose="02020603050405020304" pitchFamily="18" charset="0"/>
+                <a:cs typeface="Times New Roman" panose="02020603050405020304" pitchFamily="18" charset="0"/>
+              </a:rPr>
+              <a:t>Puplett</a:t>
+            </a:r>
+            <a:r>
+              <a:rPr lang="en-US" altLang="ko-KR" dirty="0" smtClean="0">
+                <a:latin typeface="Times New Roman" panose="02020603050405020304" pitchFamily="18" charset="0"/>
+                <a:cs typeface="Times New Roman" panose="02020603050405020304" pitchFamily="18" charset="0"/>
+              </a:rPr>
+              <a:t>, “</a:t>
+            </a:r>
+            <a:r>
+              <a:rPr lang="en-US" altLang="ko-KR" dirty="0" err="1" smtClean="0">
+                <a:latin typeface="Times New Roman" panose="02020603050405020304" pitchFamily="18" charset="0"/>
+                <a:cs typeface="Times New Roman" panose="02020603050405020304" pitchFamily="18" charset="0"/>
+              </a:rPr>
+              <a:t>Polarised</a:t>
+            </a:r>
+            <a:r>
+              <a:rPr lang="en-US" altLang="ko-KR" dirty="0" smtClean="0">
+                <a:latin typeface="Times New Roman" panose="02020603050405020304" pitchFamily="18" charset="0"/>
+                <a:cs typeface="Times New Roman" panose="02020603050405020304" pitchFamily="18" charset="0"/>
+              </a:rPr>
+              <a:t> Interferometric Spectrometry for the </a:t>
+            </a:r>
+            <a:r>
+              <a:rPr lang="en-US" altLang="ko-KR" dirty="0" err="1" smtClean="0">
+                <a:latin typeface="Times New Roman" panose="02020603050405020304" pitchFamily="18" charset="0"/>
+                <a:cs typeface="Times New Roman" panose="02020603050405020304" pitchFamily="18" charset="0"/>
+              </a:rPr>
+              <a:t>Millimetre</a:t>
+            </a:r>
+            <a:r>
+              <a:rPr lang="en-US" altLang="ko-KR" dirty="0" smtClean="0">
+                <a:latin typeface="Times New Roman" panose="02020603050405020304" pitchFamily="18" charset="0"/>
+                <a:cs typeface="Times New Roman" panose="02020603050405020304" pitchFamily="18" charset="0"/>
+              </a:rPr>
+              <a:t> and </a:t>
+            </a:r>
+            <a:r>
+              <a:rPr lang="en-US" altLang="ko-KR" dirty="0" err="1" smtClean="0">
+                <a:latin typeface="Times New Roman" panose="02020603050405020304" pitchFamily="18" charset="0"/>
+                <a:cs typeface="Times New Roman" panose="02020603050405020304" pitchFamily="18" charset="0"/>
+              </a:rPr>
+              <a:t>Submillimetre</a:t>
+            </a:r>
+            <a:r>
+              <a:rPr lang="en-US" altLang="ko-KR" dirty="0" smtClean="0">
+                <a:latin typeface="Times New Roman" panose="02020603050405020304" pitchFamily="18" charset="0"/>
+                <a:cs typeface="Times New Roman" panose="02020603050405020304" pitchFamily="18" charset="0"/>
+              </a:rPr>
+              <a:t> Spectrum,” </a:t>
+            </a:r>
+            <a:r>
+              <a:rPr lang="en-US" altLang="ko-KR" i="1" dirty="0" smtClean="0">
+                <a:latin typeface="Times New Roman" panose="02020603050405020304" pitchFamily="18" charset="0"/>
+                <a:cs typeface="Times New Roman" panose="02020603050405020304" pitchFamily="18" charset="0"/>
+              </a:rPr>
+              <a:t>App. Opt.</a:t>
+            </a:r>
+            <a:r>
+              <a:rPr lang="en-US" altLang="ko-KR" dirty="0" smtClean="0">
+                <a:latin typeface="Times New Roman" panose="02020603050405020304" pitchFamily="18" charset="0"/>
+                <a:cs typeface="Times New Roman" panose="02020603050405020304" pitchFamily="18" charset="0"/>
+              </a:rPr>
+              <a:t>, Vol. 10, 1969, p. 105.</a:t>
+            </a:r>
+          </a:p>
+          <a:p>
+            <a:pPr marL="285750" indent="-285750">
+              <a:buFont typeface="Arial" panose="020B0604020202020204" pitchFamily="34" charset="0"/>
+              <a:buChar char="•"/>
+            </a:pPr>
+            <a:r>
+              <a:rPr lang="en-US" altLang="ko-KR" dirty="0" smtClean="0">
+                <a:latin typeface="Times New Roman" panose="02020603050405020304" pitchFamily="18" charset="0"/>
+                <a:cs typeface="Times New Roman" panose="02020603050405020304" pitchFamily="18" charset="0"/>
+              </a:rPr>
+              <a:t>Naylor, D. A., et al., “Astronomical Spectroscopy Using an Aliased Step-and-Integrate Fourier Transform Spectrometer,” </a:t>
+            </a:r>
+            <a:r>
+              <a:rPr lang="en-US" altLang="ko-KR" i="1" dirty="0" smtClean="0">
+                <a:latin typeface="Times New Roman" panose="02020603050405020304" pitchFamily="18" charset="0"/>
+                <a:cs typeface="Times New Roman" panose="02020603050405020304" pitchFamily="18" charset="0"/>
+              </a:rPr>
+              <a:t>Proceedings of the SPIE</a:t>
+            </a:r>
+            <a:r>
+              <a:rPr lang="en-US" altLang="ko-KR" dirty="0" smtClean="0">
+                <a:latin typeface="Times New Roman" panose="02020603050405020304" pitchFamily="18" charset="0"/>
+                <a:cs typeface="Times New Roman" panose="02020603050405020304" pitchFamily="18" charset="0"/>
+              </a:rPr>
+              <a:t>, Vol. 5498, 2004, pp. 685-694.</a:t>
+            </a:r>
+          </a:p>
+          <a:p>
+            <a:pPr marL="285750" indent="-285750">
+              <a:buFont typeface="Arial" panose="020B0604020202020204" pitchFamily="34" charset="0"/>
+              <a:buChar char="•"/>
+            </a:pPr>
+            <a:r>
+              <a:rPr lang="en-US" altLang="ko-KR" dirty="0" smtClean="0">
+                <a:latin typeface="Times New Roman" panose="02020603050405020304" pitchFamily="18" charset="0"/>
+                <a:cs typeface="Times New Roman" panose="02020603050405020304" pitchFamily="18" charset="0"/>
+              </a:rPr>
+              <a:t>Carli, B., et al., “Design of an Efficient Broadband Far-Infrared Fourier Transform Spectrometer,” </a:t>
+            </a:r>
+            <a:r>
+              <a:rPr lang="en-US" altLang="ko-KR" i="1" dirty="0" smtClean="0">
+                <a:latin typeface="Times New Roman" panose="02020603050405020304" pitchFamily="18" charset="0"/>
+                <a:cs typeface="Times New Roman" panose="02020603050405020304" pitchFamily="18" charset="0"/>
+              </a:rPr>
+              <a:t>App. Opt.</a:t>
+            </a:r>
+            <a:r>
+              <a:rPr lang="en-US" altLang="ko-KR" dirty="0" smtClean="0">
+                <a:latin typeface="Times New Roman" panose="02020603050405020304" pitchFamily="18" charset="0"/>
+                <a:cs typeface="Times New Roman" panose="02020603050405020304" pitchFamily="18" charset="0"/>
+              </a:rPr>
+              <a:t>, Vol. 38, No. 18, 1999, pp. 3945-3950.</a:t>
+            </a:r>
+          </a:p>
+        </p:txBody>
+      </p:sp>
+      <p:sp>
+        <p:nvSpPr>
+          <p:cNvPr id="3" name="날짜 개체 틀 2"/>
+          <p:cNvSpPr>
+            <a:spLocks noGrp="1"/>
+          </p:cNvSpPr>
+          <p:nvPr>
+            <p:ph type="dt" sz="half" idx="10"/>
+          </p:nvPr>
+        </p:nvSpPr>
+        <p:spPr/>
+        <p:txBody>
+          <a:bodyPr/>
+          <a:lstStyle/>
+          <a:p>
+            <a:fld id="{6509A91F-0059-474E-BAEC-65E67593FE25}" type="datetime1">
+              <a:rPr lang="ko-KR" altLang="en-US" smtClean="0"/>
+              <a:t>2018-04-02</a:t>
+            </a:fld>
+            <a:endParaRPr lang="ko-KR" altLang="en-US"/>
+          </a:p>
+        </p:txBody>
+      </p:sp>
+      <p:sp>
+        <p:nvSpPr>
+          <p:cNvPr id="4" name="슬라이드 번호 개체 틀 3"/>
+          <p:cNvSpPr>
+            <a:spLocks noGrp="1"/>
+          </p:cNvSpPr>
+          <p:nvPr>
+            <p:ph type="sldNum" sz="quarter" idx="12"/>
+          </p:nvPr>
+        </p:nvSpPr>
+        <p:spPr/>
+        <p:txBody>
+          <a:bodyPr/>
+          <a:lstStyle/>
+          <a:p>
+            <a:fld id="{8765F8EB-1186-4395-8E70-F957669279DD}" type="slidenum">
+              <a:rPr lang="ko-KR" altLang="en-US" smtClean="0"/>
+              <a:t>24</a:t>
+            </a:fld>
+            <a:endParaRPr lang="ko-KR" altLang="en-US"/>
+          </a:p>
+        </p:txBody>
+      </p:sp>
+    </p:spTree>
+    <p:extLst>
+      <p:ext uri="{BB962C8B-B14F-4D97-AF65-F5344CB8AC3E}">
+        <p14:creationId xmlns:p14="http://schemas.microsoft.com/office/powerpoint/2010/main" val="3518239763"/>
+      </p:ext>
+    </p:extLst>
+  </p:cSld>
+  <p:clrMapOvr>
+    <a:masterClrMapping/>
+  </p:clrMapOvr>
+  <p:timing>
+    <p:tnLst>
+      <p:par>
+        <p:cTn id="1" dur="indefinite" restart="never" nodeType="tmRoot"/>
+      </p:par>
+    </p:tnLst>
+  </p:timing>
+</p:sld>
+</file>
+
+<file path=ppt/slides/slide3.xml><?xml version="1.0" encoding="utf-8"?>
+<p:sld xmlns:a="http://schemas.openxmlformats.org/drawingml/2006/main" xmlns:r="http://schemas.openxmlformats.org/officeDocument/2006/relationships" xmlns:p="http://schemas.openxmlformats.org/presentationml/2006/main">
+  <p:cSld>
+    <p:spTree>
+      <p:nvGrpSpPr>
+        <p:cNvPr id="1" name=""/>
+        <p:cNvGrpSpPr/>
+        <p:nvPr/>
+      </p:nvGrpSpPr>
+      <p:grpSpPr>
+        <a:xfrm>
+          <a:off x="0" y="0"/>
+          <a:ext cx="0" cy="0"/>
+          <a:chOff x="0" y="0"/>
+          <a:chExt cx="0" cy="0"/>
+        </a:xfrm>
+      </p:grpSpPr>
+      <p:sp>
+        <p:nvSpPr>
+          <p:cNvPr id="6199" name="Rectangle 55"/>
+          <p:cNvSpPr>
+            <a:spLocks noChangeArrowheads="1"/>
+          </p:cNvSpPr>
+          <p:nvPr/>
+        </p:nvSpPr>
+        <p:spPr bwMode="auto">
+          <a:xfrm>
+            <a:off x="0" y="0"/>
+            <a:ext cx="9144000" cy="692150"/>
+          </a:xfrm>
+          <a:prstGeom prst="rect">
+            <a:avLst/>
+          </a:prstGeom>
+          <a:solidFill>
+            <a:srgbClr val="3333FF"/>
+          </a:solidFill>
+          <a:ln>
+            <a:noFill/>
+          </a:ln>
+          <a:effectLst/>
+          <a:extLst>
+            <a:ext uri="{91240B29-F687-4F45-9708-019B960494DF}">
+              <a14:hiddenLine xmlns:a14="http://schemas.microsoft.com/office/drawing/2010/main" w="9525">
+                <a:solidFill>
+                  <a:schemeClr val="tx1"/>
+                </a:solidFill>
+                <a:miter lim="800000"/>
+                <a:headEnd/>
+                <a:tailEnd/>
+              </a14:hiddenLine>
+            </a:ext>
+            <a:ext uri="{AF507438-7753-43E0-B8FC-AC1667EBCBE1}">
+              <a14:hiddenEffects xmlns:a14="http://schemas.microsoft.com/office/drawing/2010/main">
+                <a:effectLst>
+                  <a:outerShdw dist="35921" dir="2700000" algn="ctr" rotWithShape="0">
+                    <a:schemeClr val="bg2"/>
+                  </a:outerShdw>
+                </a:effectLst>
+              </a14:hiddenEffects>
+            </a:ext>
+          </a:extLst>
+        </p:spPr>
+        <p:txBody>
+          <a:bodyPr wrap="none" anchor="ctr"/>
+          <a:lstStyle/>
+          <a:p>
+            <a:pPr algn="ctr"/>
+            <a:endParaRPr lang="en-US" altLang="ko-KR" sz="2800" dirty="0">
+              <a:solidFill>
+                <a:schemeClr val="bg1"/>
+              </a:solidFill>
+              <a:latin typeface="Arial" panose="020B0604020202020204" pitchFamily="34" charset="0"/>
+            </a:endParaRPr>
+          </a:p>
+        </p:txBody>
+      </p:sp>
+      <p:sp>
+        <p:nvSpPr>
+          <p:cNvPr id="2" name="직사각형 1"/>
+          <p:cNvSpPr/>
+          <p:nvPr/>
+        </p:nvSpPr>
+        <p:spPr>
+          <a:xfrm>
+            <a:off x="1286256" y="2004529"/>
+            <a:ext cx="6571488" cy="2848942"/>
+          </a:xfrm>
+          <a:prstGeom prst="rect">
+            <a:avLst/>
+          </a:prstGeom>
+          <a:noFill/>
+          <a:ln w="38100">
+            <a:solidFill>
+              <a:srgbClr val="3333FF"/>
+            </a:solidFill>
+          </a:ln>
+        </p:spPr>
+        <p:style>
+          <a:lnRef idx="2">
+            <a:schemeClr val="accent1">
+              <a:shade val="50000"/>
+            </a:schemeClr>
+          </a:lnRef>
+          <a:fillRef idx="1">
+            <a:schemeClr val="accent1"/>
+          </a:fillRef>
+          <a:effectRef idx="0">
+            <a:schemeClr val="accent1"/>
+          </a:effectRef>
+          <a:fontRef idx="minor">
+            <a:schemeClr val="lt1"/>
+          </a:fontRef>
+        </p:style>
+        <p:txBody>
+          <a:bodyPr rtlCol="0" anchor="ctr"/>
+          <a:lstStyle/>
+          <a:p>
+            <a:pPr algn="ctr"/>
+            <a:r>
+              <a:rPr lang="en-US" altLang="ko-KR" sz="3600" dirty="0" smtClean="0">
+                <a:solidFill>
+                  <a:srgbClr val="3333FF"/>
+                </a:solidFill>
+                <a:latin typeface="Arial" panose="020B0604020202020204" pitchFamily="34" charset="0"/>
+              </a:rPr>
+              <a:t>Spectrometer Configurations</a:t>
+            </a:r>
+            <a:endParaRPr lang="ko-KR" altLang="en-US" sz="3600" dirty="0"/>
+          </a:p>
+        </p:txBody>
+      </p:sp>
+      <p:sp>
+        <p:nvSpPr>
+          <p:cNvPr id="3" name="날짜 개체 틀 2"/>
+          <p:cNvSpPr>
+            <a:spLocks noGrp="1"/>
+          </p:cNvSpPr>
+          <p:nvPr>
+            <p:ph type="dt" sz="half" idx="10"/>
+          </p:nvPr>
+        </p:nvSpPr>
+        <p:spPr/>
+        <p:txBody>
+          <a:bodyPr/>
+          <a:lstStyle/>
+          <a:p>
+            <a:fld id="{F85A177F-6FD3-496B-8A9C-B332CA04E863}" type="datetime1">
+              <a:rPr lang="ko-KR" altLang="en-US" smtClean="0"/>
+              <a:t>2018-04-02</a:t>
             </a:fld>
             <a:endParaRPr lang="ko-KR" altLang="en-US"/>
           </a:p>
@@ -10738,7 +14585,7 @@
           <a:p>
             <a:fld id="{53646E5C-8775-44A9-9523-40B6CCA06789}" type="datetime1">
               <a:rPr lang="ko-KR" altLang="en-US" smtClean="0"/>
-              <a:t>2018-03-31</a:t>
+              <a:t>2018-04-02</a:t>
             </a:fld>
             <a:endParaRPr lang="ko-KR" altLang="en-US"/>
           </a:p>
@@ -10968,7 +14815,7 @@
           <a:p>
             <a:fld id="{53646E5C-8775-44A9-9523-40B6CCA06789}" type="datetime1">
               <a:rPr lang="ko-KR" altLang="en-US" smtClean="0"/>
-              <a:t>2018-03-31</a:t>
+              <a:t>2018-04-02</a:t>
             </a:fld>
             <a:endParaRPr lang="ko-KR" altLang="en-US"/>
           </a:p>
@@ -11201,7 +15048,7 @@
           <a:p>
             <a:fld id="{53646E5C-8775-44A9-9523-40B6CCA06789}" type="datetime1">
               <a:rPr lang="ko-KR" altLang="en-US" smtClean="0"/>
-              <a:t>2018-03-31</a:t>
+              <a:t>2018-04-02</a:t>
             </a:fld>
             <a:endParaRPr lang="ko-KR" altLang="en-US"/>
           </a:p>
@@ -11539,7 +15386,7 @@
           <a:p>
             <a:fld id="{53646E5C-8775-44A9-9523-40B6CCA06789}" type="datetime1">
               <a:rPr lang="ko-KR" altLang="en-US" smtClean="0"/>
-              <a:t>2018-03-31</a:t>
+              <a:t>2018-04-02</a:t>
             </a:fld>
             <a:endParaRPr lang="ko-KR" altLang="en-US"/>
           </a:p>
@@ -12194,7 +16041,7 @@
           <a:p>
             <a:fld id="{53646E5C-8775-44A9-9523-40B6CCA06789}" type="datetime1">
               <a:rPr lang="ko-KR" altLang="en-US" smtClean="0"/>
-              <a:t>2018-03-31</a:t>
+              <a:t>2018-04-02</a:t>
             </a:fld>
             <a:endParaRPr lang="ko-KR" altLang="en-US"/>
           </a:p>
@@ -12460,7 +16307,7 @@
           <a:p>
             <a:fld id="{53646E5C-8775-44A9-9523-40B6CCA06789}" type="datetime1">
               <a:rPr lang="ko-KR" altLang="en-US" smtClean="0"/>
-              <a:t>2018-03-31</a:t>
+              <a:t>2018-04-02</a:t>
             </a:fld>
             <a:endParaRPr lang="ko-KR" altLang="en-US"/>
           </a:p>
@@ -12513,15 +16360,7 @@
           <a:p>
             <a:r>
               <a:rPr lang="en-US" altLang="ko-KR" sz="2000" dirty="0" smtClean="0"/>
-              <a:t>There are two known </a:t>
-            </a:r>
-            <a:r>
-              <a:rPr lang="en-US" altLang="ko-KR" sz="2000" dirty="0" err="1" smtClean="0"/>
-              <a:t>advatages</a:t>
-            </a:r>
-            <a:r>
-              <a:rPr lang="en-US" altLang="ko-KR" sz="2000" dirty="0" smtClean="0"/>
-              <a:t> of using a Fourier transform spectrometer when compared to a </a:t>
+              <a:t>There are two known advantages of using a Fourier transform spectrometer when compared to a </a:t>
             </a:r>
             <a:r>
               <a:rPr lang="en-US" altLang="ko-KR" sz="2000" dirty="0" err="1" smtClean="0"/>

--- a/Terahertz Metrology/Ch5/Terahertz Metrology_Ch5.pptx
+++ b/Terahertz Metrology/Ch5/Terahertz Metrology_Ch5.pptx
@@ -8068,7 +8068,16 @@
                 </a:solidFill>
                 <a:latin typeface="Arial" panose="020B0604020202020204" pitchFamily="34" charset="0"/>
               </a:rPr>
-              <a:t>2.5 Achievable Spectral Resolution (Commercial and State of the Art)</a:t>
+              <a:t>2.4 </a:t>
+            </a:r>
+            <a:r>
+              <a:rPr lang="en-US" altLang="ko-KR" sz="2300" dirty="0" smtClean="0">
+                <a:solidFill>
+                  <a:schemeClr val="bg1"/>
+                </a:solidFill>
+                <a:latin typeface="Arial" panose="020B0604020202020204" pitchFamily="34" charset="0"/>
+              </a:rPr>
+              <a:t>Achievable Spectral Resolution (Commercial and State of the Art)</a:t>
             </a:r>
           </a:p>
         </p:txBody>
@@ -9930,16 +9939,15 @@
           </p:cNvPicPr>
           <p:nvPr/>
         </p:nvPicPr>
-        <p:blipFill>
+        <p:blipFill rotWithShape="1">
           <a:blip r:embed="rId3"/>
-          <a:stretch>
-            <a:fillRect/>
-          </a:stretch>
+          <a:srcRect t="44196"/>
+          <a:stretch/>
         </p:blipFill>
         <p:spPr>
           <a:xfrm rot="5400000">
-            <a:off x="3274206" y="-1574619"/>
-            <a:ext cx="2595588" cy="8331374"/>
+            <a:off x="3274206" y="266436"/>
+            <a:ext cx="2595588" cy="4649264"/>
           </a:xfrm>
           <a:prstGeom prst="rect">
             <a:avLst/>
@@ -10723,8 +10731,8 @@
           </a:p>
         </p:txBody>
       </p:sp>
-      <mc:AlternateContent xmlns:mc="http://schemas.openxmlformats.org/markup-compatibility/2006">
-        <mc:Choice xmlns:a14="http://schemas.microsoft.com/office/drawing/2010/main" Requires="a14">
+      <mc:AlternateContent xmlns:mc="http://schemas.openxmlformats.org/markup-compatibility/2006" xmlns:a14="http://schemas.microsoft.com/office/drawing/2010/main">
+        <mc:Choice Requires="a14">
           <p:sp>
             <p:nvSpPr>
               <p:cNvPr id="4" name="TextBox 3"/>
@@ -10797,7 +10805,7 @@
             </p:txBody>
           </p:sp>
         </mc:Choice>
-        <mc:Fallback>
+        <mc:Fallback xmlns="">
           <p:sp>
             <p:nvSpPr>
               <p:cNvPr id="4" name="TextBox 3"/>
@@ -11007,7 +11015,6 @@
               <a:rPr lang="en-US" altLang="ko-KR" sz="2000" dirty="0" smtClean="0"/>
               <a:t>In a converging beam, the thick sample results will vary from the previous in at least two characteristics.</a:t>
             </a:r>
-            <a:endParaRPr lang="en-US" altLang="ko-KR" sz="2000" dirty="0" smtClean="0"/>
           </a:p>
         </p:txBody>
       </p:sp>
@@ -11195,8 +11202,8 @@
           </a:p>
         </p:txBody>
       </p:sp>
-      <mc:AlternateContent xmlns:mc="http://schemas.openxmlformats.org/markup-compatibility/2006">
-        <mc:Choice xmlns:a14="http://schemas.microsoft.com/office/drawing/2010/main" Requires="a14">
+      <mc:AlternateContent xmlns:mc="http://schemas.openxmlformats.org/markup-compatibility/2006" xmlns:a14="http://schemas.microsoft.com/office/drawing/2010/main">
+        <mc:Choice Requires="a14">
           <p:sp>
             <p:nvSpPr>
               <p:cNvPr id="5" name="TextBox 4"/>
@@ -11219,6 +11226,7 @@
               </a:bodyPr>
               <a:lstStyle/>
               <a:p>
+                <a:pPr/>
                 <a14:m>
                   <m:oMathPara xmlns:m="http://schemas.openxmlformats.org/officeDocument/2006/math">
                     <m:oMathParaPr>
@@ -11350,7 +11358,7 @@
             </p:txBody>
           </p:sp>
         </mc:Choice>
-        <mc:Fallback>
+        <mc:Fallback xmlns="">
           <p:sp>
             <p:nvSpPr>
               <p:cNvPr id="5" name="TextBox 4"/>
@@ -11389,8 +11397,8 @@
           </p:sp>
         </mc:Fallback>
       </mc:AlternateContent>
-      <mc:AlternateContent xmlns:mc="http://schemas.openxmlformats.org/markup-compatibility/2006">
-        <mc:Choice xmlns:a14="http://schemas.microsoft.com/office/drawing/2010/main" Requires="a14">
+      <mc:AlternateContent xmlns:mc="http://schemas.openxmlformats.org/markup-compatibility/2006" xmlns:a14="http://schemas.microsoft.com/office/drawing/2010/main">
+        <mc:Choice Requires="a14">
           <p:sp>
             <p:nvSpPr>
               <p:cNvPr id="9" name="TextBox 8"/>
@@ -11413,6 +11421,7 @@
               </a:bodyPr>
               <a:lstStyle/>
               <a:p>
+                <a:pPr/>
                 <a14:m>
                   <m:oMathPara xmlns:m="http://schemas.openxmlformats.org/officeDocument/2006/math">
                     <m:oMathParaPr>
@@ -11562,7 +11571,7 @@
             </p:txBody>
           </p:sp>
         </mc:Choice>
-        <mc:Fallback>
+        <mc:Fallback xmlns="">
           <p:sp>
             <p:nvSpPr>
               <p:cNvPr id="9" name="TextBox 8"/>
@@ -11627,7 +11636,6 @@
               <a:rPr lang="en-US" altLang="ko-KR" sz="2000" dirty="0" smtClean="0"/>
               <a:t>Due to the noncollimated nature of the beam, only a limited number of terms will be summed in the series that previously yielded.</a:t>
             </a:r>
-            <a:endParaRPr lang="en-US" altLang="ko-KR" sz="2000" dirty="0" smtClean="0"/>
           </a:p>
         </p:txBody>
       </p:sp>
@@ -12090,8 +12098,8 @@
           </a:p>
         </p:txBody>
       </p:sp>
-      <mc:AlternateContent xmlns:mc="http://schemas.openxmlformats.org/markup-compatibility/2006">
-        <mc:Choice xmlns:a14="http://schemas.microsoft.com/office/drawing/2010/main" Requires="a14">
+      <mc:AlternateContent xmlns:mc="http://schemas.openxmlformats.org/markup-compatibility/2006" xmlns:a14="http://schemas.microsoft.com/office/drawing/2010/main">
+        <mc:Choice Requires="a14">
           <p:sp>
             <p:nvSpPr>
               <p:cNvPr id="6" name="TextBox 5"/>
@@ -12165,7 +12173,7 @@
             </p:txBody>
           </p:sp>
         </mc:Choice>
-        <mc:Fallback>
+        <mc:Fallback xmlns="">
           <p:sp>
             <p:nvSpPr>
               <p:cNvPr id="6" name="TextBox 5"/>
@@ -12204,8 +12212,8 @@
           </p:sp>
         </mc:Fallback>
       </mc:AlternateContent>
-      <mc:AlternateContent xmlns:mc="http://schemas.openxmlformats.org/markup-compatibility/2006">
-        <mc:Choice xmlns:a14="http://schemas.microsoft.com/office/drawing/2010/main" Requires="a14">
+      <mc:AlternateContent xmlns:mc="http://schemas.openxmlformats.org/markup-compatibility/2006" xmlns:a14="http://schemas.microsoft.com/office/drawing/2010/main">
+        <mc:Choice Requires="a14">
           <p:sp>
             <p:nvSpPr>
               <p:cNvPr id="7" name="TextBox 6"/>
@@ -12297,7 +12305,7 @@
             </p:txBody>
           </p:sp>
         </mc:Choice>
-        <mc:Fallback>
+        <mc:Fallback xmlns="">
           <p:sp>
             <p:nvSpPr>
               <p:cNvPr id="7" name="TextBox 6"/>
@@ -12336,8 +12344,8 @@
           </p:sp>
         </mc:Fallback>
       </mc:AlternateContent>
-      <mc:AlternateContent xmlns:mc="http://schemas.openxmlformats.org/markup-compatibility/2006">
-        <mc:Choice xmlns:a14="http://schemas.microsoft.com/office/drawing/2010/main" Requires="a14">
+      <mc:AlternateContent xmlns:mc="http://schemas.openxmlformats.org/markup-compatibility/2006" xmlns:a14="http://schemas.microsoft.com/office/drawing/2010/main">
+        <mc:Choice Requires="a14">
           <p:sp>
             <p:nvSpPr>
               <p:cNvPr id="8" name="TextBox 7"/>
@@ -12429,7 +12437,7 @@
             </p:txBody>
           </p:sp>
         </mc:Choice>
-        <mc:Fallback>
+        <mc:Fallback xmlns="">
           <p:sp>
             <p:nvSpPr>
               <p:cNvPr id="8" name="TextBox 7"/>
@@ -12468,8 +12476,8 @@
           </p:sp>
         </mc:Fallback>
       </mc:AlternateContent>
-      <mc:AlternateContent xmlns:mc="http://schemas.openxmlformats.org/markup-compatibility/2006">
-        <mc:Choice xmlns:a14="http://schemas.microsoft.com/office/drawing/2010/main" Requires="a14">
+      <mc:AlternateContent xmlns:mc="http://schemas.openxmlformats.org/markup-compatibility/2006" xmlns:a14="http://schemas.microsoft.com/office/drawing/2010/main">
+        <mc:Choice Requires="a14">
           <p:sp>
             <p:nvSpPr>
               <p:cNvPr id="9" name="TextBox 8"/>
@@ -12626,7 +12634,7 @@
             </p:txBody>
           </p:sp>
         </mc:Choice>
-        <mc:Fallback>
+        <mc:Fallback xmlns="">
           <p:sp>
             <p:nvSpPr>
               <p:cNvPr id="9" name="TextBox 8"/>
@@ -12665,8 +12673,8 @@
           </p:sp>
         </mc:Fallback>
       </mc:AlternateContent>
-      <mc:AlternateContent xmlns:mc="http://schemas.openxmlformats.org/markup-compatibility/2006">
-        <mc:Choice xmlns:a14="http://schemas.microsoft.com/office/drawing/2010/main" Requires="a14">
+      <mc:AlternateContent xmlns:mc="http://schemas.openxmlformats.org/markup-compatibility/2006" xmlns:a14="http://schemas.microsoft.com/office/drawing/2010/main">
+        <mc:Choice Requires="a14">
           <p:sp>
             <p:nvSpPr>
               <p:cNvPr id="10" name="TextBox 9"/>
@@ -13060,7 +13068,7 @@
             </p:txBody>
           </p:sp>
         </mc:Choice>
-        <mc:Fallback>
+        <mc:Fallback xmlns="">
           <p:sp>
             <p:nvSpPr>
               <p:cNvPr id="10" name="TextBox 9"/>
@@ -13503,7 +13511,6 @@
               <a:rPr lang="en-US" altLang="ko-KR" sz="2000" dirty="0" smtClean="0"/>
               <a:t>Errors that are generically grouped and related to the correct knowledge of the position of the scanning stage</a:t>
             </a:r>
-            <a:endParaRPr lang="en-US" altLang="ko-KR" sz="2000" dirty="0" smtClean="0"/>
           </a:p>
         </p:txBody>
       </p:sp>
@@ -13515,8 +13522,8 @@
         </p:nvSpPr>
         <p:spPr>
           <a:xfrm>
-            <a:off x="720970" y="1622088"/>
-            <a:ext cx="8107146" cy="2862322"/>
+            <a:off x="720970" y="1844140"/>
+            <a:ext cx="8107146" cy="3477875"/>
           </a:xfrm>
           <a:prstGeom prst="rect">
             <a:avLst/>
@@ -13644,7 +13651,13 @@
               <a:rPr lang="en-US" altLang="ko-KR" sz="2000" dirty="0" smtClean="0">
                 <a:sym typeface="Wingdings" panose="05000000000000000000" pitchFamily="2" charset="2"/>
               </a:rPr>
-              <a:t>- A quadratic response</a:t>
+              <a:t>	- A </a:t>
+            </a:r>
+            <a:r>
+              <a:rPr lang="en-US" altLang="ko-KR" sz="2000" dirty="0" smtClean="0">
+                <a:sym typeface="Wingdings" panose="05000000000000000000" pitchFamily="2" charset="2"/>
+              </a:rPr>
+              <a:t>quadratic response</a:t>
             </a:r>
           </a:p>
           <a:p>
@@ -13668,7 +13681,44 @@
               <a:rPr lang="en-US" altLang="ko-KR" sz="2000" dirty="0" smtClean="0">
                 <a:sym typeface="Wingdings" panose="05000000000000000000" pitchFamily="2" charset="2"/>
               </a:rPr>
-              <a:t>Readout Saturation</a:t>
+              <a:t>Readout </a:t>
+            </a:r>
+            <a:r>
+              <a:rPr lang="en-US" altLang="ko-KR" sz="2000" dirty="0" smtClean="0">
+                <a:sym typeface="Wingdings" panose="05000000000000000000" pitchFamily="2" charset="2"/>
+              </a:rPr>
+              <a:t>Saturation</a:t>
+            </a:r>
+            <a:endParaRPr lang="en-US" altLang="ko-KR" sz="2000" dirty="0">
+              <a:sym typeface="Wingdings" panose="05000000000000000000" pitchFamily="2" charset="2"/>
+            </a:endParaRPr>
+          </a:p>
+          <a:p>
+            <a:r>
+              <a:rPr lang="en-US" altLang="ko-KR" sz="2000" dirty="0">
+                <a:sym typeface="Wingdings" panose="05000000000000000000" pitchFamily="2" charset="2"/>
+              </a:rPr>
+              <a:t>	</a:t>
+            </a:r>
+            <a:r>
+              <a:rPr lang="en-US" altLang="ko-KR" sz="2000" dirty="0" smtClean="0">
+                <a:sym typeface="Wingdings" panose="05000000000000000000" pitchFamily="2" charset="2"/>
+              </a:rPr>
+              <a:t>- much lower than employed: hardware adjustments</a:t>
+            </a:r>
+          </a:p>
+          <a:p>
+            <a:r>
+              <a:rPr lang="en-US" altLang="ko-KR" sz="2000" dirty="0">
+                <a:sym typeface="Wingdings" panose="05000000000000000000" pitchFamily="2" charset="2"/>
+              </a:rPr>
+              <a:t>	</a:t>
+            </a:r>
+            <a:r>
+              <a:rPr lang="en-US" altLang="ko-KR" sz="2000" dirty="0" smtClean="0">
+                <a:sym typeface="Wingdings" panose="05000000000000000000" pitchFamily="2" charset="2"/>
+              </a:rPr>
+              <a:t>- between half and full input power: more attentions at ZPD.</a:t>
             </a:r>
             <a:endParaRPr lang="en-US" altLang="ko-KR" sz="2000" dirty="0" smtClean="0">
               <a:sym typeface="Wingdings" panose="05000000000000000000" pitchFamily="2" charset="2"/>
@@ -13772,12 +13822,6 @@
               </a:rPr>
               <a:t>4.2 (Software) Noise Reduction Techniques</a:t>
             </a:r>
-            <a:endParaRPr lang="en-US" altLang="ko-KR" sz="2400" dirty="0" smtClean="0">
-              <a:solidFill>
-                <a:schemeClr val="bg1"/>
-              </a:solidFill>
-              <a:latin typeface="Arial" panose="020B0604020202020204" pitchFamily="34" charset="0"/>
-            </a:endParaRPr>
           </a:p>
         </p:txBody>
       </p:sp>
@@ -13800,7 +13844,7 @@
               <a:rPr lang="ko-KR" altLang="en-US" smtClean="0"/>
               <a:t>2018-04-02</a:t>
             </a:fld>
-            <a:endParaRPr lang="ko-KR" altLang="en-US"/>
+            <a:endParaRPr lang="ko-KR" altLang="en-US" dirty="0"/>
           </a:p>
         </p:txBody>
       </p:sp>
@@ -13851,7 +13895,15 @@
           <a:p>
             <a:r>
               <a:rPr lang="en-US" altLang="ko-KR" sz="2000" dirty="0" smtClean="0"/>
-              <a:t>Errors that are generically grouped and related to the correct knowledge of the position of the scanning stage</a:t>
+              <a:t>Acquired data from an imperfect system</a:t>
+            </a:r>
+          </a:p>
+          <a:p>
+            <a:r>
+              <a:rPr lang="en-US" altLang="ko-KR" sz="2000" dirty="0" smtClean="0">
+                <a:sym typeface="Wingdings" panose="05000000000000000000" pitchFamily="2" charset="2"/>
+              </a:rPr>
+              <a:t> Make the most of the available data by following technique.</a:t>
             </a:r>
             <a:endParaRPr lang="en-US" altLang="ko-KR" sz="2000" dirty="0" smtClean="0"/>
           </a:p>
@@ -13865,8 +13917,8 @@
         </p:nvSpPr>
         <p:spPr>
           <a:xfrm>
-            <a:off x="720970" y="1622088"/>
-            <a:ext cx="8107146" cy="1938992"/>
+            <a:off x="720970" y="2151917"/>
+            <a:ext cx="8107146" cy="2554545"/>
           </a:xfrm>
           <a:prstGeom prst="rect">
             <a:avLst/>
@@ -13893,7 +13945,22 @@
               <a:rPr lang="en-US" altLang="ko-KR" sz="2000" dirty="0" smtClean="0">
                 <a:sym typeface="Wingdings" panose="05000000000000000000" pitchFamily="2" charset="2"/>
               </a:rPr>
-              <a:t> or Spectral Averaging Techniques</a:t>
+              <a:t> or Spectral </a:t>
+            </a:r>
+            <a:r>
+              <a:rPr lang="en-US" altLang="ko-KR" sz="2000" dirty="0" smtClean="0">
+                <a:solidFill>
+                  <a:srgbClr val="3333FF"/>
+                </a:solidFill>
+                <a:sym typeface="Wingdings" panose="05000000000000000000" pitchFamily="2" charset="2"/>
+              </a:rPr>
+              <a:t>Averaging</a:t>
+            </a:r>
+            <a:r>
+              <a:rPr lang="en-US" altLang="ko-KR" sz="2000" dirty="0" smtClean="0">
+                <a:sym typeface="Wingdings" panose="05000000000000000000" pitchFamily="2" charset="2"/>
+              </a:rPr>
+              <a:t> Techniques</a:t>
             </a:r>
           </a:p>
           <a:p>
@@ -13905,8 +13972,29 @@
               <a:rPr lang="en-US" altLang="ko-KR" sz="2000" dirty="0" smtClean="0">
                 <a:sym typeface="Wingdings" panose="05000000000000000000" pitchFamily="2" charset="2"/>
               </a:rPr>
-              <a:t>Signal Filtering</a:t>
-            </a:r>
+              <a:t>Signal </a:t>
+            </a:r>
+            <a:r>
+              <a:rPr lang="en-US" altLang="ko-KR" sz="2000" dirty="0" smtClean="0">
+                <a:sym typeface="Wingdings" panose="05000000000000000000" pitchFamily="2" charset="2"/>
+              </a:rPr>
+              <a:t>Filtering: </a:t>
+            </a:r>
+            <a:r>
+              <a:rPr lang="en-US" altLang="ko-KR" sz="2000" dirty="0">
+                <a:sym typeface="Wingdings" panose="05000000000000000000" pitchFamily="2" charset="2"/>
+              </a:rPr>
+              <a:t>P</a:t>
+            </a:r>
+            <a:r>
+              <a:rPr lang="en-US" altLang="ko-KR" sz="2000" dirty="0" smtClean="0">
+                <a:sym typeface="Wingdings" panose="05000000000000000000" pitchFamily="2" charset="2"/>
+              </a:rPr>
+              <a:t>ass Filter</a:t>
+            </a:r>
+            <a:endParaRPr lang="en-US" altLang="ko-KR" sz="2000" dirty="0" smtClean="0">
+              <a:sym typeface="Wingdings" panose="05000000000000000000" pitchFamily="2" charset="2"/>
+            </a:endParaRPr>
           </a:p>
           <a:p>
             <a:pPr marL="342900" indent="-342900">
@@ -13941,26 +14029,223 @@
               <a:rPr lang="en-US" altLang="ko-KR" sz="2000" dirty="0" smtClean="0">
                 <a:sym typeface="Wingdings" panose="05000000000000000000" pitchFamily="2" charset="2"/>
               </a:rPr>
-              <a:t>Nonlinearity Correction</a:t>
-            </a:r>
-          </a:p>
-          <a:p>
-            <a:pPr marL="342900" indent="-342900">
-              <a:buFont typeface="Arial" panose="020B0604020202020204" pitchFamily="34" charset="0"/>
-              <a:buChar char="•"/>
-            </a:pPr>
+              <a:t>Nonlinearity </a:t>
+            </a:r>
             <a:r>
               <a:rPr lang="en-US" altLang="ko-KR" sz="2000" dirty="0" smtClean="0">
                 <a:sym typeface="Wingdings" panose="05000000000000000000" pitchFamily="2" charset="2"/>
               </a:rPr>
-              <a:t>Regular Time-Grid Interpolation</a:t>
-            </a:r>
+              <a:t>Correction: Detector nonlinearity</a:t>
+            </a:r>
+          </a:p>
+          <a:p>
+            <a:r>
+              <a:rPr lang="en-US" altLang="ko-KR" sz="2000" dirty="0">
+                <a:sym typeface="Wingdings" panose="05000000000000000000" pitchFamily="2" charset="2"/>
+              </a:rPr>
+              <a:t>	</a:t>
+            </a:r>
+            <a:r>
+              <a:rPr lang="en-US" altLang="ko-KR" sz="2000" dirty="0" smtClean="0">
+                <a:sym typeface="Wingdings" panose="05000000000000000000" pitchFamily="2" charset="2"/>
+              </a:rPr>
+              <a:t>Ex. Mercury Cadmium Telluride (MCT) PC antenna</a:t>
+            </a:r>
+          </a:p>
+          <a:p>
+            <a:endParaRPr lang="en-US" altLang="ko-KR" sz="2000" dirty="0">
+              <a:sym typeface="Wingdings" panose="05000000000000000000" pitchFamily="2" charset="2"/>
+            </a:endParaRPr>
+          </a:p>
+          <a:p>
             <a:endParaRPr lang="en-US" altLang="ko-KR" sz="2000" dirty="0" smtClean="0">
               <a:sym typeface="Wingdings" panose="05000000000000000000" pitchFamily="2" charset="2"/>
             </a:endParaRPr>
           </a:p>
         </p:txBody>
       </p:sp>
+      <mc:AlternateContent xmlns:mc="http://schemas.openxmlformats.org/markup-compatibility/2006">
+        <mc:Choice xmlns:a14="http://schemas.microsoft.com/office/drawing/2010/main" Requires="a14">
+          <p:sp>
+            <p:nvSpPr>
+              <p:cNvPr id="3" name="TextBox 2"/>
+              <p:cNvSpPr txBox="1"/>
+              <p:nvPr/>
+            </p:nvSpPr>
+            <p:spPr>
+              <a:xfrm>
+                <a:off x="3959933" y="4088423"/>
+                <a:ext cx="1316451" cy="563872"/>
+              </a:xfrm>
+              <a:prstGeom prst="rect">
+                <a:avLst/>
+              </a:prstGeom>
+              <a:noFill/>
+            </p:spPr>
+            <p:txBody>
+              <a:bodyPr wrap="none" lIns="0" tIns="0" rIns="0" bIns="0" rtlCol="0">
+                <a:spAutoFit/>
+              </a:bodyPr>
+              <a:lstStyle/>
+              <a:p>
+                <a14:m>
+                  <m:oMathPara xmlns:m="http://schemas.openxmlformats.org/officeDocument/2006/math">
+                    <m:oMathParaPr>
+                      <m:jc m:val="centerGroup"/>
+                    </m:oMathParaPr>
+                    <m:oMath xmlns:m="http://schemas.openxmlformats.org/officeDocument/2006/math">
+                      <m:r>
+                        <a:rPr lang="en-US" altLang="ko-KR" b="0" i="1" smtClean="0">
+                          <a:latin typeface="Cambria Math" panose="02040503050406030204" pitchFamily="18" charset="0"/>
+                        </a:rPr>
+                        <m:t>𝑆</m:t>
+                      </m:r>
+                      <m:r>
+                        <a:rPr lang="en-US" altLang="ko-KR" b="0" i="1" smtClean="0">
+                          <a:latin typeface="Cambria Math" panose="02040503050406030204" pitchFamily="18" charset="0"/>
+                        </a:rPr>
+                        <m:t>=</m:t>
+                      </m:r>
+                      <m:f>
+                        <m:fPr>
+                          <m:ctrlPr>
+                            <a:rPr lang="en-US" altLang="ko-KR" b="0" i="1" smtClean="0">
+                              <a:latin typeface="Cambria Math" panose="02040503050406030204" pitchFamily="18" charset="0"/>
+                            </a:rPr>
+                          </m:ctrlPr>
+                        </m:fPr>
+                        <m:num>
+                          <m:sSub>
+                            <m:sSubPr>
+                              <m:ctrlPr>
+                                <a:rPr lang="en-US" altLang="ko-KR" b="0" i="1" smtClean="0">
+                                  <a:latin typeface="Cambria Math" panose="02040503050406030204" pitchFamily="18" charset="0"/>
+                                </a:rPr>
+                              </m:ctrlPr>
+                            </m:sSubPr>
+                            <m:e>
+                              <m:r>
+                                <a:rPr lang="en-US" altLang="ko-KR" b="0" i="1" smtClean="0">
+                                  <a:latin typeface="Cambria Math" panose="02040503050406030204" pitchFamily="18" charset="0"/>
+                                </a:rPr>
+                                <m:t>𝐾</m:t>
+                              </m:r>
+                            </m:e>
+                            <m:sub>
+                              <m:r>
+                                <a:rPr lang="en-US" altLang="ko-KR" b="0" i="1" smtClean="0">
+                                  <a:latin typeface="Cambria Math" panose="02040503050406030204" pitchFamily="18" charset="0"/>
+                                </a:rPr>
+                                <m:t>1</m:t>
+                              </m:r>
+                            </m:sub>
+                          </m:sSub>
+                          <m:r>
+                            <m:rPr>
+                              <m:sty m:val="p"/>
+                            </m:rPr>
+                            <a:rPr lang="el-GR" altLang="ko-KR" b="0" i="1" smtClean="0">
+                              <a:latin typeface="Cambria Math" panose="02040503050406030204" pitchFamily="18" charset="0"/>
+                            </a:rPr>
+                            <m:t>Φ</m:t>
+                          </m:r>
+                          <m:r>
+                            <a:rPr lang="en-US" altLang="ko-KR" b="0" i="1" smtClean="0">
+                              <a:latin typeface="Cambria Math" panose="02040503050406030204" pitchFamily="18" charset="0"/>
+                            </a:rPr>
+                            <m:t> </m:t>
+                          </m:r>
+                        </m:num>
+                        <m:den>
+                          <m:r>
+                            <a:rPr lang="en-US" altLang="ko-KR" b="0" i="1" smtClean="0">
+                              <a:latin typeface="Cambria Math" panose="02040503050406030204" pitchFamily="18" charset="0"/>
+                            </a:rPr>
+                            <m:t>1+</m:t>
+                          </m:r>
+                          <m:sSub>
+                            <m:sSubPr>
+                              <m:ctrlPr>
+                                <a:rPr lang="en-US" altLang="ko-KR" b="0" i="1" smtClean="0">
+                                  <a:latin typeface="Cambria Math" panose="02040503050406030204" pitchFamily="18" charset="0"/>
+                                </a:rPr>
+                              </m:ctrlPr>
+                            </m:sSubPr>
+                            <m:e>
+                              <m:r>
+                                <a:rPr lang="en-US" altLang="ko-KR" b="0" i="1" smtClean="0">
+                                  <a:latin typeface="Cambria Math" panose="02040503050406030204" pitchFamily="18" charset="0"/>
+                                </a:rPr>
+                                <m:t>𝐾</m:t>
+                              </m:r>
+                            </m:e>
+                            <m:sub>
+                              <m:r>
+                                <a:rPr lang="en-US" altLang="ko-KR" b="0" i="1" smtClean="0">
+                                  <a:latin typeface="Cambria Math" panose="02040503050406030204" pitchFamily="18" charset="0"/>
+                                </a:rPr>
+                                <m:t>2</m:t>
+                              </m:r>
+                            </m:sub>
+                          </m:sSub>
+                          <m:r>
+                            <m:rPr>
+                              <m:sty m:val="p"/>
+                            </m:rPr>
+                            <a:rPr lang="el-GR" altLang="ko-KR" i="1">
+                              <a:latin typeface="Cambria Math" panose="02040503050406030204" pitchFamily="18" charset="0"/>
+                            </a:rPr>
+                            <m:t>Φ</m:t>
+                          </m:r>
+                        </m:den>
+                      </m:f>
+                    </m:oMath>
+                  </m:oMathPara>
+                </a14:m>
+                <a:endParaRPr lang="ko-KR" altLang="en-US" dirty="0"/>
+              </a:p>
+            </p:txBody>
+          </p:sp>
+        </mc:Choice>
+        <mc:Fallback>
+          <p:sp>
+            <p:nvSpPr>
+              <p:cNvPr id="3" name="TextBox 2"/>
+              <p:cNvSpPr txBox="1">
+                <a:spLocks noRot="1" noChangeAspect="1" noMove="1" noResize="1" noEditPoints="1" noAdjustHandles="1" noChangeArrowheads="1" noChangeShapeType="1" noTextEdit="1"/>
+              </p:cNvSpPr>
+              <p:nvPr/>
+            </p:nvSpPr>
+            <p:spPr>
+              <a:xfrm>
+                <a:off x="3959933" y="4088423"/>
+                <a:ext cx="1316451" cy="563872"/>
+              </a:xfrm>
+              <a:prstGeom prst="rect">
+                <a:avLst/>
+              </a:prstGeom>
+              <a:blipFill rotWithShape="0">
+                <a:blip r:embed="rId3"/>
+                <a:stretch>
+                  <a:fillRect/>
+                </a:stretch>
+              </a:blipFill>
+            </p:spPr>
+            <p:txBody>
+              <a:bodyPr/>
+              <a:lstStyle/>
+              <a:p>
+                <a:r>
+                  <a:rPr lang="ko-KR" altLang="en-US">
+                    <a:noFill/>
+                  </a:rPr>
+                  <a:t> </a:t>
+                </a:r>
+              </a:p>
+            </p:txBody>
+          </p:sp>
+        </mc:Fallback>
+      </mc:AlternateContent>
     </p:spTree>
     <p:extLst>
       <p:ext uri="{BB962C8B-B14F-4D97-AF65-F5344CB8AC3E}">
@@ -15250,7 +15535,7 @@
         <p:spPr>
           <a:xfrm>
             <a:off x="720969" y="914202"/>
-            <a:ext cx="7794381" cy="707886"/>
+            <a:ext cx="7794381" cy="1015663"/>
           </a:xfrm>
           <a:prstGeom prst="rect">
             <a:avLst/>
@@ -15265,8 +15550,17 @@
           <a:p>
             <a:r>
               <a:rPr lang="en-US" altLang="ko-KR" sz="2000" dirty="0" smtClean="0"/>
-              <a:t>The highly configurable design figure of interferometer unfolds the light path.</a:t>
-            </a:r>
+              <a:t>Use three polarizers</a:t>
+            </a:r>
+          </a:p>
+          <a:p>
+            <a:r>
+              <a:rPr lang="en-US" altLang="ko-KR" sz="2000" dirty="0" smtClean="0">
+                <a:sym typeface="Wingdings" panose="05000000000000000000" pitchFamily="2" charset="2"/>
+              </a:rPr>
+              <a:t> When the two half signals are recombined, a generic elliptical polarization state is obtained.</a:t>
+            </a:r>
+            <a:endParaRPr lang="en-US" altLang="ko-KR" sz="2000" dirty="0" smtClean="0"/>
           </a:p>
         </p:txBody>
       </p:sp>
@@ -16345,7 +16639,7 @@
         <p:spPr>
           <a:xfrm>
             <a:off x="720969" y="914202"/>
-            <a:ext cx="7794381" cy="1015663"/>
+            <a:ext cx="7794381" cy="4093428"/>
           </a:xfrm>
           <a:prstGeom prst="rect">
             <a:avLst/>
@@ -16368,112 +16662,148 @@
             </a:r>
             <a:r>
               <a:rPr lang="en-US" altLang="ko-KR" sz="2000" dirty="0" smtClean="0"/>
-              <a:t> or dispersive spectrometers.</a:t>
-            </a:r>
-          </a:p>
-        </p:txBody>
-      </p:sp>
-      <p:sp>
-        <p:nvSpPr>
-          <p:cNvPr id="19" name="TextBox 18"/>
-          <p:cNvSpPr txBox="1"/>
+              <a:t> or dispersive spectrometers</a:t>
+            </a:r>
+            <a:r>
+              <a:rPr lang="en-US" altLang="ko-KR" sz="2000" dirty="0" smtClean="0"/>
+              <a:t>.</a:t>
+            </a:r>
+          </a:p>
+          <a:p>
+            <a:endParaRPr lang="en-US" altLang="ko-KR" sz="2000" dirty="0" smtClean="0"/>
+          </a:p>
+          <a:p>
+            <a:pPr marL="342900" indent="-342900">
+              <a:buFont typeface="Arial" panose="020B0604020202020204" pitchFamily="34" charset="0"/>
+              <a:buChar char="•"/>
+            </a:pPr>
+            <a:r>
+              <a:rPr lang="en-US" altLang="ko-KR" sz="2000" dirty="0" smtClean="0"/>
+              <a:t>The throughput depends only on the size of the collimated beam entering the spectrometer. (</a:t>
+            </a:r>
+            <a:r>
+              <a:rPr lang="en-US" altLang="ko-KR" sz="2000" dirty="0" err="1" smtClean="0"/>
+              <a:t>Jacquinot</a:t>
+            </a:r>
+            <a:r>
+              <a:rPr lang="en-US" altLang="ko-KR" sz="2000" dirty="0" smtClean="0"/>
+              <a:t> advantage)</a:t>
+            </a:r>
+          </a:p>
+          <a:p>
+            <a:pPr marL="342900" indent="-342900">
+              <a:buFont typeface="Arial" panose="020B0604020202020204" pitchFamily="34" charset="0"/>
+              <a:buChar char="•"/>
+            </a:pPr>
+            <a:endParaRPr lang="en-US" altLang="ko-KR" sz="2000" dirty="0"/>
+          </a:p>
+          <a:p>
+            <a:pPr marL="342900" indent="-342900">
+              <a:buFont typeface="Arial" panose="020B0604020202020204" pitchFamily="34" charset="0"/>
+              <a:buChar char="•"/>
+            </a:pPr>
+            <a:endParaRPr lang="en-US" altLang="ko-KR" sz="2000" dirty="0" smtClean="0"/>
+          </a:p>
+          <a:p>
+            <a:pPr marL="342900" indent="-342900">
+              <a:buFont typeface="Arial" panose="020B0604020202020204" pitchFamily="34" charset="0"/>
+              <a:buChar char="•"/>
+            </a:pPr>
+            <a:endParaRPr lang="en-US" altLang="ko-KR" sz="2000" dirty="0" smtClean="0"/>
+          </a:p>
+          <a:p>
+            <a:pPr marL="342900" indent="-342900">
+              <a:buFont typeface="Arial" panose="020B0604020202020204" pitchFamily="34" charset="0"/>
+              <a:buChar char="•"/>
+            </a:pPr>
+            <a:endParaRPr lang="en-US" altLang="ko-KR" sz="2000" dirty="0" smtClean="0"/>
+          </a:p>
+          <a:p>
+            <a:pPr marL="342900" indent="-342900">
+              <a:buFont typeface="Arial" panose="020B0604020202020204" pitchFamily="34" charset="0"/>
+              <a:buChar char="•"/>
+            </a:pPr>
+            <a:r>
+              <a:rPr lang="en-US" altLang="ko-KR" sz="2000" dirty="0" smtClean="0"/>
+              <a:t>The </a:t>
+            </a:r>
+            <a:r>
+              <a:rPr lang="en-US" altLang="ko-KR" sz="2000" dirty="0"/>
+              <a:t>multiplexing </a:t>
+            </a:r>
+            <a:r>
+              <a:rPr lang="en-US" altLang="ko-KR" sz="2000" dirty="0" err="1"/>
+              <a:t>occuring</a:t>
+            </a:r>
+            <a:r>
+              <a:rPr lang="en-US" altLang="ko-KR" sz="2000" dirty="0"/>
+              <a:t> due to the </a:t>
+            </a:r>
+            <a:r>
+              <a:rPr lang="en-US" altLang="ko-KR" sz="2000" dirty="0" smtClean="0"/>
+              <a:t>simultaneous </a:t>
+            </a:r>
+            <a:r>
+              <a:rPr lang="en-US" altLang="ko-KR" sz="2000" dirty="0"/>
+              <a:t>integration of all the wavelengths received by the detector which in turn improves the signal-to-noise </a:t>
+            </a:r>
+            <a:r>
+              <a:rPr lang="en-US" altLang="ko-KR" sz="2000" dirty="0" smtClean="0"/>
+              <a:t>ratio. (</a:t>
+            </a:r>
+            <a:r>
+              <a:rPr lang="en-US" altLang="ko-KR" sz="2000" dirty="0" err="1" smtClean="0"/>
+              <a:t>Felgett</a:t>
+            </a:r>
+            <a:r>
+              <a:rPr lang="en-US" altLang="ko-KR" sz="2000" dirty="0" smtClean="0"/>
+              <a:t> advantage)</a:t>
+            </a:r>
+            <a:endParaRPr lang="en-US" altLang="ko-KR" sz="2000" dirty="0" smtClean="0"/>
+          </a:p>
+        </p:txBody>
+      </p:sp>
+      <p:pic>
+        <p:nvPicPr>
+          <p:cNvPr id="1026" name="Picture 2" descr="https://upload.wikimedia.org/wikipedia/commons/thumb/0/05/Spetrophotometer-en.svg/724px-Spetrophotometer-en.svg.png"/>
+          <p:cNvPicPr>
+            <a:picLocks noChangeAspect="1" noChangeArrowheads="1"/>
+          </p:cNvPicPr>
           <p:nvPr/>
-        </p:nvSpPr>
-        <p:spPr>
+        </p:nvPicPr>
+        <p:blipFill>
+          <a:blip r:embed="rId3">
+            <a:extLst>
+              <a:ext uri="{28A0092B-C50C-407E-A947-70E740481C1C}">
+                <a14:useLocalDpi xmlns:a14="http://schemas.microsoft.com/office/drawing/2010/main" val="0"/>
+              </a:ext>
+            </a:extLst>
+          </a:blip>
+          <a:srcRect/>
+          <a:stretch>
+            <a:fillRect/>
+          </a:stretch>
+        </p:blipFill>
+        <p:spPr bwMode="auto">
           <a:xfrm>
-            <a:off x="268165" y="6078224"/>
-            <a:ext cx="8607669" cy="415498"/>
+            <a:off x="2558560" y="2684376"/>
+            <a:ext cx="4026878" cy="1401621"/>
           </a:xfrm>
           <a:prstGeom prst="rect">
             <a:avLst/>
           </a:prstGeom>
           <a:noFill/>
+          <a:extLst>
+            <a:ext uri="{909E8E84-426E-40DD-AFC4-6F175D3DCCD1}">
+              <a14:hiddenFill xmlns:a14="http://schemas.microsoft.com/office/drawing/2010/main">
+                <a:solidFill>
+                  <a:srgbClr val="FFFFFF"/>
+                </a:solidFill>
+              </a14:hiddenFill>
+            </a:ext>
+          </a:extLst>
         </p:spPr>
-        <p:txBody>
-          <a:bodyPr wrap="square" rtlCol="0">
-            <a:spAutoFit/>
-          </a:bodyPr>
-          <a:lstStyle/>
-          <a:p>
-            <a:r>
-              <a:rPr lang="en-US" altLang="ko-KR" sz="1050" i="1" dirty="0">
-                <a:latin typeface="Times New Roman" panose="02020603050405020304" pitchFamily="18" charset="0"/>
-                <a:cs typeface="Times New Roman" panose="02020603050405020304" pitchFamily="18" charset="0"/>
-              </a:rPr>
-              <a:t>International Vocabulary of Basic and General Terms in Metrology </a:t>
-            </a:r>
-            <a:r>
-              <a:rPr lang="en-US" altLang="ko-KR" sz="1050" dirty="0">
-                <a:latin typeface="Times New Roman" panose="02020603050405020304" pitchFamily="18" charset="0"/>
-                <a:cs typeface="Times New Roman" panose="02020603050405020304" pitchFamily="18" charset="0"/>
-              </a:rPr>
-              <a:t>(</a:t>
-            </a:r>
-            <a:r>
-              <a:rPr lang="en-US" altLang="ko-KR" sz="1050" i="1" dirty="0">
-                <a:latin typeface="Times New Roman" panose="02020603050405020304" pitchFamily="18" charset="0"/>
-                <a:cs typeface="Times New Roman" panose="02020603050405020304" pitchFamily="18" charset="0"/>
-              </a:rPr>
-              <a:t>VIM</a:t>
-            </a:r>
-            <a:r>
-              <a:rPr lang="en-US" altLang="ko-KR" sz="1050" dirty="0">
-                <a:latin typeface="Times New Roman" panose="02020603050405020304" pitchFamily="18" charset="0"/>
-                <a:cs typeface="Times New Roman" panose="02020603050405020304" pitchFamily="18" charset="0"/>
-              </a:rPr>
-              <a:t>), ISO, 2004</a:t>
-            </a:r>
-            <a:r>
-              <a:rPr lang="en-US" altLang="ko-KR" sz="1050" dirty="0" smtClean="0">
-                <a:latin typeface="Times New Roman" panose="02020603050405020304" pitchFamily="18" charset="0"/>
-                <a:cs typeface="Times New Roman" panose="02020603050405020304" pitchFamily="18" charset="0"/>
-              </a:rPr>
-              <a:t>.</a:t>
-            </a:r>
-          </a:p>
-          <a:p>
-            <a:r>
-              <a:rPr lang="en-US" altLang="ko-KR" sz="1050" dirty="0" err="1">
-                <a:latin typeface="Times New Roman" panose="02020603050405020304" pitchFamily="18" charset="0"/>
-                <a:cs typeface="Times New Roman" panose="02020603050405020304" pitchFamily="18" charset="0"/>
-              </a:rPr>
-              <a:t>Grabe</a:t>
-            </a:r>
-            <a:r>
-              <a:rPr lang="en-US" altLang="ko-KR" sz="1050" dirty="0">
-                <a:latin typeface="Times New Roman" panose="02020603050405020304" pitchFamily="18" charset="0"/>
-                <a:cs typeface="Times New Roman" panose="02020603050405020304" pitchFamily="18" charset="0"/>
-              </a:rPr>
-              <a:t>, M., </a:t>
-            </a:r>
-            <a:r>
-              <a:rPr lang="en-US" altLang="ko-KR" sz="1050" i="1" dirty="0">
-                <a:latin typeface="Times New Roman" panose="02020603050405020304" pitchFamily="18" charset="0"/>
-                <a:cs typeface="Times New Roman" panose="02020603050405020304" pitchFamily="18" charset="0"/>
-              </a:rPr>
-              <a:t>Measurement Uncertainties in Science and Technology</a:t>
-            </a:r>
-            <a:r>
-              <a:rPr lang="en-US" altLang="ko-KR" sz="1050" dirty="0">
-                <a:latin typeface="Times New Roman" panose="02020603050405020304" pitchFamily="18" charset="0"/>
-                <a:cs typeface="Times New Roman" panose="02020603050405020304" pitchFamily="18" charset="0"/>
-              </a:rPr>
-              <a:t>, New York: Springer, 2005</a:t>
-            </a:r>
-            <a:r>
-              <a:rPr lang="en-US" altLang="ko-KR" sz="1050" dirty="0" smtClean="0">
-                <a:latin typeface="Times New Roman" panose="02020603050405020304" pitchFamily="18" charset="0"/>
-                <a:cs typeface="Times New Roman" panose="02020603050405020304" pitchFamily="18" charset="0"/>
-              </a:rPr>
-              <a:t>.</a:t>
-            </a:r>
-            <a:endParaRPr lang="en-US" altLang="ko-KR" sz="1050" dirty="0">
-              <a:latin typeface="Times New Roman" panose="02020603050405020304" pitchFamily="18" charset="0"/>
-              <a:cs typeface="Times New Roman" panose="02020603050405020304" pitchFamily="18" charset="0"/>
-            </a:endParaRPr>
-          </a:p>
-        </p:txBody>
-      </p:sp>
+      </p:pic>
     </p:spTree>
     <p:extLst>
       <p:ext uri="{BB962C8B-B14F-4D97-AF65-F5344CB8AC3E}">
